--- a/PR01 - Describe Health and Sleep Quality Data/analyze-sleep-health-and-lifestyle.pptx
+++ b/PR01 - Describe Health and Sleep Quality Data/analyze-sleep-health-and-lifestyle.pptx
@@ -1,48 +1,47 @@
 
 <file path=ppt/presentation.xml><?xml version="1.0" encoding="utf-8"?>
-<p:presentation xmlns:a="http://schemas.openxmlformats.org/drawingml/2006/main" xmlns:r="http://schemas.openxmlformats.org/officeDocument/2006/relationships" xmlns:mc="http://schemas.openxmlformats.org/markup-compatibility/2006" xmlns:mv="urn:schemas-microsoft-com:mac:vml" xmlns:p="http://schemas.openxmlformats.org/presentationml/2006/main" xmlns:c="http://schemas.openxmlformats.org/drawingml/2006/chart" xmlns:dgm="http://schemas.openxmlformats.org/drawingml/2006/diagram" xmlns:o="urn:schemas-microsoft-com:office:office" xmlns:v="urn:schemas-microsoft-com:vml" xmlns:pvml="urn:schemas-microsoft-com:office:powerpoint" xmlns:com="http://schemas.openxmlformats.org/drawingml/2006/compatibility" xmlns:p14="http://schemas.microsoft.com/office/powerpoint/2010/main" xmlns:p15="http://schemas.microsoft.com/office/powerpoint/2012/main" xmlns:ahyp="http://schemas.microsoft.com/office/drawing/2018/hyperlinkcolor" autoCompressPictures="0" embedTrueTypeFonts="1" strictFirstAndLastChars="0" saveSubsetFonts="1">
+<p:presentation xmlns:a="http://schemas.openxmlformats.org/drawingml/2006/main" xmlns:r="http://schemas.openxmlformats.org/officeDocument/2006/relationships" xmlns:p="http://schemas.openxmlformats.org/presentationml/2006/main" strictFirstAndLastChars="0" embedTrueTypeFonts="1" saveSubsetFonts="1" autoCompressPictures="0">
   <p:sldMasterIdLst>
-    <p:sldMasterId id="2147483659" r:id="rId4"/>
+    <p:sldMasterId id="2147483659" r:id="rId1"/>
   </p:sldMasterIdLst>
   <p:notesMasterIdLst>
-    <p:notesMasterId r:id="rId5"/>
+    <p:notesMasterId r:id="rId8"/>
   </p:notesMasterIdLst>
   <p:sldIdLst>
-    <p:sldId id="256" r:id="rId6"/>
-    <p:sldId id="257" r:id="rId7"/>
-    <p:sldId id="258" r:id="rId8"/>
-    <p:sldId id="259" r:id="rId9"/>
-    <p:sldId id="260" r:id="rId10"/>
-    <p:sldId id="261" r:id="rId11"/>
-    <p:sldId id="262" r:id="rId12"/>
+    <p:sldId id="256" r:id="rId2"/>
+    <p:sldId id="258" r:id="rId3"/>
+    <p:sldId id="259" r:id="rId4"/>
+    <p:sldId id="260" r:id="rId5"/>
+    <p:sldId id="261" r:id="rId6"/>
+    <p:sldId id="262" r:id="rId7"/>
   </p:sldIdLst>
-  <p:sldSz cy="10287000" cx="18288000"/>
+  <p:sldSz cx="18288000" cy="10287000"/>
   <p:notesSz cx="6858000" cy="9144000"/>
   <p:embeddedFontLst>
     <p:embeddedFont>
-      <p:font typeface="Roboto Mono Light"/>
+      <p:font typeface="Open Sans" panose="020B0606030504020204" pitchFamily="34" charset="0"/>
+      <p:regular r:id="rId9"/>
+      <p:bold r:id="rId10"/>
+      <p:italic r:id="rId11"/>
+      <p:boldItalic r:id="rId12"/>
+    </p:embeddedFont>
+    <p:embeddedFont>
+      <p:font typeface="Open Sans Light" panose="020B0306030504020204" pitchFamily="34" charset="0"/>
       <p:regular r:id="rId13"/>
       <p:bold r:id="rId14"/>
       <p:italic r:id="rId15"/>
       <p:boldItalic r:id="rId16"/>
     </p:embeddedFont>
     <p:embeddedFont>
-      <p:font typeface="Open Sans Light"/>
+      <p:font typeface="Roboto Mono Light" panose="00000009000000000000" pitchFamily="49" charset="0"/>
       <p:regular r:id="rId17"/>
       <p:bold r:id="rId18"/>
       <p:italic r:id="rId19"/>
       <p:boldItalic r:id="rId20"/>
     </p:embeddedFont>
-    <p:embeddedFont>
-      <p:font typeface="Open Sans"/>
-      <p:regular r:id="rId21"/>
-      <p:bold r:id="rId22"/>
-      <p:italic r:id="rId23"/>
-      <p:boldItalic r:id="rId24"/>
-    </p:embeddedFont>
   </p:embeddedFontLst>
   <p:defaultTextStyle>
-    <a:defPPr lvl="0" marR="0" rtl="0" algn="l">
+    <a:defPPr marR="0" lvl="0" algn="l" rtl="0">
       <a:lnSpc>
         <a:spcPct val="100000"/>
       </a:lnSpc>
@@ -53,7 +52,7 @@
         <a:spcPts val="0"/>
       </a:spcAft>
     </a:defPPr>
-    <a:lvl1pPr lvl="0" marR="0" rtl="0" algn="l">
+    <a:lvl1pPr marR="0" lvl="0" algn="l" rtl="0">
       <a:lnSpc>
         <a:spcPct val="100000"/>
       </a:lnSpc>
@@ -67,7 +66,7 @@
         <a:srgbClr val="000000"/>
       </a:buClr>
       <a:buFont typeface="Arial"/>
-      <a:defRPr b="0" i="0" sz="1400" u="none" cap="none" strike="noStrike">
+      <a:defRPr sz="1400" b="0" i="0" u="none" strike="noStrike" cap="none">
         <a:solidFill>
           <a:srgbClr val="000000"/>
         </a:solidFill>
@@ -77,7 +76,7 @@
         <a:sym typeface="Arial"/>
       </a:defRPr>
     </a:lvl1pPr>
-    <a:lvl2pPr lvl="1" marR="0" rtl="0" algn="l">
+    <a:lvl2pPr marR="0" lvl="1" algn="l" rtl="0">
       <a:lnSpc>
         <a:spcPct val="100000"/>
       </a:lnSpc>
@@ -91,7 +90,7 @@
         <a:srgbClr val="000000"/>
       </a:buClr>
       <a:buFont typeface="Arial"/>
-      <a:defRPr b="0" i="0" sz="1400" u="none" cap="none" strike="noStrike">
+      <a:defRPr sz="1400" b="0" i="0" u="none" strike="noStrike" cap="none">
         <a:solidFill>
           <a:srgbClr val="000000"/>
         </a:solidFill>
@@ -101,7 +100,7 @@
         <a:sym typeface="Arial"/>
       </a:defRPr>
     </a:lvl2pPr>
-    <a:lvl3pPr lvl="2" marR="0" rtl="0" algn="l">
+    <a:lvl3pPr marR="0" lvl="2" algn="l" rtl="0">
       <a:lnSpc>
         <a:spcPct val="100000"/>
       </a:lnSpc>
@@ -115,7 +114,7 @@
         <a:srgbClr val="000000"/>
       </a:buClr>
       <a:buFont typeface="Arial"/>
-      <a:defRPr b="0" i="0" sz="1400" u="none" cap="none" strike="noStrike">
+      <a:defRPr sz="1400" b="0" i="0" u="none" strike="noStrike" cap="none">
         <a:solidFill>
           <a:srgbClr val="000000"/>
         </a:solidFill>
@@ -125,7 +124,7 @@
         <a:sym typeface="Arial"/>
       </a:defRPr>
     </a:lvl3pPr>
-    <a:lvl4pPr lvl="3" marR="0" rtl="0" algn="l">
+    <a:lvl4pPr marR="0" lvl="3" algn="l" rtl="0">
       <a:lnSpc>
         <a:spcPct val="100000"/>
       </a:lnSpc>
@@ -139,7 +138,7 @@
         <a:srgbClr val="000000"/>
       </a:buClr>
       <a:buFont typeface="Arial"/>
-      <a:defRPr b="0" i="0" sz="1400" u="none" cap="none" strike="noStrike">
+      <a:defRPr sz="1400" b="0" i="0" u="none" strike="noStrike" cap="none">
         <a:solidFill>
           <a:srgbClr val="000000"/>
         </a:solidFill>
@@ -149,7 +148,7 @@
         <a:sym typeface="Arial"/>
       </a:defRPr>
     </a:lvl4pPr>
-    <a:lvl5pPr lvl="4" marR="0" rtl="0" algn="l">
+    <a:lvl5pPr marR="0" lvl="4" algn="l" rtl="0">
       <a:lnSpc>
         <a:spcPct val="100000"/>
       </a:lnSpc>
@@ -163,7 +162,7 @@
         <a:srgbClr val="000000"/>
       </a:buClr>
       <a:buFont typeface="Arial"/>
-      <a:defRPr b="0" i="0" sz="1400" u="none" cap="none" strike="noStrike">
+      <a:defRPr sz="1400" b="0" i="0" u="none" strike="noStrike" cap="none">
         <a:solidFill>
           <a:srgbClr val="000000"/>
         </a:solidFill>
@@ -173,7 +172,7 @@
         <a:sym typeface="Arial"/>
       </a:defRPr>
     </a:lvl5pPr>
-    <a:lvl6pPr lvl="5" marR="0" rtl="0" algn="l">
+    <a:lvl6pPr marR="0" lvl="5" algn="l" rtl="0">
       <a:lnSpc>
         <a:spcPct val="100000"/>
       </a:lnSpc>
@@ -187,7 +186,7 @@
         <a:srgbClr val="000000"/>
       </a:buClr>
       <a:buFont typeface="Arial"/>
-      <a:defRPr b="0" i="0" sz="1400" u="none" cap="none" strike="noStrike">
+      <a:defRPr sz="1400" b="0" i="0" u="none" strike="noStrike" cap="none">
         <a:solidFill>
           <a:srgbClr val="000000"/>
         </a:solidFill>
@@ -197,7 +196,7 @@
         <a:sym typeface="Arial"/>
       </a:defRPr>
     </a:lvl6pPr>
-    <a:lvl7pPr lvl="6" marR="0" rtl="0" algn="l">
+    <a:lvl7pPr marR="0" lvl="6" algn="l" rtl="0">
       <a:lnSpc>
         <a:spcPct val="100000"/>
       </a:lnSpc>
@@ -211,7 +210,7 @@
         <a:srgbClr val="000000"/>
       </a:buClr>
       <a:buFont typeface="Arial"/>
-      <a:defRPr b="0" i="0" sz="1400" u="none" cap="none" strike="noStrike">
+      <a:defRPr sz="1400" b="0" i="0" u="none" strike="noStrike" cap="none">
         <a:solidFill>
           <a:srgbClr val="000000"/>
         </a:solidFill>
@@ -221,7 +220,7 @@
         <a:sym typeface="Arial"/>
       </a:defRPr>
     </a:lvl7pPr>
-    <a:lvl8pPr lvl="7" marR="0" rtl="0" algn="l">
+    <a:lvl8pPr marR="0" lvl="7" algn="l" rtl="0">
       <a:lnSpc>
         <a:spcPct val="100000"/>
       </a:lnSpc>
@@ -235,7 +234,7 @@
         <a:srgbClr val="000000"/>
       </a:buClr>
       <a:buFont typeface="Arial"/>
-      <a:defRPr b="0" i="0" sz="1400" u="none" cap="none" strike="noStrike">
+      <a:defRPr sz="1400" b="0" i="0" u="none" strike="noStrike" cap="none">
         <a:solidFill>
           <a:srgbClr val="000000"/>
         </a:solidFill>
@@ -245,7 +244,7 @@
         <a:sym typeface="Arial"/>
       </a:defRPr>
     </a:lvl8pPr>
-    <a:lvl9pPr lvl="8" marR="0" rtl="0" algn="l">
+    <a:lvl9pPr marR="0" lvl="8" algn="l" rtl="0">
       <a:lnSpc>
         <a:spcPct val="100000"/>
       </a:lnSpc>
@@ -259,7 +258,7 @@
         <a:srgbClr val="000000"/>
       </a:buClr>
       <a:buFont typeface="Arial"/>
-      <a:defRPr b="0" i="0" sz="1400" u="none" cap="none" strike="noStrike">
+      <a:defRPr sz="1400" b="0" i="0" u="none" strike="noStrike" cap="none">
         <a:solidFill>
           <a:srgbClr val="000000"/>
         </a:solidFill>
@@ -272,7 +271,7 @@
   </p:defaultTextStyle>
   <p:extLst>
     <p:ext uri="{EFAFB233-063F-42B5-8137-9DF3F51BA10A}">
-      <p15:sldGuideLst>
+      <p15:sldGuideLst xmlns:p15="http://schemas.microsoft.com/office/powerpoint/2012/main">
         <p15:guide id="1" orient="horz" pos="3240">
           <p15:clr>
             <a:srgbClr val="A4A3A4"/>
@@ -290,11 +289,16 @@
 </file>
 
 <file path=ppt/notesMasters/notesMaster1.xml><?xml version="1.0" encoding="utf-8"?>
-<p:notesMaster xmlns:a="http://schemas.openxmlformats.org/drawingml/2006/main" xmlns:r="http://schemas.openxmlformats.org/officeDocument/2006/relationships" xmlns:mc="http://schemas.openxmlformats.org/markup-compatibility/2006" xmlns:mv="urn:schemas-microsoft-com:mac:vml" xmlns:p="http://schemas.openxmlformats.org/presentationml/2006/main" xmlns:c="http://schemas.openxmlformats.org/drawingml/2006/chart" xmlns:dgm="http://schemas.openxmlformats.org/drawingml/2006/diagram" xmlns:o="urn:schemas-microsoft-com:office:office" xmlns:v="urn:schemas-microsoft-com:vml" xmlns:pvml="urn:schemas-microsoft-com:office:powerpoint" xmlns:com="http://schemas.openxmlformats.org/drawingml/2006/compatibility" xmlns:p14="http://schemas.microsoft.com/office/powerpoint/2010/main" xmlns:p15="http://schemas.microsoft.com/office/powerpoint/2012/main" xmlns:ahyp="http://schemas.microsoft.com/office/drawing/2018/hyperlinkcolor">
+<p:notesMaster xmlns:a="http://schemas.openxmlformats.org/drawingml/2006/main" xmlns:r="http://schemas.openxmlformats.org/officeDocument/2006/relationships" xmlns:p="http://schemas.openxmlformats.org/presentationml/2006/main">
   <p:cSld>
+    <p:bg>
+      <p:bgRef idx="1001">
+        <a:schemeClr val="bg1"/>
+      </p:bgRef>
+    </p:bg>
     <p:spTree>
       <p:nvGrpSpPr>
-        <p:cNvPr id="2" name="Shape 2"/>
+        <p:cNvPr id="1" name="Shape 2"/>
         <p:cNvGrpSpPr/>
         <p:nvPr/>
       </p:nvGrpSpPr>
@@ -309,9 +313,11 @@
       <p:sp>
         <p:nvSpPr>
           <p:cNvPr id="3" name="Google Shape;3;n"/>
-          <p:cNvSpPr/>
+          <p:cNvSpPr>
+            <a:spLocks noGrp="1" noRot="1" noChangeAspect="1"/>
+          </p:cNvSpPr>
           <p:nvPr>
-            <p:ph idx="2" type="sldImg"/>
+            <p:ph type="sldImg" idx="2"/>
           </p:nvPr>
         </p:nvSpPr>
         <p:spPr>
@@ -320,9 +326,13 @@
             <a:ext cx="6096075" cy="3429000"/>
           </a:xfrm>
           <a:custGeom>
-            <a:rect b="b" l="l" r="r" t="t"/>
+            <a:avLst/>
+            <a:gdLst/>
+            <a:ahLst/>
+            <a:cxnLst/>
+            <a:rect l="l" t="t" r="r" b="b"/>
             <a:pathLst>
-              <a:path extrusionOk="0" h="120000" w="120000">
+              <a:path w="120000" h="120000" extrusionOk="0">
                 <a:moveTo>
                   <a:pt x="0" y="0"/>
                 </a:moveTo>
@@ -340,23 +350,25 @@
             </a:pathLst>
           </a:custGeom>
           <a:noFill/>
-          <a:ln cap="flat" cmpd="sng" w="9525">
+          <a:ln w="9525" cap="flat" cmpd="sng">
             <a:solidFill>
               <a:srgbClr val="000000"/>
             </a:solidFill>
             <a:prstDash val="solid"/>
             <a:round/>
-            <a:headEnd len="sm" w="sm" type="none"/>
-            <a:tailEnd len="sm" w="sm" type="none"/>
+            <a:headEnd type="none" w="sm" len="sm"/>
+            <a:tailEnd type="none" w="sm" len="sm"/>
           </a:ln>
         </p:spPr>
       </p:sp>
       <p:sp>
         <p:nvSpPr>
           <p:cNvPr id="4" name="Google Shape;4;n"/>
-          <p:cNvSpPr txBox="1"/>
+          <p:cNvSpPr txBox="1">
+            <a:spLocks noGrp="1"/>
+          </p:cNvSpPr>
           <p:nvPr>
-            <p:ph idx="1" type="body"/>
+            <p:ph type="body" idx="1"/>
           </p:nvPr>
         </p:nvSpPr>
         <p:spPr>
@@ -373,11 +385,11 @@
           </a:ln>
         </p:spPr>
         <p:txBody>
-          <a:bodyPr anchorCtr="0" anchor="t" bIns="91425" lIns="91425" spcFirstLastPara="1" rIns="91425" wrap="square" tIns="91425">
+          <a:bodyPr spcFirstLastPara="1" wrap="square" lIns="91425" tIns="91425" rIns="91425" bIns="91425" anchor="t" anchorCtr="0">
             <a:noAutofit/>
           </a:bodyPr>
           <a:lstStyle>
-            <a:lvl1pPr indent="-298450" lvl="0" marL="457200">
+            <a:lvl1pPr marL="457200" lvl="0" indent="-298450">
               <a:spcBef>
                 <a:spcPts val="0"/>
               </a:spcBef>
@@ -388,7 +400,7 @@
               <a:buChar char="●"/>
               <a:defRPr sz="1100"/>
             </a:lvl1pPr>
-            <a:lvl2pPr indent="-298450" lvl="1" marL="914400">
+            <a:lvl2pPr marL="914400" lvl="1" indent="-298450">
               <a:spcBef>
                 <a:spcPts val="0"/>
               </a:spcBef>
@@ -399,7 +411,7 @@
               <a:buChar char="○"/>
               <a:defRPr sz="1100"/>
             </a:lvl2pPr>
-            <a:lvl3pPr indent="-298450" lvl="2" marL="1371600">
+            <a:lvl3pPr marL="1371600" lvl="2" indent="-298450">
               <a:spcBef>
                 <a:spcPts val="0"/>
               </a:spcBef>
@@ -410,7 +422,7 @@
               <a:buChar char="■"/>
               <a:defRPr sz="1100"/>
             </a:lvl3pPr>
-            <a:lvl4pPr indent="-298450" lvl="3" marL="1828800">
+            <a:lvl4pPr marL="1828800" lvl="3" indent="-298450">
               <a:spcBef>
                 <a:spcPts val="0"/>
               </a:spcBef>
@@ -421,7 +433,7 @@
               <a:buChar char="●"/>
               <a:defRPr sz="1100"/>
             </a:lvl4pPr>
-            <a:lvl5pPr indent="-298450" lvl="4" marL="2286000">
+            <a:lvl5pPr marL="2286000" lvl="4" indent="-298450">
               <a:spcBef>
                 <a:spcPts val="0"/>
               </a:spcBef>
@@ -432,7 +444,7 @@
               <a:buChar char="○"/>
               <a:defRPr sz="1100"/>
             </a:lvl5pPr>
-            <a:lvl6pPr indent="-298450" lvl="5" marL="2743200">
+            <a:lvl6pPr marL="2743200" lvl="5" indent="-298450">
               <a:spcBef>
                 <a:spcPts val="0"/>
               </a:spcBef>
@@ -443,7 +455,7 @@
               <a:buChar char="■"/>
               <a:defRPr sz="1100"/>
             </a:lvl6pPr>
-            <a:lvl7pPr indent="-298450" lvl="6" marL="3200400">
+            <a:lvl7pPr marL="3200400" lvl="6" indent="-298450">
               <a:spcBef>
                 <a:spcPts val="0"/>
               </a:spcBef>
@@ -454,7 +466,7 @@
               <a:buChar char="●"/>
               <a:defRPr sz="1100"/>
             </a:lvl7pPr>
-            <a:lvl8pPr indent="-298450" lvl="7" marL="3657600">
+            <a:lvl8pPr marL="3657600" lvl="7" indent="-298450">
               <a:spcBef>
                 <a:spcPts val="0"/>
               </a:spcBef>
@@ -465,7 +477,7 @@
               <a:buChar char="○"/>
               <a:defRPr sz="1100"/>
             </a:lvl8pPr>
-            <a:lvl9pPr indent="-298450" lvl="8" marL="4114800">
+            <a:lvl9pPr marL="4114800" lvl="8" indent="-298450">
               <a:spcBef>
                 <a:spcPts val="0"/>
               </a:spcBef>
@@ -477,14 +489,16 @@
               <a:defRPr sz="1100"/>
             </a:lvl9pPr>
           </a:lstStyle>
-          <a:p/>
+          <a:p>
+            <a:endParaRPr/>
+          </a:p>
         </p:txBody>
       </p:sp>
     </p:spTree>
   </p:cSld>
-  <p:clrMap accent1="accent1" accent2="accent2" accent3="accent3" accent4="accent4" accent5="accent5" accent6="accent6" bg1="lt1" bg2="dk2" tx1="dk1" tx2="lt2" folHlink="folHlink" hlink="hlink"/>
+  <p:clrMap bg1="lt1" tx1="dk1" bg2="dk2" tx2="lt2" accent1="accent1" accent2="accent2" accent3="accent3" accent4="accent4" accent5="accent5" accent6="accent6" hlink="hlink" folHlink="folHlink"/>
   <p:notesStyle>
-    <a:defPPr lvl="0" marR="0" rtl="0" algn="l">
+    <a:defPPr marR="0" lvl="0" algn="l" rtl="0">
       <a:lnSpc>
         <a:spcPct val="100000"/>
       </a:lnSpc>
@@ -495,7 +509,7 @@
         <a:spcPts val="0"/>
       </a:spcAft>
     </a:defPPr>
-    <a:lvl1pPr lvl="0" marR="0" rtl="0" algn="l">
+    <a:lvl1pPr marR="0" lvl="0" algn="l" rtl="0">
       <a:lnSpc>
         <a:spcPct val="100000"/>
       </a:lnSpc>
@@ -509,7 +523,7 @@
         <a:srgbClr val="000000"/>
       </a:buClr>
       <a:buFont typeface="Arial"/>
-      <a:defRPr b="0" i="0" sz="1400" u="none" cap="none" strike="noStrike">
+      <a:defRPr sz="1400" b="0" i="0" u="none" strike="noStrike" cap="none">
         <a:solidFill>
           <a:srgbClr val="000000"/>
         </a:solidFill>
@@ -519,7 +533,7 @@
         <a:sym typeface="Arial"/>
       </a:defRPr>
     </a:lvl1pPr>
-    <a:lvl2pPr lvl="1" marR="0" rtl="0" algn="l">
+    <a:lvl2pPr marR="0" lvl="1" algn="l" rtl="0">
       <a:lnSpc>
         <a:spcPct val="100000"/>
       </a:lnSpc>
@@ -533,7 +547,7 @@
         <a:srgbClr val="000000"/>
       </a:buClr>
       <a:buFont typeface="Arial"/>
-      <a:defRPr b="0" i="0" sz="1400" u="none" cap="none" strike="noStrike">
+      <a:defRPr sz="1400" b="0" i="0" u="none" strike="noStrike" cap="none">
         <a:solidFill>
           <a:srgbClr val="000000"/>
         </a:solidFill>
@@ -543,7 +557,7 @@
         <a:sym typeface="Arial"/>
       </a:defRPr>
     </a:lvl2pPr>
-    <a:lvl3pPr lvl="2" marR="0" rtl="0" algn="l">
+    <a:lvl3pPr marR="0" lvl="2" algn="l" rtl="0">
       <a:lnSpc>
         <a:spcPct val="100000"/>
       </a:lnSpc>
@@ -557,7 +571,7 @@
         <a:srgbClr val="000000"/>
       </a:buClr>
       <a:buFont typeface="Arial"/>
-      <a:defRPr b="0" i="0" sz="1400" u="none" cap="none" strike="noStrike">
+      <a:defRPr sz="1400" b="0" i="0" u="none" strike="noStrike" cap="none">
         <a:solidFill>
           <a:srgbClr val="000000"/>
         </a:solidFill>
@@ -567,7 +581,7 @@
         <a:sym typeface="Arial"/>
       </a:defRPr>
     </a:lvl3pPr>
-    <a:lvl4pPr lvl="3" marR="0" rtl="0" algn="l">
+    <a:lvl4pPr marR="0" lvl="3" algn="l" rtl="0">
       <a:lnSpc>
         <a:spcPct val="100000"/>
       </a:lnSpc>
@@ -581,7 +595,7 @@
         <a:srgbClr val="000000"/>
       </a:buClr>
       <a:buFont typeface="Arial"/>
-      <a:defRPr b="0" i="0" sz="1400" u="none" cap="none" strike="noStrike">
+      <a:defRPr sz="1400" b="0" i="0" u="none" strike="noStrike" cap="none">
         <a:solidFill>
           <a:srgbClr val="000000"/>
         </a:solidFill>
@@ -591,7 +605,7 @@
         <a:sym typeface="Arial"/>
       </a:defRPr>
     </a:lvl4pPr>
-    <a:lvl5pPr lvl="4" marR="0" rtl="0" algn="l">
+    <a:lvl5pPr marR="0" lvl="4" algn="l" rtl="0">
       <a:lnSpc>
         <a:spcPct val="100000"/>
       </a:lnSpc>
@@ -605,7 +619,7 @@
         <a:srgbClr val="000000"/>
       </a:buClr>
       <a:buFont typeface="Arial"/>
-      <a:defRPr b="0" i="0" sz="1400" u="none" cap="none" strike="noStrike">
+      <a:defRPr sz="1400" b="0" i="0" u="none" strike="noStrike" cap="none">
         <a:solidFill>
           <a:srgbClr val="000000"/>
         </a:solidFill>
@@ -615,7 +629,7 @@
         <a:sym typeface="Arial"/>
       </a:defRPr>
     </a:lvl5pPr>
-    <a:lvl6pPr lvl="5" marR="0" rtl="0" algn="l">
+    <a:lvl6pPr marR="0" lvl="5" algn="l" rtl="0">
       <a:lnSpc>
         <a:spcPct val="100000"/>
       </a:lnSpc>
@@ -629,7 +643,7 @@
         <a:srgbClr val="000000"/>
       </a:buClr>
       <a:buFont typeface="Arial"/>
-      <a:defRPr b="0" i="0" sz="1400" u="none" cap="none" strike="noStrike">
+      <a:defRPr sz="1400" b="0" i="0" u="none" strike="noStrike" cap="none">
         <a:solidFill>
           <a:srgbClr val="000000"/>
         </a:solidFill>
@@ -639,7 +653,7 @@
         <a:sym typeface="Arial"/>
       </a:defRPr>
     </a:lvl6pPr>
-    <a:lvl7pPr lvl="6" marR="0" rtl="0" algn="l">
+    <a:lvl7pPr marR="0" lvl="6" algn="l" rtl="0">
       <a:lnSpc>
         <a:spcPct val="100000"/>
       </a:lnSpc>
@@ -653,7 +667,7 @@
         <a:srgbClr val="000000"/>
       </a:buClr>
       <a:buFont typeface="Arial"/>
-      <a:defRPr b="0" i="0" sz="1400" u="none" cap="none" strike="noStrike">
+      <a:defRPr sz="1400" b="0" i="0" u="none" strike="noStrike" cap="none">
         <a:solidFill>
           <a:srgbClr val="000000"/>
         </a:solidFill>
@@ -663,7 +677,7 @@
         <a:sym typeface="Arial"/>
       </a:defRPr>
     </a:lvl7pPr>
-    <a:lvl8pPr lvl="7" marR="0" rtl="0" algn="l">
+    <a:lvl8pPr marR="0" lvl="7" algn="l" rtl="0">
       <a:lnSpc>
         <a:spcPct val="100000"/>
       </a:lnSpc>
@@ -677,7 +691,7 @@
         <a:srgbClr val="000000"/>
       </a:buClr>
       <a:buFont typeface="Arial"/>
-      <a:defRPr b="0" i="0" sz="1400" u="none" cap="none" strike="noStrike">
+      <a:defRPr sz="1400" b="0" i="0" u="none" strike="noStrike" cap="none">
         <a:solidFill>
           <a:srgbClr val="000000"/>
         </a:solidFill>
@@ -687,7 +701,7 @@
         <a:sym typeface="Arial"/>
       </a:defRPr>
     </a:lvl8pPr>
-    <a:lvl9pPr lvl="8" marR="0" rtl="0" algn="l">
+    <a:lvl9pPr marR="0" lvl="8" algn="l" rtl="0">
       <a:lnSpc>
         <a:spcPct val="100000"/>
       </a:lnSpc>
@@ -701,7 +715,7 @@
         <a:srgbClr val="000000"/>
       </a:buClr>
       <a:buFont typeface="Arial"/>
-      <a:defRPr b="0" i="0" sz="1400" u="none" cap="none" strike="noStrike">
+      <a:defRPr sz="1400" b="0" i="0" u="none" strike="noStrike" cap="none">
         <a:solidFill>
           <a:srgbClr val="000000"/>
         </a:solidFill>
@@ -716,11 +730,11 @@
 </file>
 
 <file path=ppt/notesSlides/notesSlide1.xml><?xml version="1.0" encoding="utf-8"?>
-<p:notes xmlns:a="http://schemas.openxmlformats.org/drawingml/2006/main" xmlns:r="http://schemas.openxmlformats.org/officeDocument/2006/relationships" xmlns:mc="http://schemas.openxmlformats.org/markup-compatibility/2006" xmlns:mv="urn:schemas-microsoft-com:mac:vml" xmlns:p="http://schemas.openxmlformats.org/presentationml/2006/main" xmlns:c="http://schemas.openxmlformats.org/drawingml/2006/chart" xmlns:dgm="http://schemas.openxmlformats.org/drawingml/2006/diagram" xmlns:o="urn:schemas-microsoft-com:office:office" xmlns:v="urn:schemas-microsoft-com:vml" xmlns:pvml="urn:schemas-microsoft-com:office:powerpoint" xmlns:com="http://schemas.openxmlformats.org/drawingml/2006/compatibility" xmlns:p14="http://schemas.microsoft.com/office/powerpoint/2010/main" xmlns:p15="http://schemas.microsoft.com/office/powerpoint/2012/main" xmlns:ahyp="http://schemas.microsoft.com/office/drawing/2018/hyperlinkcolor" showMasterPhAnim="0" showMasterSp="0">
+<p:notes xmlns:a="http://schemas.openxmlformats.org/drawingml/2006/main" xmlns:r="http://schemas.openxmlformats.org/officeDocument/2006/relationships" xmlns:p="http://schemas.openxmlformats.org/presentationml/2006/main" showMasterSp="0" showMasterPhAnim="0">
   <p:cSld>
     <p:spTree>
       <p:nvGrpSpPr>
-        <p:cNvPr id="102" name="Shape 102"/>
+        <p:cNvPr id="1" name="Shape 102"/>
         <p:cNvGrpSpPr/>
         <p:nvPr/>
       </p:nvGrpSpPr>
@@ -735,9 +749,11 @@
       <p:sp>
         <p:nvSpPr>
           <p:cNvPr id="103" name="Google Shape;103;g305b2e72063_0_231:notes"/>
-          <p:cNvSpPr txBox="1"/>
+          <p:cNvSpPr txBox="1">
+            <a:spLocks noGrp="1"/>
+          </p:cNvSpPr>
           <p:nvPr>
-            <p:ph idx="1" type="body"/>
+            <p:ph type="body" idx="1"/>
           </p:nvPr>
         </p:nvSpPr>
         <p:spPr>
@@ -754,12 +770,12 @@
           </a:ln>
         </p:spPr>
         <p:txBody>
-          <a:bodyPr anchorCtr="0" anchor="ctr" bIns="91425" lIns="91425" spcFirstLastPara="1" rIns="91425" wrap="square" tIns="91425">
+          <a:bodyPr spcFirstLastPara="1" wrap="square" lIns="91425" tIns="91425" rIns="91425" bIns="91425" anchor="ctr" anchorCtr="0">
             <a:noAutofit/>
           </a:bodyPr>
           <a:lstStyle/>
           <a:p>
-            <a:pPr indent="0" lvl="0" marL="0" rtl="0" algn="l">
+            <a:pPr marL="0" lvl="0" indent="0" algn="l" rtl="0">
               <a:spcBef>
                 <a:spcPts val="0"/>
               </a:spcBef>
@@ -768,9 +784,6 @@
               </a:spcAft>
               <a:buNone/>
             </a:pPr>
-            <a:r>
-              <a:t/>
-            </a:r>
             <a:endParaRPr/>
           </a:p>
         </p:txBody>
@@ -778,9 +791,11 @@
       <p:sp>
         <p:nvSpPr>
           <p:cNvPr id="104" name="Google Shape;104;g305b2e72063_0_231:notes"/>
-          <p:cNvSpPr/>
+          <p:cNvSpPr>
+            <a:spLocks noGrp="1" noRot="1" noChangeAspect="1"/>
+          </p:cNvSpPr>
           <p:nvPr>
-            <p:ph idx="2" type="sldImg"/>
+            <p:ph type="sldImg" idx="2"/>
           </p:nvPr>
         </p:nvSpPr>
         <p:spPr>
@@ -789,9 +804,13 @@
             <a:ext cx="4572000" cy="3429000"/>
           </a:xfrm>
           <a:custGeom>
-            <a:rect b="b" l="l" r="r" t="t"/>
+            <a:avLst/>
+            <a:gdLst/>
+            <a:ahLst/>
+            <a:cxnLst/>
+            <a:rect l="l" t="t" r="r" b="b"/>
             <a:pathLst>
-              <a:path extrusionOk="0" h="120000" w="120000">
+              <a:path w="120000" h="120000" extrusionOk="0">
                 <a:moveTo>
                   <a:pt x="0" y="0"/>
                 </a:moveTo>
@@ -809,14 +828,14 @@
             </a:pathLst>
           </a:custGeom>
           <a:noFill/>
-          <a:ln cap="flat" cmpd="sng" w="9525">
+          <a:ln w="9525" cap="flat" cmpd="sng">
             <a:solidFill>
               <a:srgbClr val="000000"/>
             </a:solidFill>
             <a:prstDash val="solid"/>
             <a:round/>
-            <a:headEnd len="sm" w="sm" type="none"/>
-            <a:tailEnd len="sm" w="sm" type="none"/>
+            <a:headEnd type="none" w="sm" len="sm"/>
+            <a:tailEnd type="none" w="sm" len="sm"/>
           </a:ln>
         </p:spPr>
       </p:sp>
@@ -829,110 +848,11 @@
 </file>
 
 <file path=ppt/notesSlides/notesSlide2.xml><?xml version="1.0" encoding="utf-8"?>
-<p:notes xmlns:a="http://schemas.openxmlformats.org/drawingml/2006/main" xmlns:r="http://schemas.openxmlformats.org/officeDocument/2006/relationships" xmlns:mc="http://schemas.openxmlformats.org/markup-compatibility/2006" xmlns:mv="urn:schemas-microsoft-com:mac:vml" xmlns:p="http://schemas.openxmlformats.org/presentationml/2006/main" xmlns:c="http://schemas.openxmlformats.org/drawingml/2006/chart" xmlns:dgm="http://schemas.openxmlformats.org/drawingml/2006/diagram" xmlns:o="urn:schemas-microsoft-com:office:office" xmlns:v="urn:schemas-microsoft-com:vml" xmlns:pvml="urn:schemas-microsoft-com:office:powerpoint" xmlns:com="http://schemas.openxmlformats.org/drawingml/2006/compatibility" xmlns:p14="http://schemas.microsoft.com/office/powerpoint/2010/main" xmlns:p15="http://schemas.microsoft.com/office/powerpoint/2012/main" xmlns:ahyp="http://schemas.microsoft.com/office/drawing/2018/hyperlinkcolor" showMasterPhAnim="0" showMasterSp="0">
+<p:notes xmlns:a="http://schemas.openxmlformats.org/drawingml/2006/main" xmlns:r="http://schemas.openxmlformats.org/officeDocument/2006/relationships" xmlns:p="http://schemas.openxmlformats.org/presentationml/2006/main" showMasterSp="0" showMasterPhAnim="0">
   <p:cSld>
     <p:spTree>
       <p:nvGrpSpPr>
-        <p:cNvPr id="109" name="Shape 109"/>
-        <p:cNvGrpSpPr/>
-        <p:nvPr/>
-      </p:nvGrpSpPr>
-      <p:grpSpPr>
-        <a:xfrm>
-          <a:off x="0" y="0"/>
-          <a:ext cx="0" cy="0"/>
-          <a:chOff x="0" y="0"/>
-          <a:chExt cx="0" cy="0"/>
-        </a:xfrm>
-      </p:grpSpPr>
-      <p:sp>
-        <p:nvSpPr>
-          <p:cNvPr id="110" name="Google Shape;110;g61bdf1f55e_0_0:notes"/>
-          <p:cNvSpPr/>
-          <p:nvPr>
-            <p:ph idx="2" type="sldImg"/>
-          </p:nvPr>
-        </p:nvSpPr>
-        <p:spPr>
-          <a:xfrm>
-            <a:off x="381300" y="685800"/>
-            <a:ext cx="6096000" cy="3429000"/>
-          </a:xfrm>
-          <a:custGeom>
-            <a:rect b="b" l="l" r="r" t="t"/>
-            <a:pathLst>
-              <a:path extrusionOk="0" h="120000" w="120000">
-                <a:moveTo>
-                  <a:pt x="0" y="0"/>
-                </a:moveTo>
-                <a:lnTo>
-                  <a:pt x="120000" y="0"/>
-                </a:lnTo>
-                <a:lnTo>
-                  <a:pt x="120000" y="120000"/>
-                </a:lnTo>
-                <a:lnTo>
-                  <a:pt x="0" y="120000"/>
-                </a:lnTo>
-                <a:close/>
-              </a:path>
-            </a:pathLst>
-          </a:custGeom>
-        </p:spPr>
-      </p:sp>
-      <p:sp>
-        <p:nvSpPr>
-          <p:cNvPr id="111" name="Google Shape;111;g61bdf1f55e_0_0:notes"/>
-          <p:cNvSpPr txBox="1"/>
-          <p:nvPr>
-            <p:ph idx="1" type="body"/>
-          </p:nvPr>
-        </p:nvSpPr>
-        <p:spPr>
-          <a:xfrm>
-            <a:off x="685800" y="4343400"/>
-            <a:ext cx="5486400" cy="4114800"/>
-          </a:xfrm>
-          <a:prstGeom prst="rect">
-            <a:avLst/>
-          </a:prstGeom>
-        </p:spPr>
-        <p:txBody>
-          <a:bodyPr anchorCtr="0" anchor="t" bIns="91425" lIns="91425" spcFirstLastPara="1" rIns="91425" wrap="square" tIns="91425">
-            <a:noAutofit/>
-          </a:bodyPr>
-          <a:lstStyle/>
-          <a:p>
-            <a:pPr indent="0" lvl="0" marL="0" rtl="0" algn="l">
-              <a:spcBef>
-                <a:spcPts val="0"/>
-              </a:spcBef>
-              <a:spcAft>
-                <a:spcPts val="0"/>
-              </a:spcAft>
-              <a:buNone/>
-            </a:pPr>
-            <a:r>
-              <a:t/>
-            </a:r>
-            <a:endParaRPr/>
-          </a:p>
-        </p:txBody>
-      </p:sp>
-    </p:spTree>
-  </p:cSld>
-  <p:clrMapOvr>
-    <a:masterClrMapping/>
-  </p:clrMapOvr>
-</p:notes>
-</file>
-
-<file path=ppt/notesSlides/notesSlide3.xml><?xml version="1.0" encoding="utf-8"?>
-<p:notes xmlns:a="http://schemas.openxmlformats.org/drawingml/2006/main" xmlns:r="http://schemas.openxmlformats.org/officeDocument/2006/relationships" xmlns:mc="http://schemas.openxmlformats.org/markup-compatibility/2006" xmlns:mv="urn:schemas-microsoft-com:mac:vml" xmlns:p="http://schemas.openxmlformats.org/presentationml/2006/main" xmlns:c="http://schemas.openxmlformats.org/drawingml/2006/chart" xmlns:dgm="http://schemas.openxmlformats.org/drawingml/2006/diagram" xmlns:o="urn:schemas-microsoft-com:office:office" xmlns:v="urn:schemas-microsoft-com:vml" xmlns:pvml="urn:schemas-microsoft-com:office:powerpoint" xmlns:com="http://schemas.openxmlformats.org/drawingml/2006/compatibility" xmlns:p14="http://schemas.microsoft.com/office/powerpoint/2010/main" xmlns:p15="http://schemas.microsoft.com/office/powerpoint/2012/main" xmlns:ahyp="http://schemas.microsoft.com/office/drawing/2018/hyperlinkcolor" showMasterPhAnim="0" showMasterSp="0">
-  <p:cSld>
-    <p:spTree>
-      <p:nvGrpSpPr>
-        <p:cNvPr id="119" name="Shape 119"/>
+        <p:cNvPr id="1" name="Shape 119"/>
         <p:cNvGrpSpPr/>
         <p:nvPr/>
       </p:nvGrpSpPr>
@@ -947,9 +867,11 @@
       <p:sp>
         <p:nvSpPr>
           <p:cNvPr id="120" name="Google Shape;120;g313dd687b2d_0_6:notes"/>
-          <p:cNvSpPr/>
+          <p:cNvSpPr>
+            <a:spLocks noGrp="1" noRot="1" noChangeAspect="1"/>
+          </p:cNvSpPr>
           <p:nvPr>
-            <p:ph idx="2" type="sldImg"/>
+            <p:ph type="sldImg" idx="2"/>
           </p:nvPr>
         </p:nvSpPr>
         <p:spPr>
@@ -958,9 +880,13 @@
             <a:ext cx="6096000" cy="3429000"/>
           </a:xfrm>
           <a:custGeom>
-            <a:rect b="b" l="l" r="r" t="t"/>
+            <a:avLst/>
+            <a:gdLst/>
+            <a:ahLst/>
+            <a:cxnLst/>
+            <a:rect l="l" t="t" r="r" b="b"/>
             <a:pathLst>
-              <a:path extrusionOk="0" h="120000" w="120000">
+              <a:path w="120000" h="120000" extrusionOk="0">
                 <a:moveTo>
                   <a:pt x="0" y="0"/>
                 </a:moveTo>
@@ -982,9 +908,11 @@
       <p:sp>
         <p:nvSpPr>
           <p:cNvPr id="121" name="Google Shape;121;g313dd687b2d_0_6:notes"/>
-          <p:cNvSpPr txBox="1"/>
+          <p:cNvSpPr txBox="1">
+            <a:spLocks noGrp="1"/>
+          </p:cNvSpPr>
           <p:nvPr>
-            <p:ph idx="1" type="body"/>
+            <p:ph type="body" idx="1"/>
           </p:nvPr>
         </p:nvSpPr>
         <p:spPr>
@@ -997,12 +925,12 @@
           </a:prstGeom>
         </p:spPr>
         <p:txBody>
-          <a:bodyPr anchorCtr="0" anchor="t" bIns="91425" lIns="91425" spcFirstLastPara="1" rIns="91425" wrap="square" tIns="91425">
+          <a:bodyPr spcFirstLastPara="1" wrap="square" lIns="91425" tIns="91425" rIns="91425" bIns="91425" anchor="t" anchorCtr="0">
             <a:noAutofit/>
           </a:bodyPr>
           <a:lstStyle/>
           <a:p>
-            <a:pPr indent="0" lvl="0" marL="0" rtl="0" algn="l">
+            <a:pPr marL="0" lvl="0" indent="0" algn="l" rtl="0">
               <a:spcBef>
                 <a:spcPts val="0"/>
               </a:spcBef>
@@ -1011,9 +939,6 @@
               </a:spcAft>
               <a:buNone/>
             </a:pPr>
-            <a:r>
-              <a:t/>
-            </a:r>
             <a:endParaRPr/>
           </a:p>
         </p:txBody>
@@ -1026,12 +951,12 @@
 </p:notes>
 </file>
 
-<file path=ppt/notesSlides/notesSlide4.xml><?xml version="1.0" encoding="utf-8"?>
-<p:notes xmlns:a="http://schemas.openxmlformats.org/drawingml/2006/main" xmlns:r="http://schemas.openxmlformats.org/officeDocument/2006/relationships" xmlns:mc="http://schemas.openxmlformats.org/markup-compatibility/2006" xmlns:mv="urn:schemas-microsoft-com:mac:vml" xmlns:p="http://schemas.openxmlformats.org/presentationml/2006/main" xmlns:c="http://schemas.openxmlformats.org/drawingml/2006/chart" xmlns:dgm="http://schemas.openxmlformats.org/drawingml/2006/diagram" xmlns:o="urn:schemas-microsoft-com:office:office" xmlns:v="urn:schemas-microsoft-com:vml" xmlns:pvml="urn:schemas-microsoft-com:office:powerpoint" xmlns:com="http://schemas.openxmlformats.org/drawingml/2006/compatibility" xmlns:p14="http://schemas.microsoft.com/office/powerpoint/2010/main" xmlns:p15="http://schemas.microsoft.com/office/powerpoint/2012/main" xmlns:ahyp="http://schemas.microsoft.com/office/drawing/2018/hyperlinkcolor" showMasterPhAnim="0" showMasterSp="0">
+<file path=ppt/notesSlides/notesSlide3.xml><?xml version="1.0" encoding="utf-8"?>
+<p:notes xmlns:a="http://schemas.openxmlformats.org/drawingml/2006/main" xmlns:r="http://schemas.openxmlformats.org/officeDocument/2006/relationships" xmlns:p="http://schemas.openxmlformats.org/presentationml/2006/main" showMasterSp="0" showMasterPhAnim="0">
   <p:cSld>
     <p:spTree>
       <p:nvGrpSpPr>
-        <p:cNvPr id="125" name="Shape 125"/>
+        <p:cNvPr id="1" name="Shape 125"/>
         <p:cNvGrpSpPr/>
         <p:nvPr/>
       </p:nvGrpSpPr>
@@ -1046,9 +971,11 @@
       <p:sp>
         <p:nvSpPr>
           <p:cNvPr id="126" name="Google Shape;126;g313dd687b2d_0_15:notes"/>
-          <p:cNvSpPr/>
+          <p:cNvSpPr>
+            <a:spLocks noGrp="1" noRot="1" noChangeAspect="1"/>
+          </p:cNvSpPr>
           <p:nvPr>
-            <p:ph idx="2" type="sldImg"/>
+            <p:ph type="sldImg" idx="2"/>
           </p:nvPr>
         </p:nvSpPr>
         <p:spPr>
@@ -1057,9 +984,13 @@
             <a:ext cx="6096000" cy="3429000"/>
           </a:xfrm>
           <a:custGeom>
-            <a:rect b="b" l="l" r="r" t="t"/>
+            <a:avLst/>
+            <a:gdLst/>
+            <a:ahLst/>
+            <a:cxnLst/>
+            <a:rect l="l" t="t" r="r" b="b"/>
             <a:pathLst>
-              <a:path extrusionOk="0" h="120000" w="120000">
+              <a:path w="120000" h="120000" extrusionOk="0">
                 <a:moveTo>
                   <a:pt x="0" y="0"/>
                 </a:moveTo>
@@ -1081,9 +1012,11 @@
       <p:sp>
         <p:nvSpPr>
           <p:cNvPr id="127" name="Google Shape;127;g313dd687b2d_0_15:notes"/>
-          <p:cNvSpPr txBox="1"/>
+          <p:cNvSpPr txBox="1">
+            <a:spLocks noGrp="1"/>
+          </p:cNvSpPr>
           <p:nvPr>
-            <p:ph idx="1" type="body"/>
+            <p:ph type="body" idx="1"/>
           </p:nvPr>
         </p:nvSpPr>
         <p:spPr>
@@ -1096,12 +1029,12 @@
           </a:prstGeom>
         </p:spPr>
         <p:txBody>
-          <a:bodyPr anchorCtr="0" anchor="t" bIns="91425" lIns="91425" spcFirstLastPara="1" rIns="91425" wrap="square" tIns="91425">
+          <a:bodyPr spcFirstLastPara="1" wrap="square" lIns="91425" tIns="91425" rIns="91425" bIns="91425" anchor="t" anchorCtr="0">
             <a:noAutofit/>
           </a:bodyPr>
           <a:lstStyle/>
           <a:p>
-            <a:pPr indent="0" lvl="0" marL="0" rtl="0" algn="l">
+            <a:pPr marL="0" lvl="0" indent="0" algn="l" rtl="0">
               <a:spcBef>
                 <a:spcPts val="0"/>
               </a:spcBef>
@@ -1110,9 +1043,6 @@
               </a:spcAft>
               <a:buNone/>
             </a:pPr>
-            <a:r>
-              <a:t/>
-            </a:r>
             <a:endParaRPr/>
           </a:p>
         </p:txBody>
@@ -1125,12 +1055,12 @@
 </p:notes>
 </file>
 
-<file path=ppt/notesSlides/notesSlide5.xml><?xml version="1.0" encoding="utf-8"?>
-<p:notes xmlns:a="http://schemas.openxmlformats.org/drawingml/2006/main" xmlns:r="http://schemas.openxmlformats.org/officeDocument/2006/relationships" xmlns:mc="http://schemas.openxmlformats.org/markup-compatibility/2006" xmlns:mv="urn:schemas-microsoft-com:mac:vml" xmlns:p="http://schemas.openxmlformats.org/presentationml/2006/main" xmlns:c="http://schemas.openxmlformats.org/drawingml/2006/chart" xmlns:dgm="http://schemas.openxmlformats.org/drawingml/2006/diagram" xmlns:o="urn:schemas-microsoft-com:office:office" xmlns:v="urn:schemas-microsoft-com:vml" xmlns:pvml="urn:schemas-microsoft-com:office:powerpoint" xmlns:com="http://schemas.openxmlformats.org/drawingml/2006/compatibility" xmlns:p14="http://schemas.microsoft.com/office/powerpoint/2010/main" xmlns:p15="http://schemas.microsoft.com/office/powerpoint/2012/main" xmlns:ahyp="http://schemas.microsoft.com/office/drawing/2018/hyperlinkcolor" showMasterPhAnim="0" showMasterSp="0">
+<file path=ppt/notesSlides/notesSlide4.xml><?xml version="1.0" encoding="utf-8"?>
+<p:notes xmlns:a="http://schemas.openxmlformats.org/drawingml/2006/main" xmlns:r="http://schemas.openxmlformats.org/officeDocument/2006/relationships" xmlns:p="http://schemas.openxmlformats.org/presentationml/2006/main" showMasterSp="0" showMasterPhAnim="0">
   <p:cSld>
     <p:spTree>
       <p:nvGrpSpPr>
-        <p:cNvPr id="131" name="Shape 131"/>
+        <p:cNvPr id="1" name="Shape 131"/>
         <p:cNvGrpSpPr/>
         <p:nvPr/>
       </p:nvGrpSpPr>
@@ -1145,9 +1075,11 @@
       <p:sp>
         <p:nvSpPr>
           <p:cNvPr id="132" name="Google Shape;132;g313dd687b2d_0_20:notes"/>
-          <p:cNvSpPr/>
+          <p:cNvSpPr>
+            <a:spLocks noGrp="1" noRot="1" noChangeAspect="1"/>
+          </p:cNvSpPr>
           <p:nvPr>
-            <p:ph idx="2" type="sldImg"/>
+            <p:ph type="sldImg" idx="2"/>
           </p:nvPr>
         </p:nvSpPr>
         <p:spPr>
@@ -1156,9 +1088,13 @@
             <a:ext cx="6096000" cy="3429000"/>
           </a:xfrm>
           <a:custGeom>
-            <a:rect b="b" l="l" r="r" t="t"/>
+            <a:avLst/>
+            <a:gdLst/>
+            <a:ahLst/>
+            <a:cxnLst/>
+            <a:rect l="l" t="t" r="r" b="b"/>
             <a:pathLst>
-              <a:path extrusionOk="0" h="120000" w="120000">
+              <a:path w="120000" h="120000" extrusionOk="0">
                 <a:moveTo>
                   <a:pt x="0" y="0"/>
                 </a:moveTo>
@@ -1180,9 +1116,11 @@
       <p:sp>
         <p:nvSpPr>
           <p:cNvPr id="133" name="Google Shape;133;g313dd687b2d_0_20:notes"/>
-          <p:cNvSpPr txBox="1"/>
+          <p:cNvSpPr txBox="1">
+            <a:spLocks noGrp="1"/>
+          </p:cNvSpPr>
           <p:nvPr>
-            <p:ph idx="1" type="body"/>
+            <p:ph type="body" idx="1"/>
           </p:nvPr>
         </p:nvSpPr>
         <p:spPr>
@@ -1195,12 +1133,12 @@
           </a:prstGeom>
         </p:spPr>
         <p:txBody>
-          <a:bodyPr anchorCtr="0" anchor="t" bIns="91425" lIns="91425" spcFirstLastPara="1" rIns="91425" wrap="square" tIns="91425">
+          <a:bodyPr spcFirstLastPara="1" wrap="square" lIns="91425" tIns="91425" rIns="91425" bIns="91425" anchor="t" anchorCtr="0">
             <a:noAutofit/>
           </a:bodyPr>
           <a:lstStyle/>
           <a:p>
-            <a:pPr indent="0" lvl="0" marL="0" rtl="0" algn="l">
+            <a:pPr marL="0" lvl="0" indent="0" algn="l" rtl="0">
               <a:spcBef>
                 <a:spcPts val="0"/>
               </a:spcBef>
@@ -1209,9 +1147,6 @@
               </a:spcAft>
               <a:buNone/>
             </a:pPr>
-            <a:r>
-              <a:t/>
-            </a:r>
             <a:endParaRPr/>
           </a:p>
         </p:txBody>
@@ -1224,12 +1159,12 @@
 </p:notes>
 </file>
 
-<file path=ppt/notesSlides/notesSlide6.xml><?xml version="1.0" encoding="utf-8"?>
-<p:notes xmlns:a="http://schemas.openxmlformats.org/drawingml/2006/main" xmlns:r="http://schemas.openxmlformats.org/officeDocument/2006/relationships" xmlns:mc="http://schemas.openxmlformats.org/markup-compatibility/2006" xmlns:mv="urn:schemas-microsoft-com:mac:vml" xmlns:p="http://schemas.openxmlformats.org/presentationml/2006/main" xmlns:c="http://schemas.openxmlformats.org/drawingml/2006/chart" xmlns:dgm="http://schemas.openxmlformats.org/drawingml/2006/diagram" xmlns:o="urn:schemas-microsoft-com:office:office" xmlns:v="urn:schemas-microsoft-com:vml" xmlns:pvml="urn:schemas-microsoft-com:office:powerpoint" xmlns:com="http://schemas.openxmlformats.org/drawingml/2006/compatibility" xmlns:p14="http://schemas.microsoft.com/office/powerpoint/2010/main" xmlns:p15="http://schemas.microsoft.com/office/powerpoint/2012/main" xmlns:ahyp="http://schemas.microsoft.com/office/drawing/2018/hyperlinkcolor" showMasterPhAnim="0" showMasterSp="0">
+<file path=ppt/notesSlides/notesSlide5.xml><?xml version="1.0" encoding="utf-8"?>
+<p:notes xmlns:a="http://schemas.openxmlformats.org/drawingml/2006/main" xmlns:r="http://schemas.openxmlformats.org/officeDocument/2006/relationships" xmlns:p="http://schemas.openxmlformats.org/presentationml/2006/main" showMasterSp="0" showMasterPhAnim="0">
   <p:cSld>
     <p:spTree>
       <p:nvGrpSpPr>
-        <p:cNvPr id="137" name="Shape 137"/>
+        <p:cNvPr id="1" name="Shape 137"/>
         <p:cNvGrpSpPr/>
         <p:nvPr/>
       </p:nvGrpSpPr>
@@ -1244,9 +1179,11 @@
       <p:sp>
         <p:nvSpPr>
           <p:cNvPr id="138" name="Google Shape;138;g313dd687b2d_0_25:notes"/>
-          <p:cNvSpPr/>
+          <p:cNvSpPr>
+            <a:spLocks noGrp="1" noRot="1" noChangeAspect="1"/>
+          </p:cNvSpPr>
           <p:nvPr>
-            <p:ph idx="2" type="sldImg"/>
+            <p:ph type="sldImg" idx="2"/>
           </p:nvPr>
         </p:nvSpPr>
         <p:spPr>
@@ -1255,9 +1192,13 @@
             <a:ext cx="6096000" cy="3429000"/>
           </a:xfrm>
           <a:custGeom>
-            <a:rect b="b" l="l" r="r" t="t"/>
+            <a:avLst/>
+            <a:gdLst/>
+            <a:ahLst/>
+            <a:cxnLst/>
+            <a:rect l="l" t="t" r="r" b="b"/>
             <a:pathLst>
-              <a:path extrusionOk="0" h="120000" w="120000">
+              <a:path w="120000" h="120000" extrusionOk="0">
                 <a:moveTo>
                   <a:pt x="0" y="0"/>
                 </a:moveTo>
@@ -1279,9 +1220,11 @@
       <p:sp>
         <p:nvSpPr>
           <p:cNvPr id="139" name="Google Shape;139;g313dd687b2d_0_25:notes"/>
-          <p:cNvSpPr txBox="1"/>
+          <p:cNvSpPr txBox="1">
+            <a:spLocks noGrp="1"/>
+          </p:cNvSpPr>
           <p:nvPr>
-            <p:ph idx="1" type="body"/>
+            <p:ph type="body" idx="1"/>
           </p:nvPr>
         </p:nvSpPr>
         <p:spPr>
@@ -1294,12 +1237,12 @@
           </a:prstGeom>
         </p:spPr>
         <p:txBody>
-          <a:bodyPr anchorCtr="0" anchor="t" bIns="91425" lIns="91425" spcFirstLastPara="1" rIns="91425" wrap="square" tIns="91425">
+          <a:bodyPr spcFirstLastPara="1" wrap="square" lIns="91425" tIns="91425" rIns="91425" bIns="91425" anchor="t" anchorCtr="0">
             <a:noAutofit/>
           </a:bodyPr>
           <a:lstStyle/>
           <a:p>
-            <a:pPr indent="0" lvl="0" marL="0" rtl="0" algn="l">
+            <a:pPr marL="0" lvl="0" indent="0" algn="l" rtl="0">
               <a:spcBef>
                 <a:spcPts val="0"/>
               </a:spcBef>
@@ -1308,9 +1251,6 @@
               </a:spcAft>
               <a:buNone/>
             </a:pPr>
-            <a:r>
-              <a:t/>
-            </a:r>
             <a:endParaRPr/>
           </a:p>
         </p:txBody>
@@ -1323,12 +1263,12 @@
 </p:notes>
 </file>
 
-<file path=ppt/notesSlides/notesSlide7.xml><?xml version="1.0" encoding="utf-8"?>
-<p:notes xmlns:a="http://schemas.openxmlformats.org/drawingml/2006/main" xmlns:r="http://schemas.openxmlformats.org/officeDocument/2006/relationships" xmlns:mc="http://schemas.openxmlformats.org/markup-compatibility/2006" xmlns:mv="urn:schemas-microsoft-com:mac:vml" xmlns:p="http://schemas.openxmlformats.org/presentationml/2006/main" xmlns:c="http://schemas.openxmlformats.org/drawingml/2006/chart" xmlns:dgm="http://schemas.openxmlformats.org/drawingml/2006/diagram" xmlns:o="urn:schemas-microsoft-com:office:office" xmlns:v="urn:schemas-microsoft-com:vml" xmlns:pvml="urn:schemas-microsoft-com:office:powerpoint" xmlns:com="http://schemas.openxmlformats.org/drawingml/2006/compatibility" xmlns:p14="http://schemas.microsoft.com/office/powerpoint/2010/main" xmlns:p15="http://schemas.microsoft.com/office/powerpoint/2012/main" xmlns:ahyp="http://schemas.microsoft.com/office/drawing/2018/hyperlinkcolor" showMasterPhAnim="0" showMasterSp="0">
+<file path=ppt/notesSlides/notesSlide6.xml><?xml version="1.0" encoding="utf-8"?>
+<p:notes xmlns:a="http://schemas.openxmlformats.org/drawingml/2006/main" xmlns:r="http://schemas.openxmlformats.org/officeDocument/2006/relationships" xmlns:p="http://schemas.openxmlformats.org/presentationml/2006/main" showMasterSp="0" showMasterPhAnim="0">
   <p:cSld>
     <p:spTree>
       <p:nvGrpSpPr>
-        <p:cNvPr id="143" name="Shape 143"/>
+        <p:cNvPr id="1" name="Shape 143"/>
         <p:cNvGrpSpPr/>
         <p:nvPr/>
       </p:nvGrpSpPr>
@@ -1343,9 +1283,11 @@
       <p:sp>
         <p:nvSpPr>
           <p:cNvPr id="144" name="Google Shape;144;g313dd687b2d_0_30:notes"/>
-          <p:cNvSpPr/>
+          <p:cNvSpPr>
+            <a:spLocks noGrp="1" noRot="1" noChangeAspect="1"/>
+          </p:cNvSpPr>
           <p:nvPr>
-            <p:ph idx="2" type="sldImg"/>
+            <p:ph type="sldImg" idx="2"/>
           </p:nvPr>
         </p:nvSpPr>
         <p:spPr>
@@ -1354,9 +1296,13 @@
             <a:ext cx="6096000" cy="3429000"/>
           </a:xfrm>
           <a:custGeom>
-            <a:rect b="b" l="l" r="r" t="t"/>
+            <a:avLst/>
+            <a:gdLst/>
+            <a:ahLst/>
+            <a:cxnLst/>
+            <a:rect l="l" t="t" r="r" b="b"/>
             <a:pathLst>
-              <a:path extrusionOk="0" h="120000" w="120000">
+              <a:path w="120000" h="120000" extrusionOk="0">
                 <a:moveTo>
                   <a:pt x="0" y="0"/>
                 </a:moveTo>
@@ -1378,9 +1324,11 @@
       <p:sp>
         <p:nvSpPr>
           <p:cNvPr id="145" name="Google Shape;145;g313dd687b2d_0_30:notes"/>
-          <p:cNvSpPr txBox="1"/>
+          <p:cNvSpPr txBox="1">
+            <a:spLocks noGrp="1"/>
+          </p:cNvSpPr>
           <p:nvPr>
-            <p:ph idx="1" type="body"/>
+            <p:ph type="body" idx="1"/>
           </p:nvPr>
         </p:nvSpPr>
         <p:spPr>
@@ -1393,12 +1341,12 @@
           </a:prstGeom>
         </p:spPr>
         <p:txBody>
-          <a:bodyPr anchorCtr="0" anchor="t" bIns="91425" lIns="91425" spcFirstLastPara="1" rIns="91425" wrap="square" tIns="91425">
+          <a:bodyPr spcFirstLastPara="1" wrap="square" lIns="91425" tIns="91425" rIns="91425" bIns="91425" anchor="t" anchorCtr="0">
             <a:noAutofit/>
           </a:bodyPr>
           <a:lstStyle/>
           <a:p>
-            <a:pPr indent="0" lvl="0" marL="0" rtl="0" algn="l">
+            <a:pPr marL="0" lvl="0" indent="0" algn="l" rtl="0">
               <a:spcBef>
                 <a:spcPts val="0"/>
               </a:spcBef>
@@ -1407,9 +1355,6 @@
               </a:spcAft>
               <a:buNone/>
             </a:pPr>
-            <a:r>
-              <a:t/>
-            </a:r>
             <a:endParaRPr/>
           </a:p>
         </p:txBody>
@@ -1423,18 +1368,19 @@
 </file>
 
 <file path=ppt/slideLayouts/slideLayout1.xml><?xml version="1.0" encoding="utf-8"?>
-<p:sldLayout xmlns:a="http://schemas.openxmlformats.org/drawingml/2006/main" xmlns:r="http://schemas.openxmlformats.org/officeDocument/2006/relationships" xmlns:mc="http://schemas.openxmlformats.org/markup-compatibility/2006" xmlns:mv="urn:schemas-microsoft-com:mac:vml" xmlns:p="http://schemas.openxmlformats.org/presentationml/2006/main" xmlns:c="http://schemas.openxmlformats.org/drawingml/2006/chart" xmlns:dgm="http://schemas.openxmlformats.org/drawingml/2006/diagram" xmlns:o="urn:schemas-microsoft-com:office:office" xmlns:v="urn:schemas-microsoft-com:vml" xmlns:pvml="urn:schemas-microsoft-com:office:powerpoint" xmlns:com="http://schemas.openxmlformats.org/drawingml/2006/compatibility" xmlns:p14="http://schemas.microsoft.com/office/powerpoint/2010/main" xmlns:p15="http://schemas.microsoft.com/office/powerpoint/2012/main" xmlns:ahyp="http://schemas.microsoft.com/office/drawing/2018/hyperlinkcolor" matchingName="1.a Lesson Title ">
+<p:sldLayout xmlns:a="http://schemas.openxmlformats.org/drawingml/2006/main" xmlns:r="http://schemas.openxmlformats.org/officeDocument/2006/relationships" xmlns:p="http://schemas.openxmlformats.org/presentationml/2006/main" matchingName="1.a Lesson Title ">
   <p:cSld name="TITLE_1">
     <p:bg>
       <p:bgPr>
         <a:solidFill>
           <a:schemeClr val="dk2"/>
         </a:solidFill>
+        <a:effectLst/>
       </p:bgPr>
     </p:bg>
     <p:spTree>
       <p:nvGrpSpPr>
-        <p:cNvPr id="9" name="Shape 9"/>
+        <p:cNvPr id="1" name="Shape 9"/>
         <p:cNvGrpSpPr/>
         <p:nvPr/>
       </p:nvGrpSpPr>
@@ -1456,7 +1402,7 @@
           <a:blip r:embed="rId2">
             <a:alphaModFix/>
           </a:blip>
-          <a:srcRect b="-3409" l="0" r="0" t="3419"/>
+          <a:srcRect t="3419" b="-3409"/>
           <a:stretch/>
         </p:blipFill>
         <p:spPr>
@@ -1504,7 +1450,9 @@
       <p:sp>
         <p:nvSpPr>
           <p:cNvPr id="12" name="Google Shape;12;p2"/>
-          <p:cNvSpPr txBox="1"/>
+          <p:cNvSpPr txBox="1">
+            <a:spLocks noGrp="1"/>
+          </p:cNvSpPr>
           <p:nvPr>
             <p:ph type="ctrTitle"/>
           </p:nvPr>
@@ -1519,7 +1467,7 @@
           </a:prstGeom>
         </p:spPr>
         <p:txBody>
-          <a:bodyPr anchorCtr="0" anchor="ctr" bIns="0" lIns="0" spcFirstLastPara="1" rIns="0" wrap="square" tIns="0">
+          <a:bodyPr spcFirstLastPara="1" wrap="square" lIns="0" tIns="0" rIns="0" bIns="0" anchor="ctr" anchorCtr="0">
             <a:noAutofit/>
           </a:bodyPr>
           <a:lstStyle>
@@ -1731,7 +1679,9 @@
               </a:defRPr>
             </a:lvl9pPr>
           </a:lstStyle>
-          <a:p/>
+          <a:p>
+            <a:endParaRPr/>
+          </a:p>
         </p:txBody>
       </p:sp>
       <p:sp>
@@ -1754,12 +1704,12 @@
           </a:ln>
         </p:spPr>
         <p:txBody>
-          <a:bodyPr anchorCtr="0" anchor="t" bIns="0" lIns="0" spcFirstLastPara="1" rIns="0" wrap="square" tIns="0">
+          <a:bodyPr spcFirstLastPara="1" wrap="square" lIns="0" tIns="0" rIns="0" bIns="0" anchor="t" anchorCtr="0">
             <a:noAutofit/>
           </a:bodyPr>
           <a:lstStyle/>
           <a:p>
-            <a:pPr indent="0" lvl="0" marL="0" rtl="0" algn="l">
+            <a:pPr marL="0" lvl="0" indent="0" algn="l" rtl="0">
               <a:spcBef>
                 <a:spcPts val="0"/>
               </a:spcBef>
@@ -1768,9 +1718,6 @@
               </a:spcAft>
               <a:buNone/>
             </a:pPr>
-            <a:r>
-              <a:t/>
-            </a:r>
             <a:endParaRPr sz="3600">
               <a:solidFill>
                 <a:srgbClr val="FFFFFF"/>
@@ -1786,9 +1733,11 @@
       <p:sp>
         <p:nvSpPr>
           <p:cNvPr id="14" name="Google Shape;14;p2"/>
-          <p:cNvSpPr txBox="1"/>
+          <p:cNvSpPr txBox="1">
+            <a:spLocks noGrp="1"/>
+          </p:cNvSpPr>
           <p:nvPr>
-            <p:ph idx="1" type="subTitle"/>
+            <p:ph type="subTitle" idx="1"/>
           </p:nvPr>
         </p:nvSpPr>
         <p:spPr>
@@ -1801,7 +1750,7 @@
           </a:prstGeom>
         </p:spPr>
         <p:txBody>
-          <a:bodyPr anchorCtr="0" anchor="t" bIns="0" lIns="0" spcFirstLastPara="1" rIns="0" wrap="square" tIns="0">
+          <a:bodyPr spcFirstLastPara="1" wrap="square" lIns="0" tIns="0" rIns="0" bIns="0" anchor="t" anchorCtr="0">
             <a:noAutofit/>
           </a:bodyPr>
           <a:lstStyle>
@@ -1912,7 +1861,9 @@
               <a:defRPr/>
             </a:lvl9pPr>
           </a:lstStyle>
-          <a:p/>
+          <a:p>
+            <a:endParaRPr/>
+          </a:p>
         </p:txBody>
       </p:sp>
       <p:grpSp>
@@ -1939,7 +1890,7 @@
             <a:blip r:embed="rId2">
               <a:alphaModFix/>
             </a:blip>
-            <a:srcRect b="-3409" l="0" r="0" t="3419"/>
+            <a:srcRect t="3419" b="-3409"/>
             <a:stretch/>
           </p:blipFill>
           <p:spPr>
@@ -1973,23 +1924,23 @@
             <a:solidFill>
               <a:srgbClr val="171A53"/>
             </a:solidFill>
-            <a:ln cap="flat" cmpd="sng" w="9525">
+            <a:ln w="9525" cap="flat" cmpd="sng">
               <a:solidFill>
                 <a:srgbClr val="171A53"/>
               </a:solidFill>
               <a:prstDash val="solid"/>
               <a:round/>
-              <a:headEnd len="sm" w="sm" type="none"/>
-              <a:tailEnd len="sm" w="sm" type="none"/>
+              <a:headEnd type="none" w="sm" len="sm"/>
+              <a:tailEnd type="none" w="sm" len="sm"/>
             </a:ln>
           </p:spPr>
           <p:txBody>
-            <a:bodyPr anchorCtr="0" anchor="ctr" bIns="182850" lIns="182850" spcFirstLastPara="1" rIns="182850" wrap="square" tIns="182850">
+            <a:bodyPr spcFirstLastPara="1" wrap="square" lIns="182850" tIns="182850" rIns="182850" bIns="182850" anchor="ctr" anchorCtr="0">
               <a:noAutofit/>
             </a:bodyPr>
             <a:lstStyle/>
             <a:p>
-              <a:pPr indent="0" lvl="0" marL="0" rtl="0" algn="ctr">
+              <a:pPr marL="0" lvl="0" indent="0" algn="ctr" rtl="0">
                 <a:spcBef>
                   <a:spcPts val="0"/>
                 </a:spcBef>
@@ -1998,9 +1949,6 @@
                 </a:spcAft>
                 <a:buNone/>
               </a:pPr>
-              <a:r>
-                <a:t/>
-              </a:r>
               <a:endParaRPr sz="2800">
                 <a:solidFill>
                   <a:srgbClr val="171A53"/>
@@ -2062,12 +2010,12 @@
           </a:ln>
         </p:spPr>
         <p:txBody>
-          <a:bodyPr anchorCtr="0" anchor="t" bIns="0" lIns="0" spcFirstLastPara="1" rIns="0" wrap="square" tIns="0">
+          <a:bodyPr spcFirstLastPara="1" wrap="square" lIns="0" tIns="0" rIns="0" bIns="0" anchor="t" anchorCtr="0">
             <a:noAutofit/>
           </a:bodyPr>
           <a:lstStyle/>
           <a:p>
-            <a:pPr indent="0" lvl="0" marL="0" rtl="0" algn="l">
+            <a:pPr marL="0" lvl="0" indent="0" algn="l" rtl="0">
               <a:spcBef>
                 <a:spcPts val="0"/>
               </a:spcBef>
@@ -2109,11 +2057,11 @@
 </file>
 
 <file path=ppt/slideLayouts/slideLayout10.xml><?xml version="1.0" encoding="utf-8"?>
-<p:sldLayout xmlns:a="http://schemas.openxmlformats.org/drawingml/2006/main" xmlns:r="http://schemas.openxmlformats.org/officeDocument/2006/relationships" xmlns:mc="http://schemas.openxmlformats.org/markup-compatibility/2006" xmlns:mv="urn:schemas-microsoft-com:mac:vml" xmlns:p="http://schemas.openxmlformats.org/presentationml/2006/main" xmlns:c="http://schemas.openxmlformats.org/drawingml/2006/chart" xmlns:dgm="http://schemas.openxmlformats.org/drawingml/2006/diagram" xmlns:o="urn:schemas-microsoft-com:office:office" xmlns:v="urn:schemas-microsoft-com:vml" xmlns:pvml="urn:schemas-microsoft-com:office:powerpoint" xmlns:com="http://schemas.openxmlformats.org/drawingml/2006/compatibility" xmlns:p14="http://schemas.microsoft.com/office/powerpoint/2010/main" xmlns:p15="http://schemas.microsoft.com/office/powerpoint/2012/main" xmlns:ahyp="http://schemas.microsoft.com/office/drawing/2018/hyperlinkcolor" matchingName="3. Dual Code">
+<p:sldLayout xmlns:a="http://schemas.openxmlformats.org/drawingml/2006/main" xmlns:r="http://schemas.openxmlformats.org/officeDocument/2006/relationships" xmlns:p="http://schemas.openxmlformats.org/presentationml/2006/main" matchingName="3. Dual Code">
   <p:cSld name="TITLE_AND_BODY_1_1_1_1_2">
     <p:spTree>
       <p:nvGrpSpPr>
-        <p:cNvPr id="90" name="Shape 90"/>
+        <p:cNvPr id="1" name="Shape 90"/>
         <p:cNvGrpSpPr/>
         <p:nvPr/>
       </p:nvGrpSpPr>
@@ -2175,12 +2123,12 @@
           </a:ln>
         </p:spPr>
         <p:txBody>
-          <a:bodyPr anchorCtr="0" anchor="ctr" bIns="91425" lIns="91425" spcFirstLastPara="1" rIns="91425" wrap="square" tIns="91425">
+          <a:bodyPr spcFirstLastPara="1" wrap="square" lIns="91425" tIns="91425" rIns="91425" bIns="91425" anchor="ctr" anchorCtr="0">
             <a:noAutofit/>
           </a:bodyPr>
           <a:lstStyle/>
           <a:p>
-            <a:pPr indent="0" lvl="0" marL="0" rtl="0" algn="ctr">
+            <a:pPr marL="0" lvl="0" indent="0" algn="ctr" rtl="0">
               <a:spcBef>
                 <a:spcPts val="0"/>
               </a:spcBef>
@@ -2189,9 +2137,6 @@
               </a:spcAft>
               <a:buNone/>
             </a:pPr>
-            <a:r>
-              <a:t/>
-            </a:r>
             <a:endParaRPr>
               <a:latin typeface="Open Sans"/>
               <a:ea typeface="Open Sans"/>
@@ -2250,7 +2195,7 @@
             <a:noFill/>
           </a:ln>
           <a:effectLst>
-            <a:outerShdw blurRad="714375" rotWithShape="0" algn="bl" dir="5400000" dist="238125">
+            <a:outerShdw blurRad="714375" dist="238125" dir="5400000" algn="bl" rotWithShape="0">
               <a:srgbClr val="000000">
                 <a:alpha val="25000"/>
               </a:srgbClr>
@@ -2258,12 +2203,12 @@
           </a:effectLst>
         </p:spPr>
         <p:txBody>
-          <a:bodyPr anchorCtr="0" anchor="ctr" bIns="91450" lIns="91450" spcFirstLastPara="1" rIns="91450" wrap="square" tIns="91450">
+          <a:bodyPr spcFirstLastPara="1" wrap="square" lIns="91450" tIns="91450" rIns="91450" bIns="91450" anchor="ctr" anchorCtr="0">
             <a:noAutofit/>
           </a:bodyPr>
           <a:lstStyle/>
           <a:p>
-            <a:pPr indent="0" lvl="0" marL="0" rtl="0" algn="l">
+            <a:pPr marL="0" lvl="0" indent="0" algn="l" rtl="0">
               <a:spcBef>
                 <a:spcPts val="0"/>
               </a:spcBef>
@@ -2272,9 +2217,6 @@
               </a:spcAft>
               <a:buNone/>
             </a:pPr>
-            <a:r>
-              <a:t/>
-            </a:r>
             <a:endParaRPr/>
           </a:p>
         </p:txBody>
@@ -2299,12 +2241,12 @@
           </a:ln>
         </p:spPr>
         <p:txBody>
-          <a:bodyPr anchorCtr="0" anchor="t" bIns="0" lIns="0" spcFirstLastPara="1" rIns="0" wrap="square" tIns="0">
+          <a:bodyPr spcFirstLastPara="1" wrap="square" lIns="0" tIns="0" rIns="0" bIns="0" anchor="t" anchorCtr="0">
             <a:noAutofit/>
           </a:bodyPr>
           <a:lstStyle/>
           <a:p>
-            <a:pPr indent="0" lvl="0" marL="0" rtl="0" algn="l">
+            <a:pPr marL="0" lvl="0" indent="0" algn="l" rtl="0">
               <a:lnSpc>
                 <a:spcPct val="115000"/>
               </a:lnSpc>
@@ -2343,9 +2285,11 @@
       <p:sp>
         <p:nvSpPr>
           <p:cNvPr id="96" name="Google Shape;96;p11"/>
-          <p:cNvSpPr txBox="1"/>
+          <p:cNvSpPr txBox="1">
+            <a:spLocks noGrp="1"/>
+          </p:cNvSpPr>
           <p:nvPr>
-            <p:ph idx="1" type="body"/>
+            <p:ph type="body" idx="1"/>
           </p:nvPr>
         </p:nvSpPr>
         <p:spPr>
@@ -2358,11 +2302,11 @@
           </a:prstGeom>
         </p:spPr>
         <p:txBody>
-          <a:bodyPr anchorCtr="0" anchor="t" bIns="0" lIns="0" spcFirstLastPara="1" rIns="0" wrap="square" tIns="0">
+          <a:bodyPr spcFirstLastPara="1" wrap="square" lIns="0" tIns="0" rIns="0" bIns="0" anchor="t" anchorCtr="0">
             <a:noAutofit/>
           </a:bodyPr>
           <a:lstStyle>
-            <a:lvl1pPr indent="-419100" lvl="0" marL="457200" rtl="0">
+            <a:lvl1pPr marL="457200" lvl="0" indent="-419100" rtl="0">
               <a:spcBef>
                 <a:spcPts val="0"/>
               </a:spcBef>
@@ -2385,7 +2329,7 @@
                 <a:sym typeface="Roboto Mono Light"/>
               </a:defRPr>
             </a:lvl1pPr>
-            <a:lvl2pPr indent="-419100" lvl="1" marL="914400" rtl="0">
+            <a:lvl2pPr marL="914400" lvl="1" indent="-419100" rtl="0">
               <a:spcBef>
                 <a:spcPts val="2000"/>
               </a:spcBef>
@@ -2408,7 +2352,7 @@
                 <a:sym typeface="Roboto Mono Light"/>
               </a:defRPr>
             </a:lvl2pPr>
-            <a:lvl3pPr indent="-381000" lvl="2" marL="1371600" rtl="0">
+            <a:lvl3pPr marL="1371600" lvl="2" indent="-381000" rtl="0">
               <a:spcBef>
                 <a:spcPts val="2000"/>
               </a:spcBef>
@@ -2431,7 +2375,7 @@
                 <a:sym typeface="Roboto Mono Light"/>
               </a:defRPr>
             </a:lvl3pPr>
-            <a:lvl4pPr indent="-381000" lvl="3" marL="1828800" rtl="0">
+            <a:lvl4pPr marL="1828800" lvl="3" indent="-381000" rtl="0">
               <a:spcBef>
                 <a:spcPts val="2000"/>
               </a:spcBef>
@@ -2454,7 +2398,7 @@
                 <a:sym typeface="Roboto Mono Light"/>
               </a:defRPr>
             </a:lvl4pPr>
-            <a:lvl5pPr indent="-381000" lvl="4" marL="2286000" rtl="0">
+            <a:lvl5pPr marL="2286000" lvl="4" indent="-381000" rtl="0">
               <a:spcBef>
                 <a:spcPts val="2000"/>
               </a:spcBef>
@@ -2477,7 +2421,7 @@
                 <a:sym typeface="Roboto Mono Light"/>
               </a:defRPr>
             </a:lvl5pPr>
-            <a:lvl6pPr indent="-381000" lvl="5" marL="2743200" rtl="0">
+            <a:lvl6pPr marL="2743200" lvl="5" indent="-381000" rtl="0">
               <a:spcBef>
                 <a:spcPts val="2000"/>
               </a:spcBef>
@@ -2500,7 +2444,7 @@
                 <a:sym typeface="Roboto Mono Light"/>
               </a:defRPr>
             </a:lvl6pPr>
-            <a:lvl7pPr indent="-381000" lvl="6" marL="3200400" rtl="0">
+            <a:lvl7pPr marL="3200400" lvl="6" indent="-381000" rtl="0">
               <a:spcBef>
                 <a:spcPts val="2000"/>
               </a:spcBef>
@@ -2523,7 +2467,7 @@
                 <a:sym typeface="Roboto Mono Light"/>
               </a:defRPr>
             </a:lvl7pPr>
-            <a:lvl8pPr indent="-381000" lvl="7" marL="3657600" rtl="0">
+            <a:lvl8pPr marL="3657600" lvl="7" indent="-381000" rtl="0">
               <a:spcBef>
                 <a:spcPts val="2000"/>
               </a:spcBef>
@@ -2546,7 +2490,7 @@
                 <a:sym typeface="Roboto Mono Light"/>
               </a:defRPr>
             </a:lvl8pPr>
-            <a:lvl9pPr indent="-381000" lvl="8" marL="4114800" rtl="0">
+            <a:lvl9pPr marL="4114800" lvl="8" indent="-381000" rtl="0">
               <a:spcBef>
                 <a:spcPts val="2000"/>
               </a:spcBef>
@@ -2570,15 +2514,19 @@
               </a:defRPr>
             </a:lvl9pPr>
           </a:lstStyle>
-          <a:p/>
+          <a:p>
+            <a:endParaRPr/>
+          </a:p>
         </p:txBody>
       </p:sp>
       <p:sp>
         <p:nvSpPr>
           <p:cNvPr id="97" name="Google Shape;97;p11"/>
-          <p:cNvSpPr txBox="1"/>
+          <p:cNvSpPr txBox="1">
+            <a:spLocks noGrp="1"/>
+          </p:cNvSpPr>
           <p:nvPr>
-            <p:ph idx="2" type="body"/>
+            <p:ph type="body" idx="2"/>
           </p:nvPr>
         </p:nvSpPr>
         <p:spPr>
@@ -2591,11 +2539,11 @@
           </a:prstGeom>
         </p:spPr>
         <p:txBody>
-          <a:bodyPr anchorCtr="0" anchor="t" bIns="0" lIns="0" spcFirstLastPara="1" rIns="0" wrap="square" tIns="0">
+          <a:bodyPr spcFirstLastPara="1" wrap="square" lIns="0" tIns="0" rIns="0" bIns="0" anchor="t" anchorCtr="0">
             <a:noAutofit/>
           </a:bodyPr>
           <a:lstStyle>
-            <a:lvl1pPr indent="-419100" lvl="0" marL="457200" rtl="0">
+            <a:lvl1pPr marL="457200" lvl="0" indent="-419100" rtl="0">
               <a:spcBef>
                 <a:spcPts val="0"/>
               </a:spcBef>
@@ -2618,7 +2566,7 @@
                 <a:sym typeface="Roboto Mono Light"/>
               </a:defRPr>
             </a:lvl1pPr>
-            <a:lvl2pPr indent="-419100" lvl="1" marL="914400" rtl="0">
+            <a:lvl2pPr marL="914400" lvl="1" indent="-419100" rtl="0">
               <a:spcBef>
                 <a:spcPts val="2000"/>
               </a:spcBef>
@@ -2641,7 +2589,7 @@
                 <a:sym typeface="Roboto Mono Light"/>
               </a:defRPr>
             </a:lvl2pPr>
-            <a:lvl3pPr indent="-381000" lvl="2" marL="1371600" rtl="0">
+            <a:lvl3pPr marL="1371600" lvl="2" indent="-381000" rtl="0">
               <a:spcBef>
                 <a:spcPts val="2000"/>
               </a:spcBef>
@@ -2664,7 +2612,7 @@
                 <a:sym typeface="Roboto Mono Light"/>
               </a:defRPr>
             </a:lvl3pPr>
-            <a:lvl4pPr indent="-381000" lvl="3" marL="1828800" rtl="0">
+            <a:lvl4pPr marL="1828800" lvl="3" indent="-381000" rtl="0">
               <a:spcBef>
                 <a:spcPts val="2000"/>
               </a:spcBef>
@@ -2687,7 +2635,7 @@
                 <a:sym typeface="Roboto Mono Light"/>
               </a:defRPr>
             </a:lvl4pPr>
-            <a:lvl5pPr indent="-381000" lvl="4" marL="2286000" rtl="0">
+            <a:lvl5pPr marL="2286000" lvl="4" indent="-381000" rtl="0">
               <a:spcBef>
                 <a:spcPts val="2000"/>
               </a:spcBef>
@@ -2710,7 +2658,7 @@
                 <a:sym typeface="Roboto Mono Light"/>
               </a:defRPr>
             </a:lvl5pPr>
-            <a:lvl6pPr indent="-381000" lvl="5" marL="2743200" rtl="0">
+            <a:lvl6pPr marL="2743200" lvl="5" indent="-381000" rtl="0">
               <a:spcBef>
                 <a:spcPts val="2000"/>
               </a:spcBef>
@@ -2733,7 +2681,7 @@
                 <a:sym typeface="Roboto Mono Light"/>
               </a:defRPr>
             </a:lvl6pPr>
-            <a:lvl7pPr indent="-381000" lvl="6" marL="3200400" rtl="0">
+            <a:lvl7pPr marL="3200400" lvl="6" indent="-381000" rtl="0">
               <a:spcBef>
                 <a:spcPts val="2000"/>
               </a:spcBef>
@@ -2756,7 +2704,7 @@
                 <a:sym typeface="Roboto Mono Light"/>
               </a:defRPr>
             </a:lvl7pPr>
-            <a:lvl8pPr indent="-381000" lvl="7" marL="3657600" rtl="0">
+            <a:lvl8pPr marL="3657600" lvl="7" indent="-381000" rtl="0">
               <a:spcBef>
                 <a:spcPts val="2000"/>
               </a:spcBef>
@@ -2779,7 +2727,7 @@
                 <a:sym typeface="Roboto Mono Light"/>
               </a:defRPr>
             </a:lvl8pPr>
-            <a:lvl9pPr indent="-381000" lvl="8" marL="4114800" rtl="0">
+            <a:lvl9pPr marL="4114800" lvl="8" indent="-381000" rtl="0">
               <a:spcBef>
                 <a:spcPts val="2000"/>
               </a:spcBef>
@@ -2803,7 +2751,9 @@
               </a:defRPr>
             </a:lvl9pPr>
           </a:lstStyle>
-          <a:p/>
+          <a:p>
+            <a:endParaRPr/>
+          </a:p>
         </p:txBody>
       </p:sp>
     </p:spTree>
@@ -2813,7 +2763,7 @@
   </p:clrMapOvr>
   <p:extLst>
     <p:ext uri="{DCECCB84-F9BA-43D5-87BE-67443E8EF086}">
-      <p15:sldGuideLst>
+      <p15:sldGuideLst xmlns:p15="http://schemas.microsoft.com/office/powerpoint/2012/main">
         <p15:guide id="1" pos="432">
           <p15:clr>
             <a:schemeClr val="accent1"/>
@@ -2871,11 +2821,11 @@
 </file>
 
 <file path=ppt/slideLayouts/slideLayout11.xml><?xml version="1.0" encoding="utf-8"?>
-<p:sldLayout xmlns:a="http://schemas.openxmlformats.org/drawingml/2006/main" xmlns:r="http://schemas.openxmlformats.org/officeDocument/2006/relationships" xmlns:mc="http://schemas.openxmlformats.org/markup-compatibility/2006" xmlns:mv="urn:schemas-microsoft-com:mac:vml" xmlns:p="http://schemas.openxmlformats.org/presentationml/2006/main" xmlns:c="http://schemas.openxmlformats.org/drawingml/2006/chart" xmlns:dgm="http://schemas.openxmlformats.org/drawingml/2006/diagram" xmlns:o="urn:schemas-microsoft-com:office:office" xmlns:v="urn:schemas-microsoft-com:vml" xmlns:pvml="urn:schemas-microsoft-com:office:powerpoint" xmlns:com="http://schemas.openxmlformats.org/drawingml/2006/compatibility" xmlns:p14="http://schemas.microsoft.com/office/powerpoint/2010/main" xmlns:p15="http://schemas.microsoft.com/office/powerpoint/2012/main" xmlns:ahyp="http://schemas.microsoft.com/office/drawing/2018/hyperlinkcolor" matchingName="4. Quote Full Card">
+<p:sldLayout xmlns:a="http://schemas.openxmlformats.org/drawingml/2006/main" xmlns:r="http://schemas.openxmlformats.org/officeDocument/2006/relationships" xmlns:p="http://schemas.openxmlformats.org/presentationml/2006/main" matchingName="4. Quote Full Card">
   <p:cSld name="CUSTOM_14">
     <p:spTree>
       <p:nvGrpSpPr>
-        <p:cNvPr id="98" name="Shape 98"/>
+        <p:cNvPr id="1" name="Shape 98"/>
         <p:cNvGrpSpPr/>
         <p:nvPr/>
       </p:nvGrpSpPr>
@@ -2928,8 +2878,8 @@
           </a:xfrm>
           <a:prstGeom prst="round2DiagRect">
             <a:avLst>
-              <a:gd fmla="val 20143" name="adj1"/>
-              <a:gd fmla="val 0" name="adj2"/>
+              <a:gd name="adj1" fmla="val 20143"/>
+              <a:gd name="adj2" fmla="val 0"/>
             </a:avLst>
           </a:prstGeom>
           <a:solidFill>
@@ -2940,12 +2890,12 @@
           </a:ln>
         </p:spPr>
         <p:txBody>
-          <a:bodyPr anchorCtr="0" anchor="ctr" bIns="91450" lIns="91450" spcFirstLastPara="1" rIns="91450" wrap="square" tIns="91450">
+          <a:bodyPr spcFirstLastPara="1" wrap="square" lIns="91450" tIns="91450" rIns="91450" bIns="91450" anchor="ctr" anchorCtr="0">
             <a:noAutofit/>
           </a:bodyPr>
           <a:lstStyle/>
           <a:p>
-            <a:pPr indent="0" lvl="0" marL="0" rtl="0" algn="l">
+            <a:pPr marL="0" lvl="0" indent="0" algn="l" rtl="0">
               <a:spcBef>
                 <a:spcPts val="0"/>
               </a:spcBef>
@@ -2954,9 +2904,6 @@
               </a:spcAft>
               <a:buNone/>
             </a:pPr>
-            <a:r>
-              <a:t/>
-            </a:r>
             <a:endParaRPr/>
           </a:p>
         </p:txBody>
@@ -2964,9 +2911,11 @@
       <p:sp>
         <p:nvSpPr>
           <p:cNvPr id="101" name="Google Shape;101;p12"/>
-          <p:cNvSpPr txBox="1"/>
+          <p:cNvSpPr txBox="1">
+            <a:spLocks noGrp="1"/>
+          </p:cNvSpPr>
           <p:nvPr>
-            <p:ph idx="1" type="body"/>
+            <p:ph type="body" idx="1"/>
           </p:nvPr>
         </p:nvSpPr>
         <p:spPr>
@@ -2979,11 +2928,11 @@
           </a:prstGeom>
         </p:spPr>
         <p:txBody>
-          <a:bodyPr anchorCtr="0" anchor="ctr" bIns="0" lIns="0" spcFirstLastPara="1" rIns="0" wrap="square" tIns="0">
+          <a:bodyPr spcFirstLastPara="1" wrap="square" lIns="0" tIns="0" rIns="0" bIns="0" anchor="ctr" anchorCtr="0">
             <a:noAutofit/>
           </a:bodyPr>
           <a:lstStyle>
-            <a:lvl1pPr indent="-533400" lvl="0" marL="457200" rtl="0" algn="ctr">
+            <a:lvl1pPr marL="457200" lvl="0" indent="-533400" algn="ctr" rtl="0">
               <a:spcBef>
                 <a:spcPts val="0"/>
               </a:spcBef>
@@ -3000,7 +2949,7 @@
                 <a:sym typeface="Open Sans Light"/>
               </a:defRPr>
             </a:lvl1pPr>
-            <a:lvl2pPr indent="-533400" lvl="1" marL="914400" rtl="0" algn="ctr">
+            <a:lvl2pPr marL="914400" lvl="1" indent="-533400" algn="ctr" rtl="0">
               <a:spcBef>
                 <a:spcPts val="0"/>
               </a:spcBef>
@@ -3017,7 +2966,7 @@
                 <a:sym typeface="Open Sans Light"/>
               </a:defRPr>
             </a:lvl2pPr>
-            <a:lvl3pPr indent="-533400" lvl="2" marL="1371600" rtl="0" algn="ctr">
+            <a:lvl3pPr marL="1371600" lvl="2" indent="-533400" algn="ctr" rtl="0">
               <a:spcBef>
                 <a:spcPts val="0"/>
               </a:spcBef>
@@ -3034,7 +2983,7 @@
                 <a:sym typeface="Open Sans Light"/>
               </a:defRPr>
             </a:lvl3pPr>
-            <a:lvl4pPr indent="-533400" lvl="3" marL="1828800" rtl="0" algn="ctr">
+            <a:lvl4pPr marL="1828800" lvl="3" indent="-533400" algn="ctr" rtl="0">
               <a:spcBef>
                 <a:spcPts val="0"/>
               </a:spcBef>
@@ -3051,7 +3000,7 @@
                 <a:sym typeface="Open Sans Light"/>
               </a:defRPr>
             </a:lvl4pPr>
-            <a:lvl5pPr indent="-533400" lvl="4" marL="2286000" rtl="0" algn="ctr">
+            <a:lvl5pPr marL="2286000" lvl="4" indent="-533400" algn="ctr" rtl="0">
               <a:spcBef>
                 <a:spcPts val="0"/>
               </a:spcBef>
@@ -3068,7 +3017,7 @@
                 <a:sym typeface="Open Sans Light"/>
               </a:defRPr>
             </a:lvl5pPr>
-            <a:lvl6pPr indent="-533400" lvl="5" marL="2743200" rtl="0" algn="ctr">
+            <a:lvl6pPr marL="2743200" lvl="5" indent="-533400" algn="ctr" rtl="0">
               <a:spcBef>
                 <a:spcPts val="0"/>
               </a:spcBef>
@@ -3085,7 +3034,7 @@
                 <a:sym typeface="Open Sans Light"/>
               </a:defRPr>
             </a:lvl6pPr>
-            <a:lvl7pPr indent="-533400" lvl="6" marL="3200400" rtl="0" algn="ctr">
+            <a:lvl7pPr marL="3200400" lvl="6" indent="-533400" algn="ctr" rtl="0">
               <a:spcBef>
                 <a:spcPts val="0"/>
               </a:spcBef>
@@ -3102,7 +3051,7 @@
                 <a:sym typeface="Open Sans Light"/>
               </a:defRPr>
             </a:lvl7pPr>
-            <a:lvl8pPr indent="-533400" lvl="7" marL="3657600" rtl="0" algn="ctr">
+            <a:lvl8pPr marL="3657600" lvl="7" indent="-533400" algn="ctr" rtl="0">
               <a:spcBef>
                 <a:spcPts val="0"/>
               </a:spcBef>
@@ -3119,7 +3068,7 @@
                 <a:sym typeface="Open Sans Light"/>
               </a:defRPr>
             </a:lvl8pPr>
-            <a:lvl9pPr indent="-533400" lvl="8" marL="4114800" rtl="0" algn="ctr">
+            <a:lvl9pPr marL="4114800" lvl="8" indent="-533400" algn="ctr" rtl="0">
               <a:spcBef>
                 <a:spcPts val="0"/>
               </a:spcBef>
@@ -3137,7 +3086,9 @@
               </a:defRPr>
             </a:lvl9pPr>
           </a:lstStyle>
-          <a:p/>
+          <a:p>
+            <a:endParaRPr/>
+          </a:p>
         </p:txBody>
       </p:sp>
     </p:spTree>
@@ -3149,7 +3100,7 @@
 </file>
 
 <file path=ppt/slideLayouts/slideLayout2.xml><?xml version="1.0" encoding="utf-8"?>
-<p:sldLayout xmlns:a="http://schemas.openxmlformats.org/drawingml/2006/main" xmlns:r="http://schemas.openxmlformats.org/officeDocument/2006/relationships" xmlns:mc="http://schemas.openxmlformats.org/markup-compatibility/2006" xmlns:mv="urn:schemas-microsoft-com:mac:vml" xmlns:p="http://schemas.openxmlformats.org/presentationml/2006/main" xmlns:c="http://schemas.openxmlformats.org/drawingml/2006/chart" xmlns:dgm="http://schemas.openxmlformats.org/drawingml/2006/diagram" xmlns:o="urn:schemas-microsoft-com:office:office" xmlns:v="urn:schemas-microsoft-com:vml" xmlns:pvml="urn:schemas-microsoft-com:office:powerpoint" xmlns:com="http://schemas.openxmlformats.org/drawingml/2006/compatibility" xmlns:p14="http://schemas.microsoft.com/office/powerpoint/2010/main" xmlns:p15="http://schemas.microsoft.com/office/powerpoint/2012/main" xmlns:ahyp="http://schemas.microsoft.com/office/drawing/2018/hyperlinkcolor" matchingName="1.b Lesson Title (Designer or Producer Only)">
+<p:sldLayout xmlns:a="http://schemas.openxmlformats.org/drawingml/2006/main" xmlns:r="http://schemas.openxmlformats.org/officeDocument/2006/relationships" xmlns:p="http://schemas.openxmlformats.org/presentationml/2006/main" matchingName="1.b Lesson Title (Designer or Producer Only)">
   <p:cSld name="SECTION_HEADER_1">
     <p:bg>
       <p:bgPr>
@@ -3161,11 +3112,12 @@
             <a:fillRect/>
           </a:stretch>
         </a:blipFill>
+        <a:effectLst/>
       </p:bgPr>
     </p:bg>
     <p:spTree>
       <p:nvGrpSpPr>
-        <p:cNvPr id="20" name="Shape 20"/>
+        <p:cNvPr id="1" name="Shape 20"/>
         <p:cNvGrpSpPr/>
         <p:nvPr/>
       </p:nvGrpSpPr>
@@ -3208,7 +3160,9 @@
       <p:sp>
         <p:nvSpPr>
           <p:cNvPr id="22" name="Google Shape;22;p3"/>
-          <p:cNvSpPr txBox="1"/>
+          <p:cNvSpPr txBox="1">
+            <a:spLocks noGrp="1"/>
+          </p:cNvSpPr>
           <p:nvPr>
             <p:ph type="title"/>
           </p:nvPr>
@@ -3223,7 +3177,7 @@
           </a:prstGeom>
         </p:spPr>
         <p:txBody>
-          <a:bodyPr anchorCtr="0" anchor="ctr" bIns="0" lIns="0" spcFirstLastPara="1" rIns="0" wrap="square" tIns="0">
+          <a:bodyPr spcFirstLastPara="1" wrap="square" lIns="0" tIns="0" rIns="0" bIns="0" anchor="ctr" anchorCtr="0">
             <a:noAutofit/>
           </a:bodyPr>
           <a:lstStyle>
@@ -3435,7 +3389,9 @@
               </a:defRPr>
             </a:lvl9pPr>
           </a:lstStyle>
-          <a:p/>
+          <a:p>
+            <a:endParaRPr/>
+          </a:p>
         </p:txBody>
       </p:sp>
       <p:sp>
@@ -3460,12 +3416,12 @@
           </a:ln>
         </p:spPr>
         <p:txBody>
-          <a:bodyPr anchorCtr="0" anchor="ctr" bIns="91425" lIns="91425" spcFirstLastPara="1" rIns="91425" wrap="square" tIns="91425">
+          <a:bodyPr spcFirstLastPara="1" wrap="square" lIns="91425" tIns="91425" rIns="91425" bIns="91425" anchor="ctr" anchorCtr="0">
             <a:noAutofit/>
           </a:bodyPr>
           <a:lstStyle/>
           <a:p>
-            <a:pPr indent="0" lvl="0" marL="0" rtl="0" algn="ctr">
+            <a:pPr marL="0" lvl="0" indent="0" algn="ctr" rtl="0">
               <a:spcBef>
                 <a:spcPts val="0"/>
               </a:spcBef>
@@ -3474,9 +3430,6 @@
               </a:spcAft>
               <a:buNone/>
             </a:pPr>
-            <a:r>
-              <a:t/>
-            </a:r>
             <a:endParaRPr>
               <a:latin typeface="Open Sans"/>
               <a:ea typeface="Open Sans"/>
@@ -3523,11 +3476,11 @@
 </file>
 
 <file path=ppt/slideLayouts/slideLayout3.xml><?xml version="1.0" encoding="utf-8"?>
-<p:sldLayout xmlns:a="http://schemas.openxmlformats.org/drawingml/2006/main" xmlns:r="http://schemas.openxmlformats.org/officeDocument/2006/relationships" xmlns:mc="http://schemas.openxmlformats.org/markup-compatibility/2006" xmlns:mv="urn:schemas-microsoft-com:mac:vml" xmlns:p="http://schemas.openxmlformats.org/presentationml/2006/main" xmlns:c="http://schemas.openxmlformats.org/drawingml/2006/chart" xmlns:dgm="http://schemas.openxmlformats.org/drawingml/2006/diagram" xmlns:o="urn:schemas-microsoft-com:office:office" xmlns:v="urn:schemas-microsoft-com:vml" xmlns:pvml="urn:schemas-microsoft-com:office:powerpoint" xmlns:com="http://schemas.openxmlformats.org/drawingml/2006/compatibility" xmlns:p14="http://schemas.microsoft.com/office/powerpoint/2010/main" xmlns:p15="http://schemas.microsoft.com/office/powerpoint/2012/main" xmlns:ahyp="http://schemas.microsoft.com/office/drawing/2018/hyperlinkcolor" matchingName="2.a Full Bullet">
+<p:sldLayout xmlns:a="http://schemas.openxmlformats.org/drawingml/2006/main" xmlns:r="http://schemas.openxmlformats.org/officeDocument/2006/relationships" xmlns:p="http://schemas.openxmlformats.org/presentationml/2006/main" matchingName="2.a Full Bullet">
   <p:cSld name="TITLE_AND_BODY_1_1">
     <p:spTree>
       <p:nvGrpSpPr>
-        <p:cNvPr id="25" name="Shape 25"/>
+        <p:cNvPr id="1" name="Shape 25"/>
         <p:cNvGrpSpPr/>
         <p:nvPr/>
       </p:nvGrpSpPr>
@@ -3560,7 +3513,7 @@
             <a:noFill/>
           </a:ln>
           <a:effectLst>
-            <a:outerShdw blurRad="714375" rotWithShape="0" algn="bl" dir="5400000" dist="238125">
+            <a:outerShdw blurRad="714375" dist="238125" dir="5400000" algn="bl" rotWithShape="0">
               <a:srgbClr val="000000">
                 <a:alpha val="25000"/>
               </a:srgbClr>
@@ -3568,12 +3521,12 @@
           </a:effectLst>
         </p:spPr>
         <p:txBody>
-          <a:bodyPr anchorCtr="0" anchor="ctr" bIns="91450" lIns="91450" spcFirstLastPara="1" rIns="91450" wrap="square" tIns="91450">
+          <a:bodyPr spcFirstLastPara="1" wrap="square" lIns="91450" tIns="91450" rIns="91450" bIns="91450" anchor="ctr" anchorCtr="0">
             <a:noAutofit/>
           </a:bodyPr>
           <a:lstStyle/>
           <a:p>
-            <a:pPr indent="0" lvl="0" marL="0" rtl="0" algn="l">
+            <a:pPr marL="0" lvl="0" indent="0" algn="l" rtl="0">
               <a:spcBef>
                 <a:spcPts val="0"/>
               </a:spcBef>
@@ -3582,9 +3535,6 @@
               </a:spcAft>
               <a:buNone/>
             </a:pPr>
-            <a:r>
-              <a:t/>
-            </a:r>
             <a:endParaRPr/>
           </a:p>
         </p:txBody>
@@ -3620,7 +3570,9 @@
       <p:sp>
         <p:nvSpPr>
           <p:cNvPr id="28" name="Google Shape;28;p4"/>
-          <p:cNvSpPr txBox="1"/>
+          <p:cNvSpPr txBox="1">
+            <a:spLocks noGrp="1"/>
+          </p:cNvSpPr>
           <p:nvPr>
             <p:ph type="title"/>
           </p:nvPr>
@@ -3635,7 +3587,7 @@
           </a:prstGeom>
         </p:spPr>
         <p:txBody>
-          <a:bodyPr anchorCtr="0" anchor="ctr" bIns="0" lIns="0" spcFirstLastPara="1" rIns="0" wrap="square" tIns="0">
+          <a:bodyPr spcFirstLastPara="1" wrap="square" lIns="0" tIns="0" rIns="0" bIns="0" anchor="ctr" anchorCtr="0">
             <a:noAutofit/>
           </a:bodyPr>
           <a:lstStyle>
@@ -3745,15 +3697,19 @@
               <a:defRPr/>
             </a:lvl9pPr>
           </a:lstStyle>
-          <a:p/>
+          <a:p>
+            <a:endParaRPr/>
+          </a:p>
         </p:txBody>
       </p:sp>
       <p:sp>
         <p:nvSpPr>
           <p:cNvPr id="29" name="Google Shape;29;p4"/>
-          <p:cNvSpPr txBox="1"/>
+          <p:cNvSpPr txBox="1">
+            <a:spLocks noGrp="1"/>
+          </p:cNvSpPr>
           <p:nvPr>
-            <p:ph idx="1" type="body"/>
+            <p:ph type="body" idx="1"/>
           </p:nvPr>
         </p:nvSpPr>
         <p:spPr>
@@ -3766,11 +3722,11 @@
           </a:prstGeom>
         </p:spPr>
         <p:txBody>
-          <a:bodyPr anchorCtr="0" anchor="t" bIns="0" lIns="0" spcFirstLastPara="1" rIns="0" wrap="square" tIns="0">
+          <a:bodyPr spcFirstLastPara="1" wrap="square" lIns="0" tIns="0" rIns="0" bIns="0" anchor="t" anchorCtr="0">
             <a:noAutofit/>
           </a:bodyPr>
           <a:lstStyle>
-            <a:lvl1pPr indent="-457200" lvl="0" marL="457200" rtl="0">
+            <a:lvl1pPr marL="457200" lvl="0" indent="-457200" rtl="0">
               <a:spcBef>
                 <a:spcPts val="0"/>
               </a:spcBef>
@@ -3788,7 +3744,7 @@
                 </a:solidFill>
               </a:defRPr>
             </a:lvl1pPr>
-            <a:lvl2pPr indent="-419100" lvl="1" marL="914400" rtl="0">
+            <a:lvl2pPr marL="914400" lvl="1" indent="-419100" rtl="0">
               <a:spcBef>
                 <a:spcPts val="2000"/>
               </a:spcBef>
@@ -3806,7 +3762,7 @@
                 </a:solidFill>
               </a:defRPr>
             </a:lvl2pPr>
-            <a:lvl3pPr indent="-381000" lvl="2" marL="1371600" rtl="0">
+            <a:lvl3pPr marL="1371600" lvl="2" indent="-381000" rtl="0">
               <a:spcBef>
                 <a:spcPts val="2000"/>
               </a:spcBef>
@@ -3824,7 +3780,7 @@
                 </a:solidFill>
               </a:defRPr>
             </a:lvl3pPr>
-            <a:lvl4pPr indent="-381000" lvl="3" marL="1828800" rtl="0">
+            <a:lvl4pPr marL="1828800" lvl="3" indent="-381000" rtl="0">
               <a:spcBef>
                 <a:spcPts val="2000"/>
               </a:spcBef>
@@ -3842,7 +3798,7 @@
                 </a:solidFill>
               </a:defRPr>
             </a:lvl4pPr>
-            <a:lvl5pPr indent="-381000" lvl="4" marL="2286000" rtl="0">
+            <a:lvl5pPr marL="2286000" lvl="4" indent="-381000" rtl="0">
               <a:spcBef>
                 <a:spcPts val="2000"/>
               </a:spcBef>
@@ -3860,7 +3816,7 @@
                 </a:solidFill>
               </a:defRPr>
             </a:lvl5pPr>
-            <a:lvl6pPr indent="-381000" lvl="5" marL="2743200" rtl="0">
+            <a:lvl6pPr marL="2743200" lvl="5" indent="-381000" rtl="0">
               <a:spcBef>
                 <a:spcPts val="2000"/>
               </a:spcBef>
@@ -3878,7 +3834,7 @@
                 </a:solidFill>
               </a:defRPr>
             </a:lvl6pPr>
-            <a:lvl7pPr indent="-381000" lvl="6" marL="3200400" rtl="0">
+            <a:lvl7pPr marL="3200400" lvl="6" indent="-381000" rtl="0">
               <a:spcBef>
                 <a:spcPts val="2000"/>
               </a:spcBef>
@@ -3896,7 +3852,7 @@
                 </a:solidFill>
               </a:defRPr>
             </a:lvl7pPr>
-            <a:lvl8pPr indent="-381000" lvl="7" marL="3657600" rtl="0">
+            <a:lvl8pPr marL="3657600" lvl="7" indent="-381000" rtl="0">
               <a:spcBef>
                 <a:spcPts val="2000"/>
               </a:spcBef>
@@ -3914,7 +3870,7 @@
                 </a:solidFill>
               </a:defRPr>
             </a:lvl8pPr>
-            <a:lvl9pPr indent="-381000" lvl="8" marL="4114800" rtl="0">
+            <a:lvl9pPr marL="4114800" lvl="8" indent="-381000" rtl="0">
               <a:spcBef>
                 <a:spcPts val="2000"/>
               </a:spcBef>
@@ -3933,7 +3889,9 @@
               </a:defRPr>
             </a:lvl9pPr>
           </a:lstStyle>
-          <a:p/>
+          <a:p>
+            <a:endParaRPr/>
+          </a:p>
         </p:txBody>
       </p:sp>
       <p:sp>
@@ -3958,12 +3916,12 @@
           </a:ln>
         </p:spPr>
         <p:txBody>
-          <a:bodyPr anchorCtr="0" anchor="ctr" bIns="91425" lIns="91425" spcFirstLastPara="1" rIns="91425" wrap="square" tIns="91425">
+          <a:bodyPr spcFirstLastPara="1" wrap="square" lIns="91425" tIns="91425" rIns="91425" bIns="91425" anchor="ctr" anchorCtr="0">
             <a:noAutofit/>
           </a:bodyPr>
           <a:lstStyle/>
           <a:p>
-            <a:pPr indent="0" lvl="0" marL="0" rtl="0" algn="ctr">
+            <a:pPr marL="0" lvl="0" indent="0" algn="ctr" rtl="0">
               <a:spcBef>
                 <a:spcPts val="0"/>
               </a:spcBef>
@@ -3972,9 +3930,6 @@
               </a:spcAft>
               <a:buNone/>
             </a:pPr>
-            <a:r>
-              <a:t/>
-            </a:r>
             <a:endParaRPr>
               <a:latin typeface="Open Sans"/>
               <a:ea typeface="Open Sans"/>
@@ -4019,7 +3974,7 @@
   </p:clrMapOvr>
   <p:extLst>
     <p:ext uri="{DCECCB84-F9BA-43D5-87BE-67443E8EF086}">
-      <p15:sldGuideLst>
+      <p15:sldGuideLst xmlns:p15="http://schemas.microsoft.com/office/powerpoint/2012/main">
         <p15:guide id="1" pos="432">
           <p15:clr>
             <a:schemeClr val="accent1"/>
@@ -4072,18 +4027,19 @@
 </file>
 
 <file path=ppt/slideLayouts/slideLayout4.xml><?xml version="1.0" encoding="utf-8"?>
-<p:sldLayout xmlns:a="http://schemas.openxmlformats.org/drawingml/2006/main" xmlns:r="http://schemas.openxmlformats.org/officeDocument/2006/relationships" xmlns:mc="http://schemas.openxmlformats.org/markup-compatibility/2006" xmlns:mv="urn:schemas-microsoft-com:mac:vml" xmlns:p="http://schemas.openxmlformats.org/presentationml/2006/main" xmlns:c="http://schemas.openxmlformats.org/drawingml/2006/chart" xmlns:dgm="http://schemas.openxmlformats.org/drawingml/2006/diagram" xmlns:o="urn:schemas-microsoft-com:office:office" xmlns:v="urn:schemas-microsoft-com:vml" xmlns:pvml="urn:schemas-microsoft-com:office:powerpoint" xmlns:com="http://schemas.openxmlformats.org/drawingml/2006/compatibility" xmlns:p14="http://schemas.microsoft.com/office/powerpoint/2010/main" xmlns:p15="http://schemas.microsoft.com/office/powerpoint/2012/main" xmlns:ahyp="http://schemas.microsoft.com/office/drawing/2018/hyperlinkcolor" matchingName="2.g Full Graphic">
+<p:sldLayout xmlns:a="http://schemas.openxmlformats.org/drawingml/2006/main" xmlns:r="http://schemas.openxmlformats.org/officeDocument/2006/relationships" xmlns:p="http://schemas.openxmlformats.org/presentationml/2006/main" matchingName="2.g Full Graphic">
   <p:cSld name="TITLE_ONLY_1_1_1">
     <p:bg>
       <p:bgPr>
         <a:solidFill>
           <a:schemeClr val="lt1"/>
         </a:solidFill>
+        <a:effectLst/>
       </p:bgPr>
     </p:bg>
     <p:spTree>
       <p:nvGrpSpPr>
-        <p:cNvPr id="32" name="Shape 32"/>
+        <p:cNvPr id="1" name="Shape 32"/>
         <p:cNvGrpSpPr/>
         <p:nvPr/>
       </p:nvGrpSpPr>
@@ -4117,12 +4073,12 @@
           </a:ln>
         </p:spPr>
         <p:txBody>
-          <a:bodyPr anchorCtr="0" anchor="ctr" bIns="182850" lIns="182850" spcFirstLastPara="1" rIns="182850" wrap="square" tIns="182850">
+          <a:bodyPr spcFirstLastPara="1" wrap="square" lIns="182850" tIns="182850" rIns="182850" bIns="182850" anchor="ctr" anchorCtr="0">
             <a:noAutofit/>
           </a:bodyPr>
           <a:lstStyle/>
           <a:p>
-            <a:pPr indent="0" lvl="0" marL="0" rtl="0" algn="l">
+            <a:pPr marL="0" lvl="0" indent="0" algn="l" rtl="0">
               <a:spcBef>
                 <a:spcPts val="0"/>
               </a:spcBef>
@@ -4131,9 +4087,6 @@
               </a:spcAft>
               <a:buNone/>
             </a:pPr>
-            <a:r>
-              <a:t/>
-            </a:r>
             <a:endParaRPr/>
           </a:p>
         </p:txBody>
@@ -4141,7 +4094,9 @@
       <p:sp>
         <p:nvSpPr>
           <p:cNvPr id="34" name="Google Shape;34;p5"/>
-          <p:cNvSpPr txBox="1"/>
+          <p:cNvSpPr txBox="1">
+            <a:spLocks noGrp="1"/>
+          </p:cNvSpPr>
           <p:nvPr>
             <p:ph type="title"/>
           </p:nvPr>
@@ -4156,7 +4111,7 @@
           </a:prstGeom>
         </p:spPr>
         <p:txBody>
-          <a:bodyPr anchorCtr="0" anchor="ctr" bIns="0" lIns="0" spcFirstLastPara="1" rIns="0" wrap="square" tIns="0">
+          <a:bodyPr spcFirstLastPara="1" wrap="square" lIns="0" tIns="0" rIns="0" bIns="0" anchor="ctr" anchorCtr="0">
             <a:noAutofit/>
           </a:bodyPr>
           <a:lstStyle>
@@ -4328,7 +4283,9 @@
               </a:defRPr>
             </a:lvl9pPr>
           </a:lstStyle>
-          <a:p/>
+          <a:p>
+            <a:endParaRPr/>
+          </a:p>
         </p:txBody>
       </p:sp>
       <p:pic>
@@ -4366,7 +4323,7 @@
   </p:clrMapOvr>
   <p:extLst>
     <p:ext uri="{DCECCB84-F9BA-43D5-87BE-67443E8EF086}">
-      <p15:sldGuideLst>
+      <p15:sldGuideLst xmlns:p15="http://schemas.microsoft.com/office/powerpoint/2012/main">
         <p15:guide id="1" pos="432">
           <p15:clr>
             <a:schemeClr val="accent1"/>
@@ -4404,11 +4361,11 @@
 </file>
 
 <file path=ppt/slideLayouts/slideLayout5.xml><?xml version="1.0" encoding="utf-8"?>
-<p:sldLayout xmlns:a="http://schemas.openxmlformats.org/drawingml/2006/main" xmlns:r="http://schemas.openxmlformats.org/officeDocument/2006/relationships" xmlns:mc="http://schemas.openxmlformats.org/markup-compatibility/2006" xmlns:mv="urn:schemas-microsoft-com:mac:vml" xmlns:p="http://schemas.openxmlformats.org/presentationml/2006/main" xmlns:c="http://schemas.openxmlformats.org/drawingml/2006/chart" xmlns:dgm="http://schemas.openxmlformats.org/drawingml/2006/diagram" xmlns:o="urn:schemas-microsoft-com:office:office" xmlns:v="urn:schemas-microsoft-com:vml" xmlns:pvml="urn:schemas-microsoft-com:office:powerpoint" xmlns:com="http://schemas.openxmlformats.org/drawingml/2006/compatibility" xmlns:p14="http://schemas.microsoft.com/office/powerpoint/2010/main" xmlns:p15="http://schemas.microsoft.com/office/powerpoint/2012/main" xmlns:ahyp="http://schemas.microsoft.com/office/drawing/2018/hyperlinkcolor" matchingName="2.b Third Card">
+<p:sldLayout xmlns:a="http://schemas.openxmlformats.org/drawingml/2006/main" xmlns:r="http://schemas.openxmlformats.org/officeDocument/2006/relationships" xmlns:p="http://schemas.openxmlformats.org/presentationml/2006/main" matchingName="2.b Third Card">
   <p:cSld name="TITLE_AND_BODY_1_1_1_3">
     <p:spTree>
       <p:nvGrpSpPr>
-        <p:cNvPr id="36" name="Shape 36"/>
+        <p:cNvPr id="1" name="Shape 36"/>
         <p:cNvGrpSpPr/>
         <p:nvPr/>
       </p:nvGrpSpPr>
@@ -4470,12 +4427,12 @@
           </a:ln>
         </p:spPr>
         <p:txBody>
-          <a:bodyPr anchorCtr="0" anchor="ctr" bIns="91425" lIns="91425" spcFirstLastPara="1" rIns="91425" wrap="square" tIns="91425">
+          <a:bodyPr spcFirstLastPara="1" wrap="square" lIns="91425" tIns="91425" rIns="91425" bIns="91425" anchor="ctr" anchorCtr="0">
             <a:noAutofit/>
           </a:bodyPr>
           <a:lstStyle/>
           <a:p>
-            <a:pPr indent="0" lvl="0" marL="0" rtl="0" algn="ctr">
+            <a:pPr marL="0" lvl="0" indent="0" algn="ctr" rtl="0">
               <a:spcBef>
                 <a:spcPts val="0"/>
               </a:spcBef>
@@ -4484,9 +4441,6 @@
               </a:spcAft>
               <a:buNone/>
             </a:pPr>
-            <a:r>
-              <a:t/>
-            </a:r>
             <a:endParaRPr>
               <a:latin typeface="Open Sans"/>
               <a:ea typeface="Open Sans"/>
@@ -4545,7 +4499,7 @@
             <a:noFill/>
           </a:ln>
           <a:effectLst>
-            <a:outerShdw blurRad="714375" rotWithShape="0" algn="bl" dir="5400000" dist="238125">
+            <a:outerShdw blurRad="714375" dist="238125" dir="5400000" algn="bl" rotWithShape="0">
               <a:srgbClr val="000000">
                 <a:alpha val="25000"/>
               </a:srgbClr>
@@ -4553,12 +4507,12 @@
           </a:effectLst>
         </p:spPr>
         <p:txBody>
-          <a:bodyPr anchorCtr="0" anchor="ctr" bIns="91450" lIns="91450" spcFirstLastPara="1" rIns="91450" wrap="square" tIns="91450">
+          <a:bodyPr spcFirstLastPara="1" wrap="square" lIns="91450" tIns="91450" rIns="91450" bIns="91450" anchor="ctr" anchorCtr="0">
             <a:noAutofit/>
           </a:bodyPr>
           <a:lstStyle/>
           <a:p>
-            <a:pPr indent="0" lvl="0" marL="0" rtl="0" algn="l">
+            <a:pPr marL="0" lvl="0" indent="0" algn="l" rtl="0">
               <a:spcBef>
                 <a:spcPts val="0"/>
               </a:spcBef>
@@ -4567,9 +4521,6 @@
               </a:spcAft>
               <a:buNone/>
             </a:pPr>
-            <a:r>
-              <a:t/>
-            </a:r>
             <a:endParaRPr/>
           </a:p>
         </p:txBody>
@@ -4587,7 +4538,7 @@
           </a:xfrm>
           <a:prstGeom prst="round1Rect">
             <a:avLst>
-              <a:gd fmla="val 28421" name="adj"/>
+              <a:gd name="adj" fmla="val 28421"/>
             </a:avLst>
           </a:prstGeom>
           <a:solidFill>
@@ -4598,12 +4549,12 @@
           </a:ln>
         </p:spPr>
         <p:txBody>
-          <a:bodyPr anchorCtr="0" anchor="ctr" bIns="91450" lIns="91450" spcFirstLastPara="1" rIns="91450" wrap="square" tIns="91450">
+          <a:bodyPr spcFirstLastPara="1" wrap="square" lIns="91450" tIns="91450" rIns="91450" bIns="91450" anchor="ctr" anchorCtr="0">
             <a:noAutofit/>
           </a:bodyPr>
           <a:lstStyle/>
           <a:p>
-            <a:pPr indent="0" lvl="0" marL="0" rtl="0" algn="l">
+            <a:pPr marL="0" lvl="0" indent="0" algn="l" rtl="0">
               <a:spcBef>
                 <a:spcPts val="0"/>
               </a:spcBef>
@@ -4612,9 +4563,6 @@
               </a:spcAft>
               <a:buNone/>
             </a:pPr>
-            <a:r>
-              <a:t/>
-            </a:r>
             <a:endParaRPr/>
           </a:p>
         </p:txBody>
@@ -4639,12 +4587,12 @@
           </a:ln>
         </p:spPr>
         <p:txBody>
-          <a:bodyPr anchorCtr="0" anchor="t" bIns="0" lIns="0" spcFirstLastPara="1" rIns="0" wrap="square" tIns="0">
+          <a:bodyPr spcFirstLastPara="1" wrap="square" lIns="0" tIns="0" rIns="0" bIns="0" anchor="t" anchorCtr="0">
             <a:noAutofit/>
           </a:bodyPr>
           <a:lstStyle/>
           <a:p>
-            <a:pPr indent="0" lvl="0" marL="0" rtl="0" algn="l">
+            <a:pPr marL="0" lvl="0" indent="0" algn="l" rtl="0">
               <a:lnSpc>
                 <a:spcPct val="115000"/>
               </a:lnSpc>
@@ -4656,10 +4604,7 @@
               </a:spcAft>
               <a:buNone/>
             </a:pPr>
-            <a:r>
-              <a:t/>
-            </a:r>
-            <a:endParaRPr b="1" sz="2600">
+            <a:endParaRPr sz="2600" b="1">
               <a:solidFill>
                 <a:srgbClr val="0B0B0B"/>
               </a:solidFill>
@@ -4674,9 +4619,11 @@
       <p:sp>
         <p:nvSpPr>
           <p:cNvPr id="43" name="Google Shape;43;p6"/>
-          <p:cNvSpPr txBox="1"/>
+          <p:cNvSpPr txBox="1">
+            <a:spLocks noGrp="1"/>
+          </p:cNvSpPr>
           <p:nvPr>
-            <p:ph idx="1" type="body"/>
+            <p:ph type="body" idx="1"/>
           </p:nvPr>
         </p:nvSpPr>
         <p:spPr>
@@ -4689,11 +4636,11 @@
           </a:prstGeom>
         </p:spPr>
         <p:txBody>
-          <a:bodyPr anchorCtr="0" anchor="t" bIns="0" lIns="0" spcFirstLastPara="1" rIns="0" wrap="square" tIns="0">
+          <a:bodyPr spcFirstLastPara="1" wrap="square" lIns="0" tIns="0" rIns="0" bIns="0" anchor="t" anchorCtr="0">
             <a:noAutofit/>
           </a:bodyPr>
           <a:lstStyle>
-            <a:lvl1pPr indent="-457200" lvl="0" marL="457200" rtl="0">
+            <a:lvl1pPr marL="457200" lvl="0" indent="-457200" rtl="0">
               <a:spcBef>
                 <a:spcPts val="0"/>
               </a:spcBef>
@@ -4711,7 +4658,7 @@
                 </a:solidFill>
               </a:defRPr>
             </a:lvl1pPr>
-            <a:lvl2pPr indent="-419100" lvl="1" marL="914400" rtl="0">
+            <a:lvl2pPr marL="914400" lvl="1" indent="-419100" rtl="0">
               <a:spcBef>
                 <a:spcPts val="2000"/>
               </a:spcBef>
@@ -4729,7 +4676,7 @@
                 </a:solidFill>
               </a:defRPr>
             </a:lvl2pPr>
-            <a:lvl3pPr indent="-381000" lvl="2" marL="1371600" rtl="0">
+            <a:lvl3pPr marL="1371600" lvl="2" indent="-381000" rtl="0">
               <a:spcBef>
                 <a:spcPts val="2000"/>
               </a:spcBef>
@@ -4747,7 +4694,7 @@
                 </a:solidFill>
               </a:defRPr>
             </a:lvl3pPr>
-            <a:lvl4pPr indent="-381000" lvl="3" marL="1828800" rtl="0">
+            <a:lvl4pPr marL="1828800" lvl="3" indent="-381000" rtl="0">
               <a:spcBef>
                 <a:spcPts val="2000"/>
               </a:spcBef>
@@ -4765,7 +4712,7 @@
                 </a:solidFill>
               </a:defRPr>
             </a:lvl4pPr>
-            <a:lvl5pPr indent="-381000" lvl="4" marL="2286000" rtl="0">
+            <a:lvl5pPr marL="2286000" lvl="4" indent="-381000" rtl="0">
               <a:spcBef>
                 <a:spcPts val="2000"/>
               </a:spcBef>
@@ -4783,7 +4730,7 @@
                 </a:solidFill>
               </a:defRPr>
             </a:lvl5pPr>
-            <a:lvl6pPr indent="-381000" lvl="5" marL="2743200" rtl="0">
+            <a:lvl6pPr marL="2743200" lvl="5" indent="-381000" rtl="0">
               <a:spcBef>
                 <a:spcPts val="2000"/>
               </a:spcBef>
@@ -4801,7 +4748,7 @@
                 </a:solidFill>
               </a:defRPr>
             </a:lvl6pPr>
-            <a:lvl7pPr indent="-381000" lvl="6" marL="3200400" rtl="0">
+            <a:lvl7pPr marL="3200400" lvl="6" indent="-381000" rtl="0">
               <a:spcBef>
                 <a:spcPts val="2000"/>
               </a:spcBef>
@@ -4819,7 +4766,7 @@
                 </a:solidFill>
               </a:defRPr>
             </a:lvl7pPr>
-            <a:lvl8pPr indent="-381000" lvl="7" marL="3657600" rtl="0">
+            <a:lvl8pPr marL="3657600" lvl="7" indent="-381000" rtl="0">
               <a:spcBef>
                 <a:spcPts val="2000"/>
               </a:spcBef>
@@ -4837,7 +4784,7 @@
                 </a:solidFill>
               </a:defRPr>
             </a:lvl8pPr>
-            <a:lvl9pPr indent="-381000" lvl="8" marL="4114800" rtl="0">
+            <a:lvl9pPr marL="4114800" lvl="8" indent="-381000" rtl="0">
               <a:spcBef>
                 <a:spcPts val="2000"/>
               </a:spcBef>
@@ -4856,15 +4803,19 @@
               </a:defRPr>
             </a:lvl9pPr>
           </a:lstStyle>
-          <a:p/>
+          <a:p>
+            <a:endParaRPr/>
+          </a:p>
         </p:txBody>
       </p:sp>
       <p:sp>
         <p:nvSpPr>
           <p:cNvPr id="44" name="Google Shape;44;p6"/>
-          <p:cNvSpPr txBox="1"/>
+          <p:cNvSpPr txBox="1">
+            <a:spLocks noGrp="1"/>
+          </p:cNvSpPr>
           <p:nvPr>
-            <p:ph idx="2" type="subTitle"/>
+            <p:ph type="subTitle" idx="2"/>
           </p:nvPr>
         </p:nvSpPr>
         <p:spPr>
@@ -4877,7 +4828,7 @@
           </a:prstGeom>
         </p:spPr>
         <p:txBody>
-          <a:bodyPr anchorCtr="0" anchor="t" bIns="0" lIns="0" spcFirstLastPara="1" rIns="0" wrap="square" tIns="0">
+          <a:bodyPr spcFirstLastPara="1" wrap="square" lIns="0" tIns="0" rIns="0" bIns="0" anchor="t" anchorCtr="0">
             <a:noAutofit/>
           </a:bodyPr>
           <a:lstStyle>
@@ -4901,7 +4852,7 @@
               </a:spcAft>
               <a:buSzPts val="3600"/>
               <a:buNone/>
-              <a:defRPr b="1" sz="3600"/>
+              <a:defRPr sz="3600" b="1"/>
             </a:lvl2pPr>
             <a:lvl3pPr lvl="2" rtl="0">
               <a:spcBef>
@@ -4912,7 +4863,7 @@
               </a:spcAft>
               <a:buSzPts val="3600"/>
               <a:buNone/>
-              <a:defRPr b="1" sz="3600"/>
+              <a:defRPr sz="3600" b="1"/>
             </a:lvl3pPr>
             <a:lvl4pPr lvl="3" rtl="0">
               <a:spcBef>
@@ -4923,7 +4874,7 @@
               </a:spcAft>
               <a:buSzPts val="3600"/>
               <a:buNone/>
-              <a:defRPr b="1" sz="3600"/>
+              <a:defRPr sz="3600" b="1"/>
             </a:lvl4pPr>
             <a:lvl5pPr lvl="4" rtl="0">
               <a:spcBef>
@@ -4934,7 +4885,7 @@
               </a:spcAft>
               <a:buSzPts val="3600"/>
               <a:buNone/>
-              <a:defRPr b="1" sz="3600"/>
+              <a:defRPr sz="3600" b="1"/>
             </a:lvl5pPr>
             <a:lvl6pPr lvl="5" rtl="0">
               <a:spcBef>
@@ -4945,7 +4896,7 @@
               </a:spcAft>
               <a:buSzPts val="3600"/>
               <a:buNone/>
-              <a:defRPr b="1" sz="3600"/>
+              <a:defRPr sz="3600" b="1"/>
             </a:lvl6pPr>
             <a:lvl7pPr lvl="6" rtl="0">
               <a:spcBef>
@@ -4956,7 +4907,7 @@
               </a:spcAft>
               <a:buSzPts val="3600"/>
               <a:buNone/>
-              <a:defRPr b="1" sz="3600"/>
+              <a:defRPr sz="3600" b="1"/>
             </a:lvl7pPr>
             <a:lvl8pPr lvl="7" rtl="0">
               <a:spcBef>
@@ -4967,7 +4918,7 @@
               </a:spcAft>
               <a:buSzPts val="3600"/>
               <a:buNone/>
-              <a:defRPr b="1" sz="3600"/>
+              <a:defRPr sz="3600" b="1"/>
             </a:lvl8pPr>
             <a:lvl9pPr lvl="8" rtl="0">
               <a:spcBef>
@@ -4978,16 +4929,20 @@
               </a:spcAft>
               <a:buSzPts val="3600"/>
               <a:buNone/>
-              <a:defRPr b="1" sz="3600"/>
+              <a:defRPr sz="3600" b="1"/>
             </a:lvl9pPr>
           </a:lstStyle>
-          <a:p/>
+          <a:p>
+            <a:endParaRPr/>
+          </a:p>
         </p:txBody>
       </p:sp>
       <p:sp>
         <p:nvSpPr>
           <p:cNvPr id="45" name="Google Shape;45;p6"/>
-          <p:cNvSpPr txBox="1"/>
+          <p:cNvSpPr txBox="1">
+            <a:spLocks noGrp="1"/>
+          </p:cNvSpPr>
           <p:nvPr>
             <p:ph type="title"/>
           </p:nvPr>
@@ -5002,7 +4957,7 @@
           </a:prstGeom>
         </p:spPr>
         <p:txBody>
-          <a:bodyPr anchorCtr="0" anchor="ctr" bIns="0" lIns="0" spcFirstLastPara="1" rIns="0" wrap="square" tIns="0">
+          <a:bodyPr spcFirstLastPara="1" wrap="square" lIns="0" tIns="0" rIns="0" bIns="0" anchor="ctr" anchorCtr="0">
             <a:noAutofit/>
           </a:bodyPr>
           <a:lstStyle>
@@ -5112,15 +5067,19 @@
               <a:defRPr/>
             </a:lvl9pPr>
           </a:lstStyle>
-          <a:p/>
+          <a:p>
+            <a:endParaRPr/>
+          </a:p>
         </p:txBody>
       </p:sp>
       <p:sp>
         <p:nvSpPr>
           <p:cNvPr id="46" name="Google Shape;46;p6"/>
-          <p:cNvSpPr txBox="1"/>
+          <p:cNvSpPr txBox="1">
+            <a:spLocks noGrp="1"/>
+          </p:cNvSpPr>
           <p:nvPr>
-            <p:ph idx="3" type="body"/>
+            <p:ph type="body" idx="3"/>
           </p:nvPr>
         </p:nvSpPr>
         <p:spPr>
@@ -5133,11 +5092,11 @@
           </a:prstGeom>
         </p:spPr>
         <p:txBody>
-          <a:bodyPr anchorCtr="0" anchor="t" bIns="0" lIns="0" spcFirstLastPara="1" rIns="0" wrap="square" tIns="0">
+          <a:bodyPr spcFirstLastPara="1" wrap="square" lIns="0" tIns="0" rIns="0" bIns="0" anchor="t" anchorCtr="0">
             <a:noAutofit/>
           </a:bodyPr>
           <a:lstStyle>
-            <a:lvl1pPr indent="-457200" lvl="0" marL="457200" rtl="0">
+            <a:lvl1pPr marL="457200" lvl="0" indent="-457200" rtl="0">
               <a:spcBef>
                 <a:spcPts val="0"/>
               </a:spcBef>
@@ -5155,7 +5114,7 @@
                 </a:solidFill>
               </a:defRPr>
             </a:lvl1pPr>
-            <a:lvl2pPr indent="-419100" lvl="1" marL="914400" rtl="0">
+            <a:lvl2pPr marL="914400" lvl="1" indent="-419100" rtl="0">
               <a:spcBef>
                 <a:spcPts val="2000"/>
               </a:spcBef>
@@ -5173,7 +5132,7 @@
                 </a:solidFill>
               </a:defRPr>
             </a:lvl2pPr>
-            <a:lvl3pPr indent="-381000" lvl="2" marL="1371600" rtl="0">
+            <a:lvl3pPr marL="1371600" lvl="2" indent="-381000" rtl="0">
               <a:spcBef>
                 <a:spcPts val="2000"/>
               </a:spcBef>
@@ -5191,7 +5150,7 @@
                 </a:solidFill>
               </a:defRPr>
             </a:lvl3pPr>
-            <a:lvl4pPr indent="-381000" lvl="3" marL="1828800" rtl="0">
+            <a:lvl4pPr marL="1828800" lvl="3" indent="-381000" rtl="0">
               <a:spcBef>
                 <a:spcPts val="2000"/>
               </a:spcBef>
@@ -5209,7 +5168,7 @@
                 </a:solidFill>
               </a:defRPr>
             </a:lvl4pPr>
-            <a:lvl5pPr indent="-381000" lvl="4" marL="2286000" rtl="0">
+            <a:lvl5pPr marL="2286000" lvl="4" indent="-381000" rtl="0">
               <a:spcBef>
                 <a:spcPts val="2000"/>
               </a:spcBef>
@@ -5227,7 +5186,7 @@
                 </a:solidFill>
               </a:defRPr>
             </a:lvl5pPr>
-            <a:lvl6pPr indent="-381000" lvl="5" marL="2743200" rtl="0">
+            <a:lvl6pPr marL="2743200" lvl="5" indent="-381000" rtl="0">
               <a:spcBef>
                 <a:spcPts val="2000"/>
               </a:spcBef>
@@ -5245,7 +5204,7 @@
                 </a:solidFill>
               </a:defRPr>
             </a:lvl6pPr>
-            <a:lvl7pPr indent="-381000" lvl="6" marL="3200400" rtl="0">
+            <a:lvl7pPr marL="3200400" lvl="6" indent="-381000" rtl="0">
               <a:spcBef>
                 <a:spcPts val="2000"/>
               </a:spcBef>
@@ -5263,7 +5222,7 @@
                 </a:solidFill>
               </a:defRPr>
             </a:lvl7pPr>
-            <a:lvl8pPr indent="-381000" lvl="7" marL="3657600" rtl="0">
+            <a:lvl8pPr marL="3657600" lvl="7" indent="-381000" rtl="0">
               <a:spcBef>
                 <a:spcPts val="2000"/>
               </a:spcBef>
@@ -5281,7 +5240,7 @@
                 </a:solidFill>
               </a:defRPr>
             </a:lvl8pPr>
-            <a:lvl9pPr indent="-381000" lvl="8" marL="4114800" rtl="0">
+            <a:lvl9pPr marL="4114800" lvl="8" indent="-381000" rtl="0">
               <a:spcBef>
                 <a:spcPts val="2000"/>
               </a:spcBef>
@@ -5300,7 +5259,9 @@
               </a:defRPr>
             </a:lvl9pPr>
           </a:lstStyle>
-          <a:p/>
+          <a:p>
+            <a:endParaRPr/>
+          </a:p>
         </p:txBody>
       </p:sp>
     </p:spTree>
@@ -5310,7 +5271,7 @@
   </p:clrMapOvr>
   <p:extLst>
     <p:ext uri="{DCECCB84-F9BA-43D5-87BE-67443E8EF086}">
-      <p15:sldGuideLst>
+      <p15:sldGuideLst xmlns:p15="http://schemas.microsoft.com/office/powerpoint/2012/main">
         <p15:guide id="1" pos="432">
           <p15:clr>
             <a:schemeClr val="accent1"/>
@@ -5378,11 +5339,11 @@
 </file>
 
 <file path=ppt/slideLayouts/slideLayout6.xml><?xml version="1.0" encoding="utf-8"?>
-<p:sldLayout xmlns:a="http://schemas.openxmlformats.org/drawingml/2006/main" xmlns:r="http://schemas.openxmlformats.org/officeDocument/2006/relationships" xmlns:mc="http://schemas.openxmlformats.org/markup-compatibility/2006" xmlns:mv="urn:schemas-microsoft-com:mac:vml" xmlns:p="http://schemas.openxmlformats.org/presentationml/2006/main" xmlns:c="http://schemas.openxmlformats.org/drawingml/2006/chart" xmlns:dgm="http://schemas.openxmlformats.org/drawingml/2006/diagram" xmlns:o="urn:schemas-microsoft-com:office:office" xmlns:v="urn:schemas-microsoft-com:vml" xmlns:pvml="urn:schemas-microsoft-com:office:powerpoint" xmlns:com="http://schemas.openxmlformats.org/drawingml/2006/compatibility" xmlns:p14="http://schemas.microsoft.com/office/powerpoint/2010/main" xmlns:p15="http://schemas.microsoft.com/office/powerpoint/2012/main" xmlns:ahyp="http://schemas.microsoft.com/office/drawing/2018/hyperlinkcolor" matchingName="2.c Half Card">
+<p:sldLayout xmlns:a="http://schemas.openxmlformats.org/drawingml/2006/main" xmlns:r="http://schemas.openxmlformats.org/officeDocument/2006/relationships" xmlns:p="http://schemas.openxmlformats.org/presentationml/2006/main" matchingName="2.c Half Card">
   <p:cSld name="TITLE_AND_BODY_1_1_1_2">
     <p:spTree>
       <p:nvGrpSpPr>
-        <p:cNvPr id="47" name="Shape 47"/>
+        <p:cNvPr id="1" name="Shape 47"/>
         <p:cNvGrpSpPr/>
         <p:nvPr/>
       </p:nvGrpSpPr>
@@ -5444,12 +5405,12 @@
           </a:ln>
         </p:spPr>
         <p:txBody>
-          <a:bodyPr anchorCtr="0" anchor="ctr" bIns="91425" lIns="91425" spcFirstLastPara="1" rIns="91425" wrap="square" tIns="91425">
+          <a:bodyPr spcFirstLastPara="1" wrap="square" lIns="91425" tIns="91425" rIns="91425" bIns="91425" anchor="ctr" anchorCtr="0">
             <a:noAutofit/>
           </a:bodyPr>
           <a:lstStyle/>
           <a:p>
-            <a:pPr indent="0" lvl="0" marL="0" rtl="0" algn="ctr">
+            <a:pPr marL="0" lvl="0" indent="0" algn="ctr" rtl="0">
               <a:spcBef>
                 <a:spcPts val="0"/>
               </a:spcBef>
@@ -5458,9 +5419,6 @@
               </a:spcAft>
               <a:buNone/>
             </a:pPr>
-            <a:r>
-              <a:t/>
-            </a:r>
             <a:endParaRPr>
               <a:latin typeface="Open Sans"/>
               <a:ea typeface="Open Sans"/>
@@ -5519,7 +5477,7 @@
             <a:noFill/>
           </a:ln>
           <a:effectLst>
-            <a:outerShdw blurRad="714375" rotWithShape="0" algn="bl" dir="5400000" dist="238125">
+            <a:outerShdw blurRad="714375" dist="238125" dir="5400000" algn="bl" rotWithShape="0">
               <a:srgbClr val="000000">
                 <a:alpha val="25000"/>
               </a:srgbClr>
@@ -5527,12 +5485,12 @@
           </a:effectLst>
         </p:spPr>
         <p:txBody>
-          <a:bodyPr anchorCtr="0" anchor="ctr" bIns="91450" lIns="91450" spcFirstLastPara="1" rIns="91450" wrap="square" tIns="91450">
+          <a:bodyPr spcFirstLastPara="1" wrap="square" lIns="91450" tIns="91450" rIns="91450" bIns="91450" anchor="ctr" anchorCtr="0">
             <a:noAutofit/>
           </a:bodyPr>
           <a:lstStyle/>
           <a:p>
-            <a:pPr indent="0" lvl="0" marL="0" rtl="0" algn="l">
+            <a:pPr marL="0" lvl="0" indent="0" algn="l" rtl="0">
               <a:spcBef>
                 <a:spcPts val="0"/>
               </a:spcBef>
@@ -5541,9 +5499,6 @@
               </a:spcAft>
               <a:buNone/>
             </a:pPr>
-            <a:r>
-              <a:t/>
-            </a:r>
             <a:endParaRPr/>
           </a:p>
         </p:txBody>
@@ -5561,7 +5516,7 @@
           </a:xfrm>
           <a:prstGeom prst="round1Rect">
             <a:avLst>
-              <a:gd fmla="val 22136" name="adj"/>
+              <a:gd name="adj" fmla="val 22136"/>
             </a:avLst>
           </a:prstGeom>
           <a:solidFill>
@@ -5572,12 +5527,12 @@
           </a:ln>
         </p:spPr>
         <p:txBody>
-          <a:bodyPr anchorCtr="0" anchor="ctr" bIns="91450" lIns="91450" spcFirstLastPara="1" rIns="91450" wrap="square" tIns="91450">
+          <a:bodyPr spcFirstLastPara="1" wrap="square" lIns="91450" tIns="91450" rIns="91450" bIns="91450" anchor="ctr" anchorCtr="0">
             <a:noAutofit/>
           </a:bodyPr>
           <a:lstStyle/>
           <a:p>
-            <a:pPr indent="0" lvl="0" marL="0" rtl="0" algn="l">
+            <a:pPr marL="0" lvl="0" indent="0" algn="l" rtl="0">
               <a:spcBef>
                 <a:spcPts val="0"/>
               </a:spcBef>
@@ -5586,9 +5541,6 @@
               </a:spcAft>
               <a:buNone/>
             </a:pPr>
-            <a:r>
-              <a:t/>
-            </a:r>
             <a:endParaRPr/>
           </a:p>
         </p:txBody>
@@ -5596,9 +5548,11 @@
       <p:sp>
         <p:nvSpPr>
           <p:cNvPr id="53" name="Google Shape;53;p7"/>
-          <p:cNvSpPr txBox="1"/>
+          <p:cNvSpPr txBox="1">
+            <a:spLocks noGrp="1"/>
+          </p:cNvSpPr>
           <p:nvPr>
-            <p:ph idx="1" type="body"/>
+            <p:ph type="body" idx="1"/>
           </p:nvPr>
         </p:nvSpPr>
         <p:spPr>
@@ -5611,11 +5565,11 @@
           </a:prstGeom>
         </p:spPr>
         <p:txBody>
-          <a:bodyPr anchorCtr="0" anchor="t" bIns="0" lIns="0" spcFirstLastPara="1" rIns="0" wrap="square" tIns="0">
+          <a:bodyPr spcFirstLastPara="1" wrap="square" lIns="0" tIns="0" rIns="0" bIns="0" anchor="t" anchorCtr="0">
             <a:noAutofit/>
           </a:bodyPr>
           <a:lstStyle>
-            <a:lvl1pPr indent="-457200" lvl="0" marL="457200" rtl="0">
+            <a:lvl1pPr marL="457200" lvl="0" indent="-457200" rtl="0">
               <a:spcBef>
                 <a:spcPts val="0"/>
               </a:spcBef>
@@ -5633,7 +5587,7 @@
                 </a:solidFill>
               </a:defRPr>
             </a:lvl1pPr>
-            <a:lvl2pPr indent="-419100" lvl="1" marL="914400" rtl="0">
+            <a:lvl2pPr marL="914400" lvl="1" indent="-419100" rtl="0">
               <a:spcBef>
                 <a:spcPts val="2000"/>
               </a:spcBef>
@@ -5651,7 +5605,7 @@
                 </a:solidFill>
               </a:defRPr>
             </a:lvl2pPr>
-            <a:lvl3pPr indent="-381000" lvl="2" marL="1371600" rtl="0">
+            <a:lvl3pPr marL="1371600" lvl="2" indent="-381000" rtl="0">
               <a:spcBef>
                 <a:spcPts val="2000"/>
               </a:spcBef>
@@ -5669,7 +5623,7 @@
                 </a:solidFill>
               </a:defRPr>
             </a:lvl3pPr>
-            <a:lvl4pPr indent="-381000" lvl="3" marL="1828800" rtl="0">
+            <a:lvl4pPr marL="1828800" lvl="3" indent="-381000" rtl="0">
               <a:spcBef>
                 <a:spcPts val="2000"/>
               </a:spcBef>
@@ -5687,7 +5641,7 @@
                 </a:solidFill>
               </a:defRPr>
             </a:lvl4pPr>
-            <a:lvl5pPr indent="-381000" lvl="4" marL="2286000" rtl="0">
+            <a:lvl5pPr marL="2286000" lvl="4" indent="-381000" rtl="0">
               <a:spcBef>
                 <a:spcPts val="2000"/>
               </a:spcBef>
@@ -5705,7 +5659,7 @@
                 </a:solidFill>
               </a:defRPr>
             </a:lvl5pPr>
-            <a:lvl6pPr indent="-381000" lvl="5" marL="2743200" rtl="0">
+            <a:lvl6pPr marL="2743200" lvl="5" indent="-381000" rtl="0">
               <a:spcBef>
                 <a:spcPts val="2000"/>
               </a:spcBef>
@@ -5723,7 +5677,7 @@
                 </a:solidFill>
               </a:defRPr>
             </a:lvl6pPr>
-            <a:lvl7pPr indent="-381000" lvl="6" marL="3200400" rtl="0">
+            <a:lvl7pPr marL="3200400" lvl="6" indent="-381000" rtl="0">
               <a:spcBef>
                 <a:spcPts val="2000"/>
               </a:spcBef>
@@ -5741,7 +5695,7 @@
                 </a:solidFill>
               </a:defRPr>
             </a:lvl7pPr>
-            <a:lvl8pPr indent="-381000" lvl="7" marL="3657600" rtl="0">
+            <a:lvl8pPr marL="3657600" lvl="7" indent="-381000" rtl="0">
               <a:spcBef>
                 <a:spcPts val="2000"/>
               </a:spcBef>
@@ -5759,7 +5713,7 @@
                 </a:solidFill>
               </a:defRPr>
             </a:lvl8pPr>
-            <a:lvl9pPr indent="-381000" lvl="8" marL="4114800" rtl="0">
+            <a:lvl9pPr marL="4114800" lvl="8" indent="-381000" rtl="0">
               <a:spcBef>
                 <a:spcPts val="2000"/>
               </a:spcBef>
@@ -5778,15 +5732,19 @@
               </a:defRPr>
             </a:lvl9pPr>
           </a:lstStyle>
-          <a:p/>
+          <a:p>
+            <a:endParaRPr/>
+          </a:p>
         </p:txBody>
       </p:sp>
       <p:sp>
         <p:nvSpPr>
           <p:cNvPr id="54" name="Google Shape;54;p7"/>
-          <p:cNvSpPr txBox="1"/>
+          <p:cNvSpPr txBox="1">
+            <a:spLocks noGrp="1"/>
+          </p:cNvSpPr>
           <p:nvPr>
-            <p:ph idx="2" type="subTitle"/>
+            <p:ph type="subTitle" idx="2"/>
           </p:nvPr>
         </p:nvSpPr>
         <p:spPr>
@@ -5799,7 +5757,7 @@
           </a:prstGeom>
         </p:spPr>
         <p:txBody>
-          <a:bodyPr anchorCtr="0" anchor="t" bIns="0" lIns="0" spcFirstLastPara="1" rIns="0" wrap="square" tIns="0">
+          <a:bodyPr spcFirstLastPara="1" wrap="square" lIns="0" tIns="0" rIns="0" bIns="0" anchor="t" anchorCtr="0">
             <a:noAutofit/>
           </a:bodyPr>
           <a:lstStyle>
@@ -5823,7 +5781,7 @@
               </a:spcAft>
               <a:buSzPts val="3600"/>
               <a:buNone/>
-              <a:defRPr b="1" sz="3600"/>
+              <a:defRPr sz="3600" b="1"/>
             </a:lvl2pPr>
             <a:lvl3pPr lvl="2" rtl="0">
               <a:spcBef>
@@ -5834,7 +5792,7 @@
               </a:spcAft>
               <a:buSzPts val="3600"/>
               <a:buNone/>
-              <a:defRPr b="1" sz="3600"/>
+              <a:defRPr sz="3600" b="1"/>
             </a:lvl3pPr>
             <a:lvl4pPr lvl="3" rtl="0">
               <a:spcBef>
@@ -5845,7 +5803,7 @@
               </a:spcAft>
               <a:buSzPts val="3600"/>
               <a:buNone/>
-              <a:defRPr b="1" sz="3600"/>
+              <a:defRPr sz="3600" b="1"/>
             </a:lvl4pPr>
             <a:lvl5pPr lvl="4" rtl="0">
               <a:spcBef>
@@ -5856,7 +5814,7 @@
               </a:spcAft>
               <a:buSzPts val="3600"/>
               <a:buNone/>
-              <a:defRPr b="1" sz="3600"/>
+              <a:defRPr sz="3600" b="1"/>
             </a:lvl5pPr>
             <a:lvl6pPr lvl="5" rtl="0">
               <a:spcBef>
@@ -5867,7 +5825,7 @@
               </a:spcAft>
               <a:buSzPts val="3600"/>
               <a:buNone/>
-              <a:defRPr b="1" sz="3600"/>
+              <a:defRPr sz="3600" b="1"/>
             </a:lvl6pPr>
             <a:lvl7pPr lvl="6" rtl="0">
               <a:spcBef>
@@ -5878,7 +5836,7 @@
               </a:spcAft>
               <a:buSzPts val="3600"/>
               <a:buNone/>
-              <a:defRPr b="1" sz="3600"/>
+              <a:defRPr sz="3600" b="1"/>
             </a:lvl7pPr>
             <a:lvl8pPr lvl="7" rtl="0">
               <a:spcBef>
@@ -5889,7 +5847,7 @@
               </a:spcAft>
               <a:buSzPts val="3600"/>
               <a:buNone/>
-              <a:defRPr b="1" sz="3600"/>
+              <a:defRPr sz="3600" b="1"/>
             </a:lvl8pPr>
             <a:lvl9pPr lvl="8" rtl="0">
               <a:spcBef>
@@ -5900,16 +5858,20 @@
               </a:spcAft>
               <a:buSzPts val="3600"/>
               <a:buNone/>
-              <a:defRPr b="1" sz="3600"/>
+              <a:defRPr sz="3600" b="1"/>
             </a:lvl9pPr>
           </a:lstStyle>
-          <a:p/>
+          <a:p>
+            <a:endParaRPr/>
+          </a:p>
         </p:txBody>
       </p:sp>
       <p:sp>
         <p:nvSpPr>
           <p:cNvPr id="55" name="Google Shape;55;p7"/>
-          <p:cNvSpPr txBox="1"/>
+          <p:cNvSpPr txBox="1">
+            <a:spLocks noGrp="1"/>
+          </p:cNvSpPr>
           <p:nvPr>
             <p:ph type="title"/>
           </p:nvPr>
@@ -5924,7 +5886,7 @@
           </a:prstGeom>
         </p:spPr>
         <p:txBody>
-          <a:bodyPr anchorCtr="0" anchor="ctr" bIns="0" lIns="0" spcFirstLastPara="1" rIns="0" wrap="square" tIns="0">
+          <a:bodyPr spcFirstLastPara="1" wrap="square" lIns="0" tIns="0" rIns="0" bIns="0" anchor="ctr" anchorCtr="0">
             <a:noAutofit/>
           </a:bodyPr>
           <a:lstStyle>
@@ -6034,15 +5996,19 @@
               <a:defRPr/>
             </a:lvl9pPr>
           </a:lstStyle>
-          <a:p/>
+          <a:p>
+            <a:endParaRPr/>
+          </a:p>
         </p:txBody>
       </p:sp>
       <p:sp>
         <p:nvSpPr>
           <p:cNvPr id="56" name="Google Shape;56;p7"/>
-          <p:cNvSpPr txBox="1"/>
+          <p:cNvSpPr txBox="1">
+            <a:spLocks noGrp="1"/>
+          </p:cNvSpPr>
           <p:nvPr>
-            <p:ph idx="3" type="body"/>
+            <p:ph type="body" idx="3"/>
           </p:nvPr>
         </p:nvSpPr>
         <p:spPr>
@@ -6055,11 +6021,11 @@
           </a:prstGeom>
         </p:spPr>
         <p:txBody>
-          <a:bodyPr anchorCtr="0" anchor="t" bIns="0" lIns="0" spcFirstLastPara="1" rIns="0" wrap="square" tIns="0">
+          <a:bodyPr spcFirstLastPara="1" wrap="square" lIns="0" tIns="0" rIns="0" bIns="0" anchor="t" anchorCtr="0">
             <a:noAutofit/>
           </a:bodyPr>
           <a:lstStyle>
-            <a:lvl1pPr indent="-457200" lvl="0" marL="457200" rtl="0">
+            <a:lvl1pPr marL="457200" lvl="0" indent="-457200" rtl="0">
               <a:spcBef>
                 <a:spcPts val="0"/>
               </a:spcBef>
@@ -6077,7 +6043,7 @@
                 </a:solidFill>
               </a:defRPr>
             </a:lvl1pPr>
-            <a:lvl2pPr indent="-419100" lvl="1" marL="914400" rtl="0">
+            <a:lvl2pPr marL="914400" lvl="1" indent="-419100" rtl="0">
               <a:spcBef>
                 <a:spcPts val="2000"/>
               </a:spcBef>
@@ -6095,7 +6061,7 @@
                 </a:solidFill>
               </a:defRPr>
             </a:lvl2pPr>
-            <a:lvl3pPr indent="-381000" lvl="2" marL="1371600" rtl="0">
+            <a:lvl3pPr marL="1371600" lvl="2" indent="-381000" rtl="0">
               <a:spcBef>
                 <a:spcPts val="2000"/>
               </a:spcBef>
@@ -6113,7 +6079,7 @@
                 </a:solidFill>
               </a:defRPr>
             </a:lvl3pPr>
-            <a:lvl4pPr indent="-381000" lvl="3" marL="1828800" rtl="0">
+            <a:lvl4pPr marL="1828800" lvl="3" indent="-381000" rtl="0">
               <a:spcBef>
                 <a:spcPts val="2000"/>
               </a:spcBef>
@@ -6131,7 +6097,7 @@
                 </a:solidFill>
               </a:defRPr>
             </a:lvl4pPr>
-            <a:lvl5pPr indent="-381000" lvl="4" marL="2286000" rtl="0">
+            <a:lvl5pPr marL="2286000" lvl="4" indent="-381000" rtl="0">
               <a:spcBef>
                 <a:spcPts val="2000"/>
               </a:spcBef>
@@ -6149,7 +6115,7 @@
                 </a:solidFill>
               </a:defRPr>
             </a:lvl5pPr>
-            <a:lvl6pPr indent="-381000" lvl="5" marL="2743200" rtl="0">
+            <a:lvl6pPr marL="2743200" lvl="5" indent="-381000" rtl="0">
               <a:spcBef>
                 <a:spcPts val="2000"/>
               </a:spcBef>
@@ -6167,7 +6133,7 @@
                 </a:solidFill>
               </a:defRPr>
             </a:lvl6pPr>
-            <a:lvl7pPr indent="-381000" lvl="6" marL="3200400" rtl="0">
+            <a:lvl7pPr marL="3200400" lvl="6" indent="-381000" rtl="0">
               <a:spcBef>
                 <a:spcPts val="2000"/>
               </a:spcBef>
@@ -6185,7 +6151,7 @@
                 </a:solidFill>
               </a:defRPr>
             </a:lvl7pPr>
-            <a:lvl8pPr indent="-381000" lvl="7" marL="3657600" rtl="0">
+            <a:lvl8pPr marL="3657600" lvl="7" indent="-381000" rtl="0">
               <a:spcBef>
                 <a:spcPts val="2000"/>
               </a:spcBef>
@@ -6203,7 +6169,7 @@
                 </a:solidFill>
               </a:defRPr>
             </a:lvl8pPr>
-            <a:lvl9pPr indent="-381000" lvl="8" marL="4114800" rtl="0">
+            <a:lvl9pPr marL="4114800" lvl="8" indent="-381000" rtl="0">
               <a:spcBef>
                 <a:spcPts val="2000"/>
               </a:spcBef>
@@ -6222,7 +6188,9 @@
               </a:defRPr>
             </a:lvl9pPr>
           </a:lstStyle>
-          <a:p/>
+          <a:p>
+            <a:endParaRPr/>
+          </a:p>
         </p:txBody>
       </p:sp>
     </p:spTree>
@@ -6232,7 +6200,7 @@
   </p:clrMapOvr>
   <p:extLst>
     <p:ext uri="{DCECCB84-F9BA-43D5-87BE-67443E8EF086}">
-      <p15:sldGuideLst>
+      <p15:sldGuideLst xmlns:p15="http://schemas.microsoft.com/office/powerpoint/2012/main">
         <p15:guide id="1" pos="432">
           <p15:clr>
             <a:schemeClr val="accent1"/>
@@ -6295,11 +6263,11 @@
 </file>
 
 <file path=ppt/slideLayouts/slideLayout7.xml><?xml version="1.0" encoding="utf-8"?>
-<p:sldLayout xmlns:a="http://schemas.openxmlformats.org/drawingml/2006/main" xmlns:r="http://schemas.openxmlformats.org/officeDocument/2006/relationships" xmlns:mc="http://schemas.openxmlformats.org/markup-compatibility/2006" xmlns:mv="urn:schemas-microsoft-com:mac:vml" xmlns:p="http://schemas.openxmlformats.org/presentationml/2006/main" xmlns:c="http://schemas.openxmlformats.org/drawingml/2006/chart" xmlns:dgm="http://schemas.openxmlformats.org/drawingml/2006/diagram" xmlns:o="urn:schemas-microsoft-com:office:office" xmlns:v="urn:schemas-microsoft-com:vml" xmlns:pvml="urn:schemas-microsoft-com:office:powerpoint" xmlns:com="http://schemas.openxmlformats.org/drawingml/2006/compatibility" xmlns:p14="http://schemas.microsoft.com/office/powerpoint/2010/main" xmlns:p15="http://schemas.microsoft.com/office/powerpoint/2012/main" xmlns:ahyp="http://schemas.microsoft.com/office/drawing/2018/hyperlinkcolor" matchingName="2.e Dual Card">
+<p:sldLayout xmlns:a="http://schemas.openxmlformats.org/drawingml/2006/main" xmlns:r="http://schemas.openxmlformats.org/officeDocument/2006/relationships" xmlns:p="http://schemas.openxmlformats.org/presentationml/2006/main" matchingName="2.e Dual Card">
   <p:cSld name="CUSTOM_11">
     <p:spTree>
       <p:nvGrpSpPr>
-        <p:cNvPr id="57" name="Shape 57"/>
+        <p:cNvPr id="1" name="Shape 57"/>
         <p:cNvGrpSpPr/>
         <p:nvPr/>
       </p:nvGrpSpPr>
@@ -6361,12 +6329,12 @@
           </a:ln>
         </p:spPr>
         <p:txBody>
-          <a:bodyPr anchorCtr="0" anchor="ctr" bIns="91425" lIns="91425" spcFirstLastPara="1" rIns="91425" wrap="square" tIns="91425">
+          <a:bodyPr spcFirstLastPara="1" wrap="square" lIns="91425" tIns="91425" rIns="91425" bIns="91425" anchor="ctr" anchorCtr="0">
             <a:noAutofit/>
           </a:bodyPr>
           <a:lstStyle/>
           <a:p>
-            <a:pPr indent="0" lvl="0" marL="0" rtl="0" algn="ctr">
+            <a:pPr marL="0" lvl="0" indent="0" algn="ctr" rtl="0">
               <a:spcBef>
                 <a:spcPts val="0"/>
               </a:spcBef>
@@ -6375,9 +6343,6 @@
               </a:spcAft>
               <a:buNone/>
             </a:pPr>
-            <a:r>
-              <a:t/>
-            </a:r>
             <a:endParaRPr>
               <a:latin typeface="Open Sans"/>
               <a:ea typeface="Open Sans"/>
@@ -6436,7 +6401,7 @@
             <a:noFill/>
           </a:ln>
           <a:effectLst>
-            <a:outerShdw blurRad="714375" rotWithShape="0" algn="bl" dir="5400000" dist="238125">
+            <a:outerShdw blurRad="714375" dist="238125" dir="5400000" algn="bl" rotWithShape="0">
               <a:srgbClr val="000000">
                 <a:alpha val="25000"/>
               </a:srgbClr>
@@ -6444,12 +6409,12 @@
           </a:effectLst>
         </p:spPr>
         <p:txBody>
-          <a:bodyPr anchorCtr="0" anchor="ctr" bIns="91450" lIns="91450" spcFirstLastPara="1" rIns="91450" wrap="square" tIns="91450">
+          <a:bodyPr spcFirstLastPara="1" wrap="square" lIns="91450" tIns="91450" rIns="91450" bIns="91450" anchor="ctr" anchorCtr="0">
             <a:noAutofit/>
           </a:bodyPr>
           <a:lstStyle/>
           <a:p>
-            <a:pPr indent="0" lvl="0" marL="0" rtl="0" algn="l">
+            <a:pPr marL="0" lvl="0" indent="0" algn="l" rtl="0">
               <a:spcBef>
                 <a:spcPts val="0"/>
               </a:spcBef>
@@ -6458,9 +6423,6 @@
               </a:spcAft>
               <a:buNone/>
             </a:pPr>
-            <a:r>
-              <a:t/>
-            </a:r>
             <a:endParaRPr/>
           </a:p>
         </p:txBody>
@@ -6478,7 +6440,7 @@
           </a:xfrm>
           <a:prstGeom prst="round1Rect">
             <a:avLst>
-              <a:gd fmla="val 22136" name="adj"/>
+              <a:gd name="adj" fmla="val 22136"/>
             </a:avLst>
           </a:prstGeom>
           <a:solidFill>
@@ -6489,12 +6451,12 @@
           </a:ln>
         </p:spPr>
         <p:txBody>
-          <a:bodyPr anchorCtr="0" anchor="ctr" bIns="91450" lIns="91450" spcFirstLastPara="1" rIns="91450" wrap="square" tIns="91450">
+          <a:bodyPr spcFirstLastPara="1" wrap="square" lIns="91450" tIns="91450" rIns="91450" bIns="91450" anchor="ctr" anchorCtr="0">
             <a:noAutofit/>
           </a:bodyPr>
           <a:lstStyle/>
           <a:p>
-            <a:pPr indent="0" lvl="0" marL="0" rtl="0" algn="l">
+            <a:pPr marL="0" lvl="0" indent="0" algn="l" rtl="0">
               <a:spcBef>
                 <a:spcPts val="0"/>
               </a:spcBef>
@@ -6503,9 +6465,6 @@
               </a:spcAft>
               <a:buNone/>
             </a:pPr>
-            <a:r>
-              <a:t/>
-            </a:r>
             <a:endParaRPr/>
           </a:p>
         </p:txBody>
@@ -6517,13 +6476,13 @@
           <p:nvPr/>
         </p:nvSpPr>
         <p:spPr>
-          <a:xfrm flipH="1" rot="-5400000">
+          <a:xfrm rot="-5400000" flipH="1">
             <a:off x="846450" y="495600"/>
             <a:ext cx="7786200" cy="8137800"/>
           </a:xfrm>
           <a:prstGeom prst="round1Rect">
             <a:avLst>
-              <a:gd fmla="val 22136" name="adj"/>
+              <a:gd name="adj" fmla="val 22136"/>
             </a:avLst>
           </a:prstGeom>
           <a:solidFill>
@@ -6534,12 +6493,12 @@
           </a:ln>
         </p:spPr>
         <p:txBody>
-          <a:bodyPr anchorCtr="0" anchor="ctr" bIns="91450" lIns="91450" spcFirstLastPara="1" rIns="91450" wrap="square" tIns="91450">
+          <a:bodyPr spcFirstLastPara="1" wrap="square" lIns="91450" tIns="91450" rIns="91450" bIns="91450" anchor="ctr" anchorCtr="0">
             <a:noAutofit/>
           </a:bodyPr>
           <a:lstStyle/>
           <a:p>
-            <a:pPr indent="0" lvl="0" marL="0" rtl="0" algn="l">
+            <a:pPr marL="0" lvl="0" indent="0" algn="l" rtl="0">
               <a:spcBef>
                 <a:spcPts val="0"/>
               </a:spcBef>
@@ -6548,9 +6507,6 @@
               </a:spcAft>
               <a:buNone/>
             </a:pPr>
-            <a:r>
-              <a:t/>
-            </a:r>
             <a:endParaRPr/>
           </a:p>
         </p:txBody>
@@ -6558,9 +6514,11 @@
       <p:sp>
         <p:nvSpPr>
           <p:cNvPr id="64" name="Google Shape;64;p8"/>
-          <p:cNvSpPr txBox="1"/>
+          <p:cNvSpPr txBox="1">
+            <a:spLocks noGrp="1"/>
+          </p:cNvSpPr>
           <p:nvPr>
-            <p:ph idx="1" type="body"/>
+            <p:ph type="body" idx="1"/>
           </p:nvPr>
         </p:nvSpPr>
         <p:spPr>
@@ -6573,11 +6531,11 @@
           </a:prstGeom>
         </p:spPr>
         <p:txBody>
-          <a:bodyPr anchorCtr="0" anchor="t" bIns="0" lIns="0" spcFirstLastPara="1" rIns="0" wrap="square" tIns="0">
+          <a:bodyPr spcFirstLastPara="1" wrap="square" lIns="0" tIns="0" rIns="0" bIns="0" anchor="t" anchorCtr="0">
             <a:noAutofit/>
           </a:bodyPr>
           <a:lstStyle>
-            <a:lvl1pPr indent="-457200" lvl="0" marL="457200" rtl="0">
+            <a:lvl1pPr marL="457200" lvl="0" indent="-457200" rtl="0">
               <a:spcBef>
                 <a:spcPts val="0"/>
               </a:spcBef>
@@ -6595,7 +6553,7 @@
                 </a:solidFill>
               </a:defRPr>
             </a:lvl1pPr>
-            <a:lvl2pPr indent="-419100" lvl="1" marL="914400" rtl="0">
+            <a:lvl2pPr marL="914400" lvl="1" indent="-419100" rtl="0">
               <a:spcBef>
                 <a:spcPts val="2000"/>
               </a:spcBef>
@@ -6613,7 +6571,7 @@
                 </a:solidFill>
               </a:defRPr>
             </a:lvl2pPr>
-            <a:lvl3pPr indent="-381000" lvl="2" marL="1371600" rtl="0">
+            <a:lvl3pPr marL="1371600" lvl="2" indent="-381000" rtl="0">
               <a:spcBef>
                 <a:spcPts val="2000"/>
               </a:spcBef>
@@ -6631,7 +6589,7 @@
                 </a:solidFill>
               </a:defRPr>
             </a:lvl3pPr>
-            <a:lvl4pPr indent="-381000" lvl="3" marL="1828800" rtl="0">
+            <a:lvl4pPr marL="1828800" lvl="3" indent="-381000" rtl="0">
               <a:spcBef>
                 <a:spcPts val="2000"/>
               </a:spcBef>
@@ -6649,7 +6607,7 @@
                 </a:solidFill>
               </a:defRPr>
             </a:lvl4pPr>
-            <a:lvl5pPr indent="-381000" lvl="4" marL="2286000" rtl="0">
+            <a:lvl5pPr marL="2286000" lvl="4" indent="-381000" rtl="0">
               <a:spcBef>
                 <a:spcPts val="2000"/>
               </a:spcBef>
@@ -6667,7 +6625,7 @@
                 </a:solidFill>
               </a:defRPr>
             </a:lvl5pPr>
-            <a:lvl6pPr indent="-381000" lvl="5" marL="2743200" rtl="0">
+            <a:lvl6pPr marL="2743200" lvl="5" indent="-381000" rtl="0">
               <a:spcBef>
                 <a:spcPts val="2000"/>
               </a:spcBef>
@@ -6685,7 +6643,7 @@
                 </a:solidFill>
               </a:defRPr>
             </a:lvl6pPr>
-            <a:lvl7pPr indent="-381000" lvl="6" marL="3200400" rtl="0">
+            <a:lvl7pPr marL="3200400" lvl="6" indent="-381000" rtl="0">
               <a:spcBef>
                 <a:spcPts val="2000"/>
               </a:spcBef>
@@ -6703,7 +6661,7 @@
                 </a:solidFill>
               </a:defRPr>
             </a:lvl7pPr>
-            <a:lvl8pPr indent="-381000" lvl="7" marL="3657600" rtl="0">
+            <a:lvl8pPr marL="3657600" lvl="7" indent="-381000" rtl="0">
               <a:spcBef>
                 <a:spcPts val="2000"/>
               </a:spcBef>
@@ -6721,7 +6679,7 @@
                 </a:solidFill>
               </a:defRPr>
             </a:lvl8pPr>
-            <a:lvl9pPr indent="-381000" lvl="8" marL="4114800" rtl="0">
+            <a:lvl9pPr marL="4114800" lvl="8" indent="-381000" rtl="0">
               <a:spcBef>
                 <a:spcPts val="2000"/>
               </a:spcBef>
@@ -6740,15 +6698,19 @@
               </a:defRPr>
             </a:lvl9pPr>
           </a:lstStyle>
-          <a:p/>
+          <a:p>
+            <a:endParaRPr/>
+          </a:p>
         </p:txBody>
       </p:sp>
       <p:sp>
         <p:nvSpPr>
           <p:cNvPr id="65" name="Google Shape;65;p8"/>
-          <p:cNvSpPr txBox="1"/>
+          <p:cNvSpPr txBox="1">
+            <a:spLocks noGrp="1"/>
+          </p:cNvSpPr>
           <p:nvPr>
-            <p:ph idx="2" type="subTitle"/>
+            <p:ph type="subTitle" idx="2"/>
           </p:nvPr>
         </p:nvSpPr>
         <p:spPr>
@@ -6761,7 +6723,7 @@
           </a:prstGeom>
         </p:spPr>
         <p:txBody>
-          <a:bodyPr anchorCtr="0" anchor="t" bIns="0" lIns="0" spcFirstLastPara="1" rIns="0" wrap="square" tIns="0">
+          <a:bodyPr spcFirstLastPara="1" wrap="square" lIns="0" tIns="0" rIns="0" bIns="0" anchor="t" anchorCtr="0">
             <a:noAutofit/>
           </a:bodyPr>
           <a:lstStyle>
@@ -6785,7 +6747,7 @@
               </a:spcAft>
               <a:buSzPts val="3600"/>
               <a:buNone/>
-              <a:defRPr b="1" sz="3600"/>
+              <a:defRPr sz="3600" b="1"/>
             </a:lvl2pPr>
             <a:lvl3pPr lvl="2" rtl="0">
               <a:spcBef>
@@ -6796,7 +6758,7 @@
               </a:spcAft>
               <a:buSzPts val="3600"/>
               <a:buNone/>
-              <a:defRPr b="1" sz="3600"/>
+              <a:defRPr sz="3600" b="1"/>
             </a:lvl3pPr>
             <a:lvl4pPr lvl="3" rtl="0">
               <a:spcBef>
@@ -6807,7 +6769,7 @@
               </a:spcAft>
               <a:buSzPts val="3600"/>
               <a:buNone/>
-              <a:defRPr b="1" sz="3600"/>
+              <a:defRPr sz="3600" b="1"/>
             </a:lvl4pPr>
             <a:lvl5pPr lvl="4" rtl="0">
               <a:spcBef>
@@ -6818,7 +6780,7 @@
               </a:spcAft>
               <a:buSzPts val="3600"/>
               <a:buNone/>
-              <a:defRPr b="1" sz="3600"/>
+              <a:defRPr sz="3600" b="1"/>
             </a:lvl5pPr>
             <a:lvl6pPr lvl="5" rtl="0">
               <a:spcBef>
@@ -6829,7 +6791,7 @@
               </a:spcAft>
               <a:buSzPts val="3600"/>
               <a:buNone/>
-              <a:defRPr b="1" sz="3600"/>
+              <a:defRPr sz="3600" b="1"/>
             </a:lvl6pPr>
             <a:lvl7pPr lvl="6" rtl="0">
               <a:spcBef>
@@ -6840,7 +6802,7 @@
               </a:spcAft>
               <a:buSzPts val="3600"/>
               <a:buNone/>
-              <a:defRPr b="1" sz="3600"/>
+              <a:defRPr sz="3600" b="1"/>
             </a:lvl7pPr>
             <a:lvl8pPr lvl="7" rtl="0">
               <a:spcBef>
@@ -6851,7 +6813,7 @@
               </a:spcAft>
               <a:buSzPts val="3600"/>
               <a:buNone/>
-              <a:defRPr b="1" sz="3600"/>
+              <a:defRPr sz="3600" b="1"/>
             </a:lvl8pPr>
             <a:lvl9pPr lvl="8" rtl="0">
               <a:spcBef>
@@ -6862,18 +6824,22 @@
               </a:spcAft>
               <a:buSzPts val="3600"/>
               <a:buNone/>
-              <a:defRPr b="1" sz="3600"/>
+              <a:defRPr sz="3600" b="1"/>
             </a:lvl9pPr>
           </a:lstStyle>
-          <a:p/>
+          <a:p>
+            <a:endParaRPr/>
+          </a:p>
         </p:txBody>
       </p:sp>
       <p:sp>
         <p:nvSpPr>
           <p:cNvPr id="66" name="Google Shape;66;p8"/>
-          <p:cNvSpPr txBox="1"/>
+          <p:cNvSpPr txBox="1">
+            <a:spLocks noGrp="1"/>
+          </p:cNvSpPr>
           <p:nvPr>
-            <p:ph idx="3" type="body"/>
+            <p:ph type="body" idx="3"/>
           </p:nvPr>
         </p:nvSpPr>
         <p:spPr>
@@ -6886,11 +6852,11 @@
           </a:prstGeom>
         </p:spPr>
         <p:txBody>
-          <a:bodyPr anchorCtr="0" anchor="t" bIns="0" lIns="0" spcFirstLastPara="1" rIns="0" wrap="square" tIns="0">
+          <a:bodyPr spcFirstLastPara="1" wrap="square" lIns="0" tIns="0" rIns="0" bIns="0" anchor="t" anchorCtr="0">
             <a:noAutofit/>
           </a:bodyPr>
           <a:lstStyle>
-            <a:lvl1pPr indent="-457200" lvl="0" marL="457200" rtl="0">
+            <a:lvl1pPr marL="457200" lvl="0" indent="-457200" rtl="0">
               <a:spcBef>
                 <a:spcPts val="0"/>
               </a:spcBef>
@@ -6908,7 +6874,7 @@
                 </a:solidFill>
               </a:defRPr>
             </a:lvl1pPr>
-            <a:lvl2pPr indent="-419100" lvl="1" marL="914400" rtl="0">
+            <a:lvl2pPr marL="914400" lvl="1" indent="-419100" rtl="0">
               <a:spcBef>
                 <a:spcPts val="2000"/>
               </a:spcBef>
@@ -6926,7 +6892,7 @@
                 </a:solidFill>
               </a:defRPr>
             </a:lvl2pPr>
-            <a:lvl3pPr indent="-381000" lvl="2" marL="1371600" rtl="0">
+            <a:lvl3pPr marL="1371600" lvl="2" indent="-381000" rtl="0">
               <a:spcBef>
                 <a:spcPts val="2000"/>
               </a:spcBef>
@@ -6944,7 +6910,7 @@
                 </a:solidFill>
               </a:defRPr>
             </a:lvl3pPr>
-            <a:lvl4pPr indent="-381000" lvl="3" marL="1828800" rtl="0">
+            <a:lvl4pPr marL="1828800" lvl="3" indent="-381000" rtl="0">
               <a:spcBef>
                 <a:spcPts val="2000"/>
               </a:spcBef>
@@ -6962,7 +6928,7 @@
                 </a:solidFill>
               </a:defRPr>
             </a:lvl4pPr>
-            <a:lvl5pPr indent="-381000" lvl="4" marL="2286000" rtl="0">
+            <a:lvl5pPr marL="2286000" lvl="4" indent="-381000" rtl="0">
               <a:spcBef>
                 <a:spcPts val="2000"/>
               </a:spcBef>
@@ -6980,7 +6946,7 @@
                 </a:solidFill>
               </a:defRPr>
             </a:lvl5pPr>
-            <a:lvl6pPr indent="-381000" lvl="5" marL="2743200" rtl="0">
+            <a:lvl6pPr marL="2743200" lvl="5" indent="-381000" rtl="0">
               <a:spcBef>
                 <a:spcPts val="2000"/>
               </a:spcBef>
@@ -6998,7 +6964,7 @@
                 </a:solidFill>
               </a:defRPr>
             </a:lvl6pPr>
-            <a:lvl7pPr indent="-381000" lvl="6" marL="3200400" rtl="0">
+            <a:lvl7pPr marL="3200400" lvl="6" indent="-381000" rtl="0">
               <a:spcBef>
                 <a:spcPts val="2000"/>
               </a:spcBef>
@@ -7016,7 +6982,7 @@
                 </a:solidFill>
               </a:defRPr>
             </a:lvl7pPr>
-            <a:lvl8pPr indent="-381000" lvl="7" marL="3657600" rtl="0">
+            <a:lvl8pPr marL="3657600" lvl="7" indent="-381000" rtl="0">
               <a:spcBef>
                 <a:spcPts val="2000"/>
               </a:spcBef>
@@ -7034,7 +7000,7 @@
                 </a:solidFill>
               </a:defRPr>
             </a:lvl8pPr>
-            <a:lvl9pPr indent="-381000" lvl="8" marL="4114800" rtl="0">
+            <a:lvl9pPr marL="4114800" lvl="8" indent="-381000" rtl="0">
               <a:spcBef>
                 <a:spcPts val="2000"/>
               </a:spcBef>
@@ -7053,15 +7019,19 @@
               </a:defRPr>
             </a:lvl9pPr>
           </a:lstStyle>
-          <a:p/>
+          <a:p>
+            <a:endParaRPr/>
+          </a:p>
         </p:txBody>
       </p:sp>
       <p:sp>
         <p:nvSpPr>
           <p:cNvPr id="67" name="Google Shape;67;p8"/>
-          <p:cNvSpPr txBox="1"/>
+          <p:cNvSpPr txBox="1">
+            <a:spLocks noGrp="1"/>
+          </p:cNvSpPr>
           <p:nvPr>
-            <p:ph idx="4" type="subTitle"/>
+            <p:ph type="subTitle" idx="4"/>
           </p:nvPr>
         </p:nvSpPr>
         <p:spPr>
@@ -7074,7 +7044,7 @@
           </a:prstGeom>
         </p:spPr>
         <p:txBody>
-          <a:bodyPr anchorCtr="0" anchor="t" bIns="0" lIns="0" spcFirstLastPara="1" rIns="0" wrap="square" tIns="0">
+          <a:bodyPr spcFirstLastPara="1" wrap="square" lIns="0" tIns="0" rIns="0" bIns="0" anchor="t" anchorCtr="0">
             <a:noAutofit/>
           </a:bodyPr>
           <a:lstStyle>
@@ -7098,7 +7068,7 @@
               </a:spcAft>
               <a:buSzPts val="3600"/>
               <a:buNone/>
-              <a:defRPr b="1" sz="3600"/>
+              <a:defRPr sz="3600" b="1"/>
             </a:lvl2pPr>
             <a:lvl3pPr lvl="2" rtl="0">
               <a:spcBef>
@@ -7109,7 +7079,7 @@
               </a:spcAft>
               <a:buSzPts val="3600"/>
               <a:buNone/>
-              <a:defRPr b="1" sz="3600"/>
+              <a:defRPr sz="3600" b="1"/>
             </a:lvl3pPr>
             <a:lvl4pPr lvl="3" rtl="0">
               <a:spcBef>
@@ -7120,7 +7090,7 @@
               </a:spcAft>
               <a:buSzPts val="3600"/>
               <a:buNone/>
-              <a:defRPr b="1" sz="3600"/>
+              <a:defRPr sz="3600" b="1"/>
             </a:lvl4pPr>
             <a:lvl5pPr lvl="4" rtl="0">
               <a:spcBef>
@@ -7131,7 +7101,7 @@
               </a:spcAft>
               <a:buSzPts val="3600"/>
               <a:buNone/>
-              <a:defRPr b="1" sz="3600"/>
+              <a:defRPr sz="3600" b="1"/>
             </a:lvl5pPr>
             <a:lvl6pPr lvl="5" rtl="0">
               <a:spcBef>
@@ -7142,7 +7112,7 @@
               </a:spcAft>
               <a:buSzPts val="3600"/>
               <a:buNone/>
-              <a:defRPr b="1" sz="3600"/>
+              <a:defRPr sz="3600" b="1"/>
             </a:lvl6pPr>
             <a:lvl7pPr lvl="6" rtl="0">
               <a:spcBef>
@@ -7153,7 +7123,7 @@
               </a:spcAft>
               <a:buSzPts val="3600"/>
               <a:buNone/>
-              <a:defRPr b="1" sz="3600"/>
+              <a:defRPr sz="3600" b="1"/>
             </a:lvl7pPr>
             <a:lvl8pPr lvl="7" rtl="0">
               <a:spcBef>
@@ -7164,7 +7134,7 @@
               </a:spcAft>
               <a:buSzPts val="3600"/>
               <a:buNone/>
-              <a:defRPr b="1" sz="3600"/>
+              <a:defRPr sz="3600" b="1"/>
             </a:lvl8pPr>
             <a:lvl9pPr lvl="8" rtl="0">
               <a:spcBef>
@@ -7175,10 +7145,12 @@
               </a:spcAft>
               <a:buSzPts val="3600"/>
               <a:buNone/>
-              <a:defRPr b="1" sz="3600"/>
+              <a:defRPr sz="3600" b="1"/>
             </a:lvl9pPr>
           </a:lstStyle>
-          <a:p/>
+          <a:p>
+            <a:endParaRPr/>
+          </a:p>
         </p:txBody>
       </p:sp>
     </p:spTree>
@@ -7188,7 +7160,7 @@
   </p:clrMapOvr>
   <p:extLst>
     <p:ext uri="{DCECCB84-F9BA-43D5-87BE-67443E8EF086}">
-      <p15:sldGuideLst>
+      <p15:sldGuideLst xmlns:p15="http://schemas.microsoft.com/office/powerpoint/2012/main">
         <p15:guide id="1" orient="horz" pos="2880">
           <p15:clr>
             <a:srgbClr val="FF0000"/>
@@ -7266,11 +7238,11 @@
 </file>
 
 <file path=ppt/slideLayouts/slideLayout8.xml><?xml version="1.0" encoding="utf-8"?>
-<p:sldLayout xmlns:a="http://schemas.openxmlformats.org/drawingml/2006/main" xmlns:r="http://schemas.openxmlformats.org/officeDocument/2006/relationships" xmlns:mc="http://schemas.openxmlformats.org/markup-compatibility/2006" xmlns:mv="urn:schemas-microsoft-com:mac:vml" xmlns:p="http://schemas.openxmlformats.org/presentationml/2006/main" xmlns:c="http://schemas.openxmlformats.org/drawingml/2006/chart" xmlns:dgm="http://schemas.openxmlformats.org/drawingml/2006/diagram" xmlns:o="urn:schemas-microsoft-com:office:office" xmlns:v="urn:schemas-microsoft-com:vml" xmlns:pvml="urn:schemas-microsoft-com:office:powerpoint" xmlns:com="http://schemas.openxmlformats.org/drawingml/2006/compatibility" xmlns:p14="http://schemas.microsoft.com/office/powerpoint/2010/main" xmlns:p15="http://schemas.microsoft.com/office/powerpoint/2012/main" xmlns:ahyp="http://schemas.microsoft.com/office/drawing/2018/hyperlinkcolor" matchingName="2.f Triple Card ">
+<p:sldLayout xmlns:a="http://schemas.openxmlformats.org/drawingml/2006/main" xmlns:r="http://schemas.openxmlformats.org/officeDocument/2006/relationships" xmlns:p="http://schemas.openxmlformats.org/presentationml/2006/main" matchingName="2.f Triple Card ">
   <p:cSld name="CUSTOM_11_1">
     <p:spTree>
       <p:nvGrpSpPr>
-        <p:cNvPr id="68" name="Shape 68"/>
+        <p:cNvPr id="1" name="Shape 68"/>
         <p:cNvGrpSpPr/>
         <p:nvPr/>
       </p:nvGrpSpPr>
@@ -7332,12 +7304,12 @@
           </a:ln>
         </p:spPr>
         <p:txBody>
-          <a:bodyPr anchorCtr="0" anchor="ctr" bIns="91425" lIns="91425" spcFirstLastPara="1" rIns="91425" wrap="square" tIns="91425">
+          <a:bodyPr spcFirstLastPara="1" wrap="square" lIns="91425" tIns="91425" rIns="91425" bIns="91425" anchor="ctr" anchorCtr="0">
             <a:noAutofit/>
           </a:bodyPr>
           <a:lstStyle/>
           <a:p>
-            <a:pPr indent="0" lvl="0" marL="0" rtl="0" algn="ctr">
+            <a:pPr marL="0" lvl="0" indent="0" algn="ctr" rtl="0">
               <a:spcBef>
                 <a:spcPts val="0"/>
               </a:spcBef>
@@ -7346,9 +7318,6 @@
               </a:spcAft>
               <a:buNone/>
             </a:pPr>
-            <a:r>
-              <a:t/>
-            </a:r>
             <a:endParaRPr>
               <a:latin typeface="Open Sans"/>
               <a:ea typeface="Open Sans"/>
@@ -7407,7 +7376,7 @@
             <a:noFill/>
           </a:ln>
           <a:effectLst>
-            <a:outerShdw blurRad="714375" rotWithShape="0" algn="bl" dir="5400000" dist="238125">
+            <a:outerShdw blurRad="714375" dist="238125" dir="5400000" algn="bl" rotWithShape="0">
               <a:srgbClr val="000000">
                 <a:alpha val="25000"/>
               </a:srgbClr>
@@ -7415,12 +7384,12 @@
           </a:effectLst>
         </p:spPr>
         <p:txBody>
-          <a:bodyPr anchorCtr="0" anchor="ctr" bIns="91450" lIns="91450" spcFirstLastPara="1" rIns="91450" wrap="square" tIns="91450">
+          <a:bodyPr spcFirstLastPara="1" wrap="square" lIns="91450" tIns="91450" rIns="91450" bIns="91450" anchor="ctr" anchorCtr="0">
             <a:noAutofit/>
           </a:bodyPr>
           <a:lstStyle/>
           <a:p>
-            <a:pPr indent="0" lvl="0" marL="0" rtl="0" algn="l">
+            <a:pPr marL="0" lvl="0" indent="0" algn="l" rtl="0">
               <a:spcBef>
                 <a:spcPts val="0"/>
               </a:spcBef>
@@ -7429,9 +7398,6 @@
               </a:spcAft>
               <a:buNone/>
             </a:pPr>
-            <a:r>
-              <a:t/>
-            </a:r>
             <a:endParaRPr/>
           </a:p>
         </p:txBody>
@@ -7449,7 +7415,7 @@
           </a:xfrm>
           <a:prstGeom prst="round1Rect">
             <a:avLst>
-              <a:gd fmla="val 22136" name="adj"/>
+              <a:gd name="adj" fmla="val 22136"/>
             </a:avLst>
           </a:prstGeom>
           <a:solidFill>
@@ -7460,12 +7426,12 @@
           </a:ln>
         </p:spPr>
         <p:txBody>
-          <a:bodyPr anchorCtr="0" anchor="ctr" bIns="91450" lIns="91450" spcFirstLastPara="1" rIns="91450" wrap="square" tIns="91450">
+          <a:bodyPr spcFirstLastPara="1" wrap="square" lIns="91450" tIns="91450" rIns="91450" bIns="91450" anchor="ctr" anchorCtr="0">
             <a:noAutofit/>
           </a:bodyPr>
           <a:lstStyle/>
           <a:p>
-            <a:pPr indent="0" lvl="0" marL="0" rtl="0" algn="l">
+            <a:pPr marL="0" lvl="0" indent="0" algn="l" rtl="0">
               <a:spcBef>
                 <a:spcPts val="0"/>
               </a:spcBef>
@@ -7474,9 +7440,6 @@
               </a:spcAft>
               <a:buNone/>
             </a:pPr>
-            <a:r>
-              <a:t/>
-            </a:r>
             <a:endParaRPr/>
           </a:p>
         </p:txBody>
@@ -7494,7 +7457,7 @@
           </a:xfrm>
           <a:prstGeom prst="round1Rect">
             <a:avLst>
-              <a:gd fmla="val 22136" name="adj"/>
+              <a:gd name="adj" fmla="val 22136"/>
             </a:avLst>
           </a:prstGeom>
           <a:solidFill>
@@ -7505,12 +7468,12 @@
           </a:ln>
         </p:spPr>
         <p:txBody>
-          <a:bodyPr anchorCtr="0" anchor="ctr" bIns="91450" lIns="91450" spcFirstLastPara="1" rIns="91450" wrap="square" tIns="91450">
+          <a:bodyPr spcFirstLastPara="1" wrap="square" lIns="91450" tIns="91450" rIns="91450" bIns="91450" anchor="ctr" anchorCtr="0">
             <a:noAutofit/>
           </a:bodyPr>
           <a:lstStyle/>
           <a:p>
-            <a:pPr indent="0" lvl="0" marL="0" rtl="0" algn="l">
+            <a:pPr marL="0" lvl="0" indent="0" algn="l" rtl="0">
               <a:spcBef>
                 <a:spcPts val="0"/>
               </a:spcBef>
@@ -7519,9 +7482,6 @@
               </a:spcAft>
               <a:buNone/>
             </a:pPr>
-            <a:r>
-              <a:t/>
-            </a:r>
             <a:endParaRPr/>
           </a:p>
         </p:txBody>
@@ -7539,7 +7499,7 @@
           </a:xfrm>
           <a:prstGeom prst="round1Rect">
             <a:avLst>
-              <a:gd fmla="val 22136" name="adj"/>
+              <a:gd name="adj" fmla="val 22136"/>
             </a:avLst>
           </a:prstGeom>
           <a:solidFill>
@@ -7550,12 +7510,12 @@
           </a:ln>
         </p:spPr>
         <p:txBody>
-          <a:bodyPr anchorCtr="0" anchor="ctr" bIns="91450" lIns="91450" spcFirstLastPara="1" rIns="91450" wrap="square" tIns="91450">
+          <a:bodyPr spcFirstLastPara="1" wrap="square" lIns="91450" tIns="91450" rIns="91450" bIns="91450" anchor="ctr" anchorCtr="0">
             <a:noAutofit/>
           </a:bodyPr>
           <a:lstStyle/>
           <a:p>
-            <a:pPr indent="0" lvl="0" marL="0" rtl="0" algn="l">
+            <a:pPr marL="0" lvl="0" indent="0" algn="l" rtl="0">
               <a:spcBef>
                 <a:spcPts val="0"/>
               </a:spcBef>
@@ -7564,9 +7524,6 @@
               </a:spcAft>
               <a:buNone/>
             </a:pPr>
-            <a:r>
-              <a:t/>
-            </a:r>
             <a:endParaRPr/>
           </a:p>
         </p:txBody>
@@ -7574,9 +7531,11 @@
       <p:sp>
         <p:nvSpPr>
           <p:cNvPr id="76" name="Google Shape;76;p9"/>
-          <p:cNvSpPr txBox="1"/>
+          <p:cNvSpPr txBox="1">
+            <a:spLocks noGrp="1"/>
+          </p:cNvSpPr>
           <p:nvPr>
-            <p:ph idx="1" type="body"/>
+            <p:ph type="body" idx="1"/>
           </p:nvPr>
         </p:nvSpPr>
         <p:spPr>
@@ -7589,11 +7548,11 @@
           </a:prstGeom>
         </p:spPr>
         <p:txBody>
-          <a:bodyPr anchorCtr="0" anchor="t" bIns="0" lIns="0" spcFirstLastPara="1" rIns="0" wrap="square" tIns="0">
+          <a:bodyPr spcFirstLastPara="1" wrap="square" lIns="0" tIns="0" rIns="0" bIns="0" anchor="t" anchorCtr="0">
             <a:noAutofit/>
           </a:bodyPr>
           <a:lstStyle>
-            <a:lvl1pPr indent="-457200" lvl="0" marL="457200" rtl="0">
+            <a:lvl1pPr marL="457200" lvl="0" indent="-457200" rtl="0">
               <a:spcBef>
                 <a:spcPts val="0"/>
               </a:spcBef>
@@ -7611,7 +7570,7 @@
                 </a:solidFill>
               </a:defRPr>
             </a:lvl1pPr>
-            <a:lvl2pPr indent="-419100" lvl="1" marL="914400" rtl="0">
+            <a:lvl2pPr marL="914400" lvl="1" indent="-419100" rtl="0">
               <a:spcBef>
                 <a:spcPts val="2000"/>
               </a:spcBef>
@@ -7629,7 +7588,7 @@
                 </a:solidFill>
               </a:defRPr>
             </a:lvl2pPr>
-            <a:lvl3pPr indent="-381000" lvl="2" marL="1371600" rtl="0">
+            <a:lvl3pPr marL="1371600" lvl="2" indent="-381000" rtl="0">
               <a:spcBef>
                 <a:spcPts val="2000"/>
               </a:spcBef>
@@ -7647,7 +7606,7 @@
                 </a:solidFill>
               </a:defRPr>
             </a:lvl3pPr>
-            <a:lvl4pPr indent="-381000" lvl="3" marL="1828800" rtl="0">
+            <a:lvl4pPr marL="1828800" lvl="3" indent="-381000" rtl="0">
               <a:spcBef>
                 <a:spcPts val="2000"/>
               </a:spcBef>
@@ -7665,7 +7624,7 @@
                 </a:solidFill>
               </a:defRPr>
             </a:lvl4pPr>
-            <a:lvl5pPr indent="-381000" lvl="4" marL="2286000" rtl="0">
+            <a:lvl5pPr marL="2286000" lvl="4" indent="-381000" rtl="0">
               <a:spcBef>
                 <a:spcPts val="2000"/>
               </a:spcBef>
@@ -7683,7 +7642,7 @@
                 </a:solidFill>
               </a:defRPr>
             </a:lvl5pPr>
-            <a:lvl6pPr indent="-381000" lvl="5" marL="2743200" rtl="0">
+            <a:lvl6pPr marL="2743200" lvl="5" indent="-381000" rtl="0">
               <a:spcBef>
                 <a:spcPts val="2000"/>
               </a:spcBef>
@@ -7701,7 +7660,7 @@
                 </a:solidFill>
               </a:defRPr>
             </a:lvl6pPr>
-            <a:lvl7pPr indent="-381000" lvl="6" marL="3200400" rtl="0">
+            <a:lvl7pPr marL="3200400" lvl="6" indent="-381000" rtl="0">
               <a:spcBef>
                 <a:spcPts val="2000"/>
               </a:spcBef>
@@ -7719,7 +7678,7 @@
                 </a:solidFill>
               </a:defRPr>
             </a:lvl7pPr>
-            <a:lvl8pPr indent="-381000" lvl="7" marL="3657600" rtl="0">
+            <a:lvl8pPr marL="3657600" lvl="7" indent="-381000" rtl="0">
               <a:spcBef>
                 <a:spcPts val="2000"/>
               </a:spcBef>
@@ -7737,7 +7696,7 @@
                 </a:solidFill>
               </a:defRPr>
             </a:lvl8pPr>
-            <a:lvl9pPr indent="-381000" lvl="8" marL="4114800" rtl="0">
+            <a:lvl9pPr marL="4114800" lvl="8" indent="-381000" rtl="0">
               <a:spcBef>
                 <a:spcPts val="2000"/>
               </a:spcBef>
@@ -7756,15 +7715,19 @@
               </a:defRPr>
             </a:lvl9pPr>
           </a:lstStyle>
-          <a:p/>
+          <a:p>
+            <a:endParaRPr/>
+          </a:p>
         </p:txBody>
       </p:sp>
       <p:sp>
         <p:nvSpPr>
           <p:cNvPr id="77" name="Google Shape;77;p9"/>
-          <p:cNvSpPr txBox="1"/>
+          <p:cNvSpPr txBox="1">
+            <a:spLocks noGrp="1"/>
+          </p:cNvSpPr>
           <p:nvPr>
-            <p:ph idx="2" type="subTitle"/>
+            <p:ph type="subTitle" idx="2"/>
           </p:nvPr>
         </p:nvSpPr>
         <p:spPr>
@@ -7777,7 +7740,7 @@
           </a:prstGeom>
         </p:spPr>
         <p:txBody>
-          <a:bodyPr anchorCtr="0" anchor="t" bIns="0" lIns="0" spcFirstLastPara="1" rIns="0" wrap="square" tIns="0">
+          <a:bodyPr spcFirstLastPara="1" wrap="square" lIns="0" tIns="0" rIns="0" bIns="0" anchor="t" anchorCtr="0">
             <a:noAutofit/>
           </a:bodyPr>
           <a:lstStyle>
@@ -7790,7 +7753,7 @@
               </a:spcAft>
               <a:buSzPts val="2600"/>
               <a:buNone/>
-              <a:defRPr b="1" sz="2600"/>
+              <a:defRPr sz="2600" b="1"/>
             </a:lvl1pPr>
             <a:lvl2pPr lvl="1" rtl="0">
               <a:spcBef>
@@ -7801,7 +7764,7 @@
               </a:spcAft>
               <a:buSzPts val="2600"/>
               <a:buNone/>
-              <a:defRPr b="1" sz="2600"/>
+              <a:defRPr sz="2600" b="1"/>
             </a:lvl2pPr>
             <a:lvl3pPr lvl="2" rtl="0">
               <a:spcBef>
@@ -7812,7 +7775,7 @@
               </a:spcAft>
               <a:buSzPts val="2600"/>
               <a:buNone/>
-              <a:defRPr b="1" sz="2600"/>
+              <a:defRPr sz="2600" b="1"/>
             </a:lvl3pPr>
             <a:lvl4pPr lvl="3" rtl="0">
               <a:spcBef>
@@ -7823,7 +7786,7 @@
               </a:spcAft>
               <a:buSzPts val="2600"/>
               <a:buNone/>
-              <a:defRPr b="1" sz="2600"/>
+              <a:defRPr sz="2600" b="1"/>
             </a:lvl4pPr>
             <a:lvl5pPr lvl="4" rtl="0">
               <a:spcBef>
@@ -7834,7 +7797,7 @@
               </a:spcAft>
               <a:buSzPts val="2600"/>
               <a:buNone/>
-              <a:defRPr b="1" sz="2600"/>
+              <a:defRPr sz="2600" b="1"/>
             </a:lvl5pPr>
             <a:lvl6pPr lvl="5" rtl="0">
               <a:spcBef>
@@ -7845,7 +7808,7 @@
               </a:spcAft>
               <a:buSzPts val="2600"/>
               <a:buNone/>
-              <a:defRPr b="1" sz="2600"/>
+              <a:defRPr sz="2600" b="1"/>
             </a:lvl6pPr>
             <a:lvl7pPr lvl="6" rtl="0">
               <a:spcBef>
@@ -7856,7 +7819,7 @@
               </a:spcAft>
               <a:buSzPts val="2600"/>
               <a:buNone/>
-              <a:defRPr b="1" sz="2600"/>
+              <a:defRPr sz="2600" b="1"/>
             </a:lvl7pPr>
             <a:lvl8pPr lvl="7" rtl="0">
               <a:spcBef>
@@ -7867,7 +7830,7 @@
               </a:spcAft>
               <a:buSzPts val="2600"/>
               <a:buNone/>
-              <a:defRPr b="1" sz="2600"/>
+              <a:defRPr sz="2600" b="1"/>
             </a:lvl8pPr>
             <a:lvl9pPr lvl="8" rtl="0">
               <a:spcBef>
@@ -7878,18 +7841,22 @@
               </a:spcAft>
               <a:buSzPts val="2600"/>
               <a:buNone/>
-              <a:defRPr b="1" sz="2600"/>
+              <a:defRPr sz="2600" b="1"/>
             </a:lvl9pPr>
           </a:lstStyle>
-          <a:p/>
+          <a:p>
+            <a:endParaRPr/>
+          </a:p>
         </p:txBody>
       </p:sp>
       <p:sp>
         <p:nvSpPr>
           <p:cNvPr id="78" name="Google Shape;78;p9"/>
-          <p:cNvSpPr txBox="1"/>
+          <p:cNvSpPr txBox="1">
+            <a:spLocks noGrp="1"/>
+          </p:cNvSpPr>
           <p:nvPr>
-            <p:ph idx="3" type="body"/>
+            <p:ph type="body" idx="3"/>
           </p:nvPr>
         </p:nvSpPr>
         <p:spPr>
@@ -7902,11 +7869,11 @@
           </a:prstGeom>
         </p:spPr>
         <p:txBody>
-          <a:bodyPr anchorCtr="0" anchor="t" bIns="0" lIns="0" spcFirstLastPara="1" rIns="0" wrap="square" tIns="0">
+          <a:bodyPr spcFirstLastPara="1" wrap="square" lIns="0" tIns="0" rIns="0" bIns="0" anchor="t" anchorCtr="0">
             <a:noAutofit/>
           </a:bodyPr>
           <a:lstStyle>
-            <a:lvl1pPr indent="-457200" lvl="0" marL="457200" rtl="0">
+            <a:lvl1pPr marL="457200" lvl="0" indent="-457200" rtl="0">
               <a:spcBef>
                 <a:spcPts val="0"/>
               </a:spcBef>
@@ -7924,7 +7891,7 @@
                 </a:solidFill>
               </a:defRPr>
             </a:lvl1pPr>
-            <a:lvl2pPr indent="-419100" lvl="1" marL="914400" rtl="0">
+            <a:lvl2pPr marL="914400" lvl="1" indent="-419100" rtl="0">
               <a:spcBef>
                 <a:spcPts val="2000"/>
               </a:spcBef>
@@ -7942,7 +7909,7 @@
                 </a:solidFill>
               </a:defRPr>
             </a:lvl2pPr>
-            <a:lvl3pPr indent="-381000" lvl="2" marL="1371600" rtl="0">
+            <a:lvl3pPr marL="1371600" lvl="2" indent="-381000" rtl="0">
               <a:spcBef>
                 <a:spcPts val="2000"/>
               </a:spcBef>
@@ -7960,7 +7927,7 @@
                 </a:solidFill>
               </a:defRPr>
             </a:lvl3pPr>
-            <a:lvl4pPr indent="-381000" lvl="3" marL="1828800" rtl="0">
+            <a:lvl4pPr marL="1828800" lvl="3" indent="-381000" rtl="0">
               <a:spcBef>
                 <a:spcPts val="2000"/>
               </a:spcBef>
@@ -7978,7 +7945,7 @@
                 </a:solidFill>
               </a:defRPr>
             </a:lvl4pPr>
-            <a:lvl5pPr indent="-381000" lvl="4" marL="2286000" rtl="0">
+            <a:lvl5pPr marL="2286000" lvl="4" indent="-381000" rtl="0">
               <a:spcBef>
                 <a:spcPts val="2000"/>
               </a:spcBef>
@@ -7996,7 +7963,7 @@
                 </a:solidFill>
               </a:defRPr>
             </a:lvl5pPr>
-            <a:lvl6pPr indent="-381000" lvl="5" marL="2743200" rtl="0">
+            <a:lvl6pPr marL="2743200" lvl="5" indent="-381000" rtl="0">
               <a:spcBef>
                 <a:spcPts val="2000"/>
               </a:spcBef>
@@ -8014,7 +7981,7 @@
                 </a:solidFill>
               </a:defRPr>
             </a:lvl6pPr>
-            <a:lvl7pPr indent="-381000" lvl="6" marL="3200400" rtl="0">
+            <a:lvl7pPr marL="3200400" lvl="6" indent="-381000" rtl="0">
               <a:spcBef>
                 <a:spcPts val="2000"/>
               </a:spcBef>
@@ -8032,7 +7999,7 @@
                 </a:solidFill>
               </a:defRPr>
             </a:lvl7pPr>
-            <a:lvl8pPr indent="-381000" lvl="7" marL="3657600" rtl="0">
+            <a:lvl8pPr marL="3657600" lvl="7" indent="-381000" rtl="0">
               <a:spcBef>
                 <a:spcPts val="2000"/>
               </a:spcBef>
@@ -8050,7 +8017,7 @@
                 </a:solidFill>
               </a:defRPr>
             </a:lvl8pPr>
-            <a:lvl9pPr indent="-381000" lvl="8" marL="4114800" rtl="0">
+            <a:lvl9pPr marL="4114800" lvl="8" indent="-381000" rtl="0">
               <a:spcBef>
                 <a:spcPts val="2000"/>
               </a:spcBef>
@@ -8069,15 +8036,19 @@
               </a:defRPr>
             </a:lvl9pPr>
           </a:lstStyle>
-          <a:p/>
+          <a:p>
+            <a:endParaRPr/>
+          </a:p>
         </p:txBody>
       </p:sp>
       <p:sp>
         <p:nvSpPr>
           <p:cNvPr id="79" name="Google Shape;79;p9"/>
-          <p:cNvSpPr txBox="1"/>
+          <p:cNvSpPr txBox="1">
+            <a:spLocks noGrp="1"/>
+          </p:cNvSpPr>
           <p:nvPr>
-            <p:ph idx="4" type="subTitle"/>
+            <p:ph type="subTitle" idx="4"/>
           </p:nvPr>
         </p:nvSpPr>
         <p:spPr>
@@ -8090,7 +8061,7 @@
           </a:prstGeom>
         </p:spPr>
         <p:txBody>
-          <a:bodyPr anchorCtr="0" anchor="t" bIns="0" lIns="0" spcFirstLastPara="1" rIns="0" wrap="square" tIns="0">
+          <a:bodyPr spcFirstLastPara="1" wrap="square" lIns="0" tIns="0" rIns="0" bIns="0" anchor="t" anchorCtr="0">
             <a:noAutofit/>
           </a:bodyPr>
           <a:lstStyle>
@@ -8103,7 +8074,7 @@
               </a:spcAft>
               <a:buSzPts val="2600"/>
               <a:buNone/>
-              <a:defRPr b="1" sz="2600"/>
+              <a:defRPr sz="2600" b="1"/>
             </a:lvl1pPr>
             <a:lvl2pPr lvl="1" rtl="0">
               <a:spcBef>
@@ -8114,7 +8085,7 @@
               </a:spcAft>
               <a:buSzPts val="2600"/>
               <a:buNone/>
-              <a:defRPr b="1" sz="2600"/>
+              <a:defRPr sz="2600" b="1"/>
             </a:lvl2pPr>
             <a:lvl3pPr lvl="2" rtl="0">
               <a:spcBef>
@@ -8125,7 +8096,7 @@
               </a:spcAft>
               <a:buSzPts val="2600"/>
               <a:buNone/>
-              <a:defRPr b="1" sz="2600"/>
+              <a:defRPr sz="2600" b="1"/>
             </a:lvl3pPr>
             <a:lvl4pPr lvl="3" rtl="0">
               <a:spcBef>
@@ -8136,7 +8107,7 @@
               </a:spcAft>
               <a:buSzPts val="2600"/>
               <a:buNone/>
-              <a:defRPr b="1" sz="2600"/>
+              <a:defRPr sz="2600" b="1"/>
             </a:lvl4pPr>
             <a:lvl5pPr lvl="4" rtl="0">
               <a:spcBef>
@@ -8147,7 +8118,7 @@
               </a:spcAft>
               <a:buSzPts val="2600"/>
               <a:buNone/>
-              <a:defRPr b="1" sz="2600"/>
+              <a:defRPr sz="2600" b="1"/>
             </a:lvl5pPr>
             <a:lvl6pPr lvl="5" rtl="0">
               <a:spcBef>
@@ -8158,7 +8129,7 @@
               </a:spcAft>
               <a:buSzPts val="2600"/>
               <a:buNone/>
-              <a:defRPr b="1" sz="2600"/>
+              <a:defRPr sz="2600" b="1"/>
             </a:lvl6pPr>
             <a:lvl7pPr lvl="6" rtl="0">
               <a:spcBef>
@@ -8169,7 +8140,7 @@
               </a:spcAft>
               <a:buSzPts val="2600"/>
               <a:buNone/>
-              <a:defRPr b="1" sz="2600"/>
+              <a:defRPr sz="2600" b="1"/>
             </a:lvl7pPr>
             <a:lvl8pPr lvl="7" rtl="0">
               <a:spcBef>
@@ -8180,7 +8151,7 @@
               </a:spcAft>
               <a:buSzPts val="2600"/>
               <a:buNone/>
-              <a:defRPr b="1" sz="2600"/>
+              <a:defRPr sz="2600" b="1"/>
             </a:lvl8pPr>
             <a:lvl9pPr lvl="8" rtl="0">
               <a:spcBef>
@@ -8191,18 +8162,22 @@
               </a:spcAft>
               <a:buSzPts val="2600"/>
               <a:buNone/>
-              <a:defRPr b="1" sz="2600"/>
+              <a:defRPr sz="2600" b="1"/>
             </a:lvl9pPr>
           </a:lstStyle>
-          <a:p/>
+          <a:p>
+            <a:endParaRPr/>
+          </a:p>
         </p:txBody>
       </p:sp>
       <p:sp>
         <p:nvSpPr>
           <p:cNvPr id="80" name="Google Shape;80;p9"/>
-          <p:cNvSpPr txBox="1"/>
+          <p:cNvSpPr txBox="1">
+            <a:spLocks noGrp="1"/>
+          </p:cNvSpPr>
           <p:nvPr>
-            <p:ph idx="5" type="body"/>
+            <p:ph type="body" idx="5"/>
           </p:nvPr>
         </p:nvSpPr>
         <p:spPr>
@@ -8215,11 +8190,11 @@
           </a:prstGeom>
         </p:spPr>
         <p:txBody>
-          <a:bodyPr anchorCtr="0" anchor="t" bIns="0" lIns="0" spcFirstLastPara="1" rIns="0" wrap="square" tIns="0">
+          <a:bodyPr spcFirstLastPara="1" wrap="square" lIns="0" tIns="0" rIns="0" bIns="0" anchor="t" anchorCtr="0">
             <a:noAutofit/>
           </a:bodyPr>
           <a:lstStyle>
-            <a:lvl1pPr indent="-457200" lvl="0" marL="457200" rtl="0">
+            <a:lvl1pPr marL="457200" lvl="0" indent="-457200" rtl="0">
               <a:spcBef>
                 <a:spcPts val="0"/>
               </a:spcBef>
@@ -8237,7 +8212,7 @@
                 </a:solidFill>
               </a:defRPr>
             </a:lvl1pPr>
-            <a:lvl2pPr indent="-419100" lvl="1" marL="914400" rtl="0">
+            <a:lvl2pPr marL="914400" lvl="1" indent="-419100" rtl="0">
               <a:spcBef>
                 <a:spcPts val="2000"/>
               </a:spcBef>
@@ -8255,7 +8230,7 @@
                 </a:solidFill>
               </a:defRPr>
             </a:lvl2pPr>
-            <a:lvl3pPr indent="-381000" lvl="2" marL="1371600" rtl="0">
+            <a:lvl3pPr marL="1371600" lvl="2" indent="-381000" rtl="0">
               <a:spcBef>
                 <a:spcPts val="2000"/>
               </a:spcBef>
@@ -8273,7 +8248,7 @@
                 </a:solidFill>
               </a:defRPr>
             </a:lvl3pPr>
-            <a:lvl4pPr indent="-381000" lvl="3" marL="1828800" rtl="0">
+            <a:lvl4pPr marL="1828800" lvl="3" indent="-381000" rtl="0">
               <a:spcBef>
                 <a:spcPts val="2000"/>
               </a:spcBef>
@@ -8291,7 +8266,7 @@
                 </a:solidFill>
               </a:defRPr>
             </a:lvl4pPr>
-            <a:lvl5pPr indent="-381000" lvl="4" marL="2286000" rtl="0">
+            <a:lvl5pPr marL="2286000" lvl="4" indent="-381000" rtl="0">
               <a:spcBef>
                 <a:spcPts val="2000"/>
               </a:spcBef>
@@ -8309,7 +8284,7 @@
                 </a:solidFill>
               </a:defRPr>
             </a:lvl5pPr>
-            <a:lvl6pPr indent="-381000" lvl="5" marL="2743200" rtl="0">
+            <a:lvl6pPr marL="2743200" lvl="5" indent="-381000" rtl="0">
               <a:spcBef>
                 <a:spcPts val="2000"/>
               </a:spcBef>
@@ -8327,7 +8302,7 @@
                 </a:solidFill>
               </a:defRPr>
             </a:lvl6pPr>
-            <a:lvl7pPr indent="-381000" lvl="6" marL="3200400" rtl="0">
+            <a:lvl7pPr marL="3200400" lvl="6" indent="-381000" rtl="0">
               <a:spcBef>
                 <a:spcPts val="2000"/>
               </a:spcBef>
@@ -8345,7 +8320,7 @@
                 </a:solidFill>
               </a:defRPr>
             </a:lvl7pPr>
-            <a:lvl8pPr indent="-381000" lvl="7" marL="3657600" rtl="0">
+            <a:lvl8pPr marL="3657600" lvl="7" indent="-381000" rtl="0">
               <a:spcBef>
                 <a:spcPts val="2000"/>
               </a:spcBef>
@@ -8363,7 +8338,7 @@
                 </a:solidFill>
               </a:defRPr>
             </a:lvl8pPr>
-            <a:lvl9pPr indent="-381000" lvl="8" marL="4114800" rtl="0">
+            <a:lvl9pPr marL="4114800" lvl="8" indent="-381000" rtl="0">
               <a:spcBef>
                 <a:spcPts val="2000"/>
               </a:spcBef>
@@ -8382,15 +8357,19 @@
               </a:defRPr>
             </a:lvl9pPr>
           </a:lstStyle>
-          <a:p/>
+          <a:p>
+            <a:endParaRPr/>
+          </a:p>
         </p:txBody>
       </p:sp>
       <p:sp>
         <p:nvSpPr>
           <p:cNvPr id="81" name="Google Shape;81;p9"/>
-          <p:cNvSpPr txBox="1"/>
+          <p:cNvSpPr txBox="1">
+            <a:spLocks noGrp="1"/>
+          </p:cNvSpPr>
           <p:nvPr>
-            <p:ph idx="6" type="subTitle"/>
+            <p:ph type="subTitle" idx="6"/>
           </p:nvPr>
         </p:nvSpPr>
         <p:spPr>
@@ -8403,7 +8382,7 @@
           </a:prstGeom>
         </p:spPr>
         <p:txBody>
-          <a:bodyPr anchorCtr="0" anchor="t" bIns="0" lIns="0" spcFirstLastPara="1" rIns="0" wrap="square" tIns="0">
+          <a:bodyPr spcFirstLastPara="1" wrap="square" lIns="0" tIns="0" rIns="0" bIns="0" anchor="t" anchorCtr="0">
             <a:noAutofit/>
           </a:bodyPr>
           <a:lstStyle>
@@ -8416,7 +8395,7 @@
               </a:spcAft>
               <a:buSzPts val="2600"/>
               <a:buNone/>
-              <a:defRPr b="1" sz="2600"/>
+              <a:defRPr sz="2600" b="1"/>
             </a:lvl1pPr>
             <a:lvl2pPr lvl="1" rtl="0">
               <a:spcBef>
@@ -8427,7 +8406,7 @@
               </a:spcAft>
               <a:buSzPts val="2600"/>
               <a:buNone/>
-              <a:defRPr b="1" sz="2600"/>
+              <a:defRPr sz="2600" b="1"/>
             </a:lvl2pPr>
             <a:lvl3pPr lvl="2" rtl="0">
               <a:spcBef>
@@ -8438,7 +8417,7 @@
               </a:spcAft>
               <a:buSzPts val="2600"/>
               <a:buNone/>
-              <a:defRPr b="1" sz="2600"/>
+              <a:defRPr sz="2600" b="1"/>
             </a:lvl3pPr>
             <a:lvl4pPr lvl="3" rtl="0">
               <a:spcBef>
@@ -8449,7 +8428,7 @@
               </a:spcAft>
               <a:buSzPts val="2600"/>
               <a:buNone/>
-              <a:defRPr b="1" sz="2600"/>
+              <a:defRPr sz="2600" b="1"/>
             </a:lvl4pPr>
             <a:lvl5pPr lvl="4" rtl="0">
               <a:spcBef>
@@ -8460,7 +8439,7 @@
               </a:spcAft>
               <a:buSzPts val="2600"/>
               <a:buNone/>
-              <a:defRPr b="1" sz="2600"/>
+              <a:defRPr sz="2600" b="1"/>
             </a:lvl5pPr>
             <a:lvl6pPr lvl="5" rtl="0">
               <a:spcBef>
@@ -8471,7 +8450,7 @@
               </a:spcAft>
               <a:buSzPts val="2600"/>
               <a:buNone/>
-              <a:defRPr b="1" sz="2600"/>
+              <a:defRPr sz="2600" b="1"/>
             </a:lvl6pPr>
             <a:lvl7pPr lvl="6" rtl="0">
               <a:spcBef>
@@ -8482,7 +8461,7 @@
               </a:spcAft>
               <a:buSzPts val="2600"/>
               <a:buNone/>
-              <a:defRPr b="1" sz="2600"/>
+              <a:defRPr sz="2600" b="1"/>
             </a:lvl7pPr>
             <a:lvl8pPr lvl="7" rtl="0">
               <a:spcBef>
@@ -8493,7 +8472,7 @@
               </a:spcAft>
               <a:buSzPts val="2600"/>
               <a:buNone/>
-              <a:defRPr b="1" sz="2600"/>
+              <a:defRPr sz="2600" b="1"/>
             </a:lvl8pPr>
             <a:lvl9pPr lvl="8" rtl="0">
               <a:spcBef>
@@ -8504,16 +8483,20 @@
               </a:spcAft>
               <a:buSzPts val="2600"/>
               <a:buNone/>
-              <a:defRPr b="1" sz="2600"/>
+              <a:defRPr sz="2600" b="1"/>
             </a:lvl9pPr>
           </a:lstStyle>
-          <a:p/>
+          <a:p>
+            <a:endParaRPr/>
+          </a:p>
         </p:txBody>
       </p:sp>
       <p:sp>
         <p:nvSpPr>
           <p:cNvPr id="82" name="Google Shape;82;p9"/>
-          <p:cNvSpPr txBox="1"/>
+          <p:cNvSpPr txBox="1">
+            <a:spLocks noGrp="1"/>
+          </p:cNvSpPr>
           <p:nvPr>
             <p:ph type="title"/>
           </p:nvPr>
@@ -8528,7 +8511,7 @@
           </a:prstGeom>
         </p:spPr>
         <p:txBody>
-          <a:bodyPr anchorCtr="0" anchor="ctr" bIns="0" lIns="0" spcFirstLastPara="1" rIns="0" wrap="square" tIns="0">
+          <a:bodyPr spcFirstLastPara="1" wrap="square" lIns="0" tIns="0" rIns="0" bIns="0" anchor="ctr" anchorCtr="0">
             <a:noAutofit/>
           </a:bodyPr>
           <a:lstStyle>
@@ -8638,7 +8621,9 @@
               <a:defRPr/>
             </a:lvl9pPr>
           </a:lstStyle>
-          <a:p/>
+          <a:p>
+            <a:endParaRPr/>
+          </a:p>
         </p:txBody>
       </p:sp>
     </p:spTree>
@@ -8648,7 +8633,7 @@
   </p:clrMapOvr>
   <p:extLst>
     <p:ext uri="{DCECCB84-F9BA-43D5-87BE-67443E8EF086}">
-      <p15:sldGuideLst>
+      <p15:sldGuideLst xmlns:p15="http://schemas.microsoft.com/office/powerpoint/2012/main">
         <p15:guide id="1" orient="horz" pos="3355">
           <p15:clr>
             <a:srgbClr val="FF0000"/>
@@ -8726,11 +8711,11 @@
 </file>
 
 <file path=ppt/slideLayouts/slideLayout9.xml><?xml version="1.0" encoding="utf-8"?>
-<p:sldLayout xmlns:a="http://schemas.openxmlformats.org/drawingml/2006/main" xmlns:r="http://schemas.openxmlformats.org/officeDocument/2006/relationships" xmlns:mc="http://schemas.openxmlformats.org/markup-compatibility/2006" xmlns:mv="urn:schemas-microsoft-com:mac:vml" xmlns:p="http://schemas.openxmlformats.org/presentationml/2006/main" xmlns:c="http://schemas.openxmlformats.org/drawingml/2006/chart" xmlns:dgm="http://schemas.openxmlformats.org/drawingml/2006/diagram" xmlns:o="urn:schemas-microsoft-com:office:office" xmlns:v="urn:schemas-microsoft-com:vml" xmlns:pvml="urn:schemas-microsoft-com:office:powerpoint" xmlns:com="http://schemas.openxmlformats.org/drawingml/2006/compatibility" xmlns:p14="http://schemas.microsoft.com/office/powerpoint/2010/main" xmlns:p15="http://schemas.microsoft.com/office/powerpoint/2012/main" xmlns:ahyp="http://schemas.microsoft.com/office/drawing/2018/hyperlinkcolor" matchingName="3. Code">
+<p:sldLayout xmlns:a="http://schemas.openxmlformats.org/drawingml/2006/main" xmlns:r="http://schemas.openxmlformats.org/officeDocument/2006/relationships" xmlns:p="http://schemas.openxmlformats.org/presentationml/2006/main" matchingName="3. Code">
   <p:cSld name="TITLE_AND_BODY_1_1_1_1">
     <p:spTree>
       <p:nvGrpSpPr>
-        <p:cNvPr id="83" name="Shape 83"/>
+        <p:cNvPr id="1" name="Shape 83"/>
         <p:cNvGrpSpPr/>
         <p:nvPr/>
       </p:nvGrpSpPr>
@@ -8792,12 +8777,12 @@
           </a:ln>
         </p:spPr>
         <p:txBody>
-          <a:bodyPr anchorCtr="0" anchor="ctr" bIns="91425" lIns="91425" spcFirstLastPara="1" rIns="91425" wrap="square" tIns="91425">
+          <a:bodyPr spcFirstLastPara="1" wrap="square" lIns="91425" tIns="91425" rIns="91425" bIns="91425" anchor="ctr" anchorCtr="0">
             <a:noAutofit/>
           </a:bodyPr>
           <a:lstStyle/>
           <a:p>
-            <a:pPr indent="0" lvl="0" marL="0" rtl="0" algn="ctr">
+            <a:pPr marL="0" lvl="0" indent="0" algn="ctr" rtl="0">
               <a:spcBef>
                 <a:spcPts val="0"/>
               </a:spcBef>
@@ -8806,9 +8791,6 @@
               </a:spcAft>
               <a:buNone/>
             </a:pPr>
-            <a:r>
-              <a:t/>
-            </a:r>
             <a:endParaRPr>
               <a:latin typeface="Open Sans"/>
               <a:ea typeface="Open Sans"/>
@@ -8867,7 +8849,7 @@
             <a:noFill/>
           </a:ln>
           <a:effectLst>
-            <a:outerShdw blurRad="714375" rotWithShape="0" algn="bl" dir="5400000" dist="238125">
+            <a:outerShdw blurRad="714375" dist="238125" dir="5400000" algn="bl" rotWithShape="0">
               <a:srgbClr val="000000">
                 <a:alpha val="25000"/>
               </a:srgbClr>
@@ -8875,12 +8857,12 @@
           </a:effectLst>
         </p:spPr>
         <p:txBody>
-          <a:bodyPr anchorCtr="0" anchor="ctr" bIns="91450" lIns="91450" spcFirstLastPara="1" rIns="91450" wrap="square" tIns="91450">
+          <a:bodyPr spcFirstLastPara="1" wrap="square" lIns="91450" tIns="91450" rIns="91450" bIns="91450" anchor="ctr" anchorCtr="0">
             <a:noAutofit/>
           </a:bodyPr>
           <a:lstStyle/>
           <a:p>
-            <a:pPr indent="0" lvl="0" marL="0" rtl="0" algn="l">
+            <a:pPr marL="0" lvl="0" indent="0" algn="l" rtl="0">
               <a:spcBef>
                 <a:spcPts val="0"/>
               </a:spcBef>
@@ -8889,9 +8871,6 @@
               </a:spcAft>
               <a:buNone/>
             </a:pPr>
-            <a:r>
-              <a:t/>
-            </a:r>
             <a:endParaRPr/>
           </a:p>
         </p:txBody>
@@ -8916,12 +8895,12 @@
           </a:ln>
         </p:spPr>
         <p:txBody>
-          <a:bodyPr anchorCtr="0" anchor="t" bIns="0" lIns="0" spcFirstLastPara="1" rIns="0" wrap="square" tIns="0">
+          <a:bodyPr spcFirstLastPara="1" wrap="square" lIns="0" tIns="0" rIns="0" bIns="0" anchor="t" anchorCtr="0">
             <a:noAutofit/>
           </a:bodyPr>
           <a:lstStyle/>
           <a:p>
-            <a:pPr indent="0" lvl="0" marL="0" rtl="0" algn="l">
+            <a:pPr marL="0" lvl="0" indent="0" algn="l" rtl="0">
               <a:lnSpc>
                 <a:spcPct val="115000"/>
               </a:lnSpc>
@@ -8960,9 +8939,11 @@
       <p:sp>
         <p:nvSpPr>
           <p:cNvPr id="89" name="Google Shape;89;p10"/>
-          <p:cNvSpPr txBox="1"/>
+          <p:cNvSpPr txBox="1">
+            <a:spLocks noGrp="1"/>
+          </p:cNvSpPr>
           <p:nvPr>
-            <p:ph idx="1" type="body"/>
+            <p:ph type="body" idx="1"/>
           </p:nvPr>
         </p:nvSpPr>
         <p:spPr>
@@ -8975,11 +8956,11 @@
           </a:prstGeom>
         </p:spPr>
         <p:txBody>
-          <a:bodyPr anchorCtr="0" anchor="t" bIns="0" lIns="0" spcFirstLastPara="1" rIns="0" wrap="square" tIns="0">
+          <a:bodyPr spcFirstLastPara="1" wrap="square" lIns="0" tIns="0" rIns="0" bIns="0" anchor="t" anchorCtr="0">
             <a:noAutofit/>
           </a:bodyPr>
           <a:lstStyle>
-            <a:lvl1pPr indent="-419100" lvl="0" marL="457200" rtl="0">
+            <a:lvl1pPr marL="457200" lvl="0" indent="-419100" rtl="0">
               <a:spcBef>
                 <a:spcPts val="0"/>
               </a:spcBef>
@@ -9002,7 +8983,7 @@
                 <a:sym typeface="Roboto Mono Light"/>
               </a:defRPr>
             </a:lvl1pPr>
-            <a:lvl2pPr indent="-419100" lvl="1" marL="914400" rtl="0">
+            <a:lvl2pPr marL="914400" lvl="1" indent="-419100" rtl="0">
               <a:spcBef>
                 <a:spcPts val="2000"/>
               </a:spcBef>
@@ -9025,7 +9006,7 @@
                 <a:sym typeface="Roboto Mono Light"/>
               </a:defRPr>
             </a:lvl2pPr>
-            <a:lvl3pPr indent="-381000" lvl="2" marL="1371600" rtl="0">
+            <a:lvl3pPr marL="1371600" lvl="2" indent="-381000" rtl="0">
               <a:spcBef>
                 <a:spcPts val="2000"/>
               </a:spcBef>
@@ -9048,7 +9029,7 @@
                 <a:sym typeface="Roboto Mono Light"/>
               </a:defRPr>
             </a:lvl3pPr>
-            <a:lvl4pPr indent="-381000" lvl="3" marL="1828800" rtl="0">
+            <a:lvl4pPr marL="1828800" lvl="3" indent="-381000" rtl="0">
               <a:spcBef>
                 <a:spcPts val="2000"/>
               </a:spcBef>
@@ -9071,7 +9052,7 @@
                 <a:sym typeface="Roboto Mono Light"/>
               </a:defRPr>
             </a:lvl4pPr>
-            <a:lvl5pPr indent="-381000" lvl="4" marL="2286000" rtl="0">
+            <a:lvl5pPr marL="2286000" lvl="4" indent="-381000" rtl="0">
               <a:spcBef>
                 <a:spcPts val="2000"/>
               </a:spcBef>
@@ -9094,7 +9075,7 @@
                 <a:sym typeface="Roboto Mono Light"/>
               </a:defRPr>
             </a:lvl5pPr>
-            <a:lvl6pPr indent="-381000" lvl="5" marL="2743200" rtl="0">
+            <a:lvl6pPr marL="2743200" lvl="5" indent="-381000" rtl="0">
               <a:spcBef>
                 <a:spcPts val="2000"/>
               </a:spcBef>
@@ -9117,7 +9098,7 @@
                 <a:sym typeface="Roboto Mono Light"/>
               </a:defRPr>
             </a:lvl6pPr>
-            <a:lvl7pPr indent="-381000" lvl="6" marL="3200400" rtl="0">
+            <a:lvl7pPr marL="3200400" lvl="6" indent="-381000" rtl="0">
               <a:spcBef>
                 <a:spcPts val="2000"/>
               </a:spcBef>
@@ -9140,7 +9121,7 @@
                 <a:sym typeface="Roboto Mono Light"/>
               </a:defRPr>
             </a:lvl7pPr>
-            <a:lvl8pPr indent="-381000" lvl="7" marL="3657600" rtl="0">
+            <a:lvl8pPr marL="3657600" lvl="7" indent="-381000" rtl="0">
               <a:spcBef>
                 <a:spcPts val="2000"/>
               </a:spcBef>
@@ -9163,7 +9144,7 @@
                 <a:sym typeface="Roboto Mono Light"/>
               </a:defRPr>
             </a:lvl8pPr>
-            <a:lvl9pPr indent="-381000" lvl="8" marL="4114800" rtl="0">
+            <a:lvl9pPr marL="4114800" lvl="8" indent="-381000" rtl="0">
               <a:spcBef>
                 <a:spcPts val="2000"/>
               </a:spcBef>
@@ -9187,7 +9168,9 @@
               </a:defRPr>
             </a:lvl9pPr>
           </a:lstStyle>
-          <a:p/>
+          <a:p>
+            <a:endParaRPr/>
+          </a:p>
         </p:txBody>
       </p:sp>
     </p:spTree>
@@ -9197,7 +9180,7 @@
   </p:clrMapOvr>
   <p:extLst>
     <p:ext uri="{DCECCB84-F9BA-43D5-87BE-67443E8EF086}">
-      <p15:sldGuideLst>
+      <p15:sldGuideLst xmlns:p15="http://schemas.microsoft.com/office/powerpoint/2012/main">
         <p15:guide id="1" pos="432">
           <p15:clr>
             <a:schemeClr val="accent1"/>
@@ -9245,18 +9228,19 @@
 </file>
 
 <file path=ppt/slideMasters/slideMaster1.xml><?xml version="1.0" encoding="utf-8"?>
-<p:sldMaster xmlns:a="http://schemas.openxmlformats.org/drawingml/2006/main" xmlns:r="http://schemas.openxmlformats.org/officeDocument/2006/relationships" xmlns:mc="http://schemas.openxmlformats.org/markup-compatibility/2006" xmlns:mv="urn:schemas-microsoft-com:mac:vml" xmlns:p="http://schemas.openxmlformats.org/presentationml/2006/main" xmlns:c="http://schemas.openxmlformats.org/drawingml/2006/chart" xmlns:dgm="http://schemas.openxmlformats.org/drawingml/2006/diagram" xmlns:o="urn:schemas-microsoft-com:office:office" xmlns:v="urn:schemas-microsoft-com:vml" xmlns:pvml="urn:schemas-microsoft-com:office:powerpoint" xmlns:com="http://schemas.openxmlformats.org/drawingml/2006/compatibility" xmlns:p14="http://schemas.microsoft.com/office/powerpoint/2010/main" xmlns:p15="http://schemas.microsoft.com/office/powerpoint/2012/main" xmlns:ahyp="http://schemas.microsoft.com/office/drawing/2018/hyperlinkcolor">
+<p:sldMaster xmlns:a="http://schemas.openxmlformats.org/drawingml/2006/main" xmlns:r="http://schemas.openxmlformats.org/officeDocument/2006/relationships" xmlns:p="http://schemas.openxmlformats.org/presentationml/2006/main">
   <p:cSld name="simple-light-2">
     <p:bg>
       <p:bgPr>
         <a:solidFill>
           <a:schemeClr val="lt1"/>
         </a:solidFill>
+        <a:effectLst/>
       </p:bgPr>
     </p:bg>
     <p:spTree>
       <p:nvGrpSpPr>
-        <p:cNvPr id="5" name="Shape 5"/>
+        <p:cNvPr id="1" name="Shape 5"/>
         <p:cNvGrpSpPr/>
         <p:nvPr/>
       </p:nvGrpSpPr>
@@ -9271,7 +9255,9 @@
       <p:sp>
         <p:nvSpPr>
           <p:cNvPr id="6" name="Google Shape;6;p1"/>
-          <p:cNvSpPr txBox="1"/>
+          <p:cNvSpPr txBox="1">
+            <a:spLocks noGrp="1"/>
+          </p:cNvSpPr>
           <p:nvPr>
             <p:ph type="title"/>
           </p:nvPr>
@@ -9290,7 +9276,7 @@
           </a:ln>
         </p:spPr>
         <p:txBody>
-          <a:bodyPr anchorCtr="0" anchor="t" bIns="0" lIns="0" spcFirstLastPara="1" rIns="0" wrap="square" tIns="0">
+          <a:bodyPr spcFirstLastPara="1" wrap="square" lIns="0" tIns="0" rIns="0" bIns="0" anchor="t" anchorCtr="0">
             <a:noAutofit/>
           </a:bodyPr>
           <a:lstStyle>
@@ -9502,15 +9488,19 @@
               </a:defRPr>
             </a:lvl9pPr>
           </a:lstStyle>
-          <a:p/>
+          <a:p>
+            <a:endParaRPr/>
+          </a:p>
         </p:txBody>
       </p:sp>
       <p:sp>
         <p:nvSpPr>
           <p:cNvPr id="7" name="Google Shape;7;p1"/>
-          <p:cNvSpPr txBox="1"/>
+          <p:cNvSpPr txBox="1">
+            <a:spLocks noGrp="1"/>
+          </p:cNvSpPr>
           <p:nvPr>
-            <p:ph idx="1" type="body"/>
+            <p:ph type="body" idx="1"/>
           </p:nvPr>
         </p:nvSpPr>
         <p:spPr>
@@ -9527,11 +9517,11 @@
           </a:ln>
         </p:spPr>
         <p:txBody>
-          <a:bodyPr anchorCtr="0" anchor="t" bIns="0" lIns="0" spcFirstLastPara="1" rIns="0" wrap="square" tIns="0">
+          <a:bodyPr spcFirstLastPara="1" wrap="square" lIns="0" tIns="0" rIns="0" bIns="0" anchor="t" anchorCtr="0">
             <a:noAutofit/>
           </a:bodyPr>
           <a:lstStyle>
-            <a:lvl1pPr indent="-457200" lvl="0" marL="457200" rtl="0">
+            <a:lvl1pPr marL="457200" lvl="0" indent="-457200" rtl="0">
               <a:lnSpc>
                 <a:spcPct val="115000"/>
               </a:lnSpc>
@@ -9557,7 +9547,7 @@
                 <a:sym typeface="Open Sans"/>
               </a:defRPr>
             </a:lvl1pPr>
-            <a:lvl2pPr indent="-419100" lvl="1" marL="914400" rtl="0">
+            <a:lvl2pPr marL="914400" lvl="1" indent="-419100" rtl="0">
               <a:lnSpc>
                 <a:spcPct val="115000"/>
               </a:lnSpc>
@@ -9583,7 +9573,7 @@
                 <a:sym typeface="Open Sans"/>
               </a:defRPr>
             </a:lvl2pPr>
-            <a:lvl3pPr indent="-381000" lvl="2" marL="1371600" rtl="0">
+            <a:lvl3pPr marL="1371600" lvl="2" indent="-381000" rtl="0">
               <a:lnSpc>
                 <a:spcPct val="115000"/>
               </a:lnSpc>
@@ -9609,7 +9599,7 @@
                 <a:sym typeface="Open Sans"/>
               </a:defRPr>
             </a:lvl3pPr>
-            <a:lvl4pPr indent="-381000" lvl="3" marL="1828800" rtl="0">
+            <a:lvl4pPr marL="1828800" lvl="3" indent="-381000" rtl="0">
               <a:lnSpc>
                 <a:spcPct val="115000"/>
               </a:lnSpc>
@@ -9635,7 +9625,7 @@
                 <a:sym typeface="Open Sans"/>
               </a:defRPr>
             </a:lvl4pPr>
-            <a:lvl5pPr indent="-381000" lvl="4" marL="2286000" rtl="0">
+            <a:lvl5pPr marL="2286000" lvl="4" indent="-381000" rtl="0">
               <a:lnSpc>
                 <a:spcPct val="115000"/>
               </a:lnSpc>
@@ -9661,7 +9651,7 @@
                 <a:sym typeface="Open Sans"/>
               </a:defRPr>
             </a:lvl5pPr>
-            <a:lvl6pPr indent="-381000" lvl="5" marL="2743200" rtl="0">
+            <a:lvl6pPr marL="2743200" lvl="5" indent="-381000" rtl="0">
               <a:lnSpc>
                 <a:spcPct val="115000"/>
               </a:lnSpc>
@@ -9687,7 +9677,7 @@
                 <a:sym typeface="Open Sans"/>
               </a:defRPr>
             </a:lvl6pPr>
-            <a:lvl7pPr indent="-381000" lvl="6" marL="3200400" rtl="0">
+            <a:lvl7pPr marL="3200400" lvl="6" indent="-381000" rtl="0">
               <a:lnSpc>
                 <a:spcPct val="115000"/>
               </a:lnSpc>
@@ -9713,7 +9703,7 @@
                 <a:sym typeface="Open Sans"/>
               </a:defRPr>
             </a:lvl7pPr>
-            <a:lvl8pPr indent="-381000" lvl="7" marL="3657600" rtl="0">
+            <a:lvl8pPr marL="3657600" lvl="7" indent="-381000" rtl="0">
               <a:lnSpc>
                 <a:spcPct val="115000"/>
               </a:lnSpc>
@@ -9739,7 +9729,7 @@
                 <a:sym typeface="Open Sans"/>
               </a:defRPr>
             </a:lvl8pPr>
-            <a:lvl9pPr indent="-381000" lvl="8" marL="4114800" rtl="0">
+            <a:lvl9pPr marL="4114800" lvl="8" indent="-381000" rtl="0">
               <a:lnSpc>
                 <a:spcPct val="115000"/>
               </a:lnSpc>
@@ -9766,15 +9756,19 @@
               </a:defRPr>
             </a:lvl9pPr>
           </a:lstStyle>
-          <a:p/>
+          <a:p>
+            <a:endParaRPr/>
+          </a:p>
         </p:txBody>
       </p:sp>
       <p:sp>
         <p:nvSpPr>
           <p:cNvPr id="8" name="Google Shape;8;p1"/>
-          <p:cNvSpPr txBox="1"/>
+          <p:cNvSpPr txBox="1">
+            <a:spLocks noGrp="1"/>
+          </p:cNvSpPr>
           <p:nvPr>
-            <p:ph idx="12" type="sldNum"/>
+            <p:ph type="sldNum" idx="12"/>
           </p:nvPr>
         </p:nvSpPr>
         <p:spPr>
@@ -9791,11 +9785,11 @@
           </a:ln>
         </p:spPr>
         <p:txBody>
-          <a:bodyPr anchorCtr="0" anchor="ctr" bIns="182850" lIns="182850" spcFirstLastPara="1" rIns="182850" wrap="square" tIns="182850">
+          <a:bodyPr spcFirstLastPara="1" wrap="square" lIns="182850" tIns="182850" rIns="182850" bIns="182850" anchor="ctr" anchorCtr="0">
             <a:normAutofit/>
           </a:bodyPr>
           <a:lstStyle>
-            <a:lvl1pPr lvl="0" rtl="0" algn="r">
+            <a:lvl1pPr lvl="0" algn="r" rtl="0">
               <a:buNone/>
               <a:defRPr sz="2000">
                 <a:solidFill>
@@ -9803,7 +9797,7 @@
                 </a:solidFill>
               </a:defRPr>
             </a:lvl1pPr>
-            <a:lvl2pPr lvl="1" rtl="0" algn="r">
+            <a:lvl2pPr lvl="1" algn="r" rtl="0">
               <a:buNone/>
               <a:defRPr sz="2000">
                 <a:solidFill>
@@ -9811,7 +9805,7 @@
                 </a:solidFill>
               </a:defRPr>
             </a:lvl2pPr>
-            <a:lvl3pPr lvl="2" rtl="0" algn="r">
+            <a:lvl3pPr lvl="2" algn="r" rtl="0">
               <a:buNone/>
               <a:defRPr sz="2000">
                 <a:solidFill>
@@ -9819,7 +9813,7 @@
                 </a:solidFill>
               </a:defRPr>
             </a:lvl3pPr>
-            <a:lvl4pPr lvl="3" rtl="0" algn="r">
+            <a:lvl4pPr lvl="3" algn="r" rtl="0">
               <a:buNone/>
               <a:defRPr sz="2000">
                 <a:solidFill>
@@ -9827,7 +9821,7 @@
                 </a:solidFill>
               </a:defRPr>
             </a:lvl4pPr>
-            <a:lvl5pPr lvl="4" rtl="0" algn="r">
+            <a:lvl5pPr lvl="4" algn="r" rtl="0">
               <a:buNone/>
               <a:defRPr sz="2000">
                 <a:solidFill>
@@ -9835,7 +9829,7 @@
                 </a:solidFill>
               </a:defRPr>
             </a:lvl5pPr>
-            <a:lvl6pPr lvl="5" rtl="0" algn="r">
+            <a:lvl6pPr lvl="5" algn="r" rtl="0">
               <a:buNone/>
               <a:defRPr sz="2000">
                 <a:solidFill>
@@ -9843,7 +9837,7 @@
                 </a:solidFill>
               </a:defRPr>
             </a:lvl6pPr>
-            <a:lvl7pPr lvl="6" rtl="0" algn="r">
+            <a:lvl7pPr lvl="6" algn="r" rtl="0">
               <a:buNone/>
               <a:defRPr sz="2000">
                 <a:solidFill>
@@ -9851,7 +9845,7 @@
                 </a:solidFill>
               </a:defRPr>
             </a:lvl7pPr>
-            <a:lvl8pPr lvl="7" rtl="0" algn="r">
+            <a:lvl8pPr lvl="7" algn="r" rtl="0">
               <a:buNone/>
               <a:defRPr sz="2000">
                 <a:solidFill>
@@ -9859,7 +9853,7 @@
                 </a:solidFill>
               </a:defRPr>
             </a:lvl8pPr>
-            <a:lvl9pPr lvl="8" rtl="0" algn="r">
+            <a:lvl9pPr lvl="8" algn="r" rtl="0">
               <a:buNone/>
               <a:defRPr sz="2000">
                 <a:solidFill>
@@ -9869,7 +9863,7 @@
             </a:lvl9pPr>
           </a:lstStyle>
           <a:p>
-            <a:pPr indent="0" lvl="0" marL="0" rtl="0" algn="r">
+            <a:pPr marL="0" lvl="0" indent="0" algn="r" rtl="0">
               <a:spcBef>
                 <a:spcPts val="0"/>
               </a:spcBef>
@@ -9888,7 +9882,7 @@
       </p:sp>
     </p:spTree>
   </p:cSld>
-  <p:clrMap accent1="accent1" accent2="accent2" accent3="accent3" accent4="accent4" accent5="accent5" accent6="accent6" bg1="lt1" bg2="dk2" tx1="dk1" tx2="lt2" folHlink="folHlink" hlink="hlink"/>
+  <p:clrMap bg1="lt1" tx1="dk1" bg2="dk2" tx2="lt2" accent1="accent1" accent2="accent2" accent3="accent3" accent4="accent4" accent5="accent5" accent6="accent6" hlink="hlink" folHlink="folHlink"/>
   <p:sldLayoutIdLst>
     <p:sldLayoutId id="2147483648" r:id="rId1"/>
     <p:sldLayoutId id="2147483649" r:id="rId2"/>
@@ -9902,10 +9896,10 @@
     <p:sldLayoutId id="2147483657" r:id="rId10"/>
     <p:sldLayoutId id="2147483658" r:id="rId11"/>
   </p:sldLayoutIdLst>
-  <p:hf dt="0" ftr="0" hdr="0" sldNum="0"/>
+  <p:hf sldNum="0" hdr="0" ftr="0" dt="0"/>
   <p:txStyles>
     <p:titleStyle>
-      <a:defPPr lvl="0" marR="0" rtl="0" algn="l">
+      <a:defPPr marR="0" lvl="0" algn="l" rtl="0">
         <a:lnSpc>
           <a:spcPct val="100000"/>
         </a:lnSpc>
@@ -9916,7 +9910,7 @@
           <a:spcPts val="0"/>
         </a:spcAft>
       </a:defPPr>
-      <a:lvl1pPr lvl="0" marR="0" rtl="0" algn="l">
+      <a:lvl1pPr marR="0" lvl="0" algn="l" rtl="0">
         <a:lnSpc>
           <a:spcPct val="100000"/>
         </a:lnSpc>
@@ -9930,7 +9924,7 @@
           <a:srgbClr val="000000"/>
         </a:buClr>
         <a:buFont typeface="Arial"/>
-        <a:defRPr b="0" i="0" sz="1400" u="none" cap="none" strike="noStrike">
+        <a:defRPr sz="1400" b="0" i="0" u="none" strike="noStrike" cap="none">
           <a:solidFill>
             <a:srgbClr val="000000"/>
           </a:solidFill>
@@ -9940,7 +9934,7 @@
           <a:sym typeface="Arial"/>
         </a:defRPr>
       </a:lvl1pPr>
-      <a:lvl2pPr lvl="1" marR="0" rtl="0" algn="l">
+      <a:lvl2pPr marR="0" lvl="1" algn="l" rtl="0">
         <a:lnSpc>
           <a:spcPct val="100000"/>
         </a:lnSpc>
@@ -9954,7 +9948,7 @@
           <a:srgbClr val="000000"/>
         </a:buClr>
         <a:buFont typeface="Arial"/>
-        <a:defRPr b="0" i="0" sz="1400" u="none" cap="none" strike="noStrike">
+        <a:defRPr sz="1400" b="0" i="0" u="none" strike="noStrike" cap="none">
           <a:solidFill>
             <a:srgbClr val="000000"/>
           </a:solidFill>
@@ -9964,7 +9958,7 @@
           <a:sym typeface="Arial"/>
         </a:defRPr>
       </a:lvl2pPr>
-      <a:lvl3pPr lvl="2" marR="0" rtl="0" algn="l">
+      <a:lvl3pPr marR="0" lvl="2" algn="l" rtl="0">
         <a:lnSpc>
           <a:spcPct val="100000"/>
         </a:lnSpc>
@@ -9978,7 +9972,7 @@
           <a:srgbClr val="000000"/>
         </a:buClr>
         <a:buFont typeface="Arial"/>
-        <a:defRPr b="0" i="0" sz="1400" u="none" cap="none" strike="noStrike">
+        <a:defRPr sz="1400" b="0" i="0" u="none" strike="noStrike" cap="none">
           <a:solidFill>
             <a:srgbClr val="000000"/>
           </a:solidFill>
@@ -9988,7 +9982,7 @@
           <a:sym typeface="Arial"/>
         </a:defRPr>
       </a:lvl3pPr>
-      <a:lvl4pPr lvl="3" marR="0" rtl="0" algn="l">
+      <a:lvl4pPr marR="0" lvl="3" algn="l" rtl="0">
         <a:lnSpc>
           <a:spcPct val="100000"/>
         </a:lnSpc>
@@ -10002,7 +9996,7 @@
           <a:srgbClr val="000000"/>
         </a:buClr>
         <a:buFont typeface="Arial"/>
-        <a:defRPr b="0" i="0" sz="1400" u="none" cap="none" strike="noStrike">
+        <a:defRPr sz="1400" b="0" i="0" u="none" strike="noStrike" cap="none">
           <a:solidFill>
             <a:srgbClr val="000000"/>
           </a:solidFill>
@@ -10012,7 +10006,7 @@
           <a:sym typeface="Arial"/>
         </a:defRPr>
       </a:lvl4pPr>
-      <a:lvl5pPr lvl="4" marR="0" rtl="0" algn="l">
+      <a:lvl5pPr marR="0" lvl="4" algn="l" rtl="0">
         <a:lnSpc>
           <a:spcPct val="100000"/>
         </a:lnSpc>
@@ -10026,7 +10020,7 @@
           <a:srgbClr val="000000"/>
         </a:buClr>
         <a:buFont typeface="Arial"/>
-        <a:defRPr b="0" i="0" sz="1400" u="none" cap="none" strike="noStrike">
+        <a:defRPr sz="1400" b="0" i="0" u="none" strike="noStrike" cap="none">
           <a:solidFill>
             <a:srgbClr val="000000"/>
           </a:solidFill>
@@ -10036,7 +10030,7 @@
           <a:sym typeface="Arial"/>
         </a:defRPr>
       </a:lvl5pPr>
-      <a:lvl6pPr lvl="5" marR="0" rtl="0" algn="l">
+      <a:lvl6pPr marR="0" lvl="5" algn="l" rtl="0">
         <a:lnSpc>
           <a:spcPct val="100000"/>
         </a:lnSpc>
@@ -10050,7 +10044,7 @@
           <a:srgbClr val="000000"/>
         </a:buClr>
         <a:buFont typeface="Arial"/>
-        <a:defRPr b="0" i="0" sz="1400" u="none" cap="none" strike="noStrike">
+        <a:defRPr sz="1400" b="0" i="0" u="none" strike="noStrike" cap="none">
           <a:solidFill>
             <a:srgbClr val="000000"/>
           </a:solidFill>
@@ -10060,7 +10054,7 @@
           <a:sym typeface="Arial"/>
         </a:defRPr>
       </a:lvl6pPr>
-      <a:lvl7pPr lvl="6" marR="0" rtl="0" algn="l">
+      <a:lvl7pPr marR="0" lvl="6" algn="l" rtl="0">
         <a:lnSpc>
           <a:spcPct val="100000"/>
         </a:lnSpc>
@@ -10074,7 +10068,7 @@
           <a:srgbClr val="000000"/>
         </a:buClr>
         <a:buFont typeface="Arial"/>
-        <a:defRPr b="0" i="0" sz="1400" u="none" cap="none" strike="noStrike">
+        <a:defRPr sz="1400" b="0" i="0" u="none" strike="noStrike" cap="none">
           <a:solidFill>
             <a:srgbClr val="000000"/>
           </a:solidFill>
@@ -10084,7 +10078,7 @@
           <a:sym typeface="Arial"/>
         </a:defRPr>
       </a:lvl7pPr>
-      <a:lvl8pPr lvl="7" marR="0" rtl="0" algn="l">
+      <a:lvl8pPr marR="0" lvl="7" algn="l" rtl="0">
         <a:lnSpc>
           <a:spcPct val="100000"/>
         </a:lnSpc>
@@ -10098,7 +10092,7 @@
           <a:srgbClr val="000000"/>
         </a:buClr>
         <a:buFont typeface="Arial"/>
-        <a:defRPr b="0" i="0" sz="1400" u="none" cap="none" strike="noStrike">
+        <a:defRPr sz="1400" b="0" i="0" u="none" strike="noStrike" cap="none">
           <a:solidFill>
             <a:srgbClr val="000000"/>
           </a:solidFill>
@@ -10108,7 +10102,7 @@
           <a:sym typeface="Arial"/>
         </a:defRPr>
       </a:lvl8pPr>
-      <a:lvl9pPr lvl="8" marR="0" rtl="0" algn="l">
+      <a:lvl9pPr marR="0" lvl="8" algn="l" rtl="0">
         <a:lnSpc>
           <a:spcPct val="100000"/>
         </a:lnSpc>
@@ -10122,7 +10116,7 @@
           <a:srgbClr val="000000"/>
         </a:buClr>
         <a:buFont typeface="Arial"/>
-        <a:defRPr b="0" i="0" sz="1400" u="none" cap="none" strike="noStrike">
+        <a:defRPr sz="1400" b="0" i="0" u="none" strike="noStrike" cap="none">
           <a:solidFill>
             <a:srgbClr val="000000"/>
           </a:solidFill>
@@ -10134,7 +10128,7 @@
       </a:lvl9pPr>
     </p:titleStyle>
     <p:bodyStyle>
-      <a:defPPr lvl="0" marR="0" rtl="0" algn="l">
+      <a:defPPr marR="0" lvl="0" algn="l" rtl="0">
         <a:lnSpc>
           <a:spcPct val="100000"/>
         </a:lnSpc>
@@ -10145,7 +10139,7 @@
           <a:spcPts val="0"/>
         </a:spcAft>
       </a:defPPr>
-      <a:lvl1pPr lvl="0" marR="0" rtl="0" algn="l">
+      <a:lvl1pPr marR="0" lvl="0" algn="l" rtl="0">
         <a:lnSpc>
           <a:spcPct val="100000"/>
         </a:lnSpc>
@@ -10159,7 +10153,7 @@
           <a:srgbClr val="000000"/>
         </a:buClr>
         <a:buFont typeface="Arial"/>
-        <a:defRPr b="0" i="0" sz="1400" u="none" cap="none" strike="noStrike">
+        <a:defRPr sz="1400" b="0" i="0" u="none" strike="noStrike" cap="none">
           <a:solidFill>
             <a:srgbClr val="000000"/>
           </a:solidFill>
@@ -10169,7 +10163,7 @@
           <a:sym typeface="Arial"/>
         </a:defRPr>
       </a:lvl1pPr>
-      <a:lvl2pPr lvl="1" marR="0" rtl="0" algn="l">
+      <a:lvl2pPr marR="0" lvl="1" algn="l" rtl="0">
         <a:lnSpc>
           <a:spcPct val="100000"/>
         </a:lnSpc>
@@ -10183,7 +10177,7 @@
           <a:srgbClr val="000000"/>
         </a:buClr>
         <a:buFont typeface="Arial"/>
-        <a:defRPr b="0" i="0" sz="1400" u="none" cap="none" strike="noStrike">
+        <a:defRPr sz="1400" b="0" i="0" u="none" strike="noStrike" cap="none">
           <a:solidFill>
             <a:srgbClr val="000000"/>
           </a:solidFill>
@@ -10193,7 +10187,7 @@
           <a:sym typeface="Arial"/>
         </a:defRPr>
       </a:lvl2pPr>
-      <a:lvl3pPr lvl="2" marR="0" rtl="0" algn="l">
+      <a:lvl3pPr marR="0" lvl="2" algn="l" rtl="0">
         <a:lnSpc>
           <a:spcPct val="100000"/>
         </a:lnSpc>
@@ -10207,7 +10201,7 @@
           <a:srgbClr val="000000"/>
         </a:buClr>
         <a:buFont typeface="Arial"/>
-        <a:defRPr b="0" i="0" sz="1400" u="none" cap="none" strike="noStrike">
+        <a:defRPr sz="1400" b="0" i="0" u="none" strike="noStrike" cap="none">
           <a:solidFill>
             <a:srgbClr val="000000"/>
           </a:solidFill>
@@ -10217,7 +10211,7 @@
           <a:sym typeface="Arial"/>
         </a:defRPr>
       </a:lvl3pPr>
-      <a:lvl4pPr lvl="3" marR="0" rtl="0" algn="l">
+      <a:lvl4pPr marR="0" lvl="3" algn="l" rtl="0">
         <a:lnSpc>
           <a:spcPct val="100000"/>
         </a:lnSpc>
@@ -10231,7 +10225,7 @@
           <a:srgbClr val="000000"/>
         </a:buClr>
         <a:buFont typeface="Arial"/>
-        <a:defRPr b="0" i="0" sz="1400" u="none" cap="none" strike="noStrike">
+        <a:defRPr sz="1400" b="0" i="0" u="none" strike="noStrike" cap="none">
           <a:solidFill>
             <a:srgbClr val="000000"/>
           </a:solidFill>
@@ -10241,7 +10235,7 @@
           <a:sym typeface="Arial"/>
         </a:defRPr>
       </a:lvl4pPr>
-      <a:lvl5pPr lvl="4" marR="0" rtl="0" algn="l">
+      <a:lvl5pPr marR="0" lvl="4" algn="l" rtl="0">
         <a:lnSpc>
           <a:spcPct val="100000"/>
         </a:lnSpc>
@@ -10255,7 +10249,7 @@
           <a:srgbClr val="000000"/>
         </a:buClr>
         <a:buFont typeface="Arial"/>
-        <a:defRPr b="0" i="0" sz="1400" u="none" cap="none" strike="noStrike">
+        <a:defRPr sz="1400" b="0" i="0" u="none" strike="noStrike" cap="none">
           <a:solidFill>
             <a:srgbClr val="000000"/>
           </a:solidFill>
@@ -10265,7 +10259,7 @@
           <a:sym typeface="Arial"/>
         </a:defRPr>
       </a:lvl5pPr>
-      <a:lvl6pPr lvl="5" marR="0" rtl="0" algn="l">
+      <a:lvl6pPr marR="0" lvl="5" algn="l" rtl="0">
         <a:lnSpc>
           <a:spcPct val="100000"/>
         </a:lnSpc>
@@ -10279,7 +10273,7 @@
           <a:srgbClr val="000000"/>
         </a:buClr>
         <a:buFont typeface="Arial"/>
-        <a:defRPr b="0" i="0" sz="1400" u="none" cap="none" strike="noStrike">
+        <a:defRPr sz="1400" b="0" i="0" u="none" strike="noStrike" cap="none">
           <a:solidFill>
             <a:srgbClr val="000000"/>
           </a:solidFill>
@@ -10289,7 +10283,7 @@
           <a:sym typeface="Arial"/>
         </a:defRPr>
       </a:lvl6pPr>
-      <a:lvl7pPr lvl="6" marR="0" rtl="0" algn="l">
+      <a:lvl7pPr marR="0" lvl="6" algn="l" rtl="0">
         <a:lnSpc>
           <a:spcPct val="100000"/>
         </a:lnSpc>
@@ -10303,7 +10297,7 @@
           <a:srgbClr val="000000"/>
         </a:buClr>
         <a:buFont typeface="Arial"/>
-        <a:defRPr b="0" i="0" sz="1400" u="none" cap="none" strike="noStrike">
+        <a:defRPr sz="1400" b="0" i="0" u="none" strike="noStrike" cap="none">
           <a:solidFill>
             <a:srgbClr val="000000"/>
           </a:solidFill>
@@ -10313,7 +10307,7 @@
           <a:sym typeface="Arial"/>
         </a:defRPr>
       </a:lvl7pPr>
-      <a:lvl8pPr lvl="7" marR="0" rtl="0" algn="l">
+      <a:lvl8pPr marR="0" lvl="7" algn="l" rtl="0">
         <a:lnSpc>
           <a:spcPct val="100000"/>
         </a:lnSpc>
@@ -10327,7 +10321,7 @@
           <a:srgbClr val="000000"/>
         </a:buClr>
         <a:buFont typeface="Arial"/>
-        <a:defRPr b="0" i="0" sz="1400" u="none" cap="none" strike="noStrike">
+        <a:defRPr sz="1400" b="0" i="0" u="none" strike="noStrike" cap="none">
           <a:solidFill>
             <a:srgbClr val="000000"/>
           </a:solidFill>
@@ -10337,7 +10331,7 @@
           <a:sym typeface="Arial"/>
         </a:defRPr>
       </a:lvl8pPr>
-      <a:lvl9pPr lvl="8" marR="0" rtl="0" algn="l">
+      <a:lvl9pPr marR="0" lvl="8" algn="l" rtl="0">
         <a:lnSpc>
           <a:spcPct val="100000"/>
         </a:lnSpc>
@@ -10351,7 +10345,7 @@
           <a:srgbClr val="000000"/>
         </a:buClr>
         <a:buFont typeface="Arial"/>
-        <a:defRPr b="0" i="0" sz="1400" u="none" cap="none" strike="noStrike">
+        <a:defRPr sz="1400" b="0" i="0" u="none" strike="noStrike" cap="none">
           <a:solidFill>
             <a:srgbClr val="000000"/>
           </a:solidFill>
@@ -10363,7 +10357,7 @@
       </a:lvl9pPr>
     </p:bodyStyle>
     <p:otherStyle>
-      <a:defPPr lvl="0" marR="0" rtl="0" algn="l">
+      <a:defPPr marR="0" lvl="0" algn="l" rtl="0">
         <a:lnSpc>
           <a:spcPct val="100000"/>
         </a:lnSpc>
@@ -10374,7 +10368,7 @@
           <a:spcPts val="0"/>
         </a:spcAft>
       </a:defPPr>
-      <a:lvl1pPr lvl="0" marR="0" rtl="0" algn="l">
+      <a:lvl1pPr marR="0" lvl="0" algn="l" rtl="0">
         <a:lnSpc>
           <a:spcPct val="100000"/>
         </a:lnSpc>
@@ -10388,7 +10382,7 @@
           <a:srgbClr val="000000"/>
         </a:buClr>
         <a:buFont typeface="Arial"/>
-        <a:defRPr b="0" i="0" sz="1400" u="none" cap="none" strike="noStrike">
+        <a:defRPr sz="1400" b="0" i="0" u="none" strike="noStrike" cap="none">
           <a:solidFill>
             <a:srgbClr val="000000"/>
           </a:solidFill>
@@ -10398,7 +10392,7 @@
           <a:sym typeface="Arial"/>
         </a:defRPr>
       </a:lvl1pPr>
-      <a:lvl2pPr lvl="1" marR="0" rtl="0" algn="l">
+      <a:lvl2pPr marR="0" lvl="1" algn="l" rtl="0">
         <a:lnSpc>
           <a:spcPct val="100000"/>
         </a:lnSpc>
@@ -10412,7 +10406,7 @@
           <a:srgbClr val="000000"/>
         </a:buClr>
         <a:buFont typeface="Arial"/>
-        <a:defRPr b="0" i="0" sz="1400" u="none" cap="none" strike="noStrike">
+        <a:defRPr sz="1400" b="0" i="0" u="none" strike="noStrike" cap="none">
           <a:solidFill>
             <a:srgbClr val="000000"/>
           </a:solidFill>
@@ -10422,7 +10416,7 @@
           <a:sym typeface="Arial"/>
         </a:defRPr>
       </a:lvl2pPr>
-      <a:lvl3pPr lvl="2" marR="0" rtl="0" algn="l">
+      <a:lvl3pPr marR="0" lvl="2" algn="l" rtl="0">
         <a:lnSpc>
           <a:spcPct val="100000"/>
         </a:lnSpc>
@@ -10436,7 +10430,7 @@
           <a:srgbClr val="000000"/>
         </a:buClr>
         <a:buFont typeface="Arial"/>
-        <a:defRPr b="0" i="0" sz="1400" u="none" cap="none" strike="noStrike">
+        <a:defRPr sz="1400" b="0" i="0" u="none" strike="noStrike" cap="none">
           <a:solidFill>
             <a:srgbClr val="000000"/>
           </a:solidFill>
@@ -10446,7 +10440,7 @@
           <a:sym typeface="Arial"/>
         </a:defRPr>
       </a:lvl3pPr>
-      <a:lvl4pPr lvl="3" marR="0" rtl="0" algn="l">
+      <a:lvl4pPr marR="0" lvl="3" algn="l" rtl="0">
         <a:lnSpc>
           <a:spcPct val="100000"/>
         </a:lnSpc>
@@ -10460,7 +10454,7 @@
           <a:srgbClr val="000000"/>
         </a:buClr>
         <a:buFont typeface="Arial"/>
-        <a:defRPr b="0" i="0" sz="1400" u="none" cap="none" strike="noStrike">
+        <a:defRPr sz="1400" b="0" i="0" u="none" strike="noStrike" cap="none">
           <a:solidFill>
             <a:srgbClr val="000000"/>
           </a:solidFill>
@@ -10470,7 +10464,7 @@
           <a:sym typeface="Arial"/>
         </a:defRPr>
       </a:lvl4pPr>
-      <a:lvl5pPr lvl="4" marR="0" rtl="0" algn="l">
+      <a:lvl5pPr marR="0" lvl="4" algn="l" rtl="0">
         <a:lnSpc>
           <a:spcPct val="100000"/>
         </a:lnSpc>
@@ -10484,7 +10478,7 @@
           <a:srgbClr val="000000"/>
         </a:buClr>
         <a:buFont typeface="Arial"/>
-        <a:defRPr b="0" i="0" sz="1400" u="none" cap="none" strike="noStrike">
+        <a:defRPr sz="1400" b="0" i="0" u="none" strike="noStrike" cap="none">
           <a:solidFill>
             <a:srgbClr val="000000"/>
           </a:solidFill>
@@ -10494,7 +10488,7 @@
           <a:sym typeface="Arial"/>
         </a:defRPr>
       </a:lvl5pPr>
-      <a:lvl6pPr lvl="5" marR="0" rtl="0" algn="l">
+      <a:lvl6pPr marR="0" lvl="5" algn="l" rtl="0">
         <a:lnSpc>
           <a:spcPct val="100000"/>
         </a:lnSpc>
@@ -10508,7 +10502,7 @@
           <a:srgbClr val="000000"/>
         </a:buClr>
         <a:buFont typeface="Arial"/>
-        <a:defRPr b="0" i="0" sz="1400" u="none" cap="none" strike="noStrike">
+        <a:defRPr sz="1400" b="0" i="0" u="none" strike="noStrike" cap="none">
           <a:solidFill>
             <a:srgbClr val="000000"/>
           </a:solidFill>
@@ -10518,7 +10512,7 @@
           <a:sym typeface="Arial"/>
         </a:defRPr>
       </a:lvl6pPr>
-      <a:lvl7pPr lvl="6" marR="0" rtl="0" algn="l">
+      <a:lvl7pPr marR="0" lvl="6" algn="l" rtl="0">
         <a:lnSpc>
           <a:spcPct val="100000"/>
         </a:lnSpc>
@@ -10532,7 +10526,7 @@
           <a:srgbClr val="000000"/>
         </a:buClr>
         <a:buFont typeface="Arial"/>
-        <a:defRPr b="0" i="0" sz="1400" u="none" cap="none" strike="noStrike">
+        <a:defRPr sz="1400" b="0" i="0" u="none" strike="noStrike" cap="none">
           <a:solidFill>
             <a:srgbClr val="000000"/>
           </a:solidFill>
@@ -10542,7 +10536,7 @@
           <a:sym typeface="Arial"/>
         </a:defRPr>
       </a:lvl7pPr>
-      <a:lvl8pPr lvl="7" marR="0" rtl="0" algn="l">
+      <a:lvl8pPr marR="0" lvl="7" algn="l" rtl="0">
         <a:lnSpc>
           <a:spcPct val="100000"/>
         </a:lnSpc>
@@ -10556,7 +10550,7 @@
           <a:srgbClr val="000000"/>
         </a:buClr>
         <a:buFont typeface="Arial"/>
-        <a:defRPr b="0" i="0" sz="1400" u="none" cap="none" strike="noStrike">
+        <a:defRPr sz="1400" b="0" i="0" u="none" strike="noStrike" cap="none">
           <a:solidFill>
             <a:srgbClr val="000000"/>
           </a:solidFill>
@@ -10566,7 +10560,7 @@
           <a:sym typeface="Arial"/>
         </a:defRPr>
       </a:lvl8pPr>
-      <a:lvl9pPr lvl="8" marR="0" rtl="0" algn="l">
+      <a:lvl9pPr marR="0" lvl="8" algn="l" rtl="0">
         <a:lnSpc>
           <a:spcPct val="100000"/>
         </a:lnSpc>
@@ -10580,7 +10574,7 @@
           <a:srgbClr val="000000"/>
         </a:buClr>
         <a:buFont typeface="Arial"/>
-        <a:defRPr b="0" i="0" sz="1400" u="none" cap="none" strike="noStrike">
+        <a:defRPr sz="1400" b="0" i="0" u="none" strike="noStrike" cap="none">
           <a:solidFill>
             <a:srgbClr val="000000"/>
           </a:solidFill>
@@ -10596,11 +10590,11 @@
 </file>
 
 <file path=ppt/slides/slide1.xml><?xml version="1.0" encoding="utf-8"?>
-<p:sld xmlns:a="http://schemas.openxmlformats.org/drawingml/2006/main" xmlns:r="http://schemas.openxmlformats.org/officeDocument/2006/relationships" xmlns:mc="http://schemas.openxmlformats.org/markup-compatibility/2006" xmlns:mv="urn:schemas-microsoft-com:mac:vml" xmlns:p="http://schemas.openxmlformats.org/presentationml/2006/main" xmlns:c="http://schemas.openxmlformats.org/drawingml/2006/chart" xmlns:dgm="http://schemas.openxmlformats.org/drawingml/2006/diagram" xmlns:o="urn:schemas-microsoft-com:office:office" xmlns:v="urn:schemas-microsoft-com:vml" xmlns:pvml="urn:schemas-microsoft-com:office:powerpoint" xmlns:com="http://schemas.openxmlformats.org/drawingml/2006/compatibility" xmlns:p14="http://schemas.microsoft.com/office/powerpoint/2010/main" xmlns:p15="http://schemas.microsoft.com/office/powerpoint/2012/main" xmlns:ahyp="http://schemas.microsoft.com/office/drawing/2018/hyperlinkcolor">
+<p:sld xmlns:a="http://schemas.openxmlformats.org/drawingml/2006/main" xmlns:r="http://schemas.openxmlformats.org/officeDocument/2006/relationships" xmlns:p="http://schemas.openxmlformats.org/presentationml/2006/main">
   <p:cSld>
     <p:spTree>
       <p:nvGrpSpPr>
-        <p:cNvPr id="105" name="Shape 105"/>
+        <p:cNvPr id="1" name="Shape 105"/>
         <p:cNvGrpSpPr/>
         <p:nvPr/>
       </p:nvGrpSpPr>
@@ -10632,12 +10626,12 @@
           </a:ln>
         </p:spPr>
         <p:txBody>
-          <a:bodyPr anchorCtr="0" anchor="t" bIns="0" lIns="0" spcFirstLastPara="1" rIns="0" wrap="square" tIns="0">
+          <a:bodyPr spcFirstLastPara="1" wrap="square" lIns="0" tIns="0" rIns="0" bIns="0" anchor="t" anchorCtr="0">
             <a:noAutofit/>
           </a:bodyPr>
           <a:lstStyle/>
           <a:p>
-            <a:pPr indent="0" lvl="0" marL="0" rtl="0" algn="l">
+            <a:pPr marL="0" lvl="0" indent="0" algn="l" rtl="0">
               <a:spcBef>
                 <a:spcPts val="0"/>
               </a:spcBef>
@@ -10673,7 +10667,9 @@
       <p:sp>
         <p:nvSpPr>
           <p:cNvPr id="107" name="Google Shape;107;p13"/>
-          <p:cNvSpPr txBox="1"/>
+          <p:cNvSpPr txBox="1">
+            <a:spLocks noGrp="1"/>
+          </p:cNvSpPr>
           <p:nvPr>
             <p:ph type="ctrTitle"/>
           </p:nvPr>
@@ -10692,12 +10688,12 @@
           </a:ln>
         </p:spPr>
         <p:txBody>
-          <a:bodyPr anchorCtr="0" anchor="b" bIns="0" lIns="0" spcFirstLastPara="1" rIns="0" wrap="square" tIns="0">
+          <a:bodyPr spcFirstLastPara="1" wrap="square" lIns="0" tIns="0" rIns="0" bIns="0" anchor="b" anchorCtr="0">
             <a:noAutofit/>
           </a:bodyPr>
           <a:lstStyle/>
           <a:p>
-            <a:pPr indent="0" lvl="0" marL="0" marR="0" rtl="0" algn="l">
+            <a:pPr marL="0" marR="0" lvl="0" indent="0" algn="l" rtl="0">
               <a:lnSpc>
                 <a:spcPct val="120000"/>
               </a:lnSpc>
@@ -10724,9 +10720,11 @@
       <p:sp>
         <p:nvSpPr>
           <p:cNvPr id="108" name="Google Shape;108;p13"/>
-          <p:cNvSpPr txBox="1"/>
+          <p:cNvSpPr txBox="1">
+            <a:spLocks noGrp="1"/>
+          </p:cNvSpPr>
           <p:nvPr>
-            <p:ph idx="1" type="subTitle"/>
+            <p:ph type="subTitle" idx="1"/>
           </p:nvPr>
         </p:nvSpPr>
         <p:spPr>
@@ -10743,12 +10741,12 @@
           </a:ln>
         </p:spPr>
         <p:txBody>
-          <a:bodyPr anchorCtr="0" anchor="t" bIns="0" lIns="0" spcFirstLastPara="1" rIns="0" wrap="square" tIns="0">
+          <a:bodyPr spcFirstLastPara="1" wrap="square" lIns="0" tIns="0" rIns="0" bIns="0" anchor="t" anchorCtr="0">
             <a:noAutofit/>
           </a:bodyPr>
           <a:lstStyle/>
           <a:p>
-            <a:pPr indent="0" lvl="0" marL="0" marR="0" rtl="0" algn="l">
+            <a:pPr marL="0" marR="0" lvl="0" indent="0" algn="l" rtl="0">
               <a:lnSpc>
                 <a:spcPct val="131250"/>
               </a:lnSpc>
@@ -10771,7 +10769,7 @@
             <a:endParaRPr b="1"/>
           </a:p>
           <a:p>
-            <a:pPr indent="0" lvl="0" marL="0" marR="0" rtl="0" algn="l">
+            <a:pPr marL="0" marR="0" lvl="0" indent="0" algn="l" rtl="0">
               <a:lnSpc>
                 <a:spcPct val="131250"/>
               </a:lnSpc>
@@ -10787,13 +10785,10 @@
               <a:buFont typeface="Open Sans"/>
               <a:buNone/>
             </a:pPr>
-            <a:r>
-              <a:t/>
-            </a:r>
             <a:endParaRPr b="1"/>
           </a:p>
           <a:p>
-            <a:pPr indent="0" lvl="0" marL="0" marR="0" rtl="0" algn="l">
+            <a:pPr marL="0" marR="0" lvl="0" indent="0" algn="l" rtl="0">
               <a:lnSpc>
                 <a:spcPct val="131250"/>
               </a:lnSpc>
@@ -10809,13 +10804,10 @@
               <a:buFont typeface="Open Sans"/>
               <a:buNone/>
             </a:pPr>
-            <a:r>
-              <a:t/>
-            </a:r>
             <a:endParaRPr b="1"/>
           </a:p>
           <a:p>
-            <a:pPr indent="0" lvl="0" marL="0" marR="0" rtl="0" algn="l">
+            <a:pPr marL="0" marR="0" lvl="0" indent="0" algn="l" rtl="0">
               <a:lnSpc>
                 <a:spcPct val="131250"/>
               </a:lnSpc>
@@ -10832,13 +10824,13 @@
               <a:buNone/>
             </a:pPr>
             <a:r>
-              <a:rPr b="1" lang="en"/>
+              <a:rPr lang="en" b="1"/>
               <a:t>Data Scientist: [Your Name]</a:t>
             </a:r>
             <a:endParaRPr b="1"/>
           </a:p>
           <a:p>
-            <a:pPr indent="0" lvl="0" marL="0" marR="0" rtl="0" algn="l">
+            <a:pPr marL="0" marR="0" lvl="0" indent="0" algn="l" rtl="0">
               <a:lnSpc>
                 <a:spcPct val="131250"/>
               </a:lnSpc>
@@ -10854,9 +10846,6 @@
               <a:buFont typeface="Open Sans"/>
               <a:buNone/>
             </a:pPr>
-            <a:r>
-              <a:t/>
-            </a:r>
             <a:endParaRPr sz="1000"/>
           </a:p>
         </p:txBody>
@@ -10870,11 +10859,11 @@
 </file>
 
 <file path=ppt/slides/slide2.xml><?xml version="1.0" encoding="utf-8"?>
-<p:sld xmlns:a="http://schemas.openxmlformats.org/drawingml/2006/main" xmlns:r="http://schemas.openxmlformats.org/officeDocument/2006/relationships" xmlns:mc="http://schemas.openxmlformats.org/markup-compatibility/2006" xmlns:mv="urn:schemas-microsoft-com:mac:vml" xmlns:p="http://schemas.openxmlformats.org/presentationml/2006/main" xmlns:c="http://schemas.openxmlformats.org/drawingml/2006/chart" xmlns:dgm="http://schemas.openxmlformats.org/drawingml/2006/diagram" xmlns:o="urn:schemas-microsoft-com:office:office" xmlns:v="urn:schemas-microsoft-com:vml" xmlns:pvml="urn:schemas-microsoft-com:office:powerpoint" xmlns:com="http://schemas.openxmlformats.org/drawingml/2006/compatibility" xmlns:p14="http://schemas.microsoft.com/office/powerpoint/2010/main" xmlns:p15="http://schemas.microsoft.com/office/powerpoint/2012/main" xmlns:ahyp="http://schemas.microsoft.com/office/drawing/2018/hyperlinkcolor">
+<p:sld xmlns:a="http://schemas.openxmlformats.org/drawingml/2006/main" xmlns:r="http://schemas.openxmlformats.org/officeDocument/2006/relationships" xmlns:p="http://schemas.openxmlformats.org/presentationml/2006/main">
   <p:cSld>
     <p:spTree>
       <p:nvGrpSpPr>
-        <p:cNvPr id="112" name="Shape 112"/>
+        <p:cNvPr id="1" name="Shape 122"/>
         <p:cNvGrpSpPr/>
         <p:nvPr/>
       </p:nvGrpSpPr>
@@ -10888,8 +10877,10 @@
       </p:grpSpPr>
       <p:sp>
         <p:nvSpPr>
-          <p:cNvPr id="113" name="Google Shape;113;p14"/>
-          <p:cNvSpPr txBox="1"/>
+          <p:cNvPr id="123" name="Google Shape;123;p15"/>
+          <p:cNvSpPr txBox="1">
+            <a:spLocks noGrp="1"/>
+          </p:cNvSpPr>
           <p:nvPr>
             <p:ph type="title"/>
           </p:nvPr>
@@ -10904,12 +10895,12 @@
           </a:prstGeom>
         </p:spPr>
         <p:txBody>
-          <a:bodyPr anchorCtr="0" anchor="ctr" bIns="0" lIns="0" spcFirstLastPara="1" rIns="0" wrap="square" tIns="0">
+          <a:bodyPr spcFirstLastPara="1" wrap="square" lIns="0" tIns="0" rIns="0" bIns="0" anchor="ctr" anchorCtr="0">
             <a:noAutofit/>
           </a:bodyPr>
           <a:lstStyle/>
           <a:p>
-            <a:pPr indent="0" lvl="0" marL="0" rtl="0" algn="l">
+            <a:pPr marL="0" lvl="0" indent="0" algn="l" rtl="0">
               <a:spcBef>
                 <a:spcPts val="0"/>
               </a:spcBef>
@@ -10920,7 +10911,7 @@
             </a:pPr>
             <a:r>
               <a:rPr lang="en" sz="6400"/>
-              <a:t>How to Use This Template</a:t>
+              <a:t>Agenda</a:t>
             </a:r>
             <a:endParaRPr sz="6400"/>
           </a:p>
@@ -10928,10 +10919,12 @@
       </p:sp>
       <p:sp>
         <p:nvSpPr>
-          <p:cNvPr id="114" name="Google Shape;114;p14"/>
-          <p:cNvSpPr txBox="1"/>
+          <p:cNvPr id="124" name="Google Shape;124;p15"/>
+          <p:cNvSpPr txBox="1">
+            <a:spLocks noGrp="1"/>
+          </p:cNvSpPr>
           <p:nvPr>
-            <p:ph idx="1" type="body"/>
+            <p:ph type="body" idx="1"/>
           </p:nvPr>
         </p:nvSpPr>
         <p:spPr>
@@ -10944,14 +10937,14 @@
           </a:prstGeom>
         </p:spPr>
         <p:txBody>
-          <a:bodyPr anchorCtr="0" anchor="t" bIns="0" lIns="0" spcFirstLastPara="1" rIns="0" wrap="square" tIns="0">
+          <a:bodyPr spcFirstLastPara="1" wrap="square" lIns="0" tIns="0" rIns="0" bIns="0" anchor="t" anchorCtr="0">
             <a:noAutofit/>
           </a:bodyPr>
           <a:lstStyle/>
           <a:p>
-            <a:pPr indent="-647700" lvl="0" marL="914400" rtl="0" algn="l">
+            <a:pPr marL="0" lvl="0" indent="0" algn="l" rtl="0">
               <a:lnSpc>
-                <a:spcPct val="115000"/>
+                <a:spcPct val="100000"/>
               </a:lnSpc>
               <a:spcBef>
                 <a:spcPts val="0"/>
@@ -10959,19 +10952,15 @@
               <a:spcAft>
                 <a:spcPts val="0"/>
               </a:spcAft>
-              <a:buClr>
-                <a:srgbClr val="2D3D4A"/>
-              </a:buClr>
-              <a:buSzPts val="3000"/>
-              <a:buChar char="●"/>
+              <a:buNone/>
             </a:pPr>
             <a:r>
-              <a:rPr lang="en" sz="3000">
-                <a:solidFill>
-                  <a:srgbClr val="2D3D4A"/>
+              <a:rPr lang="en">
+                <a:solidFill>
+                  <a:schemeClr val="accent1"/>
                 </a:solidFill>
               </a:rPr>
-              <a:t>Make a copy of this Google Slides deck.</a:t>
+              <a:t>Results of sleep health and lifestyle analysis</a:t>
             </a:r>
             <a:endParaRPr sz="3000">
               <a:solidFill>
@@ -10980,29 +10969,94 @@
             </a:endParaRPr>
           </a:p>
           <a:p>
-            <a:pPr indent="-647700" lvl="0" marL="914400" rtl="0" algn="l">
+            <a:pPr marL="914400" lvl="0" indent="-723900" algn="l" rtl="0">
               <a:lnSpc>
-                <a:spcPct val="115000"/>
+                <a:spcPct val="100000"/>
               </a:lnSpc>
               <a:spcBef>
-                <a:spcPts val="0"/>
-              </a:spcBef>
-              <a:spcAft>
-                <a:spcPts val="0"/>
-              </a:spcAft>
-              <a:buClr>
-                <a:srgbClr val="2D3D4A"/>
-              </a:buClr>
-              <a:buSzPts val="3000"/>
+                <a:spcPts val="1400"/>
+              </a:spcBef>
+              <a:spcAft>
+                <a:spcPts val="0"/>
+              </a:spcAft>
+              <a:buClr>
+                <a:schemeClr val="dk1"/>
+              </a:buClr>
+              <a:buSzPts val="4200"/>
               <a:buChar char="●"/>
             </a:pPr>
             <a:r>
-              <a:rPr lang="en" sz="3000">
-                <a:solidFill>
-                  <a:srgbClr val="2D3D4A"/>
-                </a:solidFill>
-              </a:rPr>
-              <a:t>We have provided these slides as a guide to ensure that you submit all the required components to successfully complete your project. </a:t>
+              <a:rPr lang="en" sz="4200"/>
+              <a:t>Data Description</a:t>
+            </a:r>
+            <a:endParaRPr sz="4200"/>
+          </a:p>
+          <a:p>
+            <a:pPr marL="914400" lvl="0" indent="-723900" algn="l" rtl="0">
+              <a:lnSpc>
+                <a:spcPct val="100000"/>
+              </a:lnSpc>
+              <a:spcBef>
+                <a:spcPts val="0"/>
+              </a:spcBef>
+              <a:spcAft>
+                <a:spcPts val="0"/>
+              </a:spcAft>
+              <a:buClr>
+                <a:schemeClr val="dk1"/>
+              </a:buClr>
+              <a:buSzPts val="4200"/>
+              <a:buChar char="●"/>
+            </a:pPr>
+            <a:r>
+              <a:rPr lang="en" sz="4200"/>
+              <a:t>Typical Amount of Physical Activity</a:t>
+            </a:r>
+            <a:endParaRPr sz="4200"/>
+          </a:p>
+          <a:p>
+            <a:pPr marL="914400" lvl="0" indent="-723900" algn="l" rtl="0">
+              <a:lnSpc>
+                <a:spcPct val="100000"/>
+              </a:lnSpc>
+              <a:spcBef>
+                <a:spcPts val="0"/>
+              </a:spcBef>
+              <a:spcAft>
+                <a:spcPts val="0"/>
+              </a:spcAft>
+              <a:buClr>
+                <a:schemeClr val="dk1"/>
+              </a:buClr>
+              <a:buSzPts val="4200"/>
+              <a:buChar char="●"/>
+            </a:pPr>
+            <a:r>
+              <a:rPr lang="en" sz="4200"/>
+              <a:t>Number of Daily Steps</a:t>
+            </a:r>
+            <a:endParaRPr sz="4200"/>
+          </a:p>
+          <a:p>
+            <a:pPr marL="914400" lvl="0" indent="-723900" algn="l" rtl="0">
+              <a:lnSpc>
+                <a:spcPct val="100000"/>
+              </a:lnSpc>
+              <a:spcBef>
+                <a:spcPts val="0"/>
+              </a:spcBef>
+              <a:spcAft>
+                <a:spcPts val="0"/>
+              </a:spcAft>
+              <a:buClr>
+                <a:schemeClr val="dk1"/>
+              </a:buClr>
+              <a:buSzPts val="4200"/>
+              <a:buChar char="●"/>
+            </a:pPr>
+            <a:r>
+              <a:rPr lang="en" sz="4200"/>
+              <a:t>Distribution of Heart Rates</a:t>
             </a:r>
             <a:endParaRPr sz="3000">
               <a:solidFill>
@@ -11011,83 +11065,18 @@
             </a:endParaRPr>
           </a:p>
           <a:p>
-            <a:pPr indent="-647700" lvl="0" marL="914400" rtl="0" algn="l">
+            <a:pPr marL="228600" lvl="0" indent="0" algn="l" rtl="0">
               <a:lnSpc>
                 <a:spcPct val="115000"/>
               </a:lnSpc>
               <a:spcBef>
-                <a:spcPts val="0"/>
-              </a:spcBef>
-              <a:spcAft>
-                <a:spcPts val="0"/>
-              </a:spcAft>
-              <a:buClr>
-                <a:srgbClr val="2D3D4A"/>
-              </a:buClr>
-              <a:buSzPts val="3000"/>
-              <a:buChar char="●"/>
+                <a:spcPts val="1400"/>
+              </a:spcBef>
+              <a:spcAft>
+                <a:spcPts val="2000"/>
+              </a:spcAft>
+              <a:buNone/>
             </a:pPr>
-            <a:r>
-              <a:rPr lang="en" sz="3000">
-                <a:solidFill>
-                  <a:srgbClr val="2D3D4A"/>
-                </a:solidFill>
-              </a:rPr>
-              <a:t>When presenting your project, please only think of this as a guide. We encouraged you to use creative freedom when making changes as long as the required information is present. </a:t>
-            </a:r>
-            <a:endParaRPr sz="3000">
-              <a:solidFill>
-                <a:srgbClr val="2D3D4A"/>
-              </a:solidFill>
-            </a:endParaRPr>
-          </a:p>
-          <a:p>
-            <a:pPr indent="-647700" lvl="0" marL="914400" rtl="0" algn="l">
-              <a:lnSpc>
-                <a:spcPct val="115000"/>
-              </a:lnSpc>
-              <a:spcBef>
-                <a:spcPts val="0"/>
-              </a:spcBef>
-              <a:spcAft>
-                <a:spcPts val="0"/>
-              </a:spcAft>
-              <a:buClr>
-                <a:srgbClr val="2D3D4A"/>
-              </a:buClr>
-              <a:buSzPts val="3000"/>
-              <a:buChar char="●"/>
-            </a:pPr>
-            <a:r>
-              <a:rPr lang="en" sz="3000">
-                <a:solidFill>
-                  <a:srgbClr val="2D3D4A"/>
-                </a:solidFill>
-              </a:rPr>
-              <a:t>Don’t forget to delete this slide before you submit your project.</a:t>
-            </a:r>
-            <a:endParaRPr sz="3000">
-              <a:solidFill>
-                <a:srgbClr val="2D3D4A"/>
-              </a:solidFill>
-            </a:endParaRPr>
-          </a:p>
-          <a:p>
-            <a:pPr indent="0" lvl="0" marL="228600" rtl="0" algn="l">
-              <a:lnSpc>
-                <a:spcPct val="115000"/>
-              </a:lnSpc>
-              <a:spcBef>
-                <a:spcPts val="2000"/>
-              </a:spcBef>
-              <a:spcAft>
-                <a:spcPts val="2000"/>
-              </a:spcAft>
-              <a:buNone/>
-            </a:pPr>
-            <a:r>
-              <a:t/>
-            </a:r>
             <a:endParaRPr sz="3000">
               <a:solidFill>
                 <a:srgbClr val="000000"/>
@@ -11096,261 +11085,6 @@
           </a:p>
         </p:txBody>
       </p:sp>
-      <p:sp>
-        <p:nvSpPr>
-          <p:cNvPr id="115" name="Google Shape;115;p14"/>
-          <p:cNvSpPr/>
-          <p:nvPr/>
-        </p:nvSpPr>
-        <p:spPr>
-          <a:xfrm flipH="1">
-            <a:off x="14646600" y="0"/>
-            <a:ext cx="3641400" cy="3247200"/>
-          </a:xfrm>
-          <a:prstGeom prst="diagStripe">
-            <a:avLst>
-              <a:gd fmla="val 52389" name="adj"/>
-            </a:avLst>
-          </a:prstGeom>
-          <a:solidFill>
-            <a:srgbClr val="CC0000"/>
-          </a:solidFill>
-          <a:ln cap="flat" cmpd="sng" w="9525">
-            <a:solidFill>
-              <a:srgbClr val="990000"/>
-            </a:solidFill>
-            <a:prstDash val="solid"/>
-            <a:round/>
-            <a:headEnd len="sm" w="sm" type="none"/>
-            <a:tailEnd len="sm" w="sm" type="none"/>
-          </a:ln>
-        </p:spPr>
-        <p:txBody>
-          <a:bodyPr anchorCtr="0" anchor="ctr" bIns="182850" lIns="182850" spcFirstLastPara="1" rIns="182850" wrap="square" tIns="182850">
-            <a:noAutofit/>
-          </a:bodyPr>
-          <a:lstStyle/>
-          <a:p>
-            <a:pPr indent="0" lvl="0" marL="0" marR="0" rtl="0" algn="l">
-              <a:lnSpc>
-                <a:spcPct val="100000"/>
-              </a:lnSpc>
-              <a:spcBef>
-                <a:spcPts val="0"/>
-              </a:spcBef>
-              <a:spcAft>
-                <a:spcPts val="0"/>
-              </a:spcAft>
-              <a:buClr>
-                <a:srgbClr val="000000"/>
-              </a:buClr>
-              <a:buSzPts val="2800"/>
-              <a:buFont typeface="Arial"/>
-              <a:buNone/>
-            </a:pPr>
-            <a:r>
-              <a:t/>
-            </a:r>
-            <a:endParaRPr b="0" i="0" sz="2800" u="none" cap="none" strike="noStrike">
-              <a:solidFill>
-                <a:srgbClr val="000000"/>
-              </a:solidFill>
-              <a:latin typeface="Arial"/>
-              <a:ea typeface="Arial"/>
-              <a:cs typeface="Arial"/>
-              <a:sym typeface="Arial"/>
-            </a:endParaRPr>
-          </a:p>
-        </p:txBody>
-      </p:sp>
-      <p:grpSp>
-        <p:nvGrpSpPr>
-          <p:cNvPr id="116" name="Google Shape;116;p14"/>
-          <p:cNvGrpSpPr/>
-          <p:nvPr/>
-        </p:nvGrpSpPr>
-        <p:grpSpPr>
-          <a:xfrm>
-            <a:off x="14646600" y="-496834"/>
-            <a:ext cx="4112283" cy="3744034"/>
-            <a:chOff x="7323300" y="-248417"/>
-            <a:chExt cx="2056141" cy="1872017"/>
-          </a:xfrm>
-        </p:grpSpPr>
-        <p:sp>
-          <p:nvSpPr>
-            <p:cNvPr id="117" name="Google Shape;117;p14"/>
-            <p:cNvSpPr/>
-            <p:nvPr/>
-          </p:nvSpPr>
-          <p:spPr>
-            <a:xfrm flipH="1">
-              <a:off x="7323300" y="0"/>
-              <a:ext cx="1820700" cy="1623600"/>
-            </a:xfrm>
-            <a:prstGeom prst="diagStripe">
-              <a:avLst>
-                <a:gd fmla="val 52389" name="adj"/>
-              </a:avLst>
-            </a:prstGeom>
-            <a:solidFill>
-              <a:srgbClr val="CC0000"/>
-            </a:solidFill>
-            <a:ln cap="flat" cmpd="sng" w="9525">
-              <a:solidFill>
-                <a:srgbClr val="990000"/>
-              </a:solidFill>
-              <a:prstDash val="solid"/>
-              <a:round/>
-              <a:headEnd len="sm" w="sm" type="none"/>
-              <a:tailEnd len="sm" w="sm" type="none"/>
-            </a:ln>
-          </p:spPr>
-          <p:txBody>
-            <a:bodyPr anchorCtr="0" anchor="ctr" bIns="182850" lIns="182850" spcFirstLastPara="1" rIns="182850" wrap="square" tIns="182850">
-              <a:noAutofit/>
-            </a:bodyPr>
-            <a:lstStyle/>
-            <a:p>
-              <a:pPr indent="0" lvl="0" marL="0" marR="0" rtl="0" algn="l">
-                <a:lnSpc>
-                  <a:spcPct val="100000"/>
-                </a:lnSpc>
-                <a:spcBef>
-                  <a:spcPts val="0"/>
-                </a:spcBef>
-                <a:spcAft>
-                  <a:spcPts val="0"/>
-                </a:spcAft>
-                <a:buClr>
-                  <a:srgbClr val="000000"/>
-                </a:buClr>
-                <a:buSzPts val="2800"/>
-                <a:buFont typeface="Arial"/>
-                <a:buNone/>
-              </a:pPr>
-              <a:r>
-                <a:t/>
-              </a:r>
-              <a:endParaRPr b="0" i="0" sz="2800" u="none" cap="none" strike="noStrike">
-                <a:solidFill>
-                  <a:srgbClr val="000000"/>
-                </a:solidFill>
-                <a:latin typeface="Arial"/>
-                <a:ea typeface="Arial"/>
-                <a:cs typeface="Arial"/>
-                <a:sym typeface="Arial"/>
-              </a:endParaRPr>
-            </a:p>
-          </p:txBody>
-        </p:sp>
-        <p:sp>
-          <p:nvSpPr>
-            <p:cNvPr id="118" name="Google Shape;118;p14"/>
-            <p:cNvSpPr txBox="1"/>
-            <p:nvPr/>
-          </p:nvSpPr>
-          <p:spPr>
-            <a:xfrm rot="2496869">
-              <a:off x="7526066" y="340302"/>
-              <a:ext cx="1946952" cy="458162"/>
-            </a:xfrm>
-            <a:prstGeom prst="rect">
-              <a:avLst/>
-            </a:prstGeom>
-            <a:noFill/>
-            <a:ln>
-              <a:noFill/>
-            </a:ln>
-          </p:spPr>
-          <p:txBody>
-            <a:bodyPr anchorCtr="0" anchor="t" bIns="182850" lIns="182850" spcFirstLastPara="1" rIns="182850" wrap="square" tIns="182850">
-              <a:noAutofit/>
-            </a:bodyPr>
-            <a:lstStyle/>
-            <a:p>
-              <a:pPr indent="0" lvl="0" marL="0" marR="0" rtl="0" algn="ctr">
-                <a:lnSpc>
-                  <a:spcPct val="100000"/>
-                </a:lnSpc>
-                <a:spcBef>
-                  <a:spcPts val="0"/>
-                </a:spcBef>
-                <a:spcAft>
-                  <a:spcPts val="0"/>
-                </a:spcAft>
-                <a:buClr>
-                  <a:srgbClr val="000000"/>
-                </a:buClr>
-                <a:buSzPts val="4400"/>
-                <a:buFont typeface="Arial"/>
-                <a:buNone/>
-              </a:pPr>
-              <a:r>
-                <a:rPr b="0" i="0" lang="en" sz="4400" u="none" cap="none" strike="noStrike">
-                  <a:solidFill>
-                    <a:srgbClr val="F3F3F3"/>
-                  </a:solidFill>
-                  <a:latin typeface="Open Sans"/>
-                  <a:ea typeface="Open Sans"/>
-                  <a:cs typeface="Open Sans"/>
-                  <a:sym typeface="Open Sans"/>
-                </a:rPr>
-                <a:t>REFERENCE</a:t>
-              </a:r>
-              <a:endParaRPr b="0" i="0" sz="4400" u="none" cap="none" strike="noStrike">
-                <a:solidFill>
-                  <a:srgbClr val="F3F3F3"/>
-                </a:solidFill>
-                <a:latin typeface="Open Sans"/>
-                <a:ea typeface="Open Sans"/>
-                <a:cs typeface="Open Sans"/>
-                <a:sym typeface="Open Sans"/>
-              </a:endParaRPr>
-            </a:p>
-            <a:p>
-              <a:pPr indent="0" lvl="0" marL="0" marR="0" rtl="0" algn="ctr">
-                <a:lnSpc>
-                  <a:spcPct val="100000"/>
-                </a:lnSpc>
-                <a:spcBef>
-                  <a:spcPts val="0"/>
-                </a:spcBef>
-                <a:spcAft>
-                  <a:spcPts val="0"/>
-                </a:spcAft>
-                <a:buClr>
-                  <a:srgbClr val="000000"/>
-                </a:buClr>
-                <a:buSzPts val="1800"/>
-                <a:buFont typeface="Arial"/>
-                <a:buNone/>
-              </a:pPr>
-              <a:r>
-                <a:rPr b="1" i="0" lang="en" sz="1800" u="none" cap="none" strike="noStrike">
-                  <a:solidFill>
-                    <a:srgbClr val="F3F3F3"/>
-                  </a:solidFill>
-                  <a:latin typeface="Open Sans"/>
-                  <a:ea typeface="Open Sans"/>
-                  <a:cs typeface="Open Sans"/>
-                  <a:sym typeface="Open Sans"/>
-                </a:rPr>
-                <a:t>REMOVE BEFORE SUBMITTING</a:t>
-              </a:r>
-              <a:endParaRPr b="1" i="0" sz="1800" u="none" cap="none" strike="noStrike">
-                <a:solidFill>
-                  <a:srgbClr val="F3F3F3"/>
-                </a:solidFill>
-                <a:latin typeface="Open Sans"/>
-                <a:ea typeface="Open Sans"/>
-                <a:cs typeface="Open Sans"/>
-                <a:sym typeface="Open Sans"/>
-              </a:endParaRPr>
-            </a:p>
-          </p:txBody>
-        </p:sp>
-      </p:grpSp>
     </p:spTree>
   </p:cSld>
   <p:clrMapOvr>
@@ -11360,11 +11094,11 @@
 </file>
 
 <file path=ppt/slides/slide3.xml><?xml version="1.0" encoding="utf-8"?>
-<p:sld xmlns:a="http://schemas.openxmlformats.org/drawingml/2006/main" xmlns:r="http://schemas.openxmlformats.org/officeDocument/2006/relationships" xmlns:mc="http://schemas.openxmlformats.org/markup-compatibility/2006" xmlns:mv="urn:schemas-microsoft-com:mac:vml" xmlns:p="http://schemas.openxmlformats.org/presentationml/2006/main" xmlns:c="http://schemas.openxmlformats.org/drawingml/2006/chart" xmlns:dgm="http://schemas.openxmlformats.org/drawingml/2006/diagram" xmlns:o="urn:schemas-microsoft-com:office:office" xmlns:v="urn:schemas-microsoft-com:vml" xmlns:pvml="urn:schemas-microsoft-com:office:powerpoint" xmlns:com="http://schemas.openxmlformats.org/drawingml/2006/compatibility" xmlns:p14="http://schemas.microsoft.com/office/powerpoint/2010/main" xmlns:p15="http://schemas.microsoft.com/office/powerpoint/2012/main" xmlns:ahyp="http://schemas.microsoft.com/office/drawing/2018/hyperlinkcolor">
+<p:sld xmlns:a="http://schemas.openxmlformats.org/drawingml/2006/main" xmlns:r="http://schemas.openxmlformats.org/officeDocument/2006/relationships" xmlns:p="http://schemas.openxmlformats.org/presentationml/2006/main">
   <p:cSld>
     <p:spTree>
       <p:nvGrpSpPr>
-        <p:cNvPr id="122" name="Shape 122"/>
+        <p:cNvPr id="1" name="Shape 128"/>
         <p:cNvGrpSpPr/>
         <p:nvPr/>
       </p:nvGrpSpPr>
@@ -11378,8 +11112,10 @@
       </p:grpSpPr>
       <p:sp>
         <p:nvSpPr>
-          <p:cNvPr id="123" name="Google Shape;123;p15"/>
-          <p:cNvSpPr txBox="1"/>
+          <p:cNvPr id="129" name="Google Shape;129;p16"/>
+          <p:cNvSpPr txBox="1">
+            <a:spLocks noGrp="1"/>
+          </p:cNvSpPr>
           <p:nvPr>
             <p:ph type="title"/>
           </p:nvPr>
@@ -11394,12 +11130,12 @@
           </a:prstGeom>
         </p:spPr>
         <p:txBody>
-          <a:bodyPr anchorCtr="0" anchor="ctr" bIns="0" lIns="0" spcFirstLastPara="1" rIns="0" wrap="square" tIns="0">
+          <a:bodyPr spcFirstLastPara="1" wrap="square" lIns="0" tIns="0" rIns="0" bIns="0" anchor="ctr" anchorCtr="0">
             <a:noAutofit/>
           </a:bodyPr>
           <a:lstStyle/>
           <a:p>
-            <a:pPr indent="0" lvl="0" marL="0" rtl="0" algn="l">
+            <a:pPr marL="0" lvl="0" indent="0" algn="l" rtl="0">
               <a:spcBef>
                 <a:spcPts val="0"/>
               </a:spcBef>
@@ -11410,7 +11146,7 @@
             </a:pPr>
             <a:r>
               <a:rPr lang="en" sz="6400"/>
-              <a:t>Agenda</a:t>
+              <a:t>Data Description</a:t>
             </a:r>
             <a:endParaRPr sz="6400"/>
           </a:p>
@@ -11418,10 +11154,12 @@
       </p:sp>
       <p:sp>
         <p:nvSpPr>
-          <p:cNvPr id="124" name="Google Shape;124;p15"/>
-          <p:cNvSpPr txBox="1"/>
+          <p:cNvPr id="130" name="Google Shape;130;p16"/>
+          <p:cNvSpPr txBox="1">
+            <a:spLocks noGrp="1"/>
+          </p:cNvSpPr>
           <p:nvPr>
-            <p:ph idx="1" type="body"/>
+            <p:ph type="body" idx="1"/>
           </p:nvPr>
         </p:nvSpPr>
         <p:spPr>
@@ -11434,12 +11172,12 @@
           </a:prstGeom>
         </p:spPr>
         <p:txBody>
-          <a:bodyPr anchorCtr="0" anchor="t" bIns="0" lIns="0" spcFirstLastPara="1" rIns="0" wrap="square" tIns="0">
+          <a:bodyPr spcFirstLastPara="1" wrap="square" lIns="0" tIns="0" rIns="0" bIns="0" anchor="t" anchorCtr="0">
             <a:noAutofit/>
           </a:bodyPr>
           <a:lstStyle/>
           <a:p>
-            <a:pPr indent="0" lvl="0" marL="0" rtl="0" algn="l">
+            <a:pPr marL="0" lvl="0" indent="0" algn="l" rtl="0">
               <a:lnSpc>
                 <a:spcPct val="100000"/>
               </a:lnSpc>
@@ -11457,7 +11195,7 @@
                   <a:schemeClr val="accent1"/>
                 </a:solidFill>
               </a:rPr>
-              <a:t>Results of sleep health and lifestyle analysis</a:t>
+              <a:t>[TODO]</a:t>
             </a:r>
             <a:endParaRPr sz="3000">
               <a:solidFill>
@@ -11466,7 +11204,7 @@
             </a:endParaRPr>
           </a:p>
           <a:p>
-            <a:pPr indent="-723900" lvl="0" marL="914400" rtl="0" algn="l">
+            <a:pPr marL="914400" lvl="0" indent="-685800" algn="l" rtl="0">
               <a:lnSpc>
                 <a:spcPct val="100000"/>
               </a:lnSpc>
@@ -11479,90 +11217,17 @@
               <a:buClr>
                 <a:schemeClr val="dk1"/>
               </a:buClr>
-              <a:buSzPts val="4200"/>
+              <a:buSzPts val="3600"/>
               <a:buChar char="●"/>
             </a:pPr>
-            <a:r>
-              <a:rPr lang="en" sz="4200"/>
-              <a:t>Data Description</a:t>
-            </a:r>
-            <a:endParaRPr sz="4200"/>
-          </a:p>
-          <a:p>
-            <a:pPr indent="-723900" lvl="0" marL="914400" rtl="0" algn="l">
-              <a:lnSpc>
-                <a:spcPct val="100000"/>
-              </a:lnSpc>
-              <a:spcBef>
-                <a:spcPts val="0"/>
-              </a:spcBef>
-              <a:spcAft>
-                <a:spcPts val="0"/>
-              </a:spcAft>
-              <a:buClr>
-                <a:schemeClr val="dk1"/>
-              </a:buClr>
-              <a:buSzPts val="4200"/>
-              <a:buChar char="●"/>
-            </a:pPr>
-            <a:r>
-              <a:rPr lang="en" sz="4200"/>
-              <a:t>Typical Amount of Physical Activity</a:t>
-            </a:r>
-            <a:endParaRPr sz="4200"/>
-          </a:p>
-          <a:p>
-            <a:pPr indent="-723900" lvl="0" marL="914400" rtl="0" algn="l">
-              <a:lnSpc>
-                <a:spcPct val="100000"/>
-              </a:lnSpc>
-              <a:spcBef>
-                <a:spcPts val="0"/>
-              </a:spcBef>
-              <a:spcAft>
-                <a:spcPts val="0"/>
-              </a:spcAft>
-              <a:buClr>
-                <a:schemeClr val="dk1"/>
-              </a:buClr>
-              <a:buSzPts val="4200"/>
-              <a:buChar char="●"/>
-            </a:pPr>
-            <a:r>
-              <a:rPr lang="en" sz="4200"/>
-              <a:t>Number of Daily Steps</a:t>
-            </a:r>
-            <a:endParaRPr sz="4200"/>
-          </a:p>
-          <a:p>
-            <a:pPr indent="-723900" lvl="0" marL="914400" rtl="0" algn="l">
-              <a:lnSpc>
-                <a:spcPct val="100000"/>
-              </a:lnSpc>
-              <a:spcBef>
-                <a:spcPts val="0"/>
-              </a:spcBef>
-              <a:spcAft>
-                <a:spcPts val="0"/>
-              </a:spcAft>
-              <a:buClr>
-                <a:schemeClr val="dk1"/>
-              </a:buClr>
-              <a:buSzPts val="4200"/>
-              <a:buChar char="●"/>
-            </a:pPr>
-            <a:r>
-              <a:rPr lang="en" sz="4200"/>
-              <a:t>Distribution of Heart Rates</a:t>
-            </a:r>
-            <a:endParaRPr sz="3000">
+            <a:endParaRPr>
               <a:solidFill>
                 <a:srgbClr val="2D3D4A"/>
               </a:solidFill>
             </a:endParaRPr>
           </a:p>
           <a:p>
-            <a:pPr indent="0" lvl="0" marL="228600" rtl="0" algn="l">
+            <a:pPr marL="228600" lvl="0" indent="0" algn="l" rtl="0">
               <a:lnSpc>
                 <a:spcPct val="115000"/>
               </a:lnSpc>
@@ -11574,9 +11239,6 @@
               </a:spcAft>
               <a:buNone/>
             </a:pPr>
-            <a:r>
-              <a:t/>
-            </a:r>
             <a:endParaRPr sz="3000">
               <a:solidFill>
                 <a:srgbClr val="000000"/>
@@ -11594,11 +11256,11 @@
 </file>
 
 <file path=ppt/slides/slide4.xml><?xml version="1.0" encoding="utf-8"?>
-<p:sld xmlns:a="http://schemas.openxmlformats.org/drawingml/2006/main" xmlns:r="http://schemas.openxmlformats.org/officeDocument/2006/relationships" xmlns:mc="http://schemas.openxmlformats.org/markup-compatibility/2006" xmlns:mv="urn:schemas-microsoft-com:mac:vml" xmlns:p="http://schemas.openxmlformats.org/presentationml/2006/main" xmlns:c="http://schemas.openxmlformats.org/drawingml/2006/chart" xmlns:dgm="http://schemas.openxmlformats.org/drawingml/2006/diagram" xmlns:o="urn:schemas-microsoft-com:office:office" xmlns:v="urn:schemas-microsoft-com:vml" xmlns:pvml="urn:schemas-microsoft-com:office:powerpoint" xmlns:com="http://schemas.openxmlformats.org/drawingml/2006/compatibility" xmlns:p14="http://schemas.microsoft.com/office/powerpoint/2010/main" xmlns:p15="http://schemas.microsoft.com/office/powerpoint/2012/main" xmlns:ahyp="http://schemas.microsoft.com/office/drawing/2018/hyperlinkcolor">
+<p:sld xmlns:a="http://schemas.openxmlformats.org/drawingml/2006/main" xmlns:r="http://schemas.openxmlformats.org/officeDocument/2006/relationships" xmlns:p="http://schemas.openxmlformats.org/presentationml/2006/main">
   <p:cSld>
     <p:spTree>
       <p:nvGrpSpPr>
-        <p:cNvPr id="128" name="Shape 128"/>
+        <p:cNvPr id="1" name="Shape 134"/>
         <p:cNvGrpSpPr/>
         <p:nvPr/>
       </p:nvGrpSpPr>
@@ -11612,8 +11274,10 @@
       </p:grpSpPr>
       <p:sp>
         <p:nvSpPr>
-          <p:cNvPr id="129" name="Google Shape;129;p16"/>
-          <p:cNvSpPr txBox="1"/>
+          <p:cNvPr id="135" name="Google Shape;135;p17"/>
+          <p:cNvSpPr txBox="1">
+            <a:spLocks noGrp="1"/>
+          </p:cNvSpPr>
           <p:nvPr>
             <p:ph type="title"/>
           </p:nvPr>
@@ -11628,12 +11292,12 @@
           </a:prstGeom>
         </p:spPr>
         <p:txBody>
-          <a:bodyPr anchorCtr="0" anchor="ctr" bIns="0" lIns="0" spcFirstLastPara="1" rIns="0" wrap="square" tIns="0">
+          <a:bodyPr spcFirstLastPara="1" wrap="square" lIns="0" tIns="0" rIns="0" bIns="0" anchor="ctr" anchorCtr="0">
             <a:noAutofit/>
           </a:bodyPr>
           <a:lstStyle/>
           <a:p>
-            <a:pPr indent="0" lvl="0" marL="0" rtl="0" algn="l">
+            <a:pPr marL="0" lvl="0" indent="0" algn="l" rtl="0">
               <a:spcBef>
                 <a:spcPts val="0"/>
               </a:spcBef>
@@ -11644,7 +11308,7 @@
             </a:pPr>
             <a:r>
               <a:rPr lang="en" sz="6400"/>
-              <a:t>Data Description</a:t>
+              <a:t>Typical Amount (Minutes) of Physical Activity</a:t>
             </a:r>
             <a:endParaRPr sz="6400"/>
           </a:p>
@@ -11652,10 +11316,12 @@
       </p:sp>
       <p:sp>
         <p:nvSpPr>
-          <p:cNvPr id="130" name="Google Shape;130;p16"/>
-          <p:cNvSpPr txBox="1"/>
+          <p:cNvPr id="136" name="Google Shape;136;p17"/>
+          <p:cNvSpPr txBox="1">
+            <a:spLocks noGrp="1"/>
+          </p:cNvSpPr>
           <p:nvPr>
-            <p:ph idx="1" type="body"/>
+            <p:ph type="body" idx="1"/>
           </p:nvPr>
         </p:nvSpPr>
         <p:spPr>
@@ -11668,12 +11334,12 @@
           </a:prstGeom>
         </p:spPr>
         <p:txBody>
-          <a:bodyPr anchorCtr="0" anchor="t" bIns="0" lIns="0" spcFirstLastPara="1" rIns="0" wrap="square" tIns="0">
+          <a:bodyPr spcFirstLastPara="1" wrap="square" lIns="0" tIns="0" rIns="0" bIns="0" anchor="t" anchorCtr="0">
             <a:noAutofit/>
           </a:bodyPr>
           <a:lstStyle/>
           <a:p>
-            <a:pPr indent="0" lvl="0" marL="0" rtl="0" algn="l">
+            <a:pPr marL="0" lvl="0" indent="0" algn="l" rtl="0">
               <a:lnSpc>
                 <a:spcPct val="100000"/>
               </a:lnSpc>
@@ -11700,7 +11366,7 @@
             </a:endParaRPr>
           </a:p>
           <a:p>
-            <a:pPr indent="-685800" lvl="0" marL="914400" rtl="0" algn="l">
+            <a:pPr marL="914400" lvl="0" indent="-685800" algn="l" rtl="0">
               <a:lnSpc>
                 <a:spcPct val="100000"/>
               </a:lnSpc>
@@ -11716,9 +11382,6 @@
               <a:buSzPts val="3600"/>
               <a:buChar char="●"/>
             </a:pPr>
-            <a:r>
-              <a:t/>
-            </a:r>
             <a:endParaRPr>
               <a:solidFill>
                 <a:srgbClr val="2D3D4A"/>
@@ -11726,7 +11389,7 @@
             </a:endParaRPr>
           </a:p>
           <a:p>
-            <a:pPr indent="0" lvl="0" marL="228600" rtl="0" algn="l">
+            <a:pPr marL="228600" lvl="0" indent="0" algn="l" rtl="0">
               <a:lnSpc>
                 <a:spcPct val="115000"/>
               </a:lnSpc>
@@ -11738,9 +11401,6 @@
               </a:spcAft>
               <a:buNone/>
             </a:pPr>
-            <a:r>
-              <a:t/>
-            </a:r>
             <a:endParaRPr sz="3000">
               <a:solidFill>
                 <a:srgbClr val="000000"/>
@@ -11758,11 +11418,11 @@
 </file>
 
 <file path=ppt/slides/slide5.xml><?xml version="1.0" encoding="utf-8"?>
-<p:sld xmlns:a="http://schemas.openxmlformats.org/drawingml/2006/main" xmlns:r="http://schemas.openxmlformats.org/officeDocument/2006/relationships" xmlns:mc="http://schemas.openxmlformats.org/markup-compatibility/2006" xmlns:mv="urn:schemas-microsoft-com:mac:vml" xmlns:p="http://schemas.openxmlformats.org/presentationml/2006/main" xmlns:c="http://schemas.openxmlformats.org/drawingml/2006/chart" xmlns:dgm="http://schemas.openxmlformats.org/drawingml/2006/diagram" xmlns:o="urn:schemas-microsoft-com:office:office" xmlns:v="urn:schemas-microsoft-com:vml" xmlns:pvml="urn:schemas-microsoft-com:office:powerpoint" xmlns:com="http://schemas.openxmlformats.org/drawingml/2006/compatibility" xmlns:p14="http://schemas.microsoft.com/office/powerpoint/2010/main" xmlns:p15="http://schemas.microsoft.com/office/powerpoint/2012/main" xmlns:ahyp="http://schemas.microsoft.com/office/drawing/2018/hyperlinkcolor">
+<p:sld xmlns:a="http://schemas.openxmlformats.org/drawingml/2006/main" xmlns:r="http://schemas.openxmlformats.org/officeDocument/2006/relationships" xmlns:p="http://schemas.openxmlformats.org/presentationml/2006/main">
   <p:cSld>
     <p:spTree>
       <p:nvGrpSpPr>
-        <p:cNvPr id="134" name="Shape 134"/>
+        <p:cNvPr id="1" name="Shape 140"/>
         <p:cNvGrpSpPr/>
         <p:nvPr/>
       </p:nvGrpSpPr>
@@ -11776,8 +11436,10 @@
       </p:grpSpPr>
       <p:sp>
         <p:nvSpPr>
-          <p:cNvPr id="135" name="Google Shape;135;p17"/>
-          <p:cNvSpPr txBox="1"/>
+          <p:cNvPr id="141" name="Google Shape;141;p18"/>
+          <p:cNvSpPr txBox="1">
+            <a:spLocks noGrp="1"/>
+          </p:cNvSpPr>
           <p:nvPr>
             <p:ph type="title"/>
           </p:nvPr>
@@ -11792,12 +11454,12 @@
           </a:prstGeom>
         </p:spPr>
         <p:txBody>
-          <a:bodyPr anchorCtr="0" anchor="ctr" bIns="0" lIns="0" spcFirstLastPara="1" rIns="0" wrap="square" tIns="0">
+          <a:bodyPr spcFirstLastPara="1" wrap="square" lIns="0" tIns="0" rIns="0" bIns="0" anchor="ctr" anchorCtr="0">
             <a:noAutofit/>
           </a:bodyPr>
           <a:lstStyle/>
           <a:p>
-            <a:pPr indent="0" lvl="0" marL="0" rtl="0" algn="l">
+            <a:pPr marL="0" lvl="0" indent="0" algn="l" rtl="0">
               <a:spcBef>
                 <a:spcPts val="0"/>
               </a:spcBef>
@@ -11808,7 +11470,7 @@
             </a:pPr>
             <a:r>
               <a:rPr lang="en" sz="6400"/>
-              <a:t>Typical Amount (Minutes) of Physical Activity</a:t>
+              <a:t>Analysis of Daily Steps Taken</a:t>
             </a:r>
             <a:endParaRPr sz="6400"/>
           </a:p>
@@ -11816,10 +11478,12 @@
       </p:sp>
       <p:sp>
         <p:nvSpPr>
-          <p:cNvPr id="136" name="Google Shape;136;p17"/>
-          <p:cNvSpPr txBox="1"/>
+          <p:cNvPr id="142" name="Google Shape;142;p18"/>
+          <p:cNvSpPr txBox="1">
+            <a:spLocks noGrp="1"/>
+          </p:cNvSpPr>
           <p:nvPr>
-            <p:ph idx="1" type="body"/>
+            <p:ph type="body" idx="1"/>
           </p:nvPr>
         </p:nvSpPr>
         <p:spPr>
@@ -11832,12 +11496,12 @@
           </a:prstGeom>
         </p:spPr>
         <p:txBody>
-          <a:bodyPr anchorCtr="0" anchor="t" bIns="0" lIns="0" spcFirstLastPara="1" rIns="0" wrap="square" tIns="0">
+          <a:bodyPr spcFirstLastPara="1" wrap="square" lIns="0" tIns="0" rIns="0" bIns="0" anchor="t" anchorCtr="0">
             <a:noAutofit/>
           </a:bodyPr>
           <a:lstStyle/>
           <a:p>
-            <a:pPr indent="0" lvl="0" marL="0" rtl="0" algn="l">
+            <a:pPr marL="0" lvl="0" indent="0" algn="l" rtl="0">
               <a:lnSpc>
                 <a:spcPct val="100000"/>
               </a:lnSpc>
@@ -11864,7 +11528,7 @@
             </a:endParaRPr>
           </a:p>
           <a:p>
-            <a:pPr indent="-685800" lvl="0" marL="914400" rtl="0" algn="l">
+            <a:pPr marL="914400" lvl="0" indent="-685800" algn="l" rtl="0">
               <a:lnSpc>
                 <a:spcPct val="100000"/>
               </a:lnSpc>
@@ -11880,9 +11544,6 @@
               <a:buSzPts val="3600"/>
               <a:buChar char="●"/>
             </a:pPr>
-            <a:r>
-              <a:t/>
-            </a:r>
             <a:endParaRPr>
               <a:solidFill>
                 <a:srgbClr val="2D3D4A"/>
@@ -11890,7 +11551,7 @@
             </a:endParaRPr>
           </a:p>
           <a:p>
-            <a:pPr indent="0" lvl="0" marL="228600" rtl="0" algn="l">
+            <a:pPr marL="228600" lvl="0" indent="0" algn="l" rtl="0">
               <a:lnSpc>
                 <a:spcPct val="115000"/>
               </a:lnSpc>
@@ -11902,9 +11563,6 @@
               </a:spcAft>
               <a:buNone/>
             </a:pPr>
-            <a:r>
-              <a:t/>
-            </a:r>
             <a:endParaRPr sz="3000">
               <a:solidFill>
                 <a:srgbClr val="000000"/>
@@ -11922,11 +11580,11 @@
 </file>
 
 <file path=ppt/slides/slide6.xml><?xml version="1.0" encoding="utf-8"?>
-<p:sld xmlns:a="http://schemas.openxmlformats.org/drawingml/2006/main" xmlns:r="http://schemas.openxmlformats.org/officeDocument/2006/relationships" xmlns:mc="http://schemas.openxmlformats.org/markup-compatibility/2006" xmlns:mv="urn:schemas-microsoft-com:mac:vml" xmlns:p="http://schemas.openxmlformats.org/presentationml/2006/main" xmlns:c="http://schemas.openxmlformats.org/drawingml/2006/chart" xmlns:dgm="http://schemas.openxmlformats.org/drawingml/2006/diagram" xmlns:o="urn:schemas-microsoft-com:office:office" xmlns:v="urn:schemas-microsoft-com:vml" xmlns:pvml="urn:schemas-microsoft-com:office:powerpoint" xmlns:com="http://schemas.openxmlformats.org/drawingml/2006/compatibility" xmlns:p14="http://schemas.microsoft.com/office/powerpoint/2010/main" xmlns:p15="http://schemas.microsoft.com/office/powerpoint/2012/main" xmlns:ahyp="http://schemas.microsoft.com/office/drawing/2018/hyperlinkcolor">
+<p:sld xmlns:a="http://schemas.openxmlformats.org/drawingml/2006/main" xmlns:r="http://schemas.openxmlformats.org/officeDocument/2006/relationships" xmlns:p="http://schemas.openxmlformats.org/presentationml/2006/main">
   <p:cSld>
     <p:spTree>
       <p:nvGrpSpPr>
-        <p:cNvPr id="140" name="Shape 140"/>
+        <p:cNvPr id="1" name="Shape 146"/>
         <p:cNvGrpSpPr/>
         <p:nvPr/>
       </p:nvGrpSpPr>
@@ -11940,8 +11598,10 @@
       </p:grpSpPr>
       <p:sp>
         <p:nvSpPr>
-          <p:cNvPr id="141" name="Google Shape;141;p18"/>
-          <p:cNvSpPr txBox="1"/>
+          <p:cNvPr id="147" name="Google Shape;147;p19"/>
+          <p:cNvSpPr txBox="1">
+            <a:spLocks noGrp="1"/>
+          </p:cNvSpPr>
           <p:nvPr>
             <p:ph type="title"/>
           </p:nvPr>
@@ -11956,12 +11616,12 @@
           </a:prstGeom>
         </p:spPr>
         <p:txBody>
-          <a:bodyPr anchorCtr="0" anchor="ctr" bIns="0" lIns="0" spcFirstLastPara="1" rIns="0" wrap="square" tIns="0">
+          <a:bodyPr spcFirstLastPara="1" wrap="square" lIns="0" tIns="0" rIns="0" bIns="0" anchor="ctr" anchorCtr="0">
             <a:noAutofit/>
           </a:bodyPr>
           <a:lstStyle/>
           <a:p>
-            <a:pPr indent="0" lvl="0" marL="0" rtl="0" algn="l">
+            <a:pPr marL="0" lvl="0" indent="0" algn="l" rtl="0">
               <a:spcBef>
                 <a:spcPts val="0"/>
               </a:spcBef>
@@ -11972,7 +11632,7 @@
             </a:pPr>
             <a:r>
               <a:rPr lang="en" sz="6400"/>
-              <a:t>Analysis of Daily Steps Taken</a:t>
+              <a:t>Distribution of Heart Rates</a:t>
             </a:r>
             <a:endParaRPr sz="6400"/>
           </a:p>
@@ -11980,10 +11640,12 @@
       </p:sp>
       <p:sp>
         <p:nvSpPr>
-          <p:cNvPr id="142" name="Google Shape;142;p18"/>
-          <p:cNvSpPr txBox="1"/>
+          <p:cNvPr id="148" name="Google Shape;148;p19"/>
+          <p:cNvSpPr txBox="1">
+            <a:spLocks noGrp="1"/>
+          </p:cNvSpPr>
           <p:nvPr>
-            <p:ph idx="1" type="body"/>
+            <p:ph type="body" idx="1"/>
           </p:nvPr>
         </p:nvSpPr>
         <p:spPr>
@@ -11996,12 +11658,12 @@
           </a:prstGeom>
         </p:spPr>
         <p:txBody>
-          <a:bodyPr anchorCtr="0" anchor="t" bIns="0" lIns="0" spcFirstLastPara="1" rIns="0" wrap="square" tIns="0">
+          <a:bodyPr spcFirstLastPara="1" wrap="square" lIns="0" tIns="0" rIns="0" bIns="0" anchor="t" anchorCtr="0">
             <a:noAutofit/>
           </a:bodyPr>
           <a:lstStyle/>
           <a:p>
-            <a:pPr indent="0" lvl="0" marL="0" rtl="0" algn="l">
+            <a:pPr marL="0" lvl="0" indent="0" algn="l" rtl="0">
               <a:lnSpc>
                 <a:spcPct val="100000"/>
               </a:lnSpc>
@@ -12028,7 +11690,7 @@
             </a:endParaRPr>
           </a:p>
           <a:p>
-            <a:pPr indent="-685800" lvl="0" marL="914400" rtl="0" algn="l">
+            <a:pPr marL="914400" lvl="0" indent="-685800" algn="l" rtl="0">
               <a:lnSpc>
                 <a:spcPct val="100000"/>
               </a:lnSpc>
@@ -12044,9 +11706,6 @@
               <a:buSzPts val="3600"/>
               <a:buChar char="●"/>
             </a:pPr>
-            <a:r>
-              <a:t/>
-            </a:r>
             <a:endParaRPr>
               <a:solidFill>
                 <a:srgbClr val="2D3D4A"/>
@@ -12054,7 +11713,7 @@
             </a:endParaRPr>
           </a:p>
           <a:p>
-            <a:pPr indent="0" lvl="0" marL="228600" rtl="0" algn="l">
+            <a:pPr marL="228600" lvl="0" indent="0" algn="l" rtl="0">
               <a:lnSpc>
                 <a:spcPct val="115000"/>
               </a:lnSpc>
@@ -12066,173 +11725,6 @@
               </a:spcAft>
               <a:buNone/>
             </a:pPr>
-            <a:r>
-              <a:t/>
-            </a:r>
-            <a:endParaRPr sz="3000">
-              <a:solidFill>
-                <a:srgbClr val="000000"/>
-              </a:solidFill>
-            </a:endParaRPr>
-          </a:p>
-        </p:txBody>
-      </p:sp>
-    </p:spTree>
-  </p:cSld>
-  <p:clrMapOvr>
-    <a:masterClrMapping/>
-  </p:clrMapOvr>
-</p:sld>
-</file>
-
-<file path=ppt/slides/slide7.xml><?xml version="1.0" encoding="utf-8"?>
-<p:sld xmlns:a="http://schemas.openxmlformats.org/drawingml/2006/main" xmlns:r="http://schemas.openxmlformats.org/officeDocument/2006/relationships" xmlns:mc="http://schemas.openxmlformats.org/markup-compatibility/2006" xmlns:mv="urn:schemas-microsoft-com:mac:vml" xmlns:p="http://schemas.openxmlformats.org/presentationml/2006/main" xmlns:c="http://schemas.openxmlformats.org/drawingml/2006/chart" xmlns:dgm="http://schemas.openxmlformats.org/drawingml/2006/diagram" xmlns:o="urn:schemas-microsoft-com:office:office" xmlns:v="urn:schemas-microsoft-com:vml" xmlns:pvml="urn:schemas-microsoft-com:office:powerpoint" xmlns:com="http://schemas.openxmlformats.org/drawingml/2006/compatibility" xmlns:p14="http://schemas.microsoft.com/office/powerpoint/2010/main" xmlns:p15="http://schemas.microsoft.com/office/powerpoint/2012/main" xmlns:ahyp="http://schemas.microsoft.com/office/drawing/2018/hyperlinkcolor">
-  <p:cSld>
-    <p:spTree>
-      <p:nvGrpSpPr>
-        <p:cNvPr id="146" name="Shape 146"/>
-        <p:cNvGrpSpPr/>
-        <p:nvPr/>
-      </p:nvGrpSpPr>
-      <p:grpSpPr>
-        <a:xfrm>
-          <a:off x="0" y="0"/>
-          <a:ext cx="0" cy="0"/>
-          <a:chOff x="0" y="0"/>
-          <a:chExt cx="0" cy="0"/>
-        </a:xfrm>
-      </p:grpSpPr>
-      <p:sp>
-        <p:nvSpPr>
-          <p:cNvPr id="147" name="Google Shape;147;p19"/>
-          <p:cNvSpPr txBox="1"/>
-          <p:nvPr>
-            <p:ph type="title"/>
-          </p:nvPr>
-        </p:nvSpPr>
-        <p:spPr>
-          <a:xfrm>
-            <a:off x="685800" y="307965"/>
-            <a:ext cx="16916400" cy="1509000"/>
-          </a:xfrm>
-          <a:prstGeom prst="rect">
-            <a:avLst/>
-          </a:prstGeom>
-        </p:spPr>
-        <p:txBody>
-          <a:bodyPr anchorCtr="0" anchor="ctr" bIns="0" lIns="0" spcFirstLastPara="1" rIns="0" wrap="square" tIns="0">
-            <a:noAutofit/>
-          </a:bodyPr>
-          <a:lstStyle/>
-          <a:p>
-            <a:pPr indent="0" lvl="0" marL="0" rtl="0" algn="l">
-              <a:spcBef>
-                <a:spcPts val="0"/>
-              </a:spcBef>
-              <a:spcAft>
-                <a:spcPts val="0"/>
-              </a:spcAft>
-              <a:buNone/>
-            </a:pPr>
-            <a:r>
-              <a:rPr lang="en" sz="6400"/>
-              <a:t>Distribution of Heart Rates</a:t>
-            </a:r>
-            <a:endParaRPr sz="6400"/>
-          </a:p>
-        </p:txBody>
-      </p:sp>
-      <p:sp>
-        <p:nvSpPr>
-          <p:cNvPr id="148" name="Google Shape;148;p19"/>
-          <p:cNvSpPr txBox="1"/>
-          <p:nvPr>
-            <p:ph idx="1" type="body"/>
-          </p:nvPr>
-        </p:nvSpPr>
-        <p:spPr>
-          <a:xfrm>
-            <a:off x="685850" y="1828800"/>
-            <a:ext cx="16393800" cy="6629400"/>
-          </a:xfrm>
-          <a:prstGeom prst="rect">
-            <a:avLst/>
-          </a:prstGeom>
-        </p:spPr>
-        <p:txBody>
-          <a:bodyPr anchorCtr="0" anchor="t" bIns="0" lIns="0" spcFirstLastPara="1" rIns="0" wrap="square" tIns="0">
-            <a:noAutofit/>
-          </a:bodyPr>
-          <a:lstStyle/>
-          <a:p>
-            <a:pPr indent="0" lvl="0" marL="0" rtl="0" algn="l">
-              <a:lnSpc>
-                <a:spcPct val="100000"/>
-              </a:lnSpc>
-              <a:spcBef>
-                <a:spcPts val="0"/>
-              </a:spcBef>
-              <a:spcAft>
-                <a:spcPts val="0"/>
-              </a:spcAft>
-              <a:buNone/>
-            </a:pPr>
-            <a:r>
-              <a:rPr lang="en">
-                <a:solidFill>
-                  <a:schemeClr val="accent1"/>
-                </a:solidFill>
-              </a:rPr>
-              <a:t>[TODO]</a:t>
-            </a:r>
-            <a:endParaRPr sz="3000">
-              <a:solidFill>
-                <a:srgbClr val="2D3D4A"/>
-              </a:solidFill>
-            </a:endParaRPr>
-          </a:p>
-          <a:p>
-            <a:pPr indent="-685800" lvl="0" marL="914400" rtl="0" algn="l">
-              <a:lnSpc>
-                <a:spcPct val="100000"/>
-              </a:lnSpc>
-              <a:spcBef>
-                <a:spcPts val="1400"/>
-              </a:spcBef>
-              <a:spcAft>
-                <a:spcPts val="0"/>
-              </a:spcAft>
-              <a:buClr>
-                <a:schemeClr val="dk1"/>
-              </a:buClr>
-              <a:buSzPts val="3600"/>
-              <a:buChar char="●"/>
-            </a:pPr>
-            <a:r>
-              <a:t/>
-            </a:r>
-            <a:endParaRPr>
-              <a:solidFill>
-                <a:srgbClr val="2D3D4A"/>
-              </a:solidFill>
-            </a:endParaRPr>
-          </a:p>
-          <a:p>
-            <a:pPr indent="0" lvl="0" marL="228600" rtl="0" algn="l">
-              <a:lnSpc>
-                <a:spcPct val="115000"/>
-              </a:lnSpc>
-              <a:spcBef>
-                <a:spcPts val="1400"/>
-              </a:spcBef>
-              <a:spcAft>
-                <a:spcPts val="2000"/>
-              </a:spcAft>
-              <a:buNone/>
-            </a:pPr>
-            <a:r>
-              <a:t/>
-            </a:r>
             <a:endParaRPr sz="3000">
               <a:solidFill>
                 <a:srgbClr val="000000"/>
@@ -12250,7 +11742,288 @@
 </file>
 
 <file path=ppt/theme/theme1.xml><?xml version="1.0" encoding="utf-8"?>
-<a:theme xmlns:a="http://schemas.openxmlformats.org/drawingml/2006/main" xmlns:r="http://schemas.openxmlformats.org/officeDocument/2006/relationships">
+<a:theme xmlns:a="http://schemas.openxmlformats.org/drawingml/2006/main" name="Udacity 2024 Student Template">
+  <a:themeElements>
+    <a:clrScheme name="Simple Light">
+      <a:dk1>
+        <a:srgbClr val="0B0B0B"/>
+      </a:dk1>
+      <a:lt1>
+        <a:srgbClr val="FFFFFF"/>
+      </a:lt1>
+      <a:dk2>
+        <a:srgbClr val="171A53"/>
+      </a:dk2>
+      <a:lt2>
+        <a:srgbClr val="F6F6F6"/>
+      </a:lt2>
+      <a:accent1>
+        <a:srgbClr val="2015FF"/>
+      </a:accent1>
+      <a:accent2>
+        <a:srgbClr val="00C5A1"/>
+      </a:accent2>
+      <a:accent3>
+        <a:srgbClr val="DBE2E8"/>
+      </a:accent3>
+      <a:accent4>
+        <a:srgbClr val="BDEA09"/>
+      </a:accent4>
+      <a:accent5>
+        <a:srgbClr val="6597FF"/>
+      </a:accent5>
+      <a:accent6>
+        <a:srgbClr val="B181FF"/>
+      </a:accent6>
+      <a:hlink>
+        <a:srgbClr val="2015FF"/>
+      </a:hlink>
+      <a:folHlink>
+        <a:srgbClr val="0097A7"/>
+      </a:folHlink>
+    </a:clrScheme>
+    <a:fontScheme name="Office">
+      <a:majorFont>
+        <a:latin typeface="Arial"/>
+        <a:ea typeface=""/>
+        <a:cs typeface=""/>
+        <a:font script="Jpan" typeface="ＭＳ Ｐゴシック"/>
+        <a:font script="Hang" typeface="맑은 고딕"/>
+        <a:font script="Hans" typeface="宋体"/>
+        <a:font script="Hant" typeface="新細明體"/>
+        <a:font script="Arab" typeface="Times New Roman"/>
+        <a:font script="Hebr" typeface="Times New Roman"/>
+        <a:font script="Thai" typeface="Angsana New"/>
+        <a:font script="Ethi" typeface="Nyala"/>
+        <a:font script="Beng" typeface="Vrinda"/>
+        <a:font script="Gujr" typeface="Shruti"/>
+        <a:font script="Khmr" typeface="MoolBoran"/>
+        <a:font script="Knda" typeface="Tunga"/>
+        <a:font script="Guru" typeface="Raavi"/>
+        <a:font script="Cans" typeface="Euphemia"/>
+        <a:font script="Cher" typeface="Plantagenet Cherokee"/>
+        <a:font script="Yiii" typeface="Microsoft Yi Baiti"/>
+        <a:font script="Tibt" typeface="Microsoft Himalaya"/>
+        <a:font script="Thaa" typeface="MV Boli"/>
+        <a:font script="Deva" typeface="Mangal"/>
+        <a:font script="Telu" typeface="Gautami"/>
+        <a:font script="Taml" typeface="Latha"/>
+        <a:font script="Syrc" typeface="Estrangelo Edessa"/>
+        <a:font script="Orya" typeface="Kalinga"/>
+        <a:font script="Mlym" typeface="Kartika"/>
+        <a:font script="Laoo" typeface="DokChampa"/>
+        <a:font script="Sinh" typeface="Iskoola Pota"/>
+        <a:font script="Mong" typeface="Mongolian Baiti"/>
+        <a:font script="Viet" typeface="Times New Roman"/>
+        <a:font script="Uigh" typeface="Microsoft Uighur"/>
+        <a:font script="Geor" typeface="Sylfaen"/>
+      </a:majorFont>
+      <a:minorFont>
+        <a:latin typeface="Arial"/>
+        <a:ea typeface=""/>
+        <a:cs typeface=""/>
+        <a:font script="Jpan" typeface="ＭＳ Ｐゴシック"/>
+        <a:font script="Hang" typeface="맑은 고딕"/>
+        <a:font script="Hans" typeface="宋体"/>
+        <a:font script="Hant" typeface="新細明體"/>
+        <a:font script="Arab" typeface="Arial"/>
+        <a:font script="Hebr" typeface="Arial"/>
+        <a:font script="Thai" typeface="Cordia New"/>
+        <a:font script="Ethi" typeface="Nyala"/>
+        <a:font script="Beng" typeface="Vrinda"/>
+        <a:font script="Gujr" typeface="Shruti"/>
+        <a:font script="Khmr" typeface="DaunPenh"/>
+        <a:font script="Knda" typeface="Tunga"/>
+        <a:font script="Guru" typeface="Raavi"/>
+        <a:font script="Cans" typeface="Euphemia"/>
+        <a:font script="Cher" typeface="Plantagenet Cherokee"/>
+        <a:font script="Yiii" typeface="Microsoft Yi Baiti"/>
+        <a:font script="Tibt" typeface="Microsoft Himalaya"/>
+        <a:font script="Thaa" typeface="MV Boli"/>
+        <a:font script="Deva" typeface="Mangal"/>
+        <a:font script="Telu" typeface="Gautami"/>
+        <a:font script="Taml" typeface="Latha"/>
+        <a:font script="Syrc" typeface="Estrangelo Edessa"/>
+        <a:font script="Orya" typeface="Kalinga"/>
+        <a:font script="Mlym" typeface="Kartika"/>
+        <a:font script="Laoo" typeface="DokChampa"/>
+        <a:font script="Sinh" typeface="Iskoola Pota"/>
+        <a:font script="Mong" typeface="Mongolian Baiti"/>
+        <a:font script="Viet" typeface="Arial"/>
+        <a:font script="Uigh" typeface="Microsoft Uighur"/>
+        <a:font script="Geor" typeface="Sylfaen"/>
+      </a:minorFont>
+    </a:fontScheme>
+    <a:fmtScheme name="Office">
+      <a:fillStyleLst>
+        <a:solidFill>
+          <a:schemeClr val="phClr"/>
+        </a:solidFill>
+        <a:gradFill rotWithShape="1">
+          <a:gsLst>
+            <a:gs pos="0">
+              <a:schemeClr val="phClr">
+                <a:tint val="50000"/>
+                <a:satMod val="300000"/>
+              </a:schemeClr>
+            </a:gs>
+            <a:gs pos="35000">
+              <a:schemeClr val="phClr">
+                <a:tint val="37000"/>
+                <a:satMod val="300000"/>
+              </a:schemeClr>
+            </a:gs>
+            <a:gs pos="100000">
+              <a:schemeClr val="phClr">
+                <a:tint val="15000"/>
+                <a:satMod val="350000"/>
+              </a:schemeClr>
+            </a:gs>
+          </a:gsLst>
+          <a:lin ang="16200000" scaled="1"/>
+        </a:gradFill>
+        <a:gradFill rotWithShape="1">
+          <a:gsLst>
+            <a:gs pos="0">
+              <a:schemeClr val="phClr">
+                <a:tint val="100000"/>
+                <a:shade val="100000"/>
+                <a:satMod val="130000"/>
+              </a:schemeClr>
+            </a:gs>
+            <a:gs pos="100000">
+              <a:schemeClr val="phClr">
+                <a:tint val="50000"/>
+                <a:shade val="100000"/>
+                <a:satMod val="350000"/>
+              </a:schemeClr>
+            </a:gs>
+          </a:gsLst>
+          <a:lin ang="16200000" scaled="0"/>
+        </a:gradFill>
+      </a:fillStyleLst>
+      <a:lnStyleLst>
+        <a:ln w="9525" cap="flat" cmpd="sng" algn="ctr">
+          <a:solidFill>
+            <a:schemeClr val="phClr">
+              <a:shade val="95000"/>
+              <a:satMod val="105000"/>
+            </a:schemeClr>
+          </a:solidFill>
+          <a:prstDash val="solid"/>
+        </a:ln>
+        <a:ln w="25400" cap="flat" cmpd="sng" algn="ctr">
+          <a:solidFill>
+            <a:schemeClr val="phClr"/>
+          </a:solidFill>
+          <a:prstDash val="solid"/>
+        </a:ln>
+        <a:ln w="38100" cap="flat" cmpd="sng" algn="ctr">
+          <a:solidFill>
+            <a:schemeClr val="phClr"/>
+          </a:solidFill>
+          <a:prstDash val="solid"/>
+        </a:ln>
+      </a:lnStyleLst>
+      <a:effectStyleLst>
+        <a:effectStyle>
+          <a:effectLst>
+            <a:outerShdw blurRad="40000" dist="20000" dir="5400000" rotWithShape="0">
+              <a:srgbClr val="000000">
+                <a:alpha val="38000"/>
+              </a:srgbClr>
+            </a:outerShdw>
+          </a:effectLst>
+        </a:effectStyle>
+        <a:effectStyle>
+          <a:effectLst>
+            <a:outerShdw blurRad="40000" dist="23000" dir="5400000" rotWithShape="0">
+              <a:srgbClr val="000000">
+                <a:alpha val="35000"/>
+              </a:srgbClr>
+            </a:outerShdw>
+          </a:effectLst>
+        </a:effectStyle>
+        <a:effectStyle>
+          <a:effectLst>
+            <a:outerShdw blurRad="40000" dist="23000" dir="5400000" rotWithShape="0">
+              <a:srgbClr val="000000">
+                <a:alpha val="35000"/>
+              </a:srgbClr>
+            </a:outerShdw>
+          </a:effectLst>
+          <a:scene3d>
+            <a:camera prst="orthographicFront">
+              <a:rot lat="0" lon="0" rev="0"/>
+            </a:camera>
+            <a:lightRig rig="threePt" dir="t">
+              <a:rot lat="0" lon="0" rev="1200000"/>
+            </a:lightRig>
+          </a:scene3d>
+          <a:sp3d>
+            <a:bevelT w="63500" h="25400"/>
+          </a:sp3d>
+        </a:effectStyle>
+      </a:effectStyleLst>
+      <a:bgFillStyleLst>
+        <a:solidFill>
+          <a:schemeClr val="phClr"/>
+        </a:solidFill>
+        <a:gradFill rotWithShape="1">
+          <a:gsLst>
+            <a:gs pos="0">
+              <a:schemeClr val="phClr">
+                <a:tint val="40000"/>
+                <a:satMod val="350000"/>
+              </a:schemeClr>
+            </a:gs>
+            <a:gs pos="40000">
+              <a:schemeClr val="phClr">
+                <a:tint val="45000"/>
+                <a:shade val="99000"/>
+                <a:satMod val="350000"/>
+              </a:schemeClr>
+            </a:gs>
+            <a:gs pos="100000">
+              <a:schemeClr val="phClr">
+                <a:shade val="20000"/>
+                <a:satMod val="255000"/>
+              </a:schemeClr>
+            </a:gs>
+          </a:gsLst>
+          <a:path path="circle">
+            <a:fillToRect l="50000" t="-80000" r="50000" b="180000"/>
+          </a:path>
+        </a:gradFill>
+        <a:gradFill rotWithShape="1">
+          <a:gsLst>
+            <a:gs pos="0">
+              <a:schemeClr val="phClr">
+                <a:tint val="80000"/>
+                <a:satMod val="300000"/>
+              </a:schemeClr>
+            </a:gs>
+            <a:gs pos="100000">
+              <a:schemeClr val="phClr">
+                <a:shade val="30000"/>
+                <a:satMod val="200000"/>
+              </a:schemeClr>
+            </a:gs>
+          </a:gsLst>
+          <a:path path="circle">
+            <a:fillToRect l="50000" t="50000" r="50000" b="50000"/>
+          </a:path>
+        </a:gradFill>
+      </a:bgFillStyleLst>
+    </a:fmtScheme>
+  </a:themeElements>
+  <a:objectDefaults/>
+  <a:extraClrSchemeLst/>
+</a:theme>
+</file>
+
+<file path=ppt/theme/theme2.xml><?xml version="1.0" encoding="utf-8"?>
+<a:theme xmlns:a="http://schemas.openxmlformats.org/drawingml/2006/main">
   <a:themeElements>
     <a:clrScheme name="Default">
       <a:dk1>
@@ -12525,284 +12298,7 @@
       </a:bgFillStyleLst>
     </a:fmtScheme>
   </a:themeElements>
-</a:theme>
-</file>
-
-<file path=ppt/theme/theme2.xml><?xml version="1.0" encoding="utf-8"?>
-<a:theme xmlns:a="http://schemas.openxmlformats.org/drawingml/2006/main" xmlns:r="http://schemas.openxmlformats.org/officeDocument/2006/relationships" name="Udacity 2024 Student Template">
-  <a:themeElements>
-    <a:clrScheme name="Simple Light">
-      <a:dk1>
-        <a:srgbClr val="0B0B0B"/>
-      </a:dk1>
-      <a:lt1>
-        <a:srgbClr val="FFFFFF"/>
-      </a:lt1>
-      <a:dk2>
-        <a:srgbClr val="171A53"/>
-      </a:dk2>
-      <a:lt2>
-        <a:srgbClr val="F6F6F6"/>
-      </a:lt2>
-      <a:accent1>
-        <a:srgbClr val="2015FF"/>
-      </a:accent1>
-      <a:accent2>
-        <a:srgbClr val="00C5A1"/>
-      </a:accent2>
-      <a:accent3>
-        <a:srgbClr val="DBE2E8"/>
-      </a:accent3>
-      <a:accent4>
-        <a:srgbClr val="BDEA09"/>
-      </a:accent4>
-      <a:accent5>
-        <a:srgbClr val="6597FF"/>
-      </a:accent5>
-      <a:accent6>
-        <a:srgbClr val="B181FF"/>
-      </a:accent6>
-      <a:hlink>
-        <a:srgbClr val="2015FF"/>
-      </a:hlink>
-      <a:folHlink>
-        <a:srgbClr val="0097A7"/>
-      </a:folHlink>
-    </a:clrScheme>
-    <a:fontScheme name="Office">
-      <a:majorFont>
-        <a:latin typeface="Arial"/>
-        <a:ea typeface=""/>
-        <a:cs typeface=""/>
-        <a:font script="Jpan" typeface="ＭＳ Ｐゴシック"/>
-        <a:font script="Hang" typeface="맑은 고딕"/>
-        <a:font script="Hans" typeface="宋体"/>
-        <a:font script="Hant" typeface="新細明體"/>
-        <a:font script="Arab" typeface="Times New Roman"/>
-        <a:font script="Hebr" typeface="Times New Roman"/>
-        <a:font script="Thai" typeface="Angsana New"/>
-        <a:font script="Ethi" typeface="Nyala"/>
-        <a:font script="Beng" typeface="Vrinda"/>
-        <a:font script="Gujr" typeface="Shruti"/>
-        <a:font script="Khmr" typeface="MoolBoran"/>
-        <a:font script="Knda" typeface="Tunga"/>
-        <a:font script="Guru" typeface="Raavi"/>
-        <a:font script="Cans" typeface="Euphemia"/>
-        <a:font script="Cher" typeface="Plantagenet Cherokee"/>
-        <a:font script="Yiii" typeface="Microsoft Yi Baiti"/>
-        <a:font script="Tibt" typeface="Microsoft Himalaya"/>
-        <a:font script="Thaa" typeface="MV Boli"/>
-        <a:font script="Deva" typeface="Mangal"/>
-        <a:font script="Telu" typeface="Gautami"/>
-        <a:font script="Taml" typeface="Latha"/>
-        <a:font script="Syrc" typeface="Estrangelo Edessa"/>
-        <a:font script="Orya" typeface="Kalinga"/>
-        <a:font script="Mlym" typeface="Kartika"/>
-        <a:font script="Laoo" typeface="DokChampa"/>
-        <a:font script="Sinh" typeface="Iskoola Pota"/>
-        <a:font script="Mong" typeface="Mongolian Baiti"/>
-        <a:font script="Viet" typeface="Times New Roman"/>
-        <a:font script="Uigh" typeface="Microsoft Uighur"/>
-        <a:font script="Geor" typeface="Sylfaen"/>
-      </a:majorFont>
-      <a:minorFont>
-        <a:latin typeface="Arial"/>
-        <a:ea typeface=""/>
-        <a:cs typeface=""/>
-        <a:font script="Jpan" typeface="ＭＳ Ｐゴシック"/>
-        <a:font script="Hang" typeface="맑은 고딕"/>
-        <a:font script="Hans" typeface="宋体"/>
-        <a:font script="Hant" typeface="新細明體"/>
-        <a:font script="Arab" typeface="Arial"/>
-        <a:font script="Hebr" typeface="Arial"/>
-        <a:font script="Thai" typeface="Cordia New"/>
-        <a:font script="Ethi" typeface="Nyala"/>
-        <a:font script="Beng" typeface="Vrinda"/>
-        <a:font script="Gujr" typeface="Shruti"/>
-        <a:font script="Khmr" typeface="DaunPenh"/>
-        <a:font script="Knda" typeface="Tunga"/>
-        <a:font script="Guru" typeface="Raavi"/>
-        <a:font script="Cans" typeface="Euphemia"/>
-        <a:font script="Cher" typeface="Plantagenet Cherokee"/>
-        <a:font script="Yiii" typeface="Microsoft Yi Baiti"/>
-        <a:font script="Tibt" typeface="Microsoft Himalaya"/>
-        <a:font script="Thaa" typeface="MV Boli"/>
-        <a:font script="Deva" typeface="Mangal"/>
-        <a:font script="Telu" typeface="Gautami"/>
-        <a:font script="Taml" typeface="Latha"/>
-        <a:font script="Syrc" typeface="Estrangelo Edessa"/>
-        <a:font script="Orya" typeface="Kalinga"/>
-        <a:font script="Mlym" typeface="Kartika"/>
-        <a:font script="Laoo" typeface="DokChampa"/>
-        <a:font script="Sinh" typeface="Iskoola Pota"/>
-        <a:font script="Mong" typeface="Mongolian Baiti"/>
-        <a:font script="Viet" typeface="Arial"/>
-        <a:font script="Uigh" typeface="Microsoft Uighur"/>
-        <a:font script="Geor" typeface="Sylfaen"/>
-      </a:minorFont>
-    </a:fontScheme>
-    <a:fmtScheme name="Office">
-      <a:fillStyleLst>
-        <a:solidFill>
-          <a:schemeClr val="phClr"/>
-        </a:solidFill>
-        <a:gradFill rotWithShape="1">
-          <a:gsLst>
-            <a:gs pos="0">
-              <a:schemeClr val="phClr">
-                <a:tint val="50000"/>
-                <a:satMod val="300000"/>
-              </a:schemeClr>
-            </a:gs>
-            <a:gs pos="35000">
-              <a:schemeClr val="phClr">
-                <a:tint val="37000"/>
-                <a:satMod val="300000"/>
-              </a:schemeClr>
-            </a:gs>
-            <a:gs pos="100000">
-              <a:schemeClr val="phClr">
-                <a:tint val="15000"/>
-                <a:satMod val="350000"/>
-              </a:schemeClr>
-            </a:gs>
-          </a:gsLst>
-          <a:lin ang="16200000" scaled="1"/>
-        </a:gradFill>
-        <a:gradFill rotWithShape="1">
-          <a:gsLst>
-            <a:gs pos="0">
-              <a:schemeClr val="phClr">
-                <a:tint val="100000"/>
-                <a:shade val="100000"/>
-                <a:satMod val="130000"/>
-              </a:schemeClr>
-            </a:gs>
-            <a:gs pos="100000">
-              <a:schemeClr val="phClr">
-                <a:tint val="50000"/>
-                <a:shade val="100000"/>
-                <a:satMod val="350000"/>
-              </a:schemeClr>
-            </a:gs>
-          </a:gsLst>
-          <a:lin ang="16200000" scaled="0"/>
-        </a:gradFill>
-      </a:fillStyleLst>
-      <a:lnStyleLst>
-        <a:ln w="9525" cap="flat" cmpd="sng" algn="ctr">
-          <a:solidFill>
-            <a:schemeClr val="phClr">
-              <a:shade val="95000"/>
-              <a:satMod val="105000"/>
-            </a:schemeClr>
-          </a:solidFill>
-          <a:prstDash val="solid"/>
-        </a:ln>
-        <a:ln w="25400" cap="flat" cmpd="sng" algn="ctr">
-          <a:solidFill>
-            <a:schemeClr val="phClr"/>
-          </a:solidFill>
-          <a:prstDash val="solid"/>
-        </a:ln>
-        <a:ln w="38100" cap="flat" cmpd="sng" algn="ctr">
-          <a:solidFill>
-            <a:schemeClr val="phClr"/>
-          </a:solidFill>
-          <a:prstDash val="solid"/>
-        </a:ln>
-      </a:lnStyleLst>
-      <a:effectStyleLst>
-        <a:effectStyle>
-          <a:effectLst>
-            <a:outerShdw blurRad="40000" dist="20000" dir="5400000" rotWithShape="0">
-              <a:srgbClr val="000000">
-                <a:alpha val="38000"/>
-              </a:srgbClr>
-            </a:outerShdw>
-          </a:effectLst>
-        </a:effectStyle>
-        <a:effectStyle>
-          <a:effectLst>
-            <a:outerShdw blurRad="40000" dist="23000" dir="5400000" rotWithShape="0">
-              <a:srgbClr val="000000">
-                <a:alpha val="35000"/>
-              </a:srgbClr>
-            </a:outerShdw>
-          </a:effectLst>
-        </a:effectStyle>
-        <a:effectStyle>
-          <a:effectLst>
-            <a:outerShdw blurRad="40000" dist="23000" dir="5400000" rotWithShape="0">
-              <a:srgbClr val="000000">
-                <a:alpha val="35000"/>
-              </a:srgbClr>
-            </a:outerShdw>
-          </a:effectLst>
-          <a:scene3d>
-            <a:camera prst="orthographicFront">
-              <a:rot lat="0" lon="0" rev="0"/>
-            </a:camera>
-            <a:lightRig rig="threePt" dir="t">
-              <a:rot lat="0" lon="0" rev="1200000"/>
-            </a:lightRig>
-          </a:scene3d>
-          <a:sp3d>
-            <a:bevelT w="63500" h="25400"/>
-          </a:sp3d>
-        </a:effectStyle>
-      </a:effectStyleLst>
-      <a:bgFillStyleLst>
-        <a:solidFill>
-          <a:schemeClr val="phClr"/>
-        </a:solidFill>
-        <a:gradFill rotWithShape="1">
-          <a:gsLst>
-            <a:gs pos="0">
-              <a:schemeClr val="phClr">
-                <a:tint val="40000"/>
-                <a:satMod val="350000"/>
-              </a:schemeClr>
-            </a:gs>
-            <a:gs pos="40000">
-              <a:schemeClr val="phClr">
-                <a:tint val="45000"/>
-                <a:shade val="99000"/>
-                <a:satMod val="350000"/>
-              </a:schemeClr>
-            </a:gs>
-            <a:gs pos="100000">
-              <a:schemeClr val="phClr">
-                <a:shade val="20000"/>
-                <a:satMod val="255000"/>
-              </a:schemeClr>
-            </a:gs>
-          </a:gsLst>
-          <a:path path="circle">
-            <a:fillToRect l="50000" t="-80000" r="50000" b="180000"/>
-          </a:path>
-        </a:gradFill>
-        <a:gradFill rotWithShape="1">
-          <a:gsLst>
-            <a:gs pos="0">
-              <a:schemeClr val="phClr">
-                <a:tint val="80000"/>
-                <a:satMod val="300000"/>
-              </a:schemeClr>
-            </a:gs>
-            <a:gs pos="100000">
-              <a:schemeClr val="phClr">
-                <a:shade val="30000"/>
-                <a:satMod val="200000"/>
-              </a:schemeClr>
-            </a:gs>
-          </a:gsLst>
-          <a:path path="circle">
-            <a:fillToRect l="50000" t="50000" r="50000" b="50000"/>
-          </a:path>
-        </a:gradFill>
-      </a:bgFillStyleLst>
-    </a:fmtScheme>
-  </a:themeElements>
+  <a:objectDefaults/>
+  <a:extraClrSchemeLst/>
 </a:theme>
 </file>
--- a/PR01 - Describe Health and Sleep Quality Data/analyze-sleep-health-and-lifestyle.pptx
+++ b/PR01 - Describe Health and Sleep Quality Data/analyze-sleep-health-and-lifestyle.pptx
@@ -5,39 +5,40 @@
     <p:sldMasterId id="2147483659" r:id="rId1"/>
   </p:sldMasterIdLst>
   <p:notesMasterIdLst>
-    <p:notesMasterId r:id="rId8"/>
+    <p:notesMasterId r:id="rId9"/>
   </p:notesMasterIdLst>
   <p:sldIdLst>
     <p:sldId id="256" r:id="rId2"/>
     <p:sldId id="258" r:id="rId3"/>
     <p:sldId id="259" r:id="rId4"/>
-    <p:sldId id="260" r:id="rId5"/>
-    <p:sldId id="261" r:id="rId6"/>
-    <p:sldId id="262" r:id="rId7"/>
+    <p:sldId id="263" r:id="rId5"/>
+    <p:sldId id="260" r:id="rId6"/>
+    <p:sldId id="261" r:id="rId7"/>
+    <p:sldId id="262" r:id="rId8"/>
   </p:sldIdLst>
   <p:sldSz cx="18288000" cy="10287000"/>
   <p:notesSz cx="6858000" cy="9144000"/>
   <p:embeddedFontLst>
     <p:embeddedFont>
       <p:font typeface="Open Sans" panose="020B0606030504020204" pitchFamily="34" charset="0"/>
-      <p:regular r:id="rId9"/>
-      <p:bold r:id="rId10"/>
-      <p:italic r:id="rId11"/>
-      <p:boldItalic r:id="rId12"/>
+      <p:regular r:id="rId10"/>
+      <p:bold r:id="rId11"/>
+      <p:italic r:id="rId12"/>
+      <p:boldItalic r:id="rId13"/>
     </p:embeddedFont>
     <p:embeddedFont>
       <p:font typeface="Open Sans Light" panose="020B0306030504020204" pitchFamily="34" charset="0"/>
-      <p:regular r:id="rId13"/>
-      <p:bold r:id="rId14"/>
-      <p:italic r:id="rId15"/>
-      <p:boldItalic r:id="rId16"/>
+      <p:regular r:id="rId14"/>
+      <p:bold r:id="rId15"/>
+      <p:italic r:id="rId16"/>
+      <p:boldItalic r:id="rId17"/>
     </p:embeddedFont>
     <p:embeddedFont>
       <p:font typeface="Roboto Mono Light" panose="00000009000000000000" pitchFamily="49" charset="0"/>
-      <p:regular r:id="rId17"/>
-      <p:bold r:id="rId18"/>
-      <p:italic r:id="rId19"/>
-      <p:boldItalic r:id="rId20"/>
+      <p:regular r:id="rId18"/>
+      <p:bold r:id="rId19"/>
+      <p:italic r:id="rId20"/>
+      <p:boldItalic r:id="rId21"/>
     </p:embeddedFont>
   </p:embeddedFontLst>
   <p:defaultTextStyle>
@@ -800,8 +801,8 @@
         </p:nvSpPr>
         <p:spPr>
           <a:xfrm>
-            <a:off x="1143000" y="685800"/>
-            <a:ext cx="4572000" cy="3429000"/>
+            <a:off x="381000" y="685800"/>
+            <a:ext cx="6096000" cy="3429000"/>
           </a:xfrm>
           <a:custGeom>
             <a:avLst/>
@@ -980,7 +981,7 @@
         </p:nvSpPr>
         <p:spPr>
           <a:xfrm>
-            <a:off x="381300" y="685800"/>
+            <a:off x="381000" y="685800"/>
             <a:ext cx="6096000" cy="3429000"/>
           </a:xfrm>
           <a:custGeom>
@@ -1060,6 +1061,133 @@
   <p:cSld>
     <p:spTree>
       <p:nvGrpSpPr>
+        <p:cNvPr id="1" name="Shape 125">
+          <a:extLst>
+            <a:ext uri="{FF2B5EF4-FFF2-40B4-BE49-F238E27FC236}">
+              <a16:creationId xmlns:a16="http://schemas.microsoft.com/office/drawing/2014/main" id="{C74A6339-71D1-5B01-A8FC-19D549B8F811}"/>
+            </a:ext>
+          </a:extLst>
+        </p:cNvPr>
+        <p:cNvGrpSpPr/>
+        <p:nvPr/>
+      </p:nvGrpSpPr>
+      <p:grpSpPr>
+        <a:xfrm>
+          <a:off x="0" y="0"/>
+          <a:ext cx="0" cy="0"/>
+          <a:chOff x="0" y="0"/>
+          <a:chExt cx="0" cy="0"/>
+        </a:xfrm>
+      </p:grpSpPr>
+      <p:sp>
+        <p:nvSpPr>
+          <p:cNvPr id="126" name="Google Shape;126;g313dd687b2d_0_15:notes">
+            <a:extLst>
+              <a:ext uri="{FF2B5EF4-FFF2-40B4-BE49-F238E27FC236}">
+                <a16:creationId xmlns:a16="http://schemas.microsoft.com/office/drawing/2014/main" id="{FEAF8819-61EB-15F9-A395-2B08CC451D12}"/>
+              </a:ext>
+            </a:extLst>
+          </p:cNvPr>
+          <p:cNvSpPr>
+            <a:spLocks noGrp="1" noRot="1" noChangeAspect="1"/>
+          </p:cNvSpPr>
+          <p:nvPr>
+            <p:ph type="sldImg" idx="2"/>
+          </p:nvPr>
+        </p:nvSpPr>
+        <p:spPr>
+          <a:xfrm>
+            <a:off x="381000" y="685800"/>
+            <a:ext cx="6096000" cy="3429000"/>
+          </a:xfrm>
+          <a:custGeom>
+            <a:avLst/>
+            <a:gdLst/>
+            <a:ahLst/>
+            <a:cxnLst/>
+            <a:rect l="l" t="t" r="r" b="b"/>
+            <a:pathLst>
+              <a:path w="120000" h="120000" extrusionOk="0">
+                <a:moveTo>
+                  <a:pt x="0" y="0"/>
+                </a:moveTo>
+                <a:lnTo>
+                  <a:pt x="120000" y="0"/>
+                </a:lnTo>
+                <a:lnTo>
+                  <a:pt x="120000" y="120000"/>
+                </a:lnTo>
+                <a:lnTo>
+                  <a:pt x="0" y="120000"/>
+                </a:lnTo>
+                <a:close/>
+              </a:path>
+            </a:pathLst>
+          </a:custGeom>
+        </p:spPr>
+      </p:sp>
+      <p:sp>
+        <p:nvSpPr>
+          <p:cNvPr id="127" name="Google Shape;127;g313dd687b2d_0_15:notes">
+            <a:extLst>
+              <a:ext uri="{FF2B5EF4-FFF2-40B4-BE49-F238E27FC236}">
+                <a16:creationId xmlns:a16="http://schemas.microsoft.com/office/drawing/2014/main" id="{F37A1F41-26FD-3C68-3AB7-D9AEF9B2C9AB}"/>
+              </a:ext>
+            </a:extLst>
+          </p:cNvPr>
+          <p:cNvSpPr txBox="1">
+            <a:spLocks noGrp="1"/>
+          </p:cNvSpPr>
+          <p:nvPr>
+            <p:ph type="body" idx="1"/>
+          </p:nvPr>
+        </p:nvSpPr>
+        <p:spPr>
+          <a:xfrm>
+            <a:off x="685800" y="4343400"/>
+            <a:ext cx="5486400" cy="4114800"/>
+          </a:xfrm>
+          <a:prstGeom prst="rect">
+            <a:avLst/>
+          </a:prstGeom>
+        </p:spPr>
+        <p:txBody>
+          <a:bodyPr spcFirstLastPara="1" wrap="square" lIns="91425" tIns="91425" rIns="91425" bIns="91425" anchor="t" anchorCtr="0">
+            <a:noAutofit/>
+          </a:bodyPr>
+          <a:lstStyle/>
+          <a:p>
+            <a:pPr marL="0" lvl="0" indent="0" algn="l" rtl="0">
+              <a:spcBef>
+                <a:spcPts val="0"/>
+              </a:spcBef>
+              <a:spcAft>
+                <a:spcPts val="0"/>
+              </a:spcAft>
+              <a:buNone/>
+            </a:pPr>
+            <a:endParaRPr/>
+          </a:p>
+        </p:txBody>
+      </p:sp>
+    </p:spTree>
+    <p:extLst>
+      <p:ext uri="{BB962C8B-B14F-4D97-AF65-F5344CB8AC3E}">
+        <p14:creationId xmlns:p14="http://schemas.microsoft.com/office/powerpoint/2010/main" val="3875906061"/>
+      </p:ext>
+    </p:extLst>
+  </p:cSld>
+  <p:clrMapOvr>
+    <a:masterClrMapping/>
+  </p:clrMapOvr>
+</p:notes>
+</file>
+
+<file path=ppt/notesSlides/notesSlide5.xml><?xml version="1.0" encoding="utf-8"?>
+<p:notes xmlns:a="http://schemas.openxmlformats.org/drawingml/2006/main" xmlns:r="http://schemas.openxmlformats.org/officeDocument/2006/relationships" xmlns:p="http://schemas.openxmlformats.org/presentationml/2006/main" showMasterSp="0" showMasterPhAnim="0">
+  <p:cSld>
+    <p:spTree>
+      <p:nvGrpSpPr>
         <p:cNvPr id="1" name="Shape 131"/>
         <p:cNvGrpSpPr/>
         <p:nvPr/>
@@ -1084,7 +1212,7 @@
         </p:nvSpPr>
         <p:spPr>
           <a:xfrm>
-            <a:off x="381300" y="685800"/>
+            <a:off x="381000" y="685800"/>
             <a:ext cx="6096000" cy="3429000"/>
           </a:xfrm>
           <a:custGeom>
@@ -1159,7 +1287,7 @@
 </p:notes>
 </file>
 
-<file path=ppt/notesSlides/notesSlide5.xml><?xml version="1.0" encoding="utf-8"?>
+<file path=ppt/notesSlides/notesSlide6.xml><?xml version="1.0" encoding="utf-8"?>
 <p:notes xmlns:a="http://schemas.openxmlformats.org/drawingml/2006/main" xmlns:r="http://schemas.openxmlformats.org/officeDocument/2006/relationships" xmlns:p="http://schemas.openxmlformats.org/presentationml/2006/main" showMasterSp="0" showMasterPhAnim="0">
   <p:cSld>
     <p:spTree>
@@ -1188,7 +1316,7 @@
         </p:nvSpPr>
         <p:spPr>
           <a:xfrm>
-            <a:off x="381300" y="685800"/>
+            <a:off x="381000" y="685800"/>
             <a:ext cx="6096000" cy="3429000"/>
           </a:xfrm>
           <a:custGeom>
@@ -1263,7 +1391,7 @@
 </p:notes>
 </file>
 
-<file path=ppt/notesSlides/notesSlide6.xml><?xml version="1.0" encoding="utf-8"?>
+<file path=ppt/notesSlides/notesSlide7.xml><?xml version="1.0" encoding="utf-8"?>
 <p:notes xmlns:a="http://schemas.openxmlformats.org/drawingml/2006/main" xmlns:r="http://schemas.openxmlformats.org/officeDocument/2006/relationships" xmlns:p="http://schemas.openxmlformats.org/presentationml/2006/main" showMasterSp="0" showMasterPhAnim="0">
   <p:cSld>
     <p:spTree>
@@ -1292,7 +1420,7 @@
         </p:nvSpPr>
         <p:spPr>
           <a:xfrm>
-            <a:off x="381300" y="685800"/>
+            <a:off x="381000" y="685800"/>
             <a:ext cx="6096000" cy="3429000"/>
           </a:xfrm>
           <a:custGeom>
@@ -10762,11 +10890,7 @@
               <a:buFont typeface="Open Sans"/>
               <a:buNone/>
             </a:pPr>
-            <a:r>
-              <a:rPr lang="en"/>
-              <a:t>[Subtitle]</a:t>
-            </a:r>
-            <a:endParaRPr b="1"/>
+            <a:endParaRPr b="1" dirty="0"/>
           </a:p>
           <a:p>
             <a:pPr marL="0" marR="0" lvl="0" indent="0" algn="l" rtl="0">
@@ -10785,7 +10909,7 @@
               <a:buFont typeface="Open Sans"/>
               <a:buNone/>
             </a:pPr>
-            <a:endParaRPr b="1"/>
+            <a:endParaRPr b="1" dirty="0"/>
           </a:p>
           <a:p>
             <a:pPr marL="0" marR="0" lvl="0" indent="0" algn="l" rtl="0">
@@ -10804,7 +10928,15 @@
               <a:buFont typeface="Open Sans"/>
               <a:buNone/>
             </a:pPr>
-            <a:endParaRPr b="1"/>
+            <a:r>
+              <a:rPr lang="en" b="1" dirty="0"/>
+              <a:t>Data Scientist: </a:t>
+            </a:r>
+            <a:r>
+              <a:rPr lang="en-US" b="1" dirty="0"/>
+              <a:t>Kinan Turman</a:t>
+            </a:r>
+            <a:endParaRPr b="1" dirty="0"/>
           </a:p>
           <a:p>
             <a:pPr marL="0" marR="0" lvl="0" indent="0" algn="l" rtl="0">
@@ -10823,30 +10955,7 @@
               <a:buFont typeface="Open Sans"/>
               <a:buNone/>
             </a:pPr>
-            <a:r>
-              <a:rPr lang="en" b="1"/>
-              <a:t>Data Scientist: [Your Name]</a:t>
-            </a:r>
-            <a:endParaRPr b="1"/>
-          </a:p>
-          <a:p>
-            <a:pPr marL="0" marR="0" lvl="0" indent="0" algn="l" rtl="0">
-              <a:lnSpc>
-                <a:spcPct val="131250"/>
-              </a:lnSpc>
-              <a:spcBef>
-                <a:spcPts val="0"/>
-              </a:spcBef>
-              <a:spcAft>
-                <a:spcPts val="0"/>
-              </a:spcAft>
-              <a:buClr>
-                <a:srgbClr val="9CBDD8"/>
-              </a:buClr>
-              <a:buFont typeface="Open Sans"/>
-              <a:buNone/>
-            </a:pPr>
-            <a:endParaRPr sz="1000"/>
+            <a:endParaRPr sz="1000" dirty="0"/>
           </a:p>
         </p:txBody>
       </p:sp>
@@ -10955,14 +11064,14 @@
               <a:buNone/>
             </a:pPr>
             <a:r>
-              <a:rPr lang="en">
+              <a:rPr lang="en" dirty="0">
                 <a:solidFill>
                   <a:schemeClr val="accent1"/>
                 </a:solidFill>
               </a:rPr>
               <a:t>Results of sleep health and lifestyle analysis</a:t>
             </a:r>
-            <a:endParaRPr sz="3000">
+            <a:endParaRPr sz="3000" dirty="0">
               <a:solidFill>
                 <a:srgbClr val="2D3D4A"/>
               </a:solidFill>
@@ -10986,10 +11095,10 @@
               <a:buChar char="●"/>
             </a:pPr>
             <a:r>
-              <a:rPr lang="en" sz="4200"/>
+              <a:rPr lang="en" sz="4200" dirty="0"/>
               <a:t>Data Description</a:t>
             </a:r>
-            <a:endParaRPr sz="4200"/>
+            <a:endParaRPr sz="4200" dirty="0"/>
           </a:p>
           <a:p>
             <a:pPr marL="914400" lvl="0" indent="-723900" algn="l" rtl="0">
@@ -11009,10 +11118,10 @@
               <a:buChar char="●"/>
             </a:pPr>
             <a:r>
-              <a:rPr lang="en" sz="4200"/>
+              <a:rPr lang="en" sz="4200" dirty="0"/>
               <a:t>Typical Amount of Physical Activity</a:t>
             </a:r>
-            <a:endParaRPr sz="4200"/>
+            <a:endParaRPr sz="4200" dirty="0"/>
           </a:p>
           <a:p>
             <a:pPr marL="914400" lvl="0" indent="-723900" algn="l" rtl="0">
@@ -11032,10 +11141,10 @@
               <a:buChar char="●"/>
             </a:pPr>
             <a:r>
-              <a:rPr lang="en" sz="4200"/>
+              <a:rPr lang="en" sz="4200" dirty="0"/>
               <a:t>Number of Daily Steps</a:t>
             </a:r>
-            <a:endParaRPr sz="4200"/>
+            <a:endParaRPr sz="4200" dirty="0"/>
           </a:p>
           <a:p>
             <a:pPr marL="914400" lvl="0" indent="-723900" algn="l" rtl="0">
@@ -11055,10 +11164,10 @@
               <a:buChar char="●"/>
             </a:pPr>
             <a:r>
-              <a:rPr lang="en" sz="4200"/>
+              <a:rPr lang="en" sz="4200" dirty="0"/>
               <a:t>Distribution of Heart Rates</a:t>
             </a:r>
-            <a:endParaRPr sz="3000">
+            <a:endParaRPr sz="3000" dirty="0">
               <a:solidFill>
                 <a:srgbClr val="2D3D4A"/>
               </a:solidFill>
@@ -11077,7 +11186,7 @@
               </a:spcAft>
               <a:buNone/>
             </a:pPr>
-            <a:endParaRPr sz="3000">
+            <a:endParaRPr sz="3000" dirty="0">
               <a:solidFill>
                 <a:srgbClr val="000000"/>
               </a:solidFill>
@@ -11145,10 +11254,10 @@
               <a:buNone/>
             </a:pPr>
             <a:r>
-              <a:rPr lang="en" sz="6400"/>
+              <a:rPr lang="en" sz="6400" dirty="0"/>
               <a:t>Data Description</a:t>
             </a:r>
-            <a:endParaRPr sz="6400"/>
+            <a:endParaRPr sz="6400" dirty="0"/>
           </a:p>
         </p:txBody>
       </p:sp>
@@ -11164,7 +11273,7 @@
         </p:nvSpPr>
         <p:spPr>
           <a:xfrm>
-            <a:off x="685850" y="1828800"/>
+            <a:off x="685800" y="2171700"/>
             <a:ext cx="16393800" cy="6629400"/>
           </a:xfrm>
           <a:prstGeom prst="rect">
@@ -11177,73 +11286,65 @@
           </a:bodyPr>
           <a:lstStyle/>
           <a:p>
-            <a:pPr marL="0" lvl="0" indent="0" algn="l" rtl="0">
+            <a:pPr marL="914400" lvl="0" indent="-723900">
               <a:lnSpc>
                 <a:spcPct val="100000"/>
               </a:lnSpc>
               <a:spcBef>
-                <a:spcPts val="0"/>
-              </a:spcBef>
-              <a:spcAft>
-                <a:spcPts val="0"/>
-              </a:spcAft>
-              <a:buNone/>
+                <a:spcPts val="1400"/>
+              </a:spcBef>
+              <a:buClr>
+                <a:schemeClr val="dk1"/>
+              </a:buClr>
+              <a:buSzPts val="4200"/>
             </a:pPr>
             <a:r>
-              <a:rPr lang="en">
-                <a:solidFill>
-                  <a:schemeClr val="accent1"/>
-                </a:solidFill>
-              </a:rPr>
-              <a:t>[TODO]</a:t>
+              <a:rPr lang="en-US" sz="3200" dirty="0"/>
+              <a:t>Rows: 374</a:t>
             </a:r>
-            <a:endParaRPr sz="3000">
+          </a:p>
+          <a:p>
+            <a:pPr marL="190500" lvl="0" indent="0">
+              <a:lnSpc>
+                <a:spcPct val="100000"/>
+              </a:lnSpc>
+              <a:spcBef>
+                <a:spcPts val="1400"/>
+              </a:spcBef>
+              <a:buClr>
+                <a:schemeClr val="dk1"/>
+              </a:buClr>
+              <a:buSzPts val="4200"/>
+              <a:buNone/>
+            </a:pPr>
+            <a:endParaRPr lang="en-US" sz="3200" dirty="0">
               <a:solidFill>
-                <a:srgbClr val="2D3D4A"/>
+                <a:srgbClr val="000000"/>
               </a:solidFill>
             </a:endParaRPr>
           </a:p>
           <a:p>
-            <a:pPr marL="914400" lvl="0" indent="-685800" algn="l" rtl="0">
+            <a:pPr marL="914400" lvl="0" indent="-723900">
               <a:lnSpc>
                 <a:spcPct val="100000"/>
               </a:lnSpc>
               <a:spcBef>
                 <a:spcPts val="1400"/>
               </a:spcBef>
-              <a:spcAft>
-                <a:spcPts val="0"/>
-              </a:spcAft>
               <a:buClr>
                 <a:schemeClr val="dk1"/>
               </a:buClr>
-              <a:buSzPts val="3600"/>
-              <a:buChar char="●"/>
+              <a:buSzPts val="4200"/>
             </a:pPr>
-            <a:endParaRPr>
-              <a:solidFill>
-                <a:srgbClr val="2D3D4A"/>
-              </a:solidFill>
-            </a:endParaRPr>
-          </a:p>
-          <a:p>
-            <a:pPr marL="228600" lvl="0" indent="0" algn="l" rtl="0">
-              <a:lnSpc>
-                <a:spcPct val="115000"/>
-              </a:lnSpc>
-              <a:spcBef>
-                <a:spcPts val="1400"/>
-              </a:spcBef>
-              <a:spcAft>
-                <a:spcPts val="2000"/>
-              </a:spcAft>
-              <a:buNone/>
-            </a:pPr>
-            <a:endParaRPr sz="3000">
-              <a:solidFill>
-                <a:srgbClr val="000000"/>
-              </a:solidFill>
-            </a:endParaRPr>
+            <a:r>
+              <a:rPr lang="en-US" sz="3200" dirty="0">
+                <a:solidFill>
+                  <a:srgbClr val="000000"/>
+                </a:solidFill>
+              </a:rPr>
+              <a:t>Columns: 13 - Person ID, Gender, Age, Occupation, Sleep Duration, Quality of Sleep, Physical Activity Level, Stress Level, BMI Category, Blood Pressure, Heart Rate, Daily Steps, Sleep Disorder</a:t>
+            </a:r>
+            <a:endParaRPr lang="en-US" sz="3200" dirty="0"/>
           </a:p>
         </p:txBody>
       </p:sp>
@@ -11256,6 +11357,233 @@
 </file>
 
 <file path=ppt/slides/slide4.xml><?xml version="1.0" encoding="utf-8"?>
+<p:sld xmlns:a="http://schemas.openxmlformats.org/drawingml/2006/main" xmlns:r="http://schemas.openxmlformats.org/officeDocument/2006/relationships" xmlns:p="http://schemas.openxmlformats.org/presentationml/2006/main">
+  <p:cSld>
+    <p:spTree>
+      <p:nvGrpSpPr>
+        <p:cNvPr id="1" name="Shape 128">
+          <a:extLst>
+            <a:ext uri="{FF2B5EF4-FFF2-40B4-BE49-F238E27FC236}">
+              <a16:creationId xmlns:a16="http://schemas.microsoft.com/office/drawing/2014/main" id="{F2145BC9-6859-6C8A-9EA0-C57B8B705D13}"/>
+            </a:ext>
+          </a:extLst>
+        </p:cNvPr>
+        <p:cNvGrpSpPr/>
+        <p:nvPr/>
+      </p:nvGrpSpPr>
+      <p:grpSpPr>
+        <a:xfrm>
+          <a:off x="0" y="0"/>
+          <a:ext cx="0" cy="0"/>
+          <a:chOff x="0" y="0"/>
+          <a:chExt cx="0" cy="0"/>
+        </a:xfrm>
+      </p:grpSpPr>
+      <p:sp>
+        <p:nvSpPr>
+          <p:cNvPr id="129" name="Google Shape;129;p16">
+            <a:extLst>
+              <a:ext uri="{FF2B5EF4-FFF2-40B4-BE49-F238E27FC236}">
+                <a16:creationId xmlns:a16="http://schemas.microsoft.com/office/drawing/2014/main" id="{E5BD7C52-22FD-EE9E-E240-B08DB06A128A}"/>
+              </a:ext>
+            </a:extLst>
+          </p:cNvPr>
+          <p:cNvSpPr txBox="1">
+            <a:spLocks noGrp="1"/>
+          </p:cNvSpPr>
+          <p:nvPr>
+            <p:ph type="title"/>
+          </p:nvPr>
+        </p:nvSpPr>
+        <p:spPr>
+          <a:xfrm>
+            <a:off x="685800" y="307965"/>
+            <a:ext cx="16916400" cy="1509000"/>
+          </a:xfrm>
+          <a:prstGeom prst="rect">
+            <a:avLst/>
+          </a:prstGeom>
+        </p:spPr>
+        <p:txBody>
+          <a:bodyPr spcFirstLastPara="1" wrap="square" lIns="0" tIns="0" rIns="0" bIns="0" anchor="ctr" anchorCtr="0">
+            <a:noAutofit/>
+          </a:bodyPr>
+          <a:lstStyle/>
+          <a:p>
+            <a:pPr marL="0" lvl="0" indent="0" algn="l" rtl="0">
+              <a:spcBef>
+                <a:spcPts val="0"/>
+              </a:spcBef>
+              <a:spcAft>
+                <a:spcPts val="0"/>
+              </a:spcAft>
+              <a:buNone/>
+            </a:pPr>
+            <a:r>
+              <a:rPr lang="en" sz="6400" dirty="0"/>
+              <a:t>Data Description</a:t>
+            </a:r>
+            <a:endParaRPr sz="6400" dirty="0"/>
+          </a:p>
+        </p:txBody>
+      </p:sp>
+      <p:sp>
+        <p:nvSpPr>
+          <p:cNvPr id="130" name="Google Shape;130;p16">
+            <a:extLst>
+              <a:ext uri="{FF2B5EF4-FFF2-40B4-BE49-F238E27FC236}">
+                <a16:creationId xmlns:a16="http://schemas.microsoft.com/office/drawing/2014/main" id="{DE4CA07D-FB93-2FF0-D4B9-2FB3049E729D}"/>
+              </a:ext>
+            </a:extLst>
+          </p:cNvPr>
+          <p:cNvSpPr txBox="1">
+            <a:spLocks noGrp="1"/>
+          </p:cNvSpPr>
+          <p:nvPr>
+            <p:ph type="body" idx="1"/>
+          </p:nvPr>
+        </p:nvSpPr>
+        <p:spPr>
+          <a:xfrm>
+            <a:off x="685800" y="2171700"/>
+            <a:ext cx="16393800" cy="6629400"/>
+          </a:xfrm>
+          <a:prstGeom prst="rect">
+            <a:avLst/>
+          </a:prstGeom>
+        </p:spPr>
+        <p:txBody>
+          <a:bodyPr spcFirstLastPara="1" wrap="square" lIns="0" tIns="0" rIns="0" bIns="0" anchor="t" anchorCtr="0">
+            <a:noAutofit/>
+          </a:bodyPr>
+          <a:lstStyle/>
+          <a:p>
+            <a:pPr marL="0" indent="0" algn="ctr">
+              <a:buNone/>
+            </a:pPr>
+            <a:r>
+              <a:rPr lang="en-US" sz="2800" b="1" u="sng" dirty="0"/>
+              <a:t>Continuous Variables:</a:t>
+            </a:r>
+          </a:p>
+          <a:p>
+            <a:pPr marL="0" indent="0" algn="ctr">
+              <a:buNone/>
+            </a:pPr>
+            <a:r>
+              <a:rPr lang="en-US" sz="2800" dirty="0"/>
+              <a:t>Sleep Duration</a:t>
+            </a:r>
+            <a:br>
+              <a:rPr lang="en-US" sz="2800" dirty="0"/>
+            </a:br>
+            <a:br>
+              <a:rPr lang="en-US" sz="2800" dirty="0"/>
+            </a:br>
+            <a:r>
+              <a:rPr lang="en-US" sz="2800" b="1" u="sng" dirty="0"/>
+              <a:t>Integer Variables:</a:t>
+            </a:r>
+            <a:br>
+              <a:rPr lang="en-US" sz="2800" dirty="0"/>
+            </a:br>
+            <a:r>
+              <a:rPr lang="en-US" sz="2800" dirty="0"/>
+              <a:t>Person ID, Age, Physical Activity Level, Heart Rate, Daily Steps</a:t>
+            </a:r>
+            <a:br>
+              <a:rPr lang="en-US" sz="2800" dirty="0"/>
+            </a:br>
+            <a:br>
+              <a:rPr lang="en-US" sz="2800" dirty="0"/>
+            </a:br>
+            <a:r>
+              <a:rPr lang="en-US" sz="2800" b="1" u="sng" dirty="0"/>
+              <a:t>Ordinal Categorical Variables:</a:t>
+            </a:r>
+            <a:br>
+              <a:rPr lang="en-US" sz="2800" dirty="0"/>
+            </a:br>
+            <a:r>
+              <a:rPr lang="en-US" sz="2800" dirty="0"/>
+              <a:t>Quality of Sleep, Stress Level, BMI Category</a:t>
+            </a:r>
+            <a:br>
+              <a:rPr lang="en-US" sz="2800" dirty="0"/>
+            </a:br>
+            <a:br>
+              <a:rPr lang="en-US" sz="2800" dirty="0"/>
+            </a:br>
+            <a:r>
+              <a:rPr lang="en-US" sz="2800" b="1" u="sng" dirty="0"/>
+              <a:t>Nominal Categorical Variables:</a:t>
+            </a:r>
+            <a:br>
+              <a:rPr lang="en-US" sz="2800" dirty="0"/>
+            </a:br>
+            <a:r>
+              <a:rPr lang="en-US" sz="2800" dirty="0"/>
+              <a:t>Gender, Occupation, Sleep Disorder, Blood Pressure</a:t>
+            </a:r>
+          </a:p>
+          <a:p>
+            <a:pPr marL="914400" lvl="0" indent="-685800" algn="ctr" rtl="0">
+              <a:lnSpc>
+                <a:spcPct val="100000"/>
+              </a:lnSpc>
+              <a:spcBef>
+                <a:spcPts val="1400"/>
+              </a:spcBef>
+              <a:spcAft>
+                <a:spcPts val="0"/>
+              </a:spcAft>
+              <a:buClr>
+                <a:schemeClr val="dk1"/>
+              </a:buClr>
+              <a:buSzPts val="3600"/>
+              <a:buChar char="●"/>
+            </a:pPr>
+            <a:endParaRPr sz="2800" dirty="0">
+              <a:solidFill>
+                <a:srgbClr val="2D3D4A"/>
+              </a:solidFill>
+            </a:endParaRPr>
+          </a:p>
+          <a:p>
+            <a:pPr marL="228600" lvl="0" indent="0" algn="ctr" rtl="0">
+              <a:lnSpc>
+                <a:spcPct val="115000"/>
+              </a:lnSpc>
+              <a:spcBef>
+                <a:spcPts val="1400"/>
+              </a:spcBef>
+              <a:spcAft>
+                <a:spcPts val="2000"/>
+              </a:spcAft>
+              <a:buNone/>
+            </a:pPr>
+            <a:endParaRPr sz="2400" dirty="0">
+              <a:solidFill>
+                <a:srgbClr val="000000"/>
+              </a:solidFill>
+            </a:endParaRPr>
+          </a:p>
+        </p:txBody>
+      </p:sp>
+    </p:spTree>
+    <p:extLst>
+      <p:ext uri="{BB962C8B-B14F-4D97-AF65-F5344CB8AC3E}">
+        <p14:creationId xmlns:p14="http://schemas.microsoft.com/office/powerpoint/2010/main" val="2288545867"/>
+      </p:ext>
+    </p:extLst>
+  </p:cSld>
+  <p:clrMapOvr>
+    <a:masterClrMapping/>
+  </p:clrMapOvr>
+</p:sld>
+</file>
+
+<file path=ppt/slides/slide5.xml><?xml version="1.0" encoding="utf-8"?>
 <p:sld xmlns:a="http://schemas.openxmlformats.org/drawingml/2006/main" xmlns:r="http://schemas.openxmlformats.org/officeDocument/2006/relationships" xmlns:p="http://schemas.openxmlformats.org/presentationml/2006/main">
   <p:cSld>
     <p:spTree>
@@ -11307,10 +11635,10 @@
               <a:buNone/>
             </a:pPr>
             <a:r>
-              <a:rPr lang="en" sz="6400"/>
+              <a:rPr lang="en" sz="6400" dirty="0"/>
               <a:t>Typical Amount (Minutes) of Physical Activity</a:t>
             </a:r>
-            <a:endParaRPr sz="6400"/>
+            <a:endParaRPr sz="6400" dirty="0"/>
           </a:p>
         </p:txBody>
       </p:sp>
@@ -11326,8 +11654,8 @@
         </p:nvSpPr>
         <p:spPr>
           <a:xfrm>
-            <a:off x="685850" y="1828800"/>
-            <a:ext cx="16393800" cy="6629400"/>
+            <a:off x="3114674" y="1828799"/>
+            <a:ext cx="13964975" cy="7286625"/>
           </a:xfrm>
           <a:prstGeom prst="rect">
             <a:avLst/>
@@ -11339,27 +11667,101 @@
           </a:bodyPr>
           <a:lstStyle/>
           <a:p>
-            <a:pPr marL="0" lvl="0" indent="0" algn="l" rtl="0">
+            <a:pPr marL="914400" lvl="0" indent="-685800" algn="l" rtl="0">
               <a:lnSpc>
                 <a:spcPct val="100000"/>
               </a:lnSpc>
               <a:spcBef>
-                <a:spcPts val="0"/>
-              </a:spcBef>
-              <a:spcAft>
-                <a:spcPts val="0"/>
-              </a:spcAft>
-              <a:buNone/>
+                <a:spcPts val="1400"/>
+              </a:spcBef>
+              <a:spcAft>
+                <a:spcPts val="0"/>
+              </a:spcAft>
+              <a:buClr>
+                <a:schemeClr val="dk1"/>
+              </a:buClr>
+              <a:buSzPts val="3600"/>
+              <a:buChar char="●"/>
             </a:pPr>
             <a:r>
-              <a:rPr lang="en">
-                <a:solidFill>
-                  <a:schemeClr val="accent1"/>
+              <a:rPr lang="en-US" sz="2800" dirty="0">
+                <a:solidFill>
+                  <a:srgbClr val="2D3D4A"/>
                 </a:solidFill>
               </a:rPr>
-              <a:t>[TODO]</a:t>
+              <a:t>Mean: 59.17</a:t>
             </a:r>
-            <a:endParaRPr sz="3000">
+          </a:p>
+          <a:p>
+            <a:pPr marL="914400" lvl="0" indent="-685800" algn="l" rtl="0">
+              <a:lnSpc>
+                <a:spcPct val="100000"/>
+              </a:lnSpc>
+              <a:spcBef>
+                <a:spcPts val="1400"/>
+              </a:spcBef>
+              <a:spcAft>
+                <a:spcPts val="0"/>
+              </a:spcAft>
+              <a:buClr>
+                <a:schemeClr val="dk1"/>
+              </a:buClr>
+              <a:buSzPts val="3600"/>
+              <a:buChar char="●"/>
+            </a:pPr>
+            <a:r>
+              <a:rPr lang="en-US" sz="2800" dirty="0">
+                <a:solidFill>
+                  <a:srgbClr val="2D3D4A"/>
+                </a:solidFill>
+              </a:rPr>
+              <a:t>Median: 60.0</a:t>
+            </a:r>
+          </a:p>
+          <a:p>
+            <a:pPr marL="914400" lvl="0" indent="-685800" algn="l" rtl="0">
+              <a:lnSpc>
+                <a:spcPct val="100000"/>
+              </a:lnSpc>
+              <a:spcBef>
+                <a:spcPts val="1400"/>
+              </a:spcBef>
+              <a:spcAft>
+                <a:spcPts val="0"/>
+              </a:spcAft>
+              <a:buClr>
+                <a:schemeClr val="dk1"/>
+              </a:buClr>
+              <a:buSzPts val="3600"/>
+              <a:buChar char="●"/>
+            </a:pPr>
+            <a:r>
+              <a:rPr lang="en-US" sz="2800" dirty="0">
+                <a:solidFill>
+                  <a:srgbClr val="2D3D4A"/>
+                </a:solidFill>
+              </a:rPr>
+              <a:t>Mode: 60</a:t>
+            </a:r>
+          </a:p>
+          <a:p>
+            <a:pPr marL="914400" lvl="0" indent="-685800" algn="l" rtl="0">
+              <a:lnSpc>
+                <a:spcPct val="100000"/>
+              </a:lnSpc>
+              <a:spcBef>
+                <a:spcPts val="1400"/>
+              </a:spcBef>
+              <a:spcAft>
+                <a:spcPts val="0"/>
+              </a:spcAft>
+              <a:buClr>
+                <a:schemeClr val="dk1"/>
+              </a:buClr>
+              <a:buSzPts val="3600"/>
+              <a:buChar char="●"/>
+            </a:pPr>
+            <a:endParaRPr lang="en-US" dirty="0">
               <a:solidFill>
                 <a:srgbClr val="2D3D4A"/>
               </a:solidFill>
@@ -11382,7 +11784,102 @@
               <a:buSzPts val="3600"/>
               <a:buChar char="●"/>
             </a:pPr>
-            <a:endParaRPr>
+            <a:endParaRPr lang="en-US" dirty="0">
+              <a:solidFill>
+                <a:srgbClr val="2D3D4A"/>
+              </a:solidFill>
+            </a:endParaRPr>
+          </a:p>
+          <a:p>
+            <a:pPr marL="914400" lvl="0" indent="-685800" algn="l" rtl="0">
+              <a:lnSpc>
+                <a:spcPct val="100000"/>
+              </a:lnSpc>
+              <a:spcBef>
+                <a:spcPts val="1400"/>
+              </a:spcBef>
+              <a:spcAft>
+                <a:spcPts val="0"/>
+              </a:spcAft>
+              <a:buClr>
+                <a:schemeClr val="dk1"/>
+              </a:buClr>
+              <a:buSzPts val="3600"/>
+              <a:buChar char="●"/>
+            </a:pPr>
+            <a:endParaRPr lang="en-US" dirty="0">
+              <a:solidFill>
+                <a:srgbClr val="2D3D4A"/>
+              </a:solidFill>
+            </a:endParaRPr>
+          </a:p>
+          <a:p>
+            <a:pPr marL="914400" lvl="0" indent="-685800" algn="l" rtl="0">
+              <a:lnSpc>
+                <a:spcPct val="100000"/>
+              </a:lnSpc>
+              <a:spcBef>
+                <a:spcPts val="1400"/>
+              </a:spcBef>
+              <a:spcAft>
+                <a:spcPts val="0"/>
+              </a:spcAft>
+              <a:buClr>
+                <a:schemeClr val="dk1"/>
+              </a:buClr>
+              <a:buSzPts val="3600"/>
+              <a:buChar char="●"/>
+            </a:pPr>
+            <a:endParaRPr lang="en-US" dirty="0">
+              <a:solidFill>
+                <a:srgbClr val="2D3D4A"/>
+              </a:solidFill>
+            </a:endParaRPr>
+          </a:p>
+          <a:p>
+            <a:pPr marL="914400" lvl="0" indent="-685800">
+              <a:lnSpc>
+                <a:spcPct val="100000"/>
+              </a:lnSpc>
+              <a:spcBef>
+                <a:spcPts val="1400"/>
+              </a:spcBef>
+              <a:buClr>
+                <a:schemeClr val="dk1"/>
+              </a:buClr>
+            </a:pPr>
+            <a:r>
+              <a:rPr lang="en-US" sz="2400" b="1" dirty="0"/>
+              <a:t>What do the relationships between these values suggest about the skewness of the distribution associated with physical activity?</a:t>
+            </a:r>
+            <a:endParaRPr lang="en-US" sz="2400" b="1" dirty="0">
+              <a:solidFill>
+                <a:srgbClr val="2D3D4A"/>
+              </a:solidFill>
+            </a:endParaRPr>
+          </a:p>
+          <a:p>
+            <a:pPr marL="228600" lvl="0" indent="0">
+              <a:lnSpc>
+                <a:spcPct val="100000"/>
+              </a:lnSpc>
+              <a:spcBef>
+                <a:spcPts val="1400"/>
+              </a:spcBef>
+              <a:buClr>
+                <a:schemeClr val="dk1"/>
+              </a:buClr>
+              <a:buNone/>
+            </a:pPr>
+            <a:r>
+              <a:rPr lang="en-US" sz="2400" dirty="0">
+                <a:solidFill>
+                  <a:srgbClr val="2D3D4A"/>
+                </a:solidFill>
+              </a:rPr>
+              <a:t>The mean, median and mode can be considered as equal, at ~60. This suggests that the data has a normal distribution. </a:t>
+            </a:r>
+            <a:endParaRPr sz="2400" dirty="0">
               <a:solidFill>
                 <a:srgbClr val="2D3D4A"/>
               </a:solidFill>
@@ -11401,7 +11898,7 @@
               </a:spcAft>
               <a:buNone/>
             </a:pPr>
-            <a:endParaRPr sz="3000">
+            <a:endParaRPr sz="3000" dirty="0">
               <a:solidFill>
                 <a:srgbClr val="000000"/>
               </a:solidFill>
@@ -11409,6 +11906,36 @@
           </a:p>
         </p:txBody>
       </p:sp>
+      <p:pic>
+        <p:nvPicPr>
+          <p:cNvPr id="3" name="Picture 2">
+            <a:extLst>
+              <a:ext uri="{FF2B5EF4-FFF2-40B4-BE49-F238E27FC236}">
+                <a16:creationId xmlns:a16="http://schemas.microsoft.com/office/drawing/2014/main" id="{CFFE9EB2-4185-1EFB-4690-3C3472AD2DAE}"/>
+              </a:ext>
+            </a:extLst>
+          </p:cNvPr>
+          <p:cNvPicPr>
+            <a:picLocks noChangeAspect="1"/>
+          </p:cNvPicPr>
+          <p:nvPr/>
+        </p:nvPicPr>
+        <p:blipFill>
+          <a:blip r:embed="rId3"/>
+          <a:stretch>
+            <a:fillRect/>
+          </a:stretch>
+        </p:blipFill>
+        <p:spPr>
+          <a:xfrm>
+            <a:off x="8486776" y="1816965"/>
+            <a:ext cx="6411220" cy="4648849"/>
+          </a:xfrm>
+          <a:prstGeom prst="rect">
+            <a:avLst/>
+          </a:prstGeom>
+        </p:spPr>
+      </p:pic>
     </p:spTree>
   </p:cSld>
   <p:clrMapOvr>
@@ -11417,7 +11944,7 @@
 </p:sld>
 </file>
 
-<file path=ppt/slides/slide5.xml><?xml version="1.0" encoding="utf-8"?>
+<file path=ppt/slides/slide6.xml><?xml version="1.0" encoding="utf-8"?>
 <p:sld xmlns:a="http://schemas.openxmlformats.org/drawingml/2006/main" xmlns:r="http://schemas.openxmlformats.org/officeDocument/2006/relationships" xmlns:p="http://schemas.openxmlformats.org/presentationml/2006/main">
   <p:cSld>
     <p:spTree>
@@ -11469,10 +11996,10 @@
               <a:buNone/>
             </a:pPr>
             <a:r>
-              <a:rPr lang="en" sz="6400"/>
+              <a:rPr lang="en" sz="6400" dirty="0"/>
               <a:t>Analysis of Daily Steps Taken</a:t>
             </a:r>
-            <a:endParaRPr sz="6400"/>
+            <a:endParaRPr sz="6400" dirty="0"/>
           </a:p>
         </p:txBody>
       </p:sp>
@@ -11488,8 +12015,8 @@
         </p:nvSpPr>
         <p:spPr>
           <a:xfrm>
-            <a:off x="685850" y="1828800"/>
-            <a:ext cx="16393800" cy="6629400"/>
+            <a:off x="685850" y="1828799"/>
+            <a:ext cx="16393800" cy="7343775"/>
           </a:xfrm>
           <a:prstGeom prst="rect">
             <a:avLst/>
@@ -11501,31 +12028,46 @@
           </a:bodyPr>
           <a:lstStyle/>
           <a:p>
-            <a:pPr marL="0" lvl="0" indent="0" algn="l" rtl="0">
+            <a:pPr marL="914400" lvl="0" indent="-685800">
               <a:lnSpc>
                 <a:spcPct val="100000"/>
               </a:lnSpc>
               <a:spcBef>
-                <a:spcPts val="0"/>
-              </a:spcBef>
-              <a:spcAft>
-                <a:spcPts val="0"/>
-              </a:spcAft>
-              <a:buNone/>
+                <a:spcPts val="1400"/>
+              </a:spcBef>
+              <a:buClr>
+                <a:schemeClr val="dk1"/>
+              </a:buClr>
             </a:pPr>
             <a:r>
-              <a:rPr lang="en">
-                <a:solidFill>
-                  <a:schemeClr val="accent1"/>
+              <a:rPr lang="en-US" dirty="0">
+                <a:solidFill>
+                  <a:srgbClr val="2D3D4A"/>
                 </a:solidFill>
               </a:rPr>
-              <a:t>[TODO]</a:t>
+              <a:t>Variance: 2,617,651.14</a:t>
             </a:r>
-            <a:endParaRPr sz="3000">
-              <a:solidFill>
-                <a:srgbClr val="2D3D4A"/>
-              </a:solidFill>
-            </a:endParaRPr>
+          </a:p>
+          <a:p>
+            <a:pPr marL="914400" lvl="0" indent="-685800">
+              <a:lnSpc>
+                <a:spcPct val="100000"/>
+              </a:lnSpc>
+              <a:spcBef>
+                <a:spcPts val="1400"/>
+              </a:spcBef>
+              <a:buClr>
+                <a:schemeClr val="dk1"/>
+              </a:buClr>
+            </a:pPr>
+            <a:r>
+              <a:rPr lang="en-US" dirty="0">
+                <a:solidFill>
+                  <a:srgbClr val="2D3D4A"/>
+                </a:solidFill>
+              </a:rPr>
+              <a:t>Standard Deviation: 1,617.92</a:t>
+            </a:r>
           </a:p>
           <a:p>
             <a:pPr marL="914400" lvl="0" indent="-685800" algn="l" rtl="0">
@@ -11544,33 +12086,198 @@
               <a:buSzPts val="3600"/>
               <a:buChar char="●"/>
             </a:pPr>
-            <a:endParaRPr>
-              <a:solidFill>
-                <a:srgbClr val="2D3D4A"/>
-              </a:solidFill>
-            </a:endParaRPr>
+            <a:r>
+              <a:rPr lang="en-US" dirty="0">
+                <a:solidFill>
+                  <a:srgbClr val="2D3D4A"/>
+                </a:solidFill>
+              </a:rPr>
+              <a:t>Maximum: 10,000</a:t>
+            </a:r>
           </a:p>
           <a:p>
-            <a:pPr marL="228600" lvl="0" indent="0" algn="l" rtl="0">
+            <a:pPr marL="914400" lvl="0" indent="-685800" algn="l" rtl="0">
               <a:lnSpc>
-                <a:spcPct val="115000"/>
+                <a:spcPct val="100000"/>
               </a:lnSpc>
               <a:spcBef>
                 <a:spcPts val="1400"/>
               </a:spcBef>
               <a:spcAft>
-                <a:spcPts val="2000"/>
-              </a:spcAft>
-              <a:buNone/>
+                <a:spcPts val="0"/>
+              </a:spcAft>
+              <a:buClr>
+                <a:schemeClr val="dk1"/>
+              </a:buClr>
+              <a:buSzPts val="3600"/>
+              <a:buChar char="●"/>
             </a:pPr>
-            <a:endParaRPr sz="3000">
-              <a:solidFill>
-                <a:srgbClr val="000000"/>
-              </a:solidFill>
-            </a:endParaRPr>
+            <a:r>
+              <a:rPr lang="en-US" dirty="0">
+                <a:solidFill>
+                  <a:srgbClr val="2D3D4A"/>
+                </a:solidFill>
+              </a:rPr>
+              <a:t>Minimum: 3,000</a:t>
+            </a:r>
+          </a:p>
+          <a:p>
+            <a:pPr marL="914400" lvl="0" indent="-685800" algn="l" rtl="0">
+              <a:lnSpc>
+                <a:spcPct val="100000"/>
+              </a:lnSpc>
+              <a:spcBef>
+                <a:spcPts val="1400"/>
+              </a:spcBef>
+              <a:spcAft>
+                <a:spcPts val="0"/>
+              </a:spcAft>
+              <a:buClr>
+                <a:schemeClr val="dk1"/>
+              </a:buClr>
+              <a:buSzPts val="3600"/>
+              <a:buChar char="●"/>
+            </a:pPr>
+            <a:r>
+              <a:rPr lang="en-US" dirty="0">
+                <a:solidFill>
+                  <a:srgbClr val="2D3D4A"/>
+                </a:solidFill>
+              </a:rPr>
+              <a:t>Range: 7,000</a:t>
+            </a:r>
+          </a:p>
+          <a:p>
+            <a:pPr marL="914400" lvl="0" indent="-685800" algn="l" rtl="0">
+              <a:lnSpc>
+                <a:spcPct val="100000"/>
+              </a:lnSpc>
+              <a:spcBef>
+                <a:spcPts val="1400"/>
+              </a:spcBef>
+              <a:spcAft>
+                <a:spcPts val="0"/>
+              </a:spcAft>
+              <a:buClr>
+                <a:schemeClr val="dk1"/>
+              </a:buClr>
+              <a:buSzPts val="3600"/>
+              <a:buChar char="●"/>
+            </a:pPr>
+            <a:r>
+              <a:rPr lang="en-US" dirty="0">
+                <a:solidFill>
+                  <a:srgbClr val="2D3D4A"/>
+                </a:solidFill>
+              </a:rPr>
+              <a:t>Q1: 5,600</a:t>
+            </a:r>
+          </a:p>
+          <a:p>
+            <a:pPr marL="914400" lvl="0" indent="-685800" algn="l" rtl="0">
+              <a:lnSpc>
+                <a:spcPct val="100000"/>
+              </a:lnSpc>
+              <a:spcBef>
+                <a:spcPts val="1400"/>
+              </a:spcBef>
+              <a:spcAft>
+                <a:spcPts val="0"/>
+              </a:spcAft>
+              <a:buClr>
+                <a:schemeClr val="dk1"/>
+              </a:buClr>
+              <a:buSzPts val="3600"/>
+              <a:buChar char="●"/>
+            </a:pPr>
+            <a:r>
+              <a:rPr lang="en-US" dirty="0">
+                <a:solidFill>
+                  <a:srgbClr val="2D3D4A"/>
+                </a:solidFill>
+              </a:rPr>
+              <a:t>Q3: 8,000</a:t>
+            </a:r>
+          </a:p>
+          <a:p>
+            <a:pPr marL="914400" lvl="0" indent="-685800" algn="l" rtl="0">
+              <a:lnSpc>
+                <a:spcPct val="100000"/>
+              </a:lnSpc>
+              <a:spcBef>
+                <a:spcPts val="1400"/>
+              </a:spcBef>
+              <a:spcAft>
+                <a:spcPts val="0"/>
+              </a:spcAft>
+              <a:buClr>
+                <a:schemeClr val="dk1"/>
+              </a:buClr>
+              <a:buSzPts val="3600"/>
+              <a:buChar char="●"/>
+            </a:pPr>
+            <a:r>
+              <a:rPr lang="en-US" dirty="0">
+                <a:solidFill>
+                  <a:srgbClr val="2D3D4A"/>
+                </a:solidFill>
+              </a:rPr>
+              <a:t>IQR: 2,400</a:t>
+            </a:r>
+          </a:p>
+          <a:p>
+            <a:pPr marL="914400" indent="-685800">
+              <a:lnSpc>
+                <a:spcPct val="100000"/>
+              </a:lnSpc>
+              <a:spcBef>
+                <a:spcPts val="1400"/>
+              </a:spcBef>
+              <a:buClr>
+                <a:schemeClr val="dk1"/>
+              </a:buClr>
+            </a:pPr>
+            <a:r>
+              <a:rPr lang="en-US" dirty="0">
+                <a:solidFill>
+                  <a:srgbClr val="2D3D4A"/>
+                </a:solidFill>
+              </a:rPr>
+              <a:t>Skew: 0.18</a:t>
+            </a:r>
           </a:p>
         </p:txBody>
       </p:sp>
+      <p:pic>
+        <p:nvPicPr>
+          <p:cNvPr id="5" name="Picture 4">
+            <a:extLst>
+              <a:ext uri="{FF2B5EF4-FFF2-40B4-BE49-F238E27FC236}">
+                <a16:creationId xmlns:a16="http://schemas.microsoft.com/office/drawing/2014/main" id="{80690033-5AF2-170E-2A49-2CBB5FB95521}"/>
+              </a:ext>
+            </a:extLst>
+          </p:cNvPr>
+          <p:cNvPicPr>
+            <a:picLocks noChangeAspect="1"/>
+          </p:cNvPicPr>
+          <p:nvPr/>
+        </p:nvPicPr>
+        <p:blipFill>
+          <a:blip r:embed="rId3"/>
+          <a:stretch>
+            <a:fillRect/>
+          </a:stretch>
+        </p:blipFill>
+        <p:spPr>
+          <a:xfrm>
+            <a:off x="8315273" y="1893093"/>
+            <a:ext cx="9286877" cy="6500814"/>
+          </a:xfrm>
+          <a:prstGeom prst="rect">
+            <a:avLst/>
+          </a:prstGeom>
+        </p:spPr>
+      </p:pic>
     </p:spTree>
   </p:cSld>
   <p:clrMapOvr>
@@ -11579,7 +12286,7 @@
 </p:sld>
 </file>
 
-<file path=ppt/slides/slide6.xml><?xml version="1.0" encoding="utf-8"?>
+<file path=ppt/slides/slide7.xml><?xml version="1.0" encoding="utf-8"?>
 <p:sld xmlns:a="http://schemas.openxmlformats.org/drawingml/2006/main" xmlns:r="http://schemas.openxmlformats.org/officeDocument/2006/relationships" xmlns:p="http://schemas.openxmlformats.org/presentationml/2006/main">
   <p:cSld>
     <p:spTree>
@@ -11650,8 +12357,8 @@
         </p:nvSpPr>
         <p:spPr>
           <a:xfrm>
-            <a:off x="685850" y="1828800"/>
-            <a:ext cx="16393800" cy="6629400"/>
+            <a:off x="302099" y="6551262"/>
+            <a:ext cx="17683801" cy="6855545"/>
           </a:xfrm>
           <a:prstGeom prst="rect">
             <a:avLst/>
@@ -11663,52 +12370,40 @@
           </a:bodyPr>
           <a:lstStyle/>
           <a:p>
-            <a:pPr marL="0" lvl="0" indent="0" algn="l" rtl="0">
+            <a:pPr marL="228600" lvl="0" indent="0">
               <a:lnSpc>
                 <a:spcPct val="100000"/>
               </a:lnSpc>
               <a:spcBef>
-                <a:spcPts val="0"/>
-              </a:spcBef>
-              <a:spcAft>
-                <a:spcPts val="0"/>
-              </a:spcAft>
+                <a:spcPts val="1400"/>
+              </a:spcBef>
+              <a:buClr>
+                <a:schemeClr val="dk1"/>
+              </a:buClr>
               <a:buNone/>
             </a:pPr>
-            <a:r>
-              <a:rPr lang="en">
-                <a:solidFill>
-                  <a:schemeClr val="accent1"/>
-                </a:solidFill>
-              </a:rPr>
-              <a:t>[TODO]</a:t>
-            </a:r>
-            <a:endParaRPr sz="3000">
-              <a:solidFill>
-                <a:srgbClr val="2D3D4A"/>
-              </a:solidFill>
-            </a:endParaRPr>
+            <a:endParaRPr lang="en-US" b="1" dirty="0"/>
           </a:p>
           <a:p>
-            <a:pPr marL="914400" lvl="0" indent="-685800" algn="l" rtl="0">
+            <a:pPr marL="228600" lvl="0" indent="0">
               <a:lnSpc>
                 <a:spcPct val="100000"/>
               </a:lnSpc>
               <a:spcBef>
                 <a:spcPts val="1400"/>
               </a:spcBef>
-              <a:spcAft>
-                <a:spcPts val="0"/>
-              </a:spcAft>
               <a:buClr>
                 <a:schemeClr val="dk1"/>
               </a:buClr>
-              <a:buSzPts val="3600"/>
-              <a:buChar char="●"/>
+              <a:buNone/>
             </a:pPr>
-            <a:endParaRPr>
+            <a:r>
+              <a:rPr lang="en-US" b="1" dirty="0"/>
+              <a:t>What is the shape of the distribution? Are there any outliers?</a:t>
+            </a:r>
+            <a:endParaRPr lang="en-US" sz="3000" dirty="0">
               <a:solidFill>
-                <a:srgbClr val="2D3D4A"/>
+                <a:srgbClr val="000000"/>
               </a:solidFill>
             </a:endParaRPr>
           </a:p>
@@ -11725,7 +12420,15 @@
               </a:spcAft>
               <a:buNone/>
             </a:pPr>
-            <a:endParaRPr sz="3000">
+            <a:r>
+              <a:rPr lang="en-US" sz="3000" dirty="0">
+                <a:solidFill>
+                  <a:srgbClr val="000000"/>
+                </a:solidFill>
+              </a:rPr>
+              <a:t>Shape is right-skewed. There are several outliers. </a:t>
+            </a:r>
+            <a:endParaRPr sz="3000" dirty="0">
               <a:solidFill>
                 <a:srgbClr val="000000"/>
               </a:solidFill>
@@ -11733,6 +12436,36 @@
           </a:p>
         </p:txBody>
       </p:sp>
+      <p:pic>
+        <p:nvPicPr>
+          <p:cNvPr id="7" name="Picture 6">
+            <a:extLst>
+              <a:ext uri="{FF2B5EF4-FFF2-40B4-BE49-F238E27FC236}">
+                <a16:creationId xmlns:a16="http://schemas.microsoft.com/office/drawing/2014/main" id="{8F881F83-7D8A-0638-BD1B-C8F4F326976E}"/>
+              </a:ext>
+            </a:extLst>
+          </p:cNvPr>
+          <p:cNvPicPr>
+            <a:picLocks noChangeAspect="1"/>
+          </p:cNvPicPr>
+          <p:nvPr/>
+        </p:nvPicPr>
+        <p:blipFill>
+          <a:blip r:embed="rId3"/>
+          <a:stretch>
+            <a:fillRect/>
+          </a:stretch>
+        </p:blipFill>
+        <p:spPr>
+          <a:xfrm>
+            <a:off x="1514474" y="1916978"/>
+            <a:ext cx="14731285" cy="5141048"/>
+          </a:xfrm>
+          <a:prstGeom prst="rect">
+            <a:avLst/>
+          </a:prstGeom>
+        </p:spPr>
+      </p:pic>
     </p:spTree>
   </p:cSld>
   <p:clrMapOvr>
